--- a/docs/Approach_and_analysis.pptx
+++ b/docs/Approach_and_analysis.pptx
@@ -1,43 +1,28 @@
 
 <file path=ppt/presentation.xml><?xml version="1.0" encoding="utf-8"?>
-<p:presentation xmlns:a="http://schemas.openxmlformats.org/drawingml/2006/main" xmlns:r="http://schemas.openxmlformats.org/officeDocument/2006/relationships" xmlns:mc="http://schemas.openxmlformats.org/markup-compatibility/2006" xmlns:mv="urn:schemas-microsoft-com:mac:vml" xmlns:p="http://schemas.openxmlformats.org/presentationml/2006/main" xmlns:c="http://schemas.openxmlformats.org/drawingml/2006/chart" xmlns:dgm="http://schemas.openxmlformats.org/drawingml/2006/diagram" xmlns:o="urn:schemas-microsoft-com:office:office" xmlns:v="urn:schemas-microsoft-com:vml" xmlns:pvml="urn:schemas-microsoft-com:office:powerpoint" xmlns:com="http://schemas.openxmlformats.org/drawingml/2006/compatibility" xmlns:p14="http://schemas.microsoft.com/office/powerpoint/2010/main" xmlns:p15="http://schemas.microsoft.com/office/powerpoint/2012/main" xmlns:ahyp="http://schemas.microsoft.com/office/drawing/2018/hyperlinkcolor" autoCompressPictures="0" embedTrueTypeFonts="1" strictFirstAndLastChars="0" saveSubsetFonts="1">
+<p:presentation xmlns:a="http://schemas.openxmlformats.org/drawingml/2006/main" xmlns:r="http://schemas.openxmlformats.org/officeDocument/2006/relationships" xmlns:p="http://schemas.openxmlformats.org/presentationml/2006/main" strictFirstAndLastChars="0" embedTrueTypeFonts="1" saveSubsetFonts="1" autoCompressPictures="0">
   <p:sldMasterIdLst>
-    <p:sldMasterId id="2147483659" r:id="rId4"/>
+    <p:sldMasterId id="2147483659" r:id="rId1"/>
   </p:sldMasterIdLst>
   <p:notesMasterIdLst>
-    <p:notesMasterId r:id="rId5"/>
+    <p:notesMasterId r:id="rId12"/>
   </p:notesMasterIdLst>
   <p:sldIdLst>
-    <p:sldId id="256" r:id="rId6"/>
-    <p:sldId id="257" r:id="rId7"/>
-    <p:sldId id="258" r:id="rId8"/>
-    <p:sldId id="259" r:id="rId9"/>
-    <p:sldId id="260" r:id="rId10"/>
-    <p:sldId id="261" r:id="rId11"/>
-    <p:sldId id="262" r:id="rId12"/>
-    <p:sldId id="263" r:id="rId13"/>
-    <p:sldId id="264" r:id="rId14"/>
+    <p:sldId id="256" r:id="rId2"/>
+    <p:sldId id="265" r:id="rId3"/>
+    <p:sldId id="266" r:id="rId4"/>
+    <p:sldId id="268" r:id="rId5"/>
+    <p:sldId id="269" r:id="rId6"/>
+    <p:sldId id="270" r:id="rId7"/>
+    <p:sldId id="271" r:id="rId8"/>
+    <p:sldId id="272" r:id="rId9"/>
+    <p:sldId id="273" r:id="rId10"/>
+    <p:sldId id="267" r:id="rId11"/>
   </p:sldIdLst>
-  <p:sldSz cy="5143500" cx="9144000"/>
+  <p:sldSz cx="9144000" cy="5143500" type="screen16x9"/>
   <p:notesSz cx="6858000" cy="9144000"/>
-  <p:embeddedFontLst>
-    <p:embeddedFont>
-      <p:font typeface="Roboto"/>
-      <p:regular r:id="rId15"/>
-      <p:bold r:id="rId16"/>
-      <p:italic r:id="rId17"/>
-      <p:boldItalic r:id="rId18"/>
-    </p:embeddedFont>
-    <p:embeddedFont>
-      <p:font typeface="Overpass"/>
-      <p:regular r:id="rId19"/>
-      <p:bold r:id="rId20"/>
-      <p:italic r:id="rId21"/>
-      <p:boldItalic r:id="rId22"/>
-    </p:embeddedFont>
-  </p:embeddedFontLst>
   <p:defaultTextStyle>
-    <a:defPPr lvl="0" marR="0" rtl="0" algn="l">
+    <a:defPPr marR="0" lvl="0" algn="l" rtl="0">
       <a:lnSpc>
         <a:spcPct val="100000"/>
       </a:lnSpc>
@@ -48,7 +33,7 @@
         <a:spcPts val="0"/>
       </a:spcAft>
     </a:defPPr>
-    <a:lvl1pPr lvl="0" marR="0" rtl="0" algn="l">
+    <a:lvl1pPr marR="0" lvl="0" algn="l" rtl="0">
       <a:lnSpc>
         <a:spcPct val="100000"/>
       </a:lnSpc>
@@ -62,7 +47,7 @@
         <a:srgbClr val="000000"/>
       </a:buClr>
       <a:buFont typeface="Arial"/>
-      <a:defRPr b="0" i="0" sz="1400" u="none" cap="none" strike="noStrike">
+      <a:defRPr sz="1400" b="0" i="0" u="none" strike="noStrike" cap="none">
         <a:solidFill>
           <a:srgbClr val="000000"/>
         </a:solidFill>
@@ -72,7 +57,7 @@
         <a:sym typeface="Arial"/>
       </a:defRPr>
     </a:lvl1pPr>
-    <a:lvl2pPr lvl="1" marR="0" rtl="0" algn="l">
+    <a:lvl2pPr marR="0" lvl="1" algn="l" rtl="0">
       <a:lnSpc>
         <a:spcPct val="100000"/>
       </a:lnSpc>
@@ -86,7 +71,7 @@
         <a:srgbClr val="000000"/>
       </a:buClr>
       <a:buFont typeface="Arial"/>
-      <a:defRPr b="0" i="0" sz="1400" u="none" cap="none" strike="noStrike">
+      <a:defRPr sz="1400" b="0" i="0" u="none" strike="noStrike" cap="none">
         <a:solidFill>
           <a:srgbClr val="000000"/>
         </a:solidFill>
@@ -96,7 +81,7 @@
         <a:sym typeface="Arial"/>
       </a:defRPr>
     </a:lvl2pPr>
-    <a:lvl3pPr lvl="2" marR="0" rtl="0" algn="l">
+    <a:lvl3pPr marR="0" lvl="2" algn="l" rtl="0">
       <a:lnSpc>
         <a:spcPct val="100000"/>
       </a:lnSpc>
@@ -110,7 +95,7 @@
         <a:srgbClr val="000000"/>
       </a:buClr>
       <a:buFont typeface="Arial"/>
-      <a:defRPr b="0" i="0" sz="1400" u="none" cap="none" strike="noStrike">
+      <a:defRPr sz="1400" b="0" i="0" u="none" strike="noStrike" cap="none">
         <a:solidFill>
           <a:srgbClr val="000000"/>
         </a:solidFill>
@@ -120,7 +105,7 @@
         <a:sym typeface="Arial"/>
       </a:defRPr>
     </a:lvl3pPr>
-    <a:lvl4pPr lvl="3" marR="0" rtl="0" algn="l">
+    <a:lvl4pPr marR="0" lvl="3" algn="l" rtl="0">
       <a:lnSpc>
         <a:spcPct val="100000"/>
       </a:lnSpc>
@@ -134,7 +119,7 @@
         <a:srgbClr val="000000"/>
       </a:buClr>
       <a:buFont typeface="Arial"/>
-      <a:defRPr b="0" i="0" sz="1400" u="none" cap="none" strike="noStrike">
+      <a:defRPr sz="1400" b="0" i="0" u="none" strike="noStrike" cap="none">
         <a:solidFill>
           <a:srgbClr val="000000"/>
         </a:solidFill>
@@ -144,7 +129,7 @@
         <a:sym typeface="Arial"/>
       </a:defRPr>
     </a:lvl4pPr>
-    <a:lvl5pPr lvl="4" marR="0" rtl="0" algn="l">
+    <a:lvl5pPr marR="0" lvl="4" algn="l" rtl="0">
       <a:lnSpc>
         <a:spcPct val="100000"/>
       </a:lnSpc>
@@ -158,7 +143,7 @@
         <a:srgbClr val="000000"/>
       </a:buClr>
       <a:buFont typeface="Arial"/>
-      <a:defRPr b="0" i="0" sz="1400" u="none" cap="none" strike="noStrike">
+      <a:defRPr sz="1400" b="0" i="0" u="none" strike="noStrike" cap="none">
         <a:solidFill>
           <a:srgbClr val="000000"/>
         </a:solidFill>
@@ -168,7 +153,7 @@
         <a:sym typeface="Arial"/>
       </a:defRPr>
     </a:lvl5pPr>
-    <a:lvl6pPr lvl="5" marR="0" rtl="0" algn="l">
+    <a:lvl6pPr marR="0" lvl="5" algn="l" rtl="0">
       <a:lnSpc>
         <a:spcPct val="100000"/>
       </a:lnSpc>
@@ -182,7 +167,7 @@
         <a:srgbClr val="000000"/>
       </a:buClr>
       <a:buFont typeface="Arial"/>
-      <a:defRPr b="0" i="0" sz="1400" u="none" cap="none" strike="noStrike">
+      <a:defRPr sz="1400" b="0" i="0" u="none" strike="noStrike" cap="none">
         <a:solidFill>
           <a:srgbClr val="000000"/>
         </a:solidFill>
@@ -192,7 +177,7 @@
         <a:sym typeface="Arial"/>
       </a:defRPr>
     </a:lvl6pPr>
-    <a:lvl7pPr lvl="6" marR="0" rtl="0" algn="l">
+    <a:lvl7pPr marR="0" lvl="6" algn="l" rtl="0">
       <a:lnSpc>
         <a:spcPct val="100000"/>
       </a:lnSpc>
@@ -206,7 +191,7 @@
         <a:srgbClr val="000000"/>
       </a:buClr>
       <a:buFont typeface="Arial"/>
-      <a:defRPr b="0" i="0" sz="1400" u="none" cap="none" strike="noStrike">
+      <a:defRPr sz="1400" b="0" i="0" u="none" strike="noStrike" cap="none">
         <a:solidFill>
           <a:srgbClr val="000000"/>
         </a:solidFill>
@@ -216,7 +201,7 @@
         <a:sym typeface="Arial"/>
       </a:defRPr>
     </a:lvl7pPr>
-    <a:lvl8pPr lvl="7" marR="0" rtl="0" algn="l">
+    <a:lvl8pPr marR="0" lvl="7" algn="l" rtl="0">
       <a:lnSpc>
         <a:spcPct val="100000"/>
       </a:lnSpc>
@@ -230,7 +215,7 @@
         <a:srgbClr val="000000"/>
       </a:buClr>
       <a:buFont typeface="Arial"/>
-      <a:defRPr b="0" i="0" sz="1400" u="none" cap="none" strike="noStrike">
+      <a:defRPr sz="1400" b="0" i="0" u="none" strike="noStrike" cap="none">
         <a:solidFill>
           <a:srgbClr val="000000"/>
         </a:solidFill>
@@ -240,7 +225,7 @@
         <a:sym typeface="Arial"/>
       </a:defRPr>
     </a:lvl8pPr>
-    <a:lvl9pPr lvl="8" marR="0" rtl="0" algn="l">
+    <a:lvl9pPr marR="0" lvl="8" algn="l" rtl="0">
       <a:lnSpc>
         <a:spcPct val="100000"/>
       </a:lnSpc>
@@ -254,7 +239,7 @@
         <a:srgbClr val="000000"/>
       </a:buClr>
       <a:buFont typeface="Arial"/>
-      <a:defRPr b="0" i="0" sz="1400" u="none" cap="none" strike="noStrike">
+      <a:defRPr sz="1400" b="0" i="0" u="none" strike="noStrike" cap="none">
         <a:solidFill>
           <a:srgbClr val="000000"/>
         </a:solidFill>
@@ -267,7 +252,7 @@
   </p:defaultTextStyle>
   <p:extLst>
     <p:ext uri="{EFAFB233-063F-42B5-8137-9DF3F51BA10A}">
-      <p15:sldGuideLst>
+      <p15:sldGuideLst xmlns:p15="http://schemas.microsoft.com/office/powerpoint/2012/main">
         <p15:guide id="1" orient="horz" pos="1620">
           <p15:clr>
             <a:srgbClr val="A4A3A4"/>
@@ -285,11 +270,16 @@
 </file>
 
 <file path=ppt/notesMasters/notesMaster1.xml><?xml version="1.0" encoding="utf-8"?>
-<p:notesMaster xmlns:a="http://schemas.openxmlformats.org/drawingml/2006/main" xmlns:r="http://schemas.openxmlformats.org/officeDocument/2006/relationships" xmlns:mc="http://schemas.openxmlformats.org/markup-compatibility/2006" xmlns:mv="urn:schemas-microsoft-com:mac:vml" xmlns:p="http://schemas.openxmlformats.org/presentationml/2006/main" xmlns:c="http://schemas.openxmlformats.org/drawingml/2006/chart" xmlns:dgm="http://schemas.openxmlformats.org/drawingml/2006/diagram" xmlns:o="urn:schemas-microsoft-com:office:office" xmlns:v="urn:schemas-microsoft-com:vml" xmlns:pvml="urn:schemas-microsoft-com:office:powerpoint" xmlns:com="http://schemas.openxmlformats.org/drawingml/2006/compatibility" xmlns:p14="http://schemas.microsoft.com/office/powerpoint/2010/main" xmlns:p15="http://schemas.microsoft.com/office/powerpoint/2012/main" xmlns:ahyp="http://schemas.microsoft.com/office/drawing/2018/hyperlinkcolor">
+<p:notesMaster xmlns:a="http://schemas.openxmlformats.org/drawingml/2006/main" xmlns:r="http://schemas.openxmlformats.org/officeDocument/2006/relationships" xmlns:p="http://schemas.openxmlformats.org/presentationml/2006/main">
   <p:cSld>
+    <p:bg>
+      <p:bgRef idx="1001">
+        <a:schemeClr val="bg1"/>
+      </p:bgRef>
+    </p:bg>
     <p:spTree>
       <p:nvGrpSpPr>
-        <p:cNvPr id="2" name="Shape 2"/>
+        <p:cNvPr id="1" name="Shape 2"/>
         <p:cNvGrpSpPr/>
         <p:nvPr/>
       </p:nvGrpSpPr>
@@ -304,9 +294,11 @@
       <p:sp>
         <p:nvSpPr>
           <p:cNvPr id="3" name="Google Shape;3;n"/>
-          <p:cNvSpPr/>
+          <p:cNvSpPr>
+            <a:spLocks noGrp="1" noRot="1" noChangeAspect="1"/>
+          </p:cNvSpPr>
           <p:nvPr>
-            <p:ph idx="2" type="sldImg"/>
+            <p:ph type="sldImg" idx="2"/>
           </p:nvPr>
         </p:nvSpPr>
         <p:spPr>
@@ -315,9 +307,13 @@
             <a:ext cx="6096075" cy="3429000"/>
           </a:xfrm>
           <a:custGeom>
-            <a:rect b="b" l="l" r="r" t="t"/>
+            <a:avLst/>
+            <a:gdLst/>
+            <a:ahLst/>
+            <a:cxnLst/>
+            <a:rect l="l" t="t" r="r" b="b"/>
             <a:pathLst>
-              <a:path extrusionOk="0" h="120000" w="120000">
+              <a:path w="120000" h="120000" extrusionOk="0">
                 <a:moveTo>
                   <a:pt x="0" y="0"/>
                 </a:moveTo>
@@ -335,23 +331,25 @@
             </a:pathLst>
           </a:custGeom>
           <a:noFill/>
-          <a:ln cap="flat" cmpd="sng" w="9525">
+          <a:ln w="9525" cap="flat" cmpd="sng">
             <a:solidFill>
               <a:srgbClr val="000000"/>
             </a:solidFill>
             <a:prstDash val="solid"/>
             <a:round/>
-            <a:headEnd len="sm" w="sm" type="none"/>
-            <a:tailEnd len="sm" w="sm" type="none"/>
+            <a:headEnd type="none" w="sm" len="sm"/>
+            <a:tailEnd type="none" w="sm" len="sm"/>
           </a:ln>
         </p:spPr>
       </p:sp>
       <p:sp>
         <p:nvSpPr>
           <p:cNvPr id="4" name="Google Shape;4;n"/>
-          <p:cNvSpPr txBox="1"/>
+          <p:cNvSpPr txBox="1">
+            <a:spLocks noGrp="1"/>
+          </p:cNvSpPr>
           <p:nvPr>
-            <p:ph idx="1" type="body"/>
+            <p:ph type="body" idx="1"/>
           </p:nvPr>
         </p:nvSpPr>
         <p:spPr>
@@ -368,11 +366,11 @@
           </a:ln>
         </p:spPr>
         <p:txBody>
-          <a:bodyPr anchorCtr="0" anchor="t" bIns="91425" lIns="91425" spcFirstLastPara="1" rIns="91425" wrap="square" tIns="91425">
+          <a:bodyPr spcFirstLastPara="1" wrap="square" lIns="91425" tIns="91425" rIns="91425" bIns="91425" anchor="t" anchorCtr="0">
             <a:noAutofit/>
           </a:bodyPr>
           <a:lstStyle>
-            <a:lvl1pPr indent="-298450" lvl="0" marL="457200" marR="0" rtl="0" algn="l">
+            <a:lvl1pPr marL="457200" marR="0" lvl="0" indent="-298450" algn="l" rtl="0">
               <a:lnSpc>
                 <a:spcPct val="100000"/>
               </a:lnSpc>
@@ -388,7 +386,7 @@
               <a:buSzPts val="1100"/>
               <a:buFont typeface="Arial"/>
               <a:buChar char="●"/>
-              <a:defRPr b="0" i="0" sz="1100" u="none" cap="none" strike="noStrike">
+              <a:defRPr sz="1100" b="0" i="0" u="none" strike="noStrike" cap="none">
                 <a:solidFill>
                   <a:srgbClr val="000000"/>
                 </a:solidFill>
@@ -398,7 +396,7 @@
                 <a:sym typeface="Arial"/>
               </a:defRPr>
             </a:lvl1pPr>
-            <a:lvl2pPr indent="-298450" lvl="1" marL="914400" marR="0" rtl="0" algn="l">
+            <a:lvl2pPr marL="914400" marR="0" lvl="1" indent="-298450" algn="l" rtl="0">
               <a:lnSpc>
                 <a:spcPct val="100000"/>
               </a:lnSpc>
@@ -414,7 +412,7 @@
               <a:buSzPts val="1100"/>
               <a:buFont typeface="Arial"/>
               <a:buChar char="○"/>
-              <a:defRPr b="0" i="0" sz="1100" u="none" cap="none" strike="noStrike">
+              <a:defRPr sz="1100" b="0" i="0" u="none" strike="noStrike" cap="none">
                 <a:solidFill>
                   <a:srgbClr val="000000"/>
                 </a:solidFill>
@@ -424,7 +422,7 @@
                 <a:sym typeface="Arial"/>
               </a:defRPr>
             </a:lvl2pPr>
-            <a:lvl3pPr indent="-298450" lvl="2" marL="1371600" marR="0" rtl="0" algn="l">
+            <a:lvl3pPr marL="1371600" marR="0" lvl="2" indent="-298450" algn="l" rtl="0">
               <a:lnSpc>
                 <a:spcPct val="100000"/>
               </a:lnSpc>
@@ -440,7 +438,7 @@
               <a:buSzPts val="1100"/>
               <a:buFont typeface="Arial"/>
               <a:buChar char="■"/>
-              <a:defRPr b="0" i="0" sz="1100" u="none" cap="none" strike="noStrike">
+              <a:defRPr sz="1100" b="0" i="0" u="none" strike="noStrike" cap="none">
                 <a:solidFill>
                   <a:srgbClr val="000000"/>
                 </a:solidFill>
@@ -450,7 +448,7 @@
                 <a:sym typeface="Arial"/>
               </a:defRPr>
             </a:lvl3pPr>
-            <a:lvl4pPr indent="-298450" lvl="3" marL="1828800" marR="0" rtl="0" algn="l">
+            <a:lvl4pPr marL="1828800" marR="0" lvl="3" indent="-298450" algn="l" rtl="0">
               <a:lnSpc>
                 <a:spcPct val="100000"/>
               </a:lnSpc>
@@ -466,7 +464,7 @@
               <a:buSzPts val="1100"/>
               <a:buFont typeface="Arial"/>
               <a:buChar char="●"/>
-              <a:defRPr b="0" i="0" sz="1100" u="none" cap="none" strike="noStrike">
+              <a:defRPr sz="1100" b="0" i="0" u="none" strike="noStrike" cap="none">
                 <a:solidFill>
                   <a:srgbClr val="000000"/>
                 </a:solidFill>
@@ -476,7 +474,7 @@
                 <a:sym typeface="Arial"/>
               </a:defRPr>
             </a:lvl4pPr>
-            <a:lvl5pPr indent="-298450" lvl="4" marL="2286000" marR="0" rtl="0" algn="l">
+            <a:lvl5pPr marL="2286000" marR="0" lvl="4" indent="-298450" algn="l" rtl="0">
               <a:lnSpc>
                 <a:spcPct val="100000"/>
               </a:lnSpc>
@@ -492,7 +490,7 @@
               <a:buSzPts val="1100"/>
               <a:buFont typeface="Arial"/>
               <a:buChar char="○"/>
-              <a:defRPr b="0" i="0" sz="1100" u="none" cap="none" strike="noStrike">
+              <a:defRPr sz="1100" b="0" i="0" u="none" strike="noStrike" cap="none">
                 <a:solidFill>
                   <a:srgbClr val="000000"/>
                 </a:solidFill>
@@ -502,7 +500,7 @@
                 <a:sym typeface="Arial"/>
               </a:defRPr>
             </a:lvl5pPr>
-            <a:lvl6pPr indent="-298450" lvl="5" marL="2743200" marR="0" rtl="0" algn="l">
+            <a:lvl6pPr marL="2743200" marR="0" lvl="5" indent="-298450" algn="l" rtl="0">
               <a:lnSpc>
                 <a:spcPct val="100000"/>
               </a:lnSpc>
@@ -518,7 +516,7 @@
               <a:buSzPts val="1100"/>
               <a:buFont typeface="Arial"/>
               <a:buChar char="■"/>
-              <a:defRPr b="0" i="0" sz="1100" u="none" cap="none" strike="noStrike">
+              <a:defRPr sz="1100" b="0" i="0" u="none" strike="noStrike" cap="none">
                 <a:solidFill>
                   <a:srgbClr val="000000"/>
                 </a:solidFill>
@@ -528,7 +526,7 @@
                 <a:sym typeface="Arial"/>
               </a:defRPr>
             </a:lvl6pPr>
-            <a:lvl7pPr indent="-298450" lvl="6" marL="3200400" marR="0" rtl="0" algn="l">
+            <a:lvl7pPr marL="3200400" marR="0" lvl="6" indent="-298450" algn="l" rtl="0">
               <a:lnSpc>
                 <a:spcPct val="100000"/>
               </a:lnSpc>
@@ -544,7 +542,7 @@
               <a:buSzPts val="1100"/>
               <a:buFont typeface="Arial"/>
               <a:buChar char="●"/>
-              <a:defRPr b="0" i="0" sz="1100" u="none" cap="none" strike="noStrike">
+              <a:defRPr sz="1100" b="0" i="0" u="none" strike="noStrike" cap="none">
                 <a:solidFill>
                   <a:srgbClr val="000000"/>
                 </a:solidFill>
@@ -554,7 +552,7 @@
                 <a:sym typeface="Arial"/>
               </a:defRPr>
             </a:lvl7pPr>
-            <a:lvl8pPr indent="-298450" lvl="7" marL="3657600" marR="0" rtl="0" algn="l">
+            <a:lvl8pPr marL="3657600" marR="0" lvl="7" indent="-298450" algn="l" rtl="0">
               <a:lnSpc>
                 <a:spcPct val="100000"/>
               </a:lnSpc>
@@ -570,7 +568,7 @@
               <a:buSzPts val="1100"/>
               <a:buFont typeface="Arial"/>
               <a:buChar char="○"/>
-              <a:defRPr b="0" i="0" sz="1100" u="none" cap="none" strike="noStrike">
+              <a:defRPr sz="1100" b="0" i="0" u="none" strike="noStrike" cap="none">
                 <a:solidFill>
                   <a:srgbClr val="000000"/>
                 </a:solidFill>
@@ -580,7 +578,7 @@
                 <a:sym typeface="Arial"/>
               </a:defRPr>
             </a:lvl8pPr>
-            <a:lvl9pPr indent="-298450" lvl="8" marL="4114800" marR="0" rtl="0" algn="l">
+            <a:lvl9pPr marL="4114800" marR="0" lvl="8" indent="-298450" algn="l" rtl="0">
               <a:lnSpc>
                 <a:spcPct val="100000"/>
               </a:lnSpc>
@@ -596,7 +594,7 @@
               <a:buSzPts val="1100"/>
               <a:buFont typeface="Arial"/>
               <a:buChar char="■"/>
-              <a:defRPr b="0" i="0" sz="1100" u="none" cap="none" strike="noStrike">
+              <a:defRPr sz="1100" b="0" i="0" u="none" strike="noStrike" cap="none">
                 <a:solidFill>
                   <a:srgbClr val="000000"/>
                 </a:solidFill>
@@ -607,14 +605,16 @@
               </a:defRPr>
             </a:lvl9pPr>
           </a:lstStyle>
-          <a:p/>
+          <a:p>
+            <a:endParaRPr/>
+          </a:p>
         </p:txBody>
       </p:sp>
     </p:spTree>
   </p:cSld>
-  <p:clrMap accent1="accent1" accent2="accent2" accent3="accent3" accent4="accent4" accent5="accent5" accent6="accent6" bg1="lt1" bg2="dk2" tx1="dk1" tx2="lt2" folHlink="folHlink" hlink="hlink"/>
+  <p:clrMap bg1="lt1" tx1="dk1" bg2="dk2" tx2="lt2" accent1="accent1" accent2="accent2" accent3="accent3" accent4="accent4" accent5="accent5" accent6="accent6" hlink="hlink" folHlink="folHlink"/>
   <p:notesStyle>
-    <a:defPPr lvl="0" marR="0" rtl="0" algn="l">
+    <a:defPPr marR="0" lvl="0" algn="l" rtl="0">
       <a:lnSpc>
         <a:spcPct val="100000"/>
       </a:lnSpc>
@@ -625,7 +625,7 @@
         <a:spcPts val="0"/>
       </a:spcAft>
     </a:defPPr>
-    <a:lvl1pPr lvl="0" marR="0" rtl="0" algn="l">
+    <a:lvl1pPr marR="0" lvl="0" algn="l" rtl="0">
       <a:lnSpc>
         <a:spcPct val="100000"/>
       </a:lnSpc>
@@ -639,7 +639,7 @@
         <a:srgbClr val="000000"/>
       </a:buClr>
       <a:buFont typeface="Arial"/>
-      <a:defRPr b="0" i="0" sz="1400" u="none" cap="none" strike="noStrike">
+      <a:defRPr sz="1400" b="0" i="0" u="none" strike="noStrike" cap="none">
         <a:solidFill>
           <a:srgbClr val="000000"/>
         </a:solidFill>
@@ -649,7 +649,7 @@
         <a:sym typeface="Arial"/>
       </a:defRPr>
     </a:lvl1pPr>
-    <a:lvl2pPr lvl="1" marR="0" rtl="0" algn="l">
+    <a:lvl2pPr marR="0" lvl="1" algn="l" rtl="0">
       <a:lnSpc>
         <a:spcPct val="100000"/>
       </a:lnSpc>
@@ -663,7 +663,7 @@
         <a:srgbClr val="000000"/>
       </a:buClr>
       <a:buFont typeface="Arial"/>
-      <a:defRPr b="0" i="0" sz="1400" u="none" cap="none" strike="noStrike">
+      <a:defRPr sz="1400" b="0" i="0" u="none" strike="noStrike" cap="none">
         <a:solidFill>
           <a:srgbClr val="000000"/>
         </a:solidFill>
@@ -673,7 +673,7 @@
         <a:sym typeface="Arial"/>
       </a:defRPr>
     </a:lvl2pPr>
-    <a:lvl3pPr lvl="2" marR="0" rtl="0" algn="l">
+    <a:lvl3pPr marR="0" lvl="2" algn="l" rtl="0">
       <a:lnSpc>
         <a:spcPct val="100000"/>
       </a:lnSpc>
@@ -687,7 +687,7 @@
         <a:srgbClr val="000000"/>
       </a:buClr>
       <a:buFont typeface="Arial"/>
-      <a:defRPr b="0" i="0" sz="1400" u="none" cap="none" strike="noStrike">
+      <a:defRPr sz="1400" b="0" i="0" u="none" strike="noStrike" cap="none">
         <a:solidFill>
           <a:srgbClr val="000000"/>
         </a:solidFill>
@@ -697,7 +697,7 @@
         <a:sym typeface="Arial"/>
       </a:defRPr>
     </a:lvl3pPr>
-    <a:lvl4pPr lvl="3" marR="0" rtl="0" algn="l">
+    <a:lvl4pPr marR="0" lvl="3" algn="l" rtl="0">
       <a:lnSpc>
         <a:spcPct val="100000"/>
       </a:lnSpc>
@@ -711,7 +711,7 @@
         <a:srgbClr val="000000"/>
       </a:buClr>
       <a:buFont typeface="Arial"/>
-      <a:defRPr b="0" i="0" sz="1400" u="none" cap="none" strike="noStrike">
+      <a:defRPr sz="1400" b="0" i="0" u="none" strike="noStrike" cap="none">
         <a:solidFill>
           <a:srgbClr val="000000"/>
         </a:solidFill>
@@ -721,7 +721,7 @@
         <a:sym typeface="Arial"/>
       </a:defRPr>
     </a:lvl4pPr>
-    <a:lvl5pPr lvl="4" marR="0" rtl="0" algn="l">
+    <a:lvl5pPr marR="0" lvl="4" algn="l" rtl="0">
       <a:lnSpc>
         <a:spcPct val="100000"/>
       </a:lnSpc>
@@ -735,7 +735,7 @@
         <a:srgbClr val="000000"/>
       </a:buClr>
       <a:buFont typeface="Arial"/>
-      <a:defRPr b="0" i="0" sz="1400" u="none" cap="none" strike="noStrike">
+      <a:defRPr sz="1400" b="0" i="0" u="none" strike="noStrike" cap="none">
         <a:solidFill>
           <a:srgbClr val="000000"/>
         </a:solidFill>
@@ -745,7 +745,7 @@
         <a:sym typeface="Arial"/>
       </a:defRPr>
     </a:lvl5pPr>
-    <a:lvl6pPr lvl="5" marR="0" rtl="0" algn="l">
+    <a:lvl6pPr marR="0" lvl="5" algn="l" rtl="0">
       <a:lnSpc>
         <a:spcPct val="100000"/>
       </a:lnSpc>
@@ -759,7 +759,7 @@
         <a:srgbClr val="000000"/>
       </a:buClr>
       <a:buFont typeface="Arial"/>
-      <a:defRPr b="0" i="0" sz="1400" u="none" cap="none" strike="noStrike">
+      <a:defRPr sz="1400" b="0" i="0" u="none" strike="noStrike" cap="none">
         <a:solidFill>
           <a:srgbClr val="000000"/>
         </a:solidFill>
@@ -769,7 +769,7 @@
         <a:sym typeface="Arial"/>
       </a:defRPr>
     </a:lvl6pPr>
-    <a:lvl7pPr lvl="6" marR="0" rtl="0" algn="l">
+    <a:lvl7pPr marR="0" lvl="6" algn="l" rtl="0">
       <a:lnSpc>
         <a:spcPct val="100000"/>
       </a:lnSpc>
@@ -783,7 +783,7 @@
         <a:srgbClr val="000000"/>
       </a:buClr>
       <a:buFont typeface="Arial"/>
-      <a:defRPr b="0" i="0" sz="1400" u="none" cap="none" strike="noStrike">
+      <a:defRPr sz="1400" b="0" i="0" u="none" strike="noStrike" cap="none">
         <a:solidFill>
           <a:srgbClr val="000000"/>
         </a:solidFill>
@@ -793,7 +793,7 @@
         <a:sym typeface="Arial"/>
       </a:defRPr>
     </a:lvl7pPr>
-    <a:lvl8pPr lvl="7" marR="0" rtl="0" algn="l">
+    <a:lvl8pPr marR="0" lvl="7" algn="l" rtl="0">
       <a:lnSpc>
         <a:spcPct val="100000"/>
       </a:lnSpc>
@@ -807,7 +807,7 @@
         <a:srgbClr val="000000"/>
       </a:buClr>
       <a:buFont typeface="Arial"/>
-      <a:defRPr b="0" i="0" sz="1400" u="none" cap="none" strike="noStrike">
+      <a:defRPr sz="1400" b="0" i="0" u="none" strike="noStrike" cap="none">
         <a:solidFill>
           <a:srgbClr val="000000"/>
         </a:solidFill>
@@ -817,7 +817,7 @@
         <a:sym typeface="Arial"/>
       </a:defRPr>
     </a:lvl8pPr>
-    <a:lvl9pPr lvl="8" marR="0" rtl="0" algn="l">
+    <a:lvl9pPr marR="0" lvl="8" algn="l" rtl="0">
       <a:lnSpc>
         <a:spcPct val="100000"/>
       </a:lnSpc>
@@ -831,7 +831,7 @@
         <a:srgbClr val="000000"/>
       </a:buClr>
       <a:buFont typeface="Arial"/>
-      <a:defRPr b="0" i="0" sz="1400" u="none" cap="none" strike="noStrike">
+      <a:defRPr sz="1400" b="0" i="0" u="none" strike="noStrike" cap="none">
         <a:solidFill>
           <a:srgbClr val="000000"/>
         </a:solidFill>
@@ -846,11 +846,11 @@
 </file>
 
 <file path=ppt/notesSlides/notesSlide1.xml><?xml version="1.0" encoding="utf-8"?>
-<p:notes xmlns:a="http://schemas.openxmlformats.org/drawingml/2006/main" xmlns:r="http://schemas.openxmlformats.org/officeDocument/2006/relationships" xmlns:mc="http://schemas.openxmlformats.org/markup-compatibility/2006" xmlns:mv="urn:schemas-microsoft-com:mac:vml" xmlns:p="http://schemas.openxmlformats.org/presentationml/2006/main" xmlns:c="http://schemas.openxmlformats.org/drawingml/2006/chart" xmlns:dgm="http://schemas.openxmlformats.org/drawingml/2006/diagram" xmlns:o="urn:schemas-microsoft-com:office:office" xmlns:v="urn:schemas-microsoft-com:vml" xmlns:pvml="urn:schemas-microsoft-com:office:powerpoint" xmlns:com="http://schemas.openxmlformats.org/drawingml/2006/compatibility" xmlns:p14="http://schemas.microsoft.com/office/powerpoint/2010/main" xmlns:p15="http://schemas.microsoft.com/office/powerpoint/2012/main" xmlns:ahyp="http://schemas.microsoft.com/office/drawing/2018/hyperlinkcolor" showMasterPhAnim="0" showMasterSp="0">
+<p:notes xmlns:a="http://schemas.openxmlformats.org/drawingml/2006/main" xmlns:r="http://schemas.openxmlformats.org/officeDocument/2006/relationships" xmlns:p="http://schemas.openxmlformats.org/presentationml/2006/main" showMasterSp="0" showMasterPhAnim="0">
   <p:cSld>
     <p:spTree>
       <p:nvGrpSpPr>
-        <p:cNvPr id="50" name="Shape 50"/>
+        <p:cNvPr id="1" name="Shape 50"/>
         <p:cNvGrpSpPr/>
         <p:nvPr/>
       </p:nvGrpSpPr>
@@ -865,20 +865,26 @@
       <p:sp>
         <p:nvSpPr>
           <p:cNvPr id="51" name="Google Shape;51;p1:notes"/>
-          <p:cNvSpPr/>
+          <p:cNvSpPr>
+            <a:spLocks noGrp="1" noRot="1" noChangeAspect="1"/>
+          </p:cNvSpPr>
           <p:nvPr>
-            <p:ph idx="2" type="sldImg"/>
+            <p:ph type="sldImg" idx="2"/>
           </p:nvPr>
         </p:nvSpPr>
         <p:spPr>
           <a:xfrm>
-            <a:off x="381300" y="685800"/>
-            <a:ext cx="6096075" cy="3429000"/>
+            <a:off x="381000" y="685800"/>
+            <a:ext cx="6096000" cy="3429000"/>
           </a:xfrm>
           <a:custGeom>
-            <a:rect b="b" l="l" r="r" t="t"/>
+            <a:avLst/>
+            <a:gdLst/>
+            <a:ahLst/>
+            <a:cxnLst/>
+            <a:rect l="l" t="t" r="r" b="b"/>
             <a:pathLst>
-              <a:path extrusionOk="0" h="120000" w="120000">
+              <a:path w="120000" h="120000" extrusionOk="0">
                 <a:moveTo>
                   <a:pt x="0" y="0"/>
                 </a:moveTo>
@@ -896,23 +902,25 @@
             </a:pathLst>
           </a:custGeom>
           <a:noFill/>
-          <a:ln cap="flat" cmpd="sng" w="9525">
+          <a:ln w="9525" cap="flat" cmpd="sng">
             <a:solidFill>
               <a:srgbClr val="000000"/>
             </a:solidFill>
             <a:prstDash val="solid"/>
             <a:round/>
-            <a:headEnd len="sm" w="sm" type="none"/>
-            <a:tailEnd len="sm" w="sm" type="none"/>
+            <a:headEnd type="none" w="sm" len="sm"/>
+            <a:tailEnd type="none" w="sm" len="sm"/>
           </a:ln>
         </p:spPr>
       </p:sp>
       <p:sp>
         <p:nvSpPr>
           <p:cNvPr id="52" name="Google Shape;52;p1:notes"/>
-          <p:cNvSpPr txBox="1"/>
+          <p:cNvSpPr txBox="1">
+            <a:spLocks noGrp="1"/>
+          </p:cNvSpPr>
           <p:nvPr>
-            <p:ph idx="1" type="body"/>
+            <p:ph type="body" idx="1"/>
           </p:nvPr>
         </p:nvSpPr>
         <p:spPr>
@@ -929,12 +937,12 @@
           </a:ln>
         </p:spPr>
         <p:txBody>
-          <a:bodyPr anchorCtr="0" anchor="t" bIns="91425" lIns="91425" spcFirstLastPara="1" rIns="91425" wrap="square" tIns="91425">
+          <a:bodyPr spcFirstLastPara="1" wrap="square" lIns="91425" tIns="91425" rIns="91425" bIns="91425" anchor="t" anchorCtr="0">
             <a:noAutofit/>
           </a:bodyPr>
           <a:lstStyle/>
           <a:p>
-            <a:pPr indent="0" lvl="0" marL="0" rtl="0" algn="l">
+            <a:pPr marL="0" lvl="0" indent="0" algn="l" rtl="0">
               <a:lnSpc>
                 <a:spcPct val="100000"/>
               </a:lnSpc>
@@ -947,945 +955,6 @@
               <a:buSzPts val="1100"/>
               <a:buNone/>
             </a:pPr>
-            <a:r>
-              <a:t/>
-            </a:r>
-            <a:endParaRPr/>
-          </a:p>
-        </p:txBody>
-      </p:sp>
-    </p:spTree>
-  </p:cSld>
-  <p:clrMapOvr>
-    <a:masterClrMapping/>
-  </p:clrMapOvr>
-</p:notes>
-</file>
-
-<file path=ppt/notesSlides/notesSlide2.xml><?xml version="1.0" encoding="utf-8"?>
-<p:notes xmlns:a="http://schemas.openxmlformats.org/drawingml/2006/main" xmlns:r="http://schemas.openxmlformats.org/officeDocument/2006/relationships" xmlns:mc="http://schemas.openxmlformats.org/markup-compatibility/2006" xmlns:mv="urn:schemas-microsoft-com:mac:vml" xmlns:p="http://schemas.openxmlformats.org/presentationml/2006/main" xmlns:c="http://schemas.openxmlformats.org/drawingml/2006/chart" xmlns:dgm="http://schemas.openxmlformats.org/drawingml/2006/diagram" xmlns:o="urn:schemas-microsoft-com:office:office" xmlns:v="urn:schemas-microsoft-com:vml" xmlns:pvml="urn:schemas-microsoft-com:office:powerpoint" xmlns:com="http://schemas.openxmlformats.org/drawingml/2006/compatibility" xmlns:p14="http://schemas.microsoft.com/office/powerpoint/2010/main" xmlns:p15="http://schemas.microsoft.com/office/powerpoint/2012/main" xmlns:ahyp="http://schemas.microsoft.com/office/drawing/2018/hyperlinkcolor" showMasterPhAnim="0" showMasterSp="0">
-  <p:cSld>
-    <p:spTree>
-      <p:nvGrpSpPr>
-        <p:cNvPr id="56" name="Shape 56"/>
-        <p:cNvGrpSpPr/>
-        <p:nvPr/>
-      </p:nvGrpSpPr>
-      <p:grpSpPr>
-        <a:xfrm>
-          <a:off x="0" y="0"/>
-          <a:ext cx="0" cy="0"/>
-          <a:chOff x="0" y="0"/>
-          <a:chExt cx="0" cy="0"/>
-        </a:xfrm>
-      </p:grpSpPr>
-      <p:sp>
-        <p:nvSpPr>
-          <p:cNvPr id="57" name="Google Shape;57;p2:notes"/>
-          <p:cNvSpPr/>
-          <p:nvPr>
-            <p:ph idx="2" type="sldImg"/>
-          </p:nvPr>
-        </p:nvSpPr>
-        <p:spPr>
-          <a:xfrm>
-            <a:off x="381300" y="685800"/>
-            <a:ext cx="6096000" cy="3429000"/>
-          </a:xfrm>
-          <a:custGeom>
-            <a:rect b="b" l="l" r="r" t="t"/>
-            <a:pathLst>
-              <a:path extrusionOk="0" h="120000" w="120000">
-                <a:moveTo>
-                  <a:pt x="0" y="0"/>
-                </a:moveTo>
-                <a:lnTo>
-                  <a:pt x="120000" y="0"/>
-                </a:lnTo>
-                <a:lnTo>
-                  <a:pt x="120000" y="120000"/>
-                </a:lnTo>
-                <a:lnTo>
-                  <a:pt x="0" y="120000"/>
-                </a:lnTo>
-                <a:close/>
-              </a:path>
-            </a:pathLst>
-          </a:custGeom>
-          <a:noFill/>
-          <a:ln cap="flat" cmpd="sng" w="9525">
-            <a:solidFill>
-              <a:srgbClr val="000000"/>
-            </a:solidFill>
-            <a:prstDash val="solid"/>
-            <a:round/>
-            <a:headEnd len="sm" w="sm" type="none"/>
-            <a:tailEnd len="sm" w="sm" type="none"/>
-          </a:ln>
-        </p:spPr>
-      </p:sp>
-      <p:sp>
-        <p:nvSpPr>
-          <p:cNvPr id="58" name="Google Shape;58;p2:notes"/>
-          <p:cNvSpPr txBox="1"/>
-          <p:nvPr>
-            <p:ph idx="1" type="body"/>
-          </p:nvPr>
-        </p:nvSpPr>
-        <p:spPr>
-          <a:xfrm>
-            <a:off x="685800" y="4343400"/>
-            <a:ext cx="5486400" cy="4114800"/>
-          </a:xfrm>
-          <a:prstGeom prst="rect">
-            <a:avLst/>
-          </a:prstGeom>
-          <a:noFill/>
-          <a:ln>
-            <a:noFill/>
-          </a:ln>
-        </p:spPr>
-        <p:txBody>
-          <a:bodyPr anchorCtr="0" anchor="t" bIns="91425" lIns="91425" spcFirstLastPara="1" rIns="91425" wrap="square" tIns="91425">
-            <a:noAutofit/>
-          </a:bodyPr>
-          <a:lstStyle/>
-          <a:p>
-            <a:pPr indent="0" lvl="0" marL="0" rtl="0" algn="l">
-              <a:lnSpc>
-                <a:spcPct val="100000"/>
-              </a:lnSpc>
-              <a:spcBef>
-                <a:spcPts val="0"/>
-              </a:spcBef>
-              <a:spcAft>
-                <a:spcPts val="0"/>
-              </a:spcAft>
-              <a:buSzPts val="1100"/>
-              <a:buNone/>
-            </a:pPr>
-            <a:r>
-              <a:t/>
-            </a:r>
-            <a:endParaRPr/>
-          </a:p>
-        </p:txBody>
-      </p:sp>
-    </p:spTree>
-  </p:cSld>
-  <p:clrMapOvr>
-    <a:masterClrMapping/>
-  </p:clrMapOvr>
-</p:notes>
-</file>
-
-<file path=ppt/notesSlides/notesSlide3.xml><?xml version="1.0" encoding="utf-8"?>
-<p:notes xmlns:a="http://schemas.openxmlformats.org/drawingml/2006/main" xmlns:r="http://schemas.openxmlformats.org/officeDocument/2006/relationships" xmlns:mc="http://schemas.openxmlformats.org/markup-compatibility/2006" xmlns:mv="urn:schemas-microsoft-com:mac:vml" xmlns:p="http://schemas.openxmlformats.org/presentationml/2006/main" xmlns:c="http://schemas.openxmlformats.org/drawingml/2006/chart" xmlns:dgm="http://schemas.openxmlformats.org/drawingml/2006/diagram" xmlns:o="urn:schemas-microsoft-com:office:office" xmlns:v="urn:schemas-microsoft-com:vml" xmlns:pvml="urn:schemas-microsoft-com:office:powerpoint" xmlns:com="http://schemas.openxmlformats.org/drawingml/2006/compatibility" xmlns:p14="http://schemas.microsoft.com/office/powerpoint/2010/main" xmlns:p15="http://schemas.microsoft.com/office/powerpoint/2012/main" xmlns:ahyp="http://schemas.microsoft.com/office/drawing/2018/hyperlinkcolor" showMasterPhAnim="0" showMasterSp="0">
-  <p:cSld>
-    <p:spTree>
-      <p:nvGrpSpPr>
-        <p:cNvPr id="62" name="Shape 62"/>
-        <p:cNvGrpSpPr/>
-        <p:nvPr/>
-      </p:nvGrpSpPr>
-      <p:grpSpPr>
-        <a:xfrm>
-          <a:off x="0" y="0"/>
-          <a:ext cx="0" cy="0"/>
-          <a:chOff x="0" y="0"/>
-          <a:chExt cx="0" cy="0"/>
-        </a:xfrm>
-      </p:grpSpPr>
-      <p:sp>
-        <p:nvSpPr>
-          <p:cNvPr id="63" name="Google Shape;63;p3:notes"/>
-          <p:cNvSpPr/>
-          <p:nvPr>
-            <p:ph idx="2" type="sldImg"/>
-          </p:nvPr>
-        </p:nvSpPr>
-        <p:spPr>
-          <a:xfrm>
-            <a:off x="381300" y="685800"/>
-            <a:ext cx="6096000" cy="3429000"/>
-          </a:xfrm>
-          <a:custGeom>
-            <a:rect b="b" l="l" r="r" t="t"/>
-            <a:pathLst>
-              <a:path extrusionOk="0" h="120000" w="120000">
-                <a:moveTo>
-                  <a:pt x="0" y="0"/>
-                </a:moveTo>
-                <a:lnTo>
-                  <a:pt x="120000" y="0"/>
-                </a:lnTo>
-                <a:lnTo>
-                  <a:pt x="120000" y="120000"/>
-                </a:lnTo>
-                <a:lnTo>
-                  <a:pt x="0" y="120000"/>
-                </a:lnTo>
-                <a:close/>
-              </a:path>
-            </a:pathLst>
-          </a:custGeom>
-          <a:noFill/>
-          <a:ln cap="flat" cmpd="sng" w="9525">
-            <a:solidFill>
-              <a:srgbClr val="000000"/>
-            </a:solidFill>
-            <a:prstDash val="solid"/>
-            <a:round/>
-            <a:headEnd len="sm" w="sm" type="none"/>
-            <a:tailEnd len="sm" w="sm" type="none"/>
-          </a:ln>
-        </p:spPr>
-      </p:sp>
-      <p:sp>
-        <p:nvSpPr>
-          <p:cNvPr id="64" name="Google Shape;64;p3:notes"/>
-          <p:cNvSpPr txBox="1"/>
-          <p:nvPr>
-            <p:ph idx="1" type="body"/>
-          </p:nvPr>
-        </p:nvSpPr>
-        <p:spPr>
-          <a:xfrm>
-            <a:off x="685800" y="4343400"/>
-            <a:ext cx="5486400" cy="4114800"/>
-          </a:xfrm>
-          <a:prstGeom prst="rect">
-            <a:avLst/>
-          </a:prstGeom>
-          <a:noFill/>
-          <a:ln>
-            <a:noFill/>
-          </a:ln>
-        </p:spPr>
-        <p:txBody>
-          <a:bodyPr anchorCtr="0" anchor="t" bIns="91425" lIns="91425" spcFirstLastPara="1" rIns="91425" wrap="square" tIns="91425">
-            <a:noAutofit/>
-          </a:bodyPr>
-          <a:lstStyle/>
-          <a:p>
-            <a:pPr indent="0" lvl="0" marL="0" rtl="0" algn="l">
-              <a:lnSpc>
-                <a:spcPct val="100000"/>
-              </a:lnSpc>
-              <a:spcBef>
-                <a:spcPts val="0"/>
-              </a:spcBef>
-              <a:spcAft>
-                <a:spcPts val="0"/>
-              </a:spcAft>
-              <a:buSzPts val="1100"/>
-              <a:buNone/>
-            </a:pPr>
-            <a:r>
-              <a:t/>
-            </a:r>
-            <a:endParaRPr/>
-          </a:p>
-        </p:txBody>
-      </p:sp>
-    </p:spTree>
-  </p:cSld>
-  <p:clrMapOvr>
-    <a:masterClrMapping/>
-  </p:clrMapOvr>
-</p:notes>
-</file>
-
-<file path=ppt/notesSlides/notesSlide4.xml><?xml version="1.0" encoding="utf-8"?>
-<p:notes xmlns:a="http://schemas.openxmlformats.org/drawingml/2006/main" xmlns:r="http://schemas.openxmlformats.org/officeDocument/2006/relationships" xmlns:mc="http://schemas.openxmlformats.org/markup-compatibility/2006" xmlns:mv="urn:schemas-microsoft-com:mac:vml" xmlns:p="http://schemas.openxmlformats.org/presentationml/2006/main" xmlns:c="http://schemas.openxmlformats.org/drawingml/2006/chart" xmlns:dgm="http://schemas.openxmlformats.org/drawingml/2006/diagram" xmlns:o="urn:schemas-microsoft-com:office:office" xmlns:v="urn:schemas-microsoft-com:vml" xmlns:pvml="urn:schemas-microsoft-com:office:powerpoint" xmlns:com="http://schemas.openxmlformats.org/drawingml/2006/compatibility" xmlns:p14="http://schemas.microsoft.com/office/powerpoint/2010/main" xmlns:p15="http://schemas.microsoft.com/office/powerpoint/2012/main" xmlns:ahyp="http://schemas.microsoft.com/office/drawing/2018/hyperlinkcolor" showMasterPhAnim="0" showMasterSp="0">
-  <p:cSld>
-    <p:spTree>
-      <p:nvGrpSpPr>
-        <p:cNvPr id="68" name="Shape 68"/>
-        <p:cNvGrpSpPr/>
-        <p:nvPr/>
-      </p:nvGrpSpPr>
-      <p:grpSpPr>
-        <a:xfrm>
-          <a:off x="0" y="0"/>
-          <a:ext cx="0" cy="0"/>
-          <a:chOff x="0" y="0"/>
-          <a:chExt cx="0" cy="0"/>
-        </a:xfrm>
-      </p:grpSpPr>
-      <p:sp>
-        <p:nvSpPr>
-          <p:cNvPr id="69" name="Google Shape;69;p4:notes"/>
-          <p:cNvSpPr/>
-          <p:nvPr>
-            <p:ph idx="2" type="sldImg"/>
-          </p:nvPr>
-        </p:nvSpPr>
-        <p:spPr>
-          <a:xfrm>
-            <a:off x="381300" y="685800"/>
-            <a:ext cx="6096000" cy="3429000"/>
-          </a:xfrm>
-          <a:custGeom>
-            <a:rect b="b" l="l" r="r" t="t"/>
-            <a:pathLst>
-              <a:path extrusionOk="0" h="120000" w="120000">
-                <a:moveTo>
-                  <a:pt x="0" y="0"/>
-                </a:moveTo>
-                <a:lnTo>
-                  <a:pt x="120000" y="0"/>
-                </a:lnTo>
-                <a:lnTo>
-                  <a:pt x="120000" y="120000"/>
-                </a:lnTo>
-                <a:lnTo>
-                  <a:pt x="0" y="120000"/>
-                </a:lnTo>
-                <a:close/>
-              </a:path>
-            </a:pathLst>
-          </a:custGeom>
-          <a:noFill/>
-          <a:ln cap="flat" cmpd="sng" w="9525">
-            <a:solidFill>
-              <a:srgbClr val="000000"/>
-            </a:solidFill>
-            <a:prstDash val="solid"/>
-            <a:round/>
-            <a:headEnd len="sm" w="sm" type="none"/>
-            <a:tailEnd len="sm" w="sm" type="none"/>
-          </a:ln>
-        </p:spPr>
-      </p:sp>
-      <p:sp>
-        <p:nvSpPr>
-          <p:cNvPr id="70" name="Google Shape;70;p4:notes"/>
-          <p:cNvSpPr txBox="1"/>
-          <p:nvPr>
-            <p:ph idx="1" type="body"/>
-          </p:nvPr>
-        </p:nvSpPr>
-        <p:spPr>
-          <a:xfrm>
-            <a:off x="685800" y="4343400"/>
-            <a:ext cx="5486400" cy="4114800"/>
-          </a:xfrm>
-          <a:prstGeom prst="rect">
-            <a:avLst/>
-          </a:prstGeom>
-          <a:noFill/>
-          <a:ln>
-            <a:noFill/>
-          </a:ln>
-        </p:spPr>
-        <p:txBody>
-          <a:bodyPr anchorCtr="0" anchor="t" bIns="91425" lIns="91425" spcFirstLastPara="1" rIns="91425" wrap="square" tIns="91425">
-            <a:noAutofit/>
-          </a:bodyPr>
-          <a:lstStyle/>
-          <a:p>
-            <a:pPr indent="0" lvl="0" marL="0" rtl="0" algn="l">
-              <a:lnSpc>
-                <a:spcPct val="100000"/>
-              </a:lnSpc>
-              <a:spcBef>
-                <a:spcPts val="0"/>
-              </a:spcBef>
-              <a:spcAft>
-                <a:spcPts val="0"/>
-              </a:spcAft>
-              <a:buSzPts val="1100"/>
-              <a:buNone/>
-            </a:pPr>
-            <a:r>
-              <a:t/>
-            </a:r>
-            <a:endParaRPr/>
-          </a:p>
-        </p:txBody>
-      </p:sp>
-    </p:spTree>
-  </p:cSld>
-  <p:clrMapOvr>
-    <a:masterClrMapping/>
-  </p:clrMapOvr>
-</p:notes>
-</file>
-
-<file path=ppt/notesSlides/notesSlide5.xml><?xml version="1.0" encoding="utf-8"?>
-<p:notes xmlns:a="http://schemas.openxmlformats.org/drawingml/2006/main" xmlns:r="http://schemas.openxmlformats.org/officeDocument/2006/relationships" xmlns:mc="http://schemas.openxmlformats.org/markup-compatibility/2006" xmlns:mv="urn:schemas-microsoft-com:mac:vml" xmlns:p="http://schemas.openxmlformats.org/presentationml/2006/main" xmlns:c="http://schemas.openxmlformats.org/drawingml/2006/chart" xmlns:dgm="http://schemas.openxmlformats.org/drawingml/2006/diagram" xmlns:o="urn:schemas-microsoft-com:office:office" xmlns:v="urn:schemas-microsoft-com:vml" xmlns:pvml="urn:schemas-microsoft-com:office:powerpoint" xmlns:com="http://schemas.openxmlformats.org/drawingml/2006/compatibility" xmlns:p14="http://schemas.microsoft.com/office/powerpoint/2010/main" xmlns:p15="http://schemas.microsoft.com/office/powerpoint/2012/main" xmlns:ahyp="http://schemas.microsoft.com/office/drawing/2018/hyperlinkcolor" showMasterPhAnim="0" showMasterSp="0">
-  <p:cSld>
-    <p:spTree>
-      <p:nvGrpSpPr>
-        <p:cNvPr id="74" name="Shape 74"/>
-        <p:cNvGrpSpPr/>
-        <p:nvPr/>
-      </p:nvGrpSpPr>
-      <p:grpSpPr>
-        <a:xfrm>
-          <a:off x="0" y="0"/>
-          <a:ext cx="0" cy="0"/>
-          <a:chOff x="0" y="0"/>
-          <a:chExt cx="0" cy="0"/>
-        </a:xfrm>
-      </p:grpSpPr>
-      <p:sp>
-        <p:nvSpPr>
-          <p:cNvPr id="75" name="Google Shape;75;p5:notes"/>
-          <p:cNvSpPr/>
-          <p:nvPr>
-            <p:ph idx="2" type="sldImg"/>
-          </p:nvPr>
-        </p:nvSpPr>
-        <p:spPr>
-          <a:xfrm>
-            <a:off x="381300" y="685800"/>
-            <a:ext cx="6096000" cy="3429000"/>
-          </a:xfrm>
-          <a:custGeom>
-            <a:rect b="b" l="l" r="r" t="t"/>
-            <a:pathLst>
-              <a:path extrusionOk="0" h="120000" w="120000">
-                <a:moveTo>
-                  <a:pt x="0" y="0"/>
-                </a:moveTo>
-                <a:lnTo>
-                  <a:pt x="120000" y="0"/>
-                </a:lnTo>
-                <a:lnTo>
-                  <a:pt x="120000" y="120000"/>
-                </a:lnTo>
-                <a:lnTo>
-                  <a:pt x="0" y="120000"/>
-                </a:lnTo>
-                <a:close/>
-              </a:path>
-            </a:pathLst>
-          </a:custGeom>
-          <a:noFill/>
-          <a:ln cap="flat" cmpd="sng" w="9525">
-            <a:solidFill>
-              <a:srgbClr val="000000"/>
-            </a:solidFill>
-            <a:prstDash val="solid"/>
-            <a:round/>
-            <a:headEnd len="sm" w="sm" type="none"/>
-            <a:tailEnd len="sm" w="sm" type="none"/>
-          </a:ln>
-        </p:spPr>
-      </p:sp>
-      <p:sp>
-        <p:nvSpPr>
-          <p:cNvPr id="76" name="Google Shape;76;p5:notes"/>
-          <p:cNvSpPr txBox="1"/>
-          <p:nvPr>
-            <p:ph idx="1" type="body"/>
-          </p:nvPr>
-        </p:nvSpPr>
-        <p:spPr>
-          <a:xfrm>
-            <a:off x="685800" y="4343400"/>
-            <a:ext cx="5486400" cy="4114800"/>
-          </a:xfrm>
-          <a:prstGeom prst="rect">
-            <a:avLst/>
-          </a:prstGeom>
-          <a:noFill/>
-          <a:ln>
-            <a:noFill/>
-          </a:ln>
-        </p:spPr>
-        <p:txBody>
-          <a:bodyPr anchorCtr="0" anchor="t" bIns="91425" lIns="91425" spcFirstLastPara="1" rIns="91425" wrap="square" tIns="91425">
-            <a:noAutofit/>
-          </a:bodyPr>
-          <a:lstStyle/>
-          <a:p>
-            <a:pPr indent="0" lvl="0" marL="0" rtl="0" algn="l">
-              <a:lnSpc>
-                <a:spcPct val="100000"/>
-              </a:lnSpc>
-              <a:spcBef>
-                <a:spcPts val="0"/>
-              </a:spcBef>
-              <a:spcAft>
-                <a:spcPts val="0"/>
-              </a:spcAft>
-              <a:buSzPts val="1100"/>
-              <a:buNone/>
-            </a:pPr>
-            <a:r>
-              <a:t/>
-            </a:r>
-            <a:endParaRPr/>
-          </a:p>
-        </p:txBody>
-      </p:sp>
-    </p:spTree>
-  </p:cSld>
-  <p:clrMapOvr>
-    <a:masterClrMapping/>
-  </p:clrMapOvr>
-</p:notes>
-</file>
-
-<file path=ppt/notesSlides/notesSlide6.xml><?xml version="1.0" encoding="utf-8"?>
-<p:notes xmlns:a="http://schemas.openxmlformats.org/drawingml/2006/main" xmlns:r="http://schemas.openxmlformats.org/officeDocument/2006/relationships" xmlns:mc="http://schemas.openxmlformats.org/markup-compatibility/2006" xmlns:mv="urn:schemas-microsoft-com:mac:vml" xmlns:p="http://schemas.openxmlformats.org/presentationml/2006/main" xmlns:c="http://schemas.openxmlformats.org/drawingml/2006/chart" xmlns:dgm="http://schemas.openxmlformats.org/drawingml/2006/diagram" xmlns:o="urn:schemas-microsoft-com:office:office" xmlns:v="urn:schemas-microsoft-com:vml" xmlns:pvml="urn:schemas-microsoft-com:office:powerpoint" xmlns:com="http://schemas.openxmlformats.org/drawingml/2006/compatibility" xmlns:p14="http://schemas.microsoft.com/office/powerpoint/2010/main" xmlns:p15="http://schemas.microsoft.com/office/powerpoint/2012/main" xmlns:ahyp="http://schemas.microsoft.com/office/drawing/2018/hyperlinkcolor" showMasterPhAnim="0" showMasterSp="0">
-  <p:cSld>
-    <p:spTree>
-      <p:nvGrpSpPr>
-        <p:cNvPr id="80" name="Shape 80"/>
-        <p:cNvGrpSpPr/>
-        <p:nvPr/>
-      </p:nvGrpSpPr>
-      <p:grpSpPr>
-        <a:xfrm>
-          <a:off x="0" y="0"/>
-          <a:ext cx="0" cy="0"/>
-          <a:chOff x="0" y="0"/>
-          <a:chExt cx="0" cy="0"/>
-        </a:xfrm>
-      </p:grpSpPr>
-      <p:sp>
-        <p:nvSpPr>
-          <p:cNvPr id="81" name="Google Shape;81;p6:notes"/>
-          <p:cNvSpPr/>
-          <p:nvPr>
-            <p:ph idx="2" type="sldImg"/>
-          </p:nvPr>
-        </p:nvSpPr>
-        <p:spPr>
-          <a:xfrm>
-            <a:off x="381300" y="685800"/>
-            <a:ext cx="6096000" cy="3429000"/>
-          </a:xfrm>
-          <a:custGeom>
-            <a:rect b="b" l="l" r="r" t="t"/>
-            <a:pathLst>
-              <a:path extrusionOk="0" h="120000" w="120000">
-                <a:moveTo>
-                  <a:pt x="0" y="0"/>
-                </a:moveTo>
-                <a:lnTo>
-                  <a:pt x="120000" y="0"/>
-                </a:lnTo>
-                <a:lnTo>
-                  <a:pt x="120000" y="120000"/>
-                </a:lnTo>
-                <a:lnTo>
-                  <a:pt x="0" y="120000"/>
-                </a:lnTo>
-                <a:close/>
-              </a:path>
-            </a:pathLst>
-          </a:custGeom>
-          <a:noFill/>
-          <a:ln cap="flat" cmpd="sng" w="9525">
-            <a:solidFill>
-              <a:srgbClr val="000000"/>
-            </a:solidFill>
-            <a:prstDash val="solid"/>
-            <a:round/>
-            <a:headEnd len="sm" w="sm" type="none"/>
-            <a:tailEnd len="sm" w="sm" type="none"/>
-          </a:ln>
-        </p:spPr>
-      </p:sp>
-      <p:sp>
-        <p:nvSpPr>
-          <p:cNvPr id="82" name="Google Shape;82;p6:notes"/>
-          <p:cNvSpPr txBox="1"/>
-          <p:nvPr>
-            <p:ph idx="1" type="body"/>
-          </p:nvPr>
-        </p:nvSpPr>
-        <p:spPr>
-          <a:xfrm>
-            <a:off x="685800" y="4343400"/>
-            <a:ext cx="5486400" cy="4114800"/>
-          </a:xfrm>
-          <a:prstGeom prst="rect">
-            <a:avLst/>
-          </a:prstGeom>
-          <a:noFill/>
-          <a:ln>
-            <a:noFill/>
-          </a:ln>
-        </p:spPr>
-        <p:txBody>
-          <a:bodyPr anchorCtr="0" anchor="t" bIns="91425" lIns="91425" spcFirstLastPara="1" rIns="91425" wrap="square" tIns="91425">
-            <a:noAutofit/>
-          </a:bodyPr>
-          <a:lstStyle/>
-          <a:p>
-            <a:pPr indent="0" lvl="0" marL="0" rtl="0" algn="l">
-              <a:lnSpc>
-                <a:spcPct val="100000"/>
-              </a:lnSpc>
-              <a:spcBef>
-                <a:spcPts val="0"/>
-              </a:spcBef>
-              <a:spcAft>
-                <a:spcPts val="0"/>
-              </a:spcAft>
-              <a:buSzPts val="1100"/>
-              <a:buNone/>
-            </a:pPr>
-            <a:r>
-              <a:t/>
-            </a:r>
-            <a:endParaRPr/>
-          </a:p>
-        </p:txBody>
-      </p:sp>
-    </p:spTree>
-  </p:cSld>
-  <p:clrMapOvr>
-    <a:masterClrMapping/>
-  </p:clrMapOvr>
-</p:notes>
-</file>
-
-<file path=ppt/notesSlides/notesSlide7.xml><?xml version="1.0" encoding="utf-8"?>
-<p:notes xmlns:a="http://schemas.openxmlformats.org/drawingml/2006/main" xmlns:r="http://schemas.openxmlformats.org/officeDocument/2006/relationships" xmlns:mc="http://schemas.openxmlformats.org/markup-compatibility/2006" xmlns:mv="urn:schemas-microsoft-com:mac:vml" xmlns:p="http://schemas.openxmlformats.org/presentationml/2006/main" xmlns:c="http://schemas.openxmlformats.org/drawingml/2006/chart" xmlns:dgm="http://schemas.openxmlformats.org/drawingml/2006/diagram" xmlns:o="urn:schemas-microsoft-com:office:office" xmlns:v="urn:schemas-microsoft-com:vml" xmlns:pvml="urn:schemas-microsoft-com:office:powerpoint" xmlns:com="http://schemas.openxmlformats.org/drawingml/2006/compatibility" xmlns:p14="http://schemas.microsoft.com/office/powerpoint/2010/main" xmlns:p15="http://schemas.microsoft.com/office/powerpoint/2012/main" xmlns:ahyp="http://schemas.microsoft.com/office/drawing/2018/hyperlinkcolor" showMasterPhAnim="0" showMasterSp="0">
-  <p:cSld>
-    <p:spTree>
-      <p:nvGrpSpPr>
-        <p:cNvPr id="86" name="Shape 86"/>
-        <p:cNvGrpSpPr/>
-        <p:nvPr/>
-      </p:nvGrpSpPr>
-      <p:grpSpPr>
-        <a:xfrm>
-          <a:off x="0" y="0"/>
-          <a:ext cx="0" cy="0"/>
-          <a:chOff x="0" y="0"/>
-          <a:chExt cx="0" cy="0"/>
-        </a:xfrm>
-      </p:grpSpPr>
-      <p:sp>
-        <p:nvSpPr>
-          <p:cNvPr id="87" name="Google Shape;87;p7:notes"/>
-          <p:cNvSpPr/>
-          <p:nvPr>
-            <p:ph idx="2" type="sldImg"/>
-          </p:nvPr>
-        </p:nvSpPr>
-        <p:spPr>
-          <a:xfrm>
-            <a:off x="381300" y="685800"/>
-            <a:ext cx="6096000" cy="3429000"/>
-          </a:xfrm>
-          <a:custGeom>
-            <a:rect b="b" l="l" r="r" t="t"/>
-            <a:pathLst>
-              <a:path extrusionOk="0" h="120000" w="120000">
-                <a:moveTo>
-                  <a:pt x="0" y="0"/>
-                </a:moveTo>
-                <a:lnTo>
-                  <a:pt x="120000" y="0"/>
-                </a:lnTo>
-                <a:lnTo>
-                  <a:pt x="120000" y="120000"/>
-                </a:lnTo>
-                <a:lnTo>
-                  <a:pt x="0" y="120000"/>
-                </a:lnTo>
-                <a:close/>
-              </a:path>
-            </a:pathLst>
-          </a:custGeom>
-          <a:noFill/>
-          <a:ln cap="flat" cmpd="sng" w="9525">
-            <a:solidFill>
-              <a:srgbClr val="000000"/>
-            </a:solidFill>
-            <a:prstDash val="solid"/>
-            <a:round/>
-            <a:headEnd len="sm" w="sm" type="none"/>
-            <a:tailEnd len="sm" w="sm" type="none"/>
-          </a:ln>
-        </p:spPr>
-      </p:sp>
-      <p:sp>
-        <p:nvSpPr>
-          <p:cNvPr id="88" name="Google Shape;88;p7:notes"/>
-          <p:cNvSpPr txBox="1"/>
-          <p:nvPr>
-            <p:ph idx="1" type="body"/>
-          </p:nvPr>
-        </p:nvSpPr>
-        <p:spPr>
-          <a:xfrm>
-            <a:off x="685800" y="4343400"/>
-            <a:ext cx="5486400" cy="4114800"/>
-          </a:xfrm>
-          <a:prstGeom prst="rect">
-            <a:avLst/>
-          </a:prstGeom>
-          <a:noFill/>
-          <a:ln>
-            <a:noFill/>
-          </a:ln>
-        </p:spPr>
-        <p:txBody>
-          <a:bodyPr anchorCtr="0" anchor="t" bIns="91425" lIns="91425" spcFirstLastPara="1" rIns="91425" wrap="square" tIns="91425">
-            <a:noAutofit/>
-          </a:bodyPr>
-          <a:lstStyle/>
-          <a:p>
-            <a:pPr indent="0" lvl="0" marL="0" rtl="0" algn="l">
-              <a:lnSpc>
-                <a:spcPct val="100000"/>
-              </a:lnSpc>
-              <a:spcBef>
-                <a:spcPts val="0"/>
-              </a:spcBef>
-              <a:spcAft>
-                <a:spcPts val="0"/>
-              </a:spcAft>
-              <a:buSzPts val="1100"/>
-              <a:buNone/>
-            </a:pPr>
-            <a:r>
-              <a:t/>
-            </a:r>
-            <a:endParaRPr/>
-          </a:p>
-        </p:txBody>
-      </p:sp>
-    </p:spTree>
-  </p:cSld>
-  <p:clrMapOvr>
-    <a:masterClrMapping/>
-  </p:clrMapOvr>
-</p:notes>
-</file>
-
-<file path=ppt/notesSlides/notesSlide8.xml><?xml version="1.0" encoding="utf-8"?>
-<p:notes xmlns:a="http://schemas.openxmlformats.org/drawingml/2006/main" xmlns:r="http://schemas.openxmlformats.org/officeDocument/2006/relationships" xmlns:mc="http://schemas.openxmlformats.org/markup-compatibility/2006" xmlns:mv="urn:schemas-microsoft-com:mac:vml" xmlns:p="http://schemas.openxmlformats.org/presentationml/2006/main" xmlns:c="http://schemas.openxmlformats.org/drawingml/2006/chart" xmlns:dgm="http://schemas.openxmlformats.org/drawingml/2006/diagram" xmlns:o="urn:schemas-microsoft-com:office:office" xmlns:v="urn:schemas-microsoft-com:vml" xmlns:pvml="urn:schemas-microsoft-com:office:powerpoint" xmlns:com="http://schemas.openxmlformats.org/drawingml/2006/compatibility" xmlns:p14="http://schemas.microsoft.com/office/powerpoint/2010/main" xmlns:p15="http://schemas.microsoft.com/office/powerpoint/2012/main" xmlns:ahyp="http://schemas.microsoft.com/office/drawing/2018/hyperlinkcolor" showMasterPhAnim="0" showMasterSp="0">
-  <p:cSld>
-    <p:spTree>
-      <p:nvGrpSpPr>
-        <p:cNvPr id="93" name="Shape 93"/>
-        <p:cNvGrpSpPr/>
-        <p:nvPr/>
-      </p:nvGrpSpPr>
-      <p:grpSpPr>
-        <a:xfrm>
-          <a:off x="0" y="0"/>
-          <a:ext cx="0" cy="0"/>
-          <a:chOff x="0" y="0"/>
-          <a:chExt cx="0" cy="0"/>
-        </a:xfrm>
-      </p:grpSpPr>
-      <p:sp>
-        <p:nvSpPr>
-          <p:cNvPr id="94" name="Google Shape;94;p8:notes"/>
-          <p:cNvSpPr/>
-          <p:nvPr>
-            <p:ph idx="2" type="sldImg"/>
-          </p:nvPr>
-        </p:nvSpPr>
-        <p:spPr>
-          <a:xfrm>
-            <a:off x="381300" y="685800"/>
-            <a:ext cx="6096000" cy="3429000"/>
-          </a:xfrm>
-          <a:custGeom>
-            <a:rect b="b" l="l" r="r" t="t"/>
-            <a:pathLst>
-              <a:path extrusionOk="0" h="120000" w="120000">
-                <a:moveTo>
-                  <a:pt x="0" y="0"/>
-                </a:moveTo>
-                <a:lnTo>
-                  <a:pt x="120000" y="0"/>
-                </a:lnTo>
-                <a:lnTo>
-                  <a:pt x="120000" y="120000"/>
-                </a:lnTo>
-                <a:lnTo>
-                  <a:pt x="0" y="120000"/>
-                </a:lnTo>
-                <a:close/>
-              </a:path>
-            </a:pathLst>
-          </a:custGeom>
-          <a:noFill/>
-          <a:ln cap="flat" cmpd="sng" w="9525">
-            <a:solidFill>
-              <a:srgbClr val="000000"/>
-            </a:solidFill>
-            <a:prstDash val="solid"/>
-            <a:round/>
-            <a:headEnd len="sm" w="sm" type="none"/>
-            <a:tailEnd len="sm" w="sm" type="none"/>
-          </a:ln>
-        </p:spPr>
-      </p:sp>
-      <p:sp>
-        <p:nvSpPr>
-          <p:cNvPr id="95" name="Google Shape;95;p8:notes"/>
-          <p:cNvSpPr txBox="1"/>
-          <p:nvPr>
-            <p:ph idx="1" type="body"/>
-          </p:nvPr>
-        </p:nvSpPr>
-        <p:spPr>
-          <a:xfrm>
-            <a:off x="685800" y="4343400"/>
-            <a:ext cx="5486400" cy="4114800"/>
-          </a:xfrm>
-          <a:prstGeom prst="rect">
-            <a:avLst/>
-          </a:prstGeom>
-          <a:noFill/>
-          <a:ln>
-            <a:noFill/>
-          </a:ln>
-        </p:spPr>
-        <p:txBody>
-          <a:bodyPr anchorCtr="0" anchor="t" bIns="91425" lIns="91425" spcFirstLastPara="1" rIns="91425" wrap="square" tIns="91425">
-            <a:noAutofit/>
-          </a:bodyPr>
-          <a:lstStyle/>
-          <a:p>
-            <a:pPr indent="0" lvl="0" marL="0" rtl="0" algn="l">
-              <a:lnSpc>
-                <a:spcPct val="100000"/>
-              </a:lnSpc>
-              <a:spcBef>
-                <a:spcPts val="0"/>
-              </a:spcBef>
-              <a:spcAft>
-                <a:spcPts val="0"/>
-              </a:spcAft>
-              <a:buSzPts val="1100"/>
-              <a:buNone/>
-            </a:pPr>
-            <a:r>
-              <a:t/>
-            </a:r>
-            <a:endParaRPr/>
-          </a:p>
-        </p:txBody>
-      </p:sp>
-    </p:spTree>
-  </p:cSld>
-  <p:clrMapOvr>
-    <a:masterClrMapping/>
-  </p:clrMapOvr>
-</p:notes>
-</file>
-
-<file path=ppt/notesSlides/notesSlide9.xml><?xml version="1.0" encoding="utf-8"?>
-<p:notes xmlns:a="http://schemas.openxmlformats.org/drawingml/2006/main" xmlns:r="http://schemas.openxmlformats.org/officeDocument/2006/relationships" xmlns:mc="http://schemas.openxmlformats.org/markup-compatibility/2006" xmlns:mv="urn:schemas-microsoft-com:mac:vml" xmlns:p="http://schemas.openxmlformats.org/presentationml/2006/main" xmlns:c="http://schemas.openxmlformats.org/drawingml/2006/chart" xmlns:dgm="http://schemas.openxmlformats.org/drawingml/2006/diagram" xmlns:o="urn:schemas-microsoft-com:office:office" xmlns:v="urn:schemas-microsoft-com:vml" xmlns:pvml="urn:schemas-microsoft-com:office:powerpoint" xmlns:com="http://schemas.openxmlformats.org/drawingml/2006/compatibility" xmlns:p14="http://schemas.microsoft.com/office/powerpoint/2010/main" xmlns:p15="http://schemas.microsoft.com/office/powerpoint/2012/main" xmlns:ahyp="http://schemas.microsoft.com/office/drawing/2018/hyperlinkcolor" showMasterPhAnim="0" showMasterSp="0">
-  <p:cSld>
-    <p:spTree>
-      <p:nvGrpSpPr>
-        <p:cNvPr id="99" name="Shape 99"/>
-        <p:cNvGrpSpPr/>
-        <p:nvPr/>
-      </p:nvGrpSpPr>
-      <p:grpSpPr>
-        <a:xfrm>
-          <a:off x="0" y="0"/>
-          <a:ext cx="0" cy="0"/>
-          <a:chOff x="0" y="0"/>
-          <a:chExt cx="0" cy="0"/>
-        </a:xfrm>
-      </p:grpSpPr>
-      <p:sp>
-        <p:nvSpPr>
-          <p:cNvPr id="100" name="Google Shape;100;p9:notes"/>
-          <p:cNvSpPr/>
-          <p:nvPr>
-            <p:ph idx="2" type="sldImg"/>
-          </p:nvPr>
-        </p:nvSpPr>
-        <p:spPr>
-          <a:xfrm>
-            <a:off x="381300" y="685800"/>
-            <a:ext cx="6096000" cy="3429000"/>
-          </a:xfrm>
-          <a:custGeom>
-            <a:rect b="b" l="l" r="r" t="t"/>
-            <a:pathLst>
-              <a:path extrusionOk="0" h="120000" w="120000">
-                <a:moveTo>
-                  <a:pt x="0" y="0"/>
-                </a:moveTo>
-                <a:lnTo>
-                  <a:pt x="120000" y="0"/>
-                </a:lnTo>
-                <a:lnTo>
-                  <a:pt x="120000" y="120000"/>
-                </a:lnTo>
-                <a:lnTo>
-                  <a:pt x="0" y="120000"/>
-                </a:lnTo>
-                <a:close/>
-              </a:path>
-            </a:pathLst>
-          </a:custGeom>
-          <a:noFill/>
-          <a:ln cap="flat" cmpd="sng" w="9525">
-            <a:solidFill>
-              <a:srgbClr val="000000"/>
-            </a:solidFill>
-            <a:prstDash val="solid"/>
-            <a:round/>
-            <a:headEnd len="sm" w="sm" type="none"/>
-            <a:tailEnd len="sm" w="sm" type="none"/>
-          </a:ln>
-        </p:spPr>
-      </p:sp>
-      <p:sp>
-        <p:nvSpPr>
-          <p:cNvPr id="101" name="Google Shape;101;p9:notes"/>
-          <p:cNvSpPr txBox="1"/>
-          <p:nvPr>
-            <p:ph idx="1" type="body"/>
-          </p:nvPr>
-        </p:nvSpPr>
-        <p:spPr>
-          <a:xfrm>
-            <a:off x="685800" y="4343400"/>
-            <a:ext cx="5486400" cy="4114800"/>
-          </a:xfrm>
-          <a:prstGeom prst="rect">
-            <a:avLst/>
-          </a:prstGeom>
-          <a:noFill/>
-          <a:ln>
-            <a:noFill/>
-          </a:ln>
-        </p:spPr>
-        <p:txBody>
-          <a:bodyPr anchorCtr="0" anchor="t" bIns="91425" lIns="91425" spcFirstLastPara="1" rIns="91425" wrap="square" tIns="91425">
-            <a:noAutofit/>
-          </a:bodyPr>
-          <a:lstStyle/>
-          <a:p>
-            <a:pPr indent="0" lvl="0" marL="0" rtl="0" algn="l">
-              <a:lnSpc>
-                <a:spcPct val="100000"/>
-              </a:lnSpc>
-              <a:spcBef>
-                <a:spcPts val="0"/>
-              </a:spcBef>
-              <a:spcAft>
-                <a:spcPts val="0"/>
-              </a:spcAft>
-              <a:buSzPts val="1100"/>
-              <a:buNone/>
-            </a:pPr>
-            <a:r>
-              <a:t/>
-            </a:r>
             <a:endParaRPr/>
           </a:p>
         </p:txBody>
@@ -1899,11 +968,11 @@
 </file>
 
 <file path=ppt/slideLayouts/slideLayout1.xml><?xml version="1.0" encoding="utf-8"?>
-<p:sldLayout xmlns:a="http://schemas.openxmlformats.org/drawingml/2006/main" xmlns:r="http://schemas.openxmlformats.org/officeDocument/2006/relationships" xmlns:mc="http://schemas.openxmlformats.org/markup-compatibility/2006" xmlns:mv="urn:schemas-microsoft-com:mac:vml" xmlns:p="http://schemas.openxmlformats.org/presentationml/2006/main" xmlns:c="http://schemas.openxmlformats.org/drawingml/2006/chart" xmlns:dgm="http://schemas.openxmlformats.org/drawingml/2006/diagram" xmlns:o="urn:schemas-microsoft-com:office:office" xmlns:v="urn:schemas-microsoft-com:vml" xmlns:pvml="urn:schemas-microsoft-com:office:powerpoint" xmlns:com="http://schemas.openxmlformats.org/drawingml/2006/compatibility" xmlns:p14="http://schemas.microsoft.com/office/powerpoint/2010/main" xmlns:p15="http://schemas.microsoft.com/office/powerpoint/2012/main" xmlns:ahyp="http://schemas.microsoft.com/office/drawing/2018/hyperlinkcolor" matchingName="Title slide" type="title">
+<p:sldLayout xmlns:a="http://schemas.openxmlformats.org/drawingml/2006/main" xmlns:r="http://schemas.openxmlformats.org/officeDocument/2006/relationships" xmlns:p="http://schemas.openxmlformats.org/presentationml/2006/main" matchingName="Title slide" type="title">
   <p:cSld name="TITLE">
     <p:spTree>
       <p:nvGrpSpPr>
-        <p:cNvPr id="9" name="Shape 9"/>
+        <p:cNvPr id="1" name="Shape 9"/>
         <p:cNvGrpSpPr/>
         <p:nvPr/>
       </p:nvGrpSpPr>
@@ -1918,7 +987,9 @@
       <p:sp>
         <p:nvSpPr>
           <p:cNvPr id="10" name="Google Shape;10;p2"/>
-          <p:cNvSpPr txBox="1"/>
+          <p:cNvSpPr txBox="1">
+            <a:spLocks noGrp="1"/>
+          </p:cNvSpPr>
           <p:nvPr>
             <p:ph type="ctrTitle"/>
           </p:nvPr>
@@ -1937,7 +1008,7 @@
           </a:ln>
         </p:spPr>
         <p:txBody>
-          <a:bodyPr anchorCtr="0" anchor="b" bIns="91425" lIns="91425" spcFirstLastPara="1" rIns="91425" wrap="square" tIns="91425">
+          <a:bodyPr spcFirstLastPara="1" wrap="square" lIns="91425" tIns="91425" rIns="91425" bIns="91425" anchor="b" anchorCtr="0">
             <a:normAutofit/>
           </a:bodyPr>
           <a:lstStyle>
@@ -2068,15 +1139,19 @@
               <a:defRPr sz="5200"/>
             </a:lvl9pPr>
           </a:lstStyle>
-          <a:p/>
+          <a:p>
+            <a:endParaRPr/>
+          </a:p>
         </p:txBody>
       </p:sp>
       <p:sp>
         <p:nvSpPr>
           <p:cNvPr id="11" name="Google Shape;11;p2"/>
-          <p:cNvSpPr txBox="1"/>
+          <p:cNvSpPr txBox="1">
+            <a:spLocks noGrp="1"/>
+          </p:cNvSpPr>
           <p:nvPr>
-            <p:ph idx="1" type="subTitle"/>
+            <p:ph type="subTitle" idx="1"/>
           </p:nvPr>
         </p:nvSpPr>
         <p:spPr>
@@ -2093,7 +1168,7 @@
           </a:ln>
         </p:spPr>
         <p:txBody>
-          <a:bodyPr anchorCtr="0" anchor="t" bIns="91425" lIns="91425" spcFirstLastPara="1" rIns="91425" wrap="square" tIns="91425">
+          <a:bodyPr spcFirstLastPara="1" wrap="square" lIns="91425" tIns="91425" rIns="91425" bIns="91425" anchor="t" anchorCtr="0">
             <a:normAutofit/>
           </a:bodyPr>
           <a:lstStyle>
@@ -2224,15 +1299,19 @@
               <a:defRPr sz="2800"/>
             </a:lvl9pPr>
           </a:lstStyle>
-          <a:p/>
+          <a:p>
+            <a:endParaRPr/>
+          </a:p>
         </p:txBody>
       </p:sp>
       <p:sp>
         <p:nvSpPr>
           <p:cNvPr id="12" name="Google Shape;12;p2"/>
-          <p:cNvSpPr txBox="1"/>
+          <p:cNvSpPr txBox="1">
+            <a:spLocks noGrp="1"/>
+          </p:cNvSpPr>
           <p:nvPr>
-            <p:ph idx="12" type="sldNum"/>
+            <p:ph type="sldNum" idx="12"/>
           </p:nvPr>
         </p:nvSpPr>
         <p:spPr>
@@ -2249,11 +1328,11 @@
           </a:ln>
         </p:spPr>
         <p:txBody>
-          <a:bodyPr anchorCtr="0" anchor="ctr" bIns="91425" lIns="91425" spcFirstLastPara="1" rIns="91425" wrap="square" tIns="91425">
+          <a:bodyPr spcFirstLastPara="1" wrap="square" lIns="91425" tIns="91425" rIns="91425" bIns="91425" anchor="ctr" anchorCtr="0">
             <a:normAutofit/>
           </a:bodyPr>
           <a:lstStyle>
-            <a:lvl1pPr indent="0" lvl="0" marL="0" marR="0" algn="r">
+            <a:lvl1pPr marL="0" marR="0" lvl="0" indent="0" algn="r">
               <a:lnSpc>
                 <a:spcPct val="100000"/>
               </a:lnSpc>
@@ -2269,7 +1348,7 @@
               <a:buSzPts val="1000"/>
               <a:buFont typeface="Arial"/>
               <a:buNone/>
-              <a:defRPr b="0" i="0" sz="1000" u="none" cap="none" strike="noStrike">
+              <a:defRPr sz="1000" b="0" i="0" u="none" strike="noStrike" cap="none">
                 <a:solidFill>
                   <a:schemeClr val="dk2"/>
                 </a:solidFill>
@@ -2279,7 +1358,7 @@
                 <a:sym typeface="Arial"/>
               </a:defRPr>
             </a:lvl1pPr>
-            <a:lvl2pPr indent="0" lvl="1" marL="0" marR="0" algn="r">
+            <a:lvl2pPr marL="0" marR="0" lvl="1" indent="0" algn="r">
               <a:lnSpc>
                 <a:spcPct val="100000"/>
               </a:lnSpc>
@@ -2295,7 +1374,7 @@
               <a:buSzPts val="1000"/>
               <a:buFont typeface="Arial"/>
               <a:buNone/>
-              <a:defRPr b="0" i="0" sz="1000" u="none" cap="none" strike="noStrike">
+              <a:defRPr sz="1000" b="0" i="0" u="none" strike="noStrike" cap="none">
                 <a:solidFill>
                   <a:schemeClr val="dk2"/>
                 </a:solidFill>
@@ -2305,7 +1384,7 @@
                 <a:sym typeface="Arial"/>
               </a:defRPr>
             </a:lvl2pPr>
-            <a:lvl3pPr indent="0" lvl="2" marL="0" marR="0" algn="r">
+            <a:lvl3pPr marL="0" marR="0" lvl="2" indent="0" algn="r">
               <a:lnSpc>
                 <a:spcPct val="100000"/>
               </a:lnSpc>
@@ -2321,7 +1400,7 @@
               <a:buSzPts val="1000"/>
               <a:buFont typeface="Arial"/>
               <a:buNone/>
-              <a:defRPr b="0" i="0" sz="1000" u="none" cap="none" strike="noStrike">
+              <a:defRPr sz="1000" b="0" i="0" u="none" strike="noStrike" cap="none">
                 <a:solidFill>
                   <a:schemeClr val="dk2"/>
                 </a:solidFill>
@@ -2331,7 +1410,7 @@
                 <a:sym typeface="Arial"/>
               </a:defRPr>
             </a:lvl3pPr>
-            <a:lvl4pPr indent="0" lvl="3" marL="0" marR="0" algn="r">
+            <a:lvl4pPr marL="0" marR="0" lvl="3" indent="0" algn="r">
               <a:lnSpc>
                 <a:spcPct val="100000"/>
               </a:lnSpc>
@@ -2347,7 +1426,7 @@
               <a:buSzPts val="1000"/>
               <a:buFont typeface="Arial"/>
               <a:buNone/>
-              <a:defRPr b="0" i="0" sz="1000" u="none" cap="none" strike="noStrike">
+              <a:defRPr sz="1000" b="0" i="0" u="none" strike="noStrike" cap="none">
                 <a:solidFill>
                   <a:schemeClr val="dk2"/>
                 </a:solidFill>
@@ -2357,7 +1436,7 @@
                 <a:sym typeface="Arial"/>
               </a:defRPr>
             </a:lvl4pPr>
-            <a:lvl5pPr indent="0" lvl="4" marL="0" marR="0" algn="r">
+            <a:lvl5pPr marL="0" marR="0" lvl="4" indent="0" algn="r">
               <a:lnSpc>
                 <a:spcPct val="100000"/>
               </a:lnSpc>
@@ -2373,7 +1452,7 @@
               <a:buSzPts val="1000"/>
               <a:buFont typeface="Arial"/>
               <a:buNone/>
-              <a:defRPr b="0" i="0" sz="1000" u="none" cap="none" strike="noStrike">
+              <a:defRPr sz="1000" b="0" i="0" u="none" strike="noStrike" cap="none">
                 <a:solidFill>
                   <a:schemeClr val="dk2"/>
                 </a:solidFill>
@@ -2383,7 +1462,7 @@
                 <a:sym typeface="Arial"/>
               </a:defRPr>
             </a:lvl5pPr>
-            <a:lvl6pPr indent="0" lvl="5" marL="0" marR="0" algn="r">
+            <a:lvl6pPr marL="0" marR="0" lvl="5" indent="0" algn="r">
               <a:lnSpc>
                 <a:spcPct val="100000"/>
               </a:lnSpc>
@@ -2399,7 +1478,7 @@
               <a:buSzPts val="1000"/>
               <a:buFont typeface="Arial"/>
               <a:buNone/>
-              <a:defRPr b="0" i="0" sz="1000" u="none" cap="none" strike="noStrike">
+              <a:defRPr sz="1000" b="0" i="0" u="none" strike="noStrike" cap="none">
                 <a:solidFill>
                   <a:schemeClr val="dk2"/>
                 </a:solidFill>
@@ -2409,7 +1488,7 @@
                 <a:sym typeface="Arial"/>
               </a:defRPr>
             </a:lvl6pPr>
-            <a:lvl7pPr indent="0" lvl="6" marL="0" marR="0" algn="r">
+            <a:lvl7pPr marL="0" marR="0" lvl="6" indent="0" algn="r">
               <a:lnSpc>
                 <a:spcPct val="100000"/>
               </a:lnSpc>
@@ -2425,7 +1504,7 @@
               <a:buSzPts val="1000"/>
               <a:buFont typeface="Arial"/>
               <a:buNone/>
-              <a:defRPr b="0" i="0" sz="1000" u="none" cap="none" strike="noStrike">
+              <a:defRPr sz="1000" b="0" i="0" u="none" strike="noStrike" cap="none">
                 <a:solidFill>
                   <a:schemeClr val="dk2"/>
                 </a:solidFill>
@@ -2435,7 +1514,7 @@
                 <a:sym typeface="Arial"/>
               </a:defRPr>
             </a:lvl7pPr>
-            <a:lvl8pPr indent="0" lvl="7" marL="0" marR="0" algn="r">
+            <a:lvl8pPr marL="0" marR="0" lvl="7" indent="0" algn="r">
               <a:lnSpc>
                 <a:spcPct val="100000"/>
               </a:lnSpc>
@@ -2451,7 +1530,7 @@
               <a:buSzPts val="1000"/>
               <a:buFont typeface="Arial"/>
               <a:buNone/>
-              <a:defRPr b="0" i="0" sz="1000" u="none" cap="none" strike="noStrike">
+              <a:defRPr sz="1000" b="0" i="0" u="none" strike="noStrike" cap="none">
                 <a:solidFill>
                   <a:schemeClr val="dk2"/>
                 </a:solidFill>
@@ -2461,7 +1540,7 @@
                 <a:sym typeface="Arial"/>
               </a:defRPr>
             </a:lvl8pPr>
-            <a:lvl9pPr indent="0" lvl="8" marL="0" marR="0" algn="r">
+            <a:lvl9pPr marL="0" marR="0" lvl="8" indent="0" algn="r">
               <a:lnSpc>
                 <a:spcPct val="100000"/>
               </a:lnSpc>
@@ -2477,7 +1556,7 @@
               <a:buSzPts val="1000"/>
               <a:buFont typeface="Arial"/>
               <a:buNone/>
-              <a:defRPr b="0" i="0" sz="1000" u="none" cap="none" strike="noStrike">
+              <a:defRPr sz="1000" b="0" i="0" u="none" strike="noStrike" cap="none">
                 <a:solidFill>
                   <a:schemeClr val="dk2"/>
                 </a:solidFill>
@@ -2489,7 +1568,7 @@
             </a:lvl9pPr>
           </a:lstStyle>
           <a:p>
-            <a:pPr indent="0" lvl="0" marL="0" rtl="0" algn="r">
+            <a:pPr marL="0" lvl="0" indent="0" algn="r" rtl="0">
               <a:spcBef>
                 <a:spcPts val="0"/>
               </a:spcBef>
@@ -2515,11 +1594,11 @@
 </file>
 
 <file path=ppt/slideLayouts/slideLayout10.xml><?xml version="1.0" encoding="utf-8"?>
-<p:sldLayout xmlns:a="http://schemas.openxmlformats.org/drawingml/2006/main" xmlns:r="http://schemas.openxmlformats.org/officeDocument/2006/relationships" xmlns:mc="http://schemas.openxmlformats.org/markup-compatibility/2006" xmlns:mv="urn:schemas-microsoft-com:mac:vml" xmlns:p="http://schemas.openxmlformats.org/presentationml/2006/main" xmlns:c="http://schemas.openxmlformats.org/drawingml/2006/chart" xmlns:dgm="http://schemas.openxmlformats.org/drawingml/2006/diagram" xmlns:o="urn:schemas-microsoft-com:office:office" xmlns:v="urn:schemas-microsoft-com:vml" xmlns:pvml="urn:schemas-microsoft-com:office:powerpoint" xmlns:com="http://schemas.openxmlformats.org/drawingml/2006/compatibility" xmlns:p14="http://schemas.microsoft.com/office/powerpoint/2010/main" xmlns:p15="http://schemas.microsoft.com/office/powerpoint/2012/main" xmlns:ahyp="http://schemas.microsoft.com/office/drawing/2018/hyperlinkcolor" matchingName="Big number">
+<p:sldLayout xmlns:a="http://schemas.openxmlformats.org/drawingml/2006/main" xmlns:r="http://schemas.openxmlformats.org/officeDocument/2006/relationships" xmlns:p="http://schemas.openxmlformats.org/presentationml/2006/main" matchingName="Big number">
   <p:cSld name="BIG_NUMBER">
     <p:spTree>
       <p:nvGrpSpPr>
-        <p:cNvPr id="44" name="Shape 44"/>
+        <p:cNvPr id="1" name="Shape 44"/>
         <p:cNvGrpSpPr/>
         <p:nvPr/>
       </p:nvGrpSpPr>
@@ -2534,9 +1613,11 @@
       <p:sp>
         <p:nvSpPr>
           <p:cNvPr id="45" name="Google Shape;45;p11"/>
-          <p:cNvSpPr txBox="1"/>
+          <p:cNvSpPr txBox="1">
+            <a:spLocks noGrp="1"/>
+          </p:cNvSpPr>
           <p:nvPr>
-            <p:ph hasCustomPrompt="1" type="title"/>
+            <p:ph type="title" hasCustomPrompt="1"/>
           </p:nvPr>
         </p:nvSpPr>
         <p:spPr>
@@ -2553,7 +1634,7 @@
           </a:ln>
         </p:spPr>
         <p:txBody>
-          <a:bodyPr anchorCtr="0" anchor="b" bIns="91425" lIns="91425" spcFirstLastPara="1" rIns="91425" wrap="square" tIns="91425">
+          <a:bodyPr spcFirstLastPara="1" wrap="square" lIns="91425" tIns="91425" rIns="91425" bIns="91425" anchor="b" anchorCtr="0">
             <a:normAutofit/>
           </a:bodyPr>
           <a:lstStyle>
@@ -2694,9 +1775,11 @@
       <p:sp>
         <p:nvSpPr>
           <p:cNvPr id="46" name="Google Shape;46;p11"/>
-          <p:cNvSpPr txBox="1"/>
+          <p:cNvSpPr txBox="1">
+            <a:spLocks noGrp="1"/>
+          </p:cNvSpPr>
           <p:nvPr>
-            <p:ph idx="1" type="body"/>
+            <p:ph type="body" idx="1"/>
           </p:nvPr>
         </p:nvSpPr>
         <p:spPr>
@@ -2713,11 +1796,11 @@
           </a:ln>
         </p:spPr>
         <p:txBody>
-          <a:bodyPr anchorCtr="0" anchor="t" bIns="91425" lIns="91425" spcFirstLastPara="1" rIns="91425" wrap="square" tIns="91425">
+          <a:bodyPr spcFirstLastPara="1" wrap="square" lIns="91425" tIns="91425" rIns="91425" bIns="91425" anchor="t" anchorCtr="0">
             <a:normAutofit/>
           </a:bodyPr>
           <a:lstStyle>
-            <a:lvl1pPr indent="-342900" lvl="0" marL="457200" algn="ctr">
+            <a:lvl1pPr marL="457200" lvl="0" indent="-342900" algn="ctr">
               <a:lnSpc>
                 <a:spcPct val="115000"/>
               </a:lnSpc>
@@ -2731,7 +1814,7 @@
               <a:buChar char="●"/>
               <a:defRPr/>
             </a:lvl1pPr>
-            <a:lvl2pPr indent="-317500" lvl="1" marL="914400" algn="ctr">
+            <a:lvl2pPr marL="914400" lvl="1" indent="-317500" algn="ctr">
               <a:lnSpc>
                 <a:spcPct val="115000"/>
               </a:lnSpc>
@@ -2745,7 +1828,7 @@
               <a:buChar char="○"/>
               <a:defRPr/>
             </a:lvl2pPr>
-            <a:lvl3pPr indent="-317500" lvl="2" marL="1371600" algn="ctr">
+            <a:lvl3pPr marL="1371600" lvl="2" indent="-317500" algn="ctr">
               <a:lnSpc>
                 <a:spcPct val="115000"/>
               </a:lnSpc>
@@ -2759,7 +1842,7 @@
               <a:buChar char="■"/>
               <a:defRPr/>
             </a:lvl3pPr>
-            <a:lvl4pPr indent="-317500" lvl="3" marL="1828800" algn="ctr">
+            <a:lvl4pPr marL="1828800" lvl="3" indent="-317500" algn="ctr">
               <a:lnSpc>
                 <a:spcPct val="115000"/>
               </a:lnSpc>
@@ -2773,7 +1856,7 @@
               <a:buChar char="●"/>
               <a:defRPr/>
             </a:lvl4pPr>
-            <a:lvl5pPr indent="-317500" lvl="4" marL="2286000" algn="ctr">
+            <a:lvl5pPr marL="2286000" lvl="4" indent="-317500" algn="ctr">
               <a:lnSpc>
                 <a:spcPct val="115000"/>
               </a:lnSpc>
@@ -2787,7 +1870,7 @@
               <a:buChar char="○"/>
               <a:defRPr/>
             </a:lvl5pPr>
-            <a:lvl6pPr indent="-317500" lvl="5" marL="2743200" algn="ctr">
+            <a:lvl6pPr marL="2743200" lvl="5" indent="-317500" algn="ctr">
               <a:lnSpc>
                 <a:spcPct val="115000"/>
               </a:lnSpc>
@@ -2801,7 +1884,7 @@
               <a:buChar char="■"/>
               <a:defRPr/>
             </a:lvl6pPr>
-            <a:lvl7pPr indent="-317500" lvl="6" marL="3200400" algn="ctr">
+            <a:lvl7pPr marL="3200400" lvl="6" indent="-317500" algn="ctr">
               <a:lnSpc>
                 <a:spcPct val="115000"/>
               </a:lnSpc>
@@ -2815,7 +1898,7 @@
               <a:buChar char="●"/>
               <a:defRPr/>
             </a:lvl7pPr>
-            <a:lvl8pPr indent="-317500" lvl="7" marL="3657600" algn="ctr">
+            <a:lvl8pPr marL="3657600" lvl="7" indent="-317500" algn="ctr">
               <a:lnSpc>
                 <a:spcPct val="115000"/>
               </a:lnSpc>
@@ -2829,7 +1912,7 @@
               <a:buChar char="○"/>
               <a:defRPr/>
             </a:lvl8pPr>
-            <a:lvl9pPr indent="-317500" lvl="8" marL="4114800" algn="ctr">
+            <a:lvl9pPr marL="4114800" lvl="8" indent="-317500" algn="ctr">
               <a:lnSpc>
                 <a:spcPct val="115000"/>
               </a:lnSpc>
@@ -2844,15 +1927,19 @@
               <a:defRPr/>
             </a:lvl9pPr>
           </a:lstStyle>
-          <a:p/>
+          <a:p>
+            <a:endParaRPr/>
+          </a:p>
         </p:txBody>
       </p:sp>
       <p:sp>
         <p:nvSpPr>
           <p:cNvPr id="47" name="Google Shape;47;p11"/>
-          <p:cNvSpPr txBox="1"/>
+          <p:cNvSpPr txBox="1">
+            <a:spLocks noGrp="1"/>
+          </p:cNvSpPr>
           <p:nvPr>
-            <p:ph idx="12" type="sldNum"/>
+            <p:ph type="sldNum" idx="12"/>
           </p:nvPr>
         </p:nvSpPr>
         <p:spPr>
@@ -2869,11 +1956,11 @@
           </a:ln>
         </p:spPr>
         <p:txBody>
-          <a:bodyPr anchorCtr="0" anchor="ctr" bIns="91425" lIns="91425" spcFirstLastPara="1" rIns="91425" wrap="square" tIns="91425">
+          <a:bodyPr spcFirstLastPara="1" wrap="square" lIns="91425" tIns="91425" rIns="91425" bIns="91425" anchor="ctr" anchorCtr="0">
             <a:normAutofit/>
           </a:bodyPr>
           <a:lstStyle>
-            <a:lvl1pPr indent="0" lvl="0" marL="0" marR="0" algn="r">
+            <a:lvl1pPr marL="0" marR="0" lvl="0" indent="0" algn="r">
               <a:lnSpc>
                 <a:spcPct val="100000"/>
               </a:lnSpc>
@@ -2889,7 +1976,7 @@
               <a:buSzPts val="1000"/>
               <a:buFont typeface="Arial"/>
               <a:buNone/>
-              <a:defRPr b="0" i="0" sz="1000" u="none" cap="none" strike="noStrike">
+              <a:defRPr sz="1000" b="0" i="0" u="none" strike="noStrike" cap="none">
                 <a:solidFill>
                   <a:schemeClr val="dk2"/>
                 </a:solidFill>
@@ -2899,7 +1986,7 @@
                 <a:sym typeface="Arial"/>
               </a:defRPr>
             </a:lvl1pPr>
-            <a:lvl2pPr indent="0" lvl="1" marL="0" marR="0" algn="r">
+            <a:lvl2pPr marL="0" marR="0" lvl="1" indent="0" algn="r">
               <a:lnSpc>
                 <a:spcPct val="100000"/>
               </a:lnSpc>
@@ -2915,7 +2002,7 @@
               <a:buSzPts val="1000"/>
               <a:buFont typeface="Arial"/>
               <a:buNone/>
-              <a:defRPr b="0" i="0" sz="1000" u="none" cap="none" strike="noStrike">
+              <a:defRPr sz="1000" b="0" i="0" u="none" strike="noStrike" cap="none">
                 <a:solidFill>
                   <a:schemeClr val="dk2"/>
                 </a:solidFill>
@@ -2925,7 +2012,7 @@
                 <a:sym typeface="Arial"/>
               </a:defRPr>
             </a:lvl2pPr>
-            <a:lvl3pPr indent="0" lvl="2" marL="0" marR="0" algn="r">
+            <a:lvl3pPr marL="0" marR="0" lvl="2" indent="0" algn="r">
               <a:lnSpc>
                 <a:spcPct val="100000"/>
               </a:lnSpc>
@@ -2941,7 +2028,7 @@
               <a:buSzPts val="1000"/>
               <a:buFont typeface="Arial"/>
               <a:buNone/>
-              <a:defRPr b="0" i="0" sz="1000" u="none" cap="none" strike="noStrike">
+              <a:defRPr sz="1000" b="0" i="0" u="none" strike="noStrike" cap="none">
                 <a:solidFill>
                   <a:schemeClr val="dk2"/>
                 </a:solidFill>
@@ -2951,7 +2038,7 @@
                 <a:sym typeface="Arial"/>
               </a:defRPr>
             </a:lvl3pPr>
-            <a:lvl4pPr indent="0" lvl="3" marL="0" marR="0" algn="r">
+            <a:lvl4pPr marL="0" marR="0" lvl="3" indent="0" algn="r">
               <a:lnSpc>
                 <a:spcPct val="100000"/>
               </a:lnSpc>
@@ -2967,7 +2054,7 @@
               <a:buSzPts val="1000"/>
               <a:buFont typeface="Arial"/>
               <a:buNone/>
-              <a:defRPr b="0" i="0" sz="1000" u="none" cap="none" strike="noStrike">
+              <a:defRPr sz="1000" b="0" i="0" u="none" strike="noStrike" cap="none">
                 <a:solidFill>
                   <a:schemeClr val="dk2"/>
                 </a:solidFill>
@@ -2977,7 +2064,7 @@
                 <a:sym typeface="Arial"/>
               </a:defRPr>
             </a:lvl4pPr>
-            <a:lvl5pPr indent="0" lvl="4" marL="0" marR="0" algn="r">
+            <a:lvl5pPr marL="0" marR="0" lvl="4" indent="0" algn="r">
               <a:lnSpc>
                 <a:spcPct val="100000"/>
               </a:lnSpc>
@@ -2993,7 +2080,7 @@
               <a:buSzPts val="1000"/>
               <a:buFont typeface="Arial"/>
               <a:buNone/>
-              <a:defRPr b="0" i="0" sz="1000" u="none" cap="none" strike="noStrike">
+              <a:defRPr sz="1000" b="0" i="0" u="none" strike="noStrike" cap="none">
                 <a:solidFill>
                   <a:schemeClr val="dk2"/>
                 </a:solidFill>
@@ -3003,7 +2090,7 @@
                 <a:sym typeface="Arial"/>
               </a:defRPr>
             </a:lvl5pPr>
-            <a:lvl6pPr indent="0" lvl="5" marL="0" marR="0" algn="r">
+            <a:lvl6pPr marL="0" marR="0" lvl="5" indent="0" algn="r">
               <a:lnSpc>
                 <a:spcPct val="100000"/>
               </a:lnSpc>
@@ -3019,7 +2106,7 @@
               <a:buSzPts val="1000"/>
               <a:buFont typeface="Arial"/>
               <a:buNone/>
-              <a:defRPr b="0" i="0" sz="1000" u="none" cap="none" strike="noStrike">
+              <a:defRPr sz="1000" b="0" i="0" u="none" strike="noStrike" cap="none">
                 <a:solidFill>
                   <a:schemeClr val="dk2"/>
                 </a:solidFill>
@@ -3029,7 +2116,7 @@
                 <a:sym typeface="Arial"/>
               </a:defRPr>
             </a:lvl6pPr>
-            <a:lvl7pPr indent="0" lvl="6" marL="0" marR="0" algn="r">
+            <a:lvl7pPr marL="0" marR="0" lvl="6" indent="0" algn="r">
               <a:lnSpc>
                 <a:spcPct val="100000"/>
               </a:lnSpc>
@@ -3045,7 +2132,7 @@
               <a:buSzPts val="1000"/>
               <a:buFont typeface="Arial"/>
               <a:buNone/>
-              <a:defRPr b="0" i="0" sz="1000" u="none" cap="none" strike="noStrike">
+              <a:defRPr sz="1000" b="0" i="0" u="none" strike="noStrike" cap="none">
                 <a:solidFill>
                   <a:schemeClr val="dk2"/>
                 </a:solidFill>
@@ -3055,7 +2142,7 @@
                 <a:sym typeface="Arial"/>
               </a:defRPr>
             </a:lvl7pPr>
-            <a:lvl8pPr indent="0" lvl="7" marL="0" marR="0" algn="r">
+            <a:lvl8pPr marL="0" marR="0" lvl="7" indent="0" algn="r">
               <a:lnSpc>
                 <a:spcPct val="100000"/>
               </a:lnSpc>
@@ -3071,7 +2158,7 @@
               <a:buSzPts val="1000"/>
               <a:buFont typeface="Arial"/>
               <a:buNone/>
-              <a:defRPr b="0" i="0" sz="1000" u="none" cap="none" strike="noStrike">
+              <a:defRPr sz="1000" b="0" i="0" u="none" strike="noStrike" cap="none">
                 <a:solidFill>
                   <a:schemeClr val="dk2"/>
                 </a:solidFill>
@@ -3081,7 +2168,7 @@
                 <a:sym typeface="Arial"/>
               </a:defRPr>
             </a:lvl8pPr>
-            <a:lvl9pPr indent="0" lvl="8" marL="0" marR="0" algn="r">
+            <a:lvl9pPr marL="0" marR="0" lvl="8" indent="0" algn="r">
               <a:lnSpc>
                 <a:spcPct val="100000"/>
               </a:lnSpc>
@@ -3097,7 +2184,7 @@
               <a:buSzPts val="1000"/>
               <a:buFont typeface="Arial"/>
               <a:buNone/>
-              <a:defRPr b="0" i="0" sz="1000" u="none" cap="none" strike="noStrike">
+              <a:defRPr sz="1000" b="0" i="0" u="none" strike="noStrike" cap="none">
                 <a:solidFill>
                   <a:schemeClr val="dk2"/>
                 </a:solidFill>
@@ -3109,7 +2196,7 @@
             </a:lvl9pPr>
           </a:lstStyle>
           <a:p>
-            <a:pPr indent="0" lvl="0" marL="0" rtl="0" algn="r">
+            <a:pPr marL="0" lvl="0" indent="0" algn="r" rtl="0">
               <a:spcBef>
                 <a:spcPts val="0"/>
               </a:spcBef>
@@ -3135,11 +2222,11 @@
 </file>
 
 <file path=ppt/slideLayouts/slideLayout11.xml><?xml version="1.0" encoding="utf-8"?>
-<p:sldLayout xmlns:a="http://schemas.openxmlformats.org/drawingml/2006/main" xmlns:r="http://schemas.openxmlformats.org/officeDocument/2006/relationships" xmlns:mc="http://schemas.openxmlformats.org/markup-compatibility/2006" xmlns:mv="urn:schemas-microsoft-com:mac:vml" xmlns:p="http://schemas.openxmlformats.org/presentationml/2006/main" xmlns:c="http://schemas.openxmlformats.org/drawingml/2006/chart" xmlns:dgm="http://schemas.openxmlformats.org/drawingml/2006/diagram" xmlns:o="urn:schemas-microsoft-com:office:office" xmlns:v="urn:schemas-microsoft-com:vml" xmlns:pvml="urn:schemas-microsoft-com:office:powerpoint" xmlns:com="http://schemas.openxmlformats.org/drawingml/2006/compatibility" xmlns:p14="http://schemas.microsoft.com/office/powerpoint/2010/main" xmlns:p15="http://schemas.microsoft.com/office/powerpoint/2012/main" xmlns:ahyp="http://schemas.microsoft.com/office/drawing/2018/hyperlinkcolor" matchingName="Blank" type="blank">
+<p:sldLayout xmlns:a="http://schemas.openxmlformats.org/drawingml/2006/main" xmlns:r="http://schemas.openxmlformats.org/officeDocument/2006/relationships" xmlns:p="http://schemas.openxmlformats.org/presentationml/2006/main" matchingName="Blank" type="blank">
   <p:cSld name="BLANK">
     <p:spTree>
       <p:nvGrpSpPr>
-        <p:cNvPr id="48" name="Shape 48"/>
+        <p:cNvPr id="1" name="Shape 48"/>
         <p:cNvGrpSpPr/>
         <p:nvPr/>
       </p:nvGrpSpPr>
@@ -3154,9 +2241,11 @@
       <p:sp>
         <p:nvSpPr>
           <p:cNvPr id="49" name="Google Shape;49;p12"/>
-          <p:cNvSpPr txBox="1"/>
+          <p:cNvSpPr txBox="1">
+            <a:spLocks noGrp="1"/>
+          </p:cNvSpPr>
           <p:nvPr>
-            <p:ph idx="12" type="sldNum"/>
+            <p:ph type="sldNum" idx="12"/>
           </p:nvPr>
         </p:nvSpPr>
         <p:spPr>
@@ -3173,11 +2262,11 @@
           </a:ln>
         </p:spPr>
         <p:txBody>
-          <a:bodyPr anchorCtr="0" anchor="ctr" bIns="91425" lIns="91425" spcFirstLastPara="1" rIns="91425" wrap="square" tIns="91425">
+          <a:bodyPr spcFirstLastPara="1" wrap="square" lIns="91425" tIns="91425" rIns="91425" bIns="91425" anchor="ctr" anchorCtr="0">
             <a:normAutofit/>
           </a:bodyPr>
           <a:lstStyle>
-            <a:lvl1pPr indent="0" lvl="0" marL="0" marR="0" algn="r">
+            <a:lvl1pPr marL="0" marR="0" lvl="0" indent="0" algn="r">
               <a:lnSpc>
                 <a:spcPct val="100000"/>
               </a:lnSpc>
@@ -3193,7 +2282,7 @@
               <a:buSzPts val="1000"/>
               <a:buFont typeface="Arial"/>
               <a:buNone/>
-              <a:defRPr b="0" i="0" sz="1000" u="none" cap="none" strike="noStrike">
+              <a:defRPr sz="1000" b="0" i="0" u="none" strike="noStrike" cap="none">
                 <a:solidFill>
                   <a:schemeClr val="dk2"/>
                 </a:solidFill>
@@ -3203,7 +2292,7 @@
                 <a:sym typeface="Arial"/>
               </a:defRPr>
             </a:lvl1pPr>
-            <a:lvl2pPr indent="0" lvl="1" marL="0" marR="0" algn="r">
+            <a:lvl2pPr marL="0" marR="0" lvl="1" indent="0" algn="r">
               <a:lnSpc>
                 <a:spcPct val="100000"/>
               </a:lnSpc>
@@ -3219,7 +2308,7 @@
               <a:buSzPts val="1000"/>
               <a:buFont typeface="Arial"/>
               <a:buNone/>
-              <a:defRPr b="0" i="0" sz="1000" u="none" cap="none" strike="noStrike">
+              <a:defRPr sz="1000" b="0" i="0" u="none" strike="noStrike" cap="none">
                 <a:solidFill>
                   <a:schemeClr val="dk2"/>
                 </a:solidFill>
@@ -3229,7 +2318,7 @@
                 <a:sym typeface="Arial"/>
               </a:defRPr>
             </a:lvl2pPr>
-            <a:lvl3pPr indent="0" lvl="2" marL="0" marR="0" algn="r">
+            <a:lvl3pPr marL="0" marR="0" lvl="2" indent="0" algn="r">
               <a:lnSpc>
                 <a:spcPct val="100000"/>
               </a:lnSpc>
@@ -3245,7 +2334,7 @@
               <a:buSzPts val="1000"/>
               <a:buFont typeface="Arial"/>
               <a:buNone/>
-              <a:defRPr b="0" i="0" sz="1000" u="none" cap="none" strike="noStrike">
+              <a:defRPr sz="1000" b="0" i="0" u="none" strike="noStrike" cap="none">
                 <a:solidFill>
                   <a:schemeClr val="dk2"/>
                 </a:solidFill>
@@ -3255,7 +2344,7 @@
                 <a:sym typeface="Arial"/>
               </a:defRPr>
             </a:lvl3pPr>
-            <a:lvl4pPr indent="0" lvl="3" marL="0" marR="0" algn="r">
+            <a:lvl4pPr marL="0" marR="0" lvl="3" indent="0" algn="r">
               <a:lnSpc>
                 <a:spcPct val="100000"/>
               </a:lnSpc>
@@ -3271,7 +2360,7 @@
               <a:buSzPts val="1000"/>
               <a:buFont typeface="Arial"/>
               <a:buNone/>
-              <a:defRPr b="0" i="0" sz="1000" u="none" cap="none" strike="noStrike">
+              <a:defRPr sz="1000" b="0" i="0" u="none" strike="noStrike" cap="none">
                 <a:solidFill>
                   <a:schemeClr val="dk2"/>
                 </a:solidFill>
@@ -3281,7 +2370,7 @@
                 <a:sym typeface="Arial"/>
               </a:defRPr>
             </a:lvl4pPr>
-            <a:lvl5pPr indent="0" lvl="4" marL="0" marR="0" algn="r">
+            <a:lvl5pPr marL="0" marR="0" lvl="4" indent="0" algn="r">
               <a:lnSpc>
                 <a:spcPct val="100000"/>
               </a:lnSpc>
@@ -3297,7 +2386,7 @@
               <a:buSzPts val="1000"/>
               <a:buFont typeface="Arial"/>
               <a:buNone/>
-              <a:defRPr b="0" i="0" sz="1000" u="none" cap="none" strike="noStrike">
+              <a:defRPr sz="1000" b="0" i="0" u="none" strike="noStrike" cap="none">
                 <a:solidFill>
                   <a:schemeClr val="dk2"/>
                 </a:solidFill>
@@ -3307,7 +2396,7 @@
                 <a:sym typeface="Arial"/>
               </a:defRPr>
             </a:lvl5pPr>
-            <a:lvl6pPr indent="0" lvl="5" marL="0" marR="0" algn="r">
+            <a:lvl6pPr marL="0" marR="0" lvl="5" indent="0" algn="r">
               <a:lnSpc>
                 <a:spcPct val="100000"/>
               </a:lnSpc>
@@ -3323,7 +2412,7 @@
               <a:buSzPts val="1000"/>
               <a:buFont typeface="Arial"/>
               <a:buNone/>
-              <a:defRPr b="0" i="0" sz="1000" u="none" cap="none" strike="noStrike">
+              <a:defRPr sz="1000" b="0" i="0" u="none" strike="noStrike" cap="none">
                 <a:solidFill>
                   <a:schemeClr val="dk2"/>
                 </a:solidFill>
@@ -3333,7 +2422,7 @@
                 <a:sym typeface="Arial"/>
               </a:defRPr>
             </a:lvl6pPr>
-            <a:lvl7pPr indent="0" lvl="6" marL="0" marR="0" algn="r">
+            <a:lvl7pPr marL="0" marR="0" lvl="6" indent="0" algn="r">
               <a:lnSpc>
                 <a:spcPct val="100000"/>
               </a:lnSpc>
@@ -3349,7 +2438,7 @@
               <a:buSzPts val="1000"/>
               <a:buFont typeface="Arial"/>
               <a:buNone/>
-              <a:defRPr b="0" i="0" sz="1000" u="none" cap="none" strike="noStrike">
+              <a:defRPr sz="1000" b="0" i="0" u="none" strike="noStrike" cap="none">
                 <a:solidFill>
                   <a:schemeClr val="dk2"/>
                 </a:solidFill>
@@ -3359,7 +2448,7 @@
                 <a:sym typeface="Arial"/>
               </a:defRPr>
             </a:lvl7pPr>
-            <a:lvl8pPr indent="0" lvl="7" marL="0" marR="0" algn="r">
+            <a:lvl8pPr marL="0" marR="0" lvl="7" indent="0" algn="r">
               <a:lnSpc>
                 <a:spcPct val="100000"/>
               </a:lnSpc>
@@ -3375,7 +2464,7 @@
               <a:buSzPts val="1000"/>
               <a:buFont typeface="Arial"/>
               <a:buNone/>
-              <a:defRPr b="0" i="0" sz="1000" u="none" cap="none" strike="noStrike">
+              <a:defRPr sz="1000" b="0" i="0" u="none" strike="noStrike" cap="none">
                 <a:solidFill>
                   <a:schemeClr val="dk2"/>
                 </a:solidFill>
@@ -3385,7 +2474,7 @@
                 <a:sym typeface="Arial"/>
               </a:defRPr>
             </a:lvl8pPr>
-            <a:lvl9pPr indent="0" lvl="8" marL="0" marR="0" algn="r">
+            <a:lvl9pPr marL="0" marR="0" lvl="8" indent="0" algn="r">
               <a:lnSpc>
                 <a:spcPct val="100000"/>
               </a:lnSpc>
@@ -3401,7 +2490,7 @@
               <a:buSzPts val="1000"/>
               <a:buFont typeface="Arial"/>
               <a:buNone/>
-              <a:defRPr b="0" i="0" sz="1000" u="none" cap="none" strike="noStrike">
+              <a:defRPr sz="1000" b="0" i="0" u="none" strike="noStrike" cap="none">
                 <a:solidFill>
                   <a:schemeClr val="dk2"/>
                 </a:solidFill>
@@ -3413,7 +2502,7 @@
             </a:lvl9pPr>
           </a:lstStyle>
           <a:p>
-            <a:pPr indent="0" lvl="0" marL="0" rtl="0" algn="r">
+            <a:pPr marL="0" lvl="0" indent="0" algn="r" rtl="0">
               <a:spcBef>
                 <a:spcPts val="0"/>
               </a:spcBef>
@@ -3439,11 +2528,11 @@
 </file>
 
 <file path=ppt/slideLayouts/slideLayout2.xml><?xml version="1.0" encoding="utf-8"?>
-<p:sldLayout xmlns:a="http://schemas.openxmlformats.org/drawingml/2006/main" xmlns:r="http://schemas.openxmlformats.org/officeDocument/2006/relationships" xmlns:mc="http://schemas.openxmlformats.org/markup-compatibility/2006" xmlns:mv="urn:schemas-microsoft-com:mac:vml" xmlns:p="http://schemas.openxmlformats.org/presentationml/2006/main" xmlns:c="http://schemas.openxmlformats.org/drawingml/2006/chart" xmlns:dgm="http://schemas.openxmlformats.org/drawingml/2006/diagram" xmlns:o="urn:schemas-microsoft-com:office:office" xmlns:v="urn:schemas-microsoft-com:vml" xmlns:pvml="urn:schemas-microsoft-com:office:powerpoint" xmlns:com="http://schemas.openxmlformats.org/drawingml/2006/compatibility" xmlns:p14="http://schemas.microsoft.com/office/powerpoint/2010/main" xmlns:p15="http://schemas.microsoft.com/office/powerpoint/2012/main" xmlns:ahyp="http://schemas.microsoft.com/office/drawing/2018/hyperlinkcolor" matchingName="Title and body" type="tx">
+<p:sldLayout xmlns:a="http://schemas.openxmlformats.org/drawingml/2006/main" xmlns:r="http://schemas.openxmlformats.org/officeDocument/2006/relationships" xmlns:p="http://schemas.openxmlformats.org/presentationml/2006/main" matchingName="Title and body" type="tx">
   <p:cSld name="TITLE_AND_BODY">
     <p:spTree>
       <p:nvGrpSpPr>
-        <p:cNvPr id="13" name="Shape 13"/>
+        <p:cNvPr id="1" name="Shape 13"/>
         <p:cNvGrpSpPr/>
         <p:nvPr/>
       </p:nvGrpSpPr>
@@ -3458,7 +2547,9 @@
       <p:sp>
         <p:nvSpPr>
           <p:cNvPr id="14" name="Google Shape;14;p3"/>
-          <p:cNvSpPr txBox="1"/>
+          <p:cNvSpPr txBox="1">
+            <a:spLocks noGrp="1"/>
+          </p:cNvSpPr>
           <p:nvPr>
             <p:ph type="title"/>
           </p:nvPr>
@@ -3477,7 +2568,7 @@
           </a:ln>
         </p:spPr>
         <p:txBody>
-          <a:bodyPr anchorCtr="0" anchor="t" bIns="91425" lIns="91425" spcFirstLastPara="1" rIns="91425" wrap="square" tIns="91425">
+          <a:bodyPr spcFirstLastPara="1" wrap="square" lIns="91425" tIns="91425" rIns="91425" bIns="91425" anchor="t" anchorCtr="0">
             <a:normAutofit/>
           </a:bodyPr>
           <a:lstStyle>
@@ -3608,15 +2699,19 @@
               <a:defRPr/>
             </a:lvl9pPr>
           </a:lstStyle>
-          <a:p/>
+          <a:p>
+            <a:endParaRPr/>
+          </a:p>
         </p:txBody>
       </p:sp>
       <p:sp>
         <p:nvSpPr>
           <p:cNvPr id="15" name="Google Shape;15;p3"/>
-          <p:cNvSpPr txBox="1"/>
+          <p:cNvSpPr txBox="1">
+            <a:spLocks noGrp="1"/>
+          </p:cNvSpPr>
           <p:nvPr>
-            <p:ph idx="1" type="body"/>
+            <p:ph type="body" idx="1"/>
           </p:nvPr>
         </p:nvSpPr>
         <p:spPr>
@@ -3633,11 +2728,11 @@
           </a:ln>
         </p:spPr>
         <p:txBody>
-          <a:bodyPr anchorCtr="0" anchor="t" bIns="91425" lIns="91425" spcFirstLastPara="1" rIns="91425" wrap="square" tIns="91425">
+          <a:bodyPr spcFirstLastPara="1" wrap="square" lIns="91425" tIns="91425" rIns="91425" bIns="91425" anchor="t" anchorCtr="0">
             <a:normAutofit/>
           </a:bodyPr>
           <a:lstStyle>
-            <a:lvl1pPr indent="-342900" lvl="0" marL="457200" algn="l">
+            <a:lvl1pPr marL="457200" lvl="0" indent="-342900" algn="l">
               <a:lnSpc>
                 <a:spcPct val="115000"/>
               </a:lnSpc>
@@ -3651,7 +2746,7 @@
               <a:buChar char="●"/>
               <a:defRPr/>
             </a:lvl1pPr>
-            <a:lvl2pPr indent="-317500" lvl="1" marL="914400" algn="l">
+            <a:lvl2pPr marL="914400" lvl="1" indent="-317500" algn="l">
               <a:lnSpc>
                 <a:spcPct val="115000"/>
               </a:lnSpc>
@@ -3665,7 +2760,7 @@
               <a:buChar char="○"/>
               <a:defRPr/>
             </a:lvl2pPr>
-            <a:lvl3pPr indent="-317500" lvl="2" marL="1371600" algn="l">
+            <a:lvl3pPr marL="1371600" lvl="2" indent="-317500" algn="l">
               <a:lnSpc>
                 <a:spcPct val="115000"/>
               </a:lnSpc>
@@ -3679,7 +2774,7 @@
               <a:buChar char="■"/>
               <a:defRPr/>
             </a:lvl3pPr>
-            <a:lvl4pPr indent="-317500" lvl="3" marL="1828800" algn="l">
+            <a:lvl4pPr marL="1828800" lvl="3" indent="-317500" algn="l">
               <a:lnSpc>
                 <a:spcPct val="115000"/>
               </a:lnSpc>
@@ -3693,7 +2788,7 @@
               <a:buChar char="●"/>
               <a:defRPr/>
             </a:lvl4pPr>
-            <a:lvl5pPr indent="-317500" lvl="4" marL="2286000" algn="l">
+            <a:lvl5pPr marL="2286000" lvl="4" indent="-317500" algn="l">
               <a:lnSpc>
                 <a:spcPct val="115000"/>
               </a:lnSpc>
@@ -3707,7 +2802,7 @@
               <a:buChar char="○"/>
               <a:defRPr/>
             </a:lvl5pPr>
-            <a:lvl6pPr indent="-317500" lvl="5" marL="2743200" algn="l">
+            <a:lvl6pPr marL="2743200" lvl="5" indent="-317500" algn="l">
               <a:lnSpc>
                 <a:spcPct val="115000"/>
               </a:lnSpc>
@@ -3721,7 +2816,7 @@
               <a:buChar char="■"/>
               <a:defRPr/>
             </a:lvl6pPr>
-            <a:lvl7pPr indent="-317500" lvl="6" marL="3200400" algn="l">
+            <a:lvl7pPr marL="3200400" lvl="6" indent="-317500" algn="l">
               <a:lnSpc>
                 <a:spcPct val="115000"/>
               </a:lnSpc>
@@ -3735,7 +2830,7 @@
               <a:buChar char="●"/>
               <a:defRPr/>
             </a:lvl7pPr>
-            <a:lvl8pPr indent="-317500" lvl="7" marL="3657600" algn="l">
+            <a:lvl8pPr marL="3657600" lvl="7" indent="-317500" algn="l">
               <a:lnSpc>
                 <a:spcPct val="115000"/>
               </a:lnSpc>
@@ -3749,7 +2844,7 @@
               <a:buChar char="○"/>
               <a:defRPr/>
             </a:lvl8pPr>
-            <a:lvl9pPr indent="-317500" lvl="8" marL="4114800" algn="l">
+            <a:lvl9pPr marL="4114800" lvl="8" indent="-317500" algn="l">
               <a:lnSpc>
                 <a:spcPct val="115000"/>
               </a:lnSpc>
@@ -3764,15 +2859,19 @@
               <a:defRPr/>
             </a:lvl9pPr>
           </a:lstStyle>
-          <a:p/>
+          <a:p>
+            <a:endParaRPr/>
+          </a:p>
         </p:txBody>
       </p:sp>
       <p:sp>
         <p:nvSpPr>
           <p:cNvPr id="16" name="Google Shape;16;p3"/>
-          <p:cNvSpPr txBox="1"/>
+          <p:cNvSpPr txBox="1">
+            <a:spLocks noGrp="1"/>
+          </p:cNvSpPr>
           <p:nvPr>
-            <p:ph idx="12" type="sldNum"/>
+            <p:ph type="sldNum" idx="12"/>
           </p:nvPr>
         </p:nvSpPr>
         <p:spPr>
@@ -3789,11 +2888,11 @@
           </a:ln>
         </p:spPr>
         <p:txBody>
-          <a:bodyPr anchorCtr="0" anchor="ctr" bIns="91425" lIns="91425" spcFirstLastPara="1" rIns="91425" wrap="square" tIns="91425">
+          <a:bodyPr spcFirstLastPara="1" wrap="square" lIns="91425" tIns="91425" rIns="91425" bIns="91425" anchor="ctr" anchorCtr="0">
             <a:normAutofit/>
           </a:bodyPr>
           <a:lstStyle>
-            <a:lvl1pPr indent="0" lvl="0" marL="0" marR="0" algn="r">
+            <a:lvl1pPr marL="0" marR="0" lvl="0" indent="0" algn="r">
               <a:lnSpc>
                 <a:spcPct val="100000"/>
               </a:lnSpc>
@@ -3809,7 +2908,7 @@
               <a:buSzPts val="1000"/>
               <a:buFont typeface="Arial"/>
               <a:buNone/>
-              <a:defRPr b="0" i="0" sz="1000" u="none" cap="none" strike="noStrike">
+              <a:defRPr sz="1000" b="0" i="0" u="none" strike="noStrike" cap="none">
                 <a:solidFill>
                   <a:schemeClr val="dk2"/>
                 </a:solidFill>
@@ -3819,7 +2918,7 @@
                 <a:sym typeface="Arial"/>
               </a:defRPr>
             </a:lvl1pPr>
-            <a:lvl2pPr indent="0" lvl="1" marL="0" marR="0" algn="r">
+            <a:lvl2pPr marL="0" marR="0" lvl="1" indent="0" algn="r">
               <a:lnSpc>
                 <a:spcPct val="100000"/>
               </a:lnSpc>
@@ -3835,7 +2934,7 @@
               <a:buSzPts val="1000"/>
               <a:buFont typeface="Arial"/>
               <a:buNone/>
-              <a:defRPr b="0" i="0" sz="1000" u="none" cap="none" strike="noStrike">
+              <a:defRPr sz="1000" b="0" i="0" u="none" strike="noStrike" cap="none">
                 <a:solidFill>
                   <a:schemeClr val="dk2"/>
                 </a:solidFill>
@@ -3845,7 +2944,7 @@
                 <a:sym typeface="Arial"/>
               </a:defRPr>
             </a:lvl2pPr>
-            <a:lvl3pPr indent="0" lvl="2" marL="0" marR="0" algn="r">
+            <a:lvl3pPr marL="0" marR="0" lvl="2" indent="0" algn="r">
               <a:lnSpc>
                 <a:spcPct val="100000"/>
               </a:lnSpc>
@@ -3861,7 +2960,7 @@
               <a:buSzPts val="1000"/>
               <a:buFont typeface="Arial"/>
               <a:buNone/>
-              <a:defRPr b="0" i="0" sz="1000" u="none" cap="none" strike="noStrike">
+              <a:defRPr sz="1000" b="0" i="0" u="none" strike="noStrike" cap="none">
                 <a:solidFill>
                   <a:schemeClr val="dk2"/>
                 </a:solidFill>
@@ -3871,7 +2970,7 @@
                 <a:sym typeface="Arial"/>
               </a:defRPr>
             </a:lvl3pPr>
-            <a:lvl4pPr indent="0" lvl="3" marL="0" marR="0" algn="r">
+            <a:lvl4pPr marL="0" marR="0" lvl="3" indent="0" algn="r">
               <a:lnSpc>
                 <a:spcPct val="100000"/>
               </a:lnSpc>
@@ -3887,7 +2986,7 @@
               <a:buSzPts val="1000"/>
               <a:buFont typeface="Arial"/>
               <a:buNone/>
-              <a:defRPr b="0" i="0" sz="1000" u="none" cap="none" strike="noStrike">
+              <a:defRPr sz="1000" b="0" i="0" u="none" strike="noStrike" cap="none">
                 <a:solidFill>
                   <a:schemeClr val="dk2"/>
                 </a:solidFill>
@@ -3897,7 +2996,7 @@
                 <a:sym typeface="Arial"/>
               </a:defRPr>
             </a:lvl4pPr>
-            <a:lvl5pPr indent="0" lvl="4" marL="0" marR="0" algn="r">
+            <a:lvl5pPr marL="0" marR="0" lvl="4" indent="0" algn="r">
               <a:lnSpc>
                 <a:spcPct val="100000"/>
               </a:lnSpc>
@@ -3913,7 +3012,7 @@
               <a:buSzPts val="1000"/>
               <a:buFont typeface="Arial"/>
               <a:buNone/>
-              <a:defRPr b="0" i="0" sz="1000" u="none" cap="none" strike="noStrike">
+              <a:defRPr sz="1000" b="0" i="0" u="none" strike="noStrike" cap="none">
                 <a:solidFill>
                   <a:schemeClr val="dk2"/>
                 </a:solidFill>
@@ -3923,7 +3022,7 @@
                 <a:sym typeface="Arial"/>
               </a:defRPr>
             </a:lvl5pPr>
-            <a:lvl6pPr indent="0" lvl="5" marL="0" marR="0" algn="r">
+            <a:lvl6pPr marL="0" marR="0" lvl="5" indent="0" algn="r">
               <a:lnSpc>
                 <a:spcPct val="100000"/>
               </a:lnSpc>
@@ -3939,7 +3038,7 @@
               <a:buSzPts val="1000"/>
               <a:buFont typeface="Arial"/>
               <a:buNone/>
-              <a:defRPr b="0" i="0" sz="1000" u="none" cap="none" strike="noStrike">
+              <a:defRPr sz="1000" b="0" i="0" u="none" strike="noStrike" cap="none">
                 <a:solidFill>
                   <a:schemeClr val="dk2"/>
                 </a:solidFill>
@@ -3949,7 +3048,7 @@
                 <a:sym typeface="Arial"/>
               </a:defRPr>
             </a:lvl6pPr>
-            <a:lvl7pPr indent="0" lvl="6" marL="0" marR="0" algn="r">
+            <a:lvl7pPr marL="0" marR="0" lvl="6" indent="0" algn="r">
               <a:lnSpc>
                 <a:spcPct val="100000"/>
               </a:lnSpc>
@@ -3965,7 +3064,7 @@
               <a:buSzPts val="1000"/>
               <a:buFont typeface="Arial"/>
               <a:buNone/>
-              <a:defRPr b="0" i="0" sz="1000" u="none" cap="none" strike="noStrike">
+              <a:defRPr sz="1000" b="0" i="0" u="none" strike="noStrike" cap="none">
                 <a:solidFill>
                   <a:schemeClr val="dk2"/>
                 </a:solidFill>
@@ -3975,7 +3074,7 @@
                 <a:sym typeface="Arial"/>
               </a:defRPr>
             </a:lvl7pPr>
-            <a:lvl8pPr indent="0" lvl="7" marL="0" marR="0" algn="r">
+            <a:lvl8pPr marL="0" marR="0" lvl="7" indent="0" algn="r">
               <a:lnSpc>
                 <a:spcPct val="100000"/>
               </a:lnSpc>
@@ -3991,7 +3090,7 @@
               <a:buSzPts val="1000"/>
               <a:buFont typeface="Arial"/>
               <a:buNone/>
-              <a:defRPr b="0" i="0" sz="1000" u="none" cap="none" strike="noStrike">
+              <a:defRPr sz="1000" b="0" i="0" u="none" strike="noStrike" cap="none">
                 <a:solidFill>
                   <a:schemeClr val="dk2"/>
                 </a:solidFill>
@@ -4001,7 +3100,7 @@
                 <a:sym typeface="Arial"/>
               </a:defRPr>
             </a:lvl8pPr>
-            <a:lvl9pPr indent="0" lvl="8" marL="0" marR="0" algn="r">
+            <a:lvl9pPr marL="0" marR="0" lvl="8" indent="0" algn="r">
               <a:lnSpc>
                 <a:spcPct val="100000"/>
               </a:lnSpc>
@@ -4017,7 +3116,7 @@
               <a:buSzPts val="1000"/>
               <a:buFont typeface="Arial"/>
               <a:buNone/>
-              <a:defRPr b="0" i="0" sz="1000" u="none" cap="none" strike="noStrike">
+              <a:defRPr sz="1000" b="0" i="0" u="none" strike="noStrike" cap="none">
                 <a:solidFill>
                   <a:schemeClr val="dk2"/>
                 </a:solidFill>
@@ -4029,7 +3128,7 @@
             </a:lvl9pPr>
           </a:lstStyle>
           <a:p>
-            <a:pPr indent="0" lvl="0" marL="0" rtl="0" algn="r">
+            <a:pPr marL="0" lvl="0" indent="0" algn="r" rtl="0">
               <a:spcBef>
                 <a:spcPts val="0"/>
               </a:spcBef>
@@ -4055,11 +3154,11 @@
 </file>
 
 <file path=ppt/slideLayouts/slideLayout3.xml><?xml version="1.0" encoding="utf-8"?>
-<p:sldLayout xmlns:a="http://schemas.openxmlformats.org/drawingml/2006/main" xmlns:r="http://schemas.openxmlformats.org/officeDocument/2006/relationships" xmlns:mc="http://schemas.openxmlformats.org/markup-compatibility/2006" xmlns:mv="urn:schemas-microsoft-com:mac:vml" xmlns:p="http://schemas.openxmlformats.org/presentationml/2006/main" xmlns:c="http://schemas.openxmlformats.org/drawingml/2006/chart" xmlns:dgm="http://schemas.openxmlformats.org/drawingml/2006/diagram" xmlns:o="urn:schemas-microsoft-com:office:office" xmlns:v="urn:schemas-microsoft-com:vml" xmlns:pvml="urn:schemas-microsoft-com:office:powerpoint" xmlns:com="http://schemas.openxmlformats.org/drawingml/2006/compatibility" xmlns:p14="http://schemas.microsoft.com/office/powerpoint/2010/main" xmlns:p15="http://schemas.microsoft.com/office/powerpoint/2012/main" xmlns:ahyp="http://schemas.microsoft.com/office/drawing/2018/hyperlinkcolor" matchingName="Section header" type="secHead">
+<p:sldLayout xmlns:a="http://schemas.openxmlformats.org/drawingml/2006/main" xmlns:r="http://schemas.openxmlformats.org/officeDocument/2006/relationships" xmlns:p="http://schemas.openxmlformats.org/presentationml/2006/main" matchingName="Section header" type="secHead">
   <p:cSld name="SECTION_HEADER">
     <p:spTree>
       <p:nvGrpSpPr>
-        <p:cNvPr id="17" name="Shape 17"/>
+        <p:cNvPr id="1" name="Shape 17"/>
         <p:cNvGrpSpPr/>
         <p:nvPr/>
       </p:nvGrpSpPr>
@@ -4074,7 +3173,9 @@
       <p:sp>
         <p:nvSpPr>
           <p:cNvPr id="18" name="Google Shape;18;p4"/>
-          <p:cNvSpPr txBox="1"/>
+          <p:cNvSpPr txBox="1">
+            <a:spLocks noGrp="1"/>
+          </p:cNvSpPr>
           <p:nvPr>
             <p:ph type="title"/>
           </p:nvPr>
@@ -4093,7 +3194,7 @@
           </a:ln>
         </p:spPr>
         <p:txBody>
-          <a:bodyPr anchorCtr="0" anchor="ctr" bIns="91425" lIns="91425" spcFirstLastPara="1" rIns="91425" wrap="square" tIns="91425">
+          <a:bodyPr spcFirstLastPara="1" wrap="square" lIns="91425" tIns="91425" rIns="91425" bIns="91425" anchor="ctr" anchorCtr="0">
             <a:normAutofit/>
           </a:bodyPr>
           <a:lstStyle>
@@ -4224,15 +3325,19 @@
               <a:defRPr sz="3600"/>
             </a:lvl9pPr>
           </a:lstStyle>
-          <a:p/>
+          <a:p>
+            <a:endParaRPr/>
+          </a:p>
         </p:txBody>
       </p:sp>
       <p:sp>
         <p:nvSpPr>
           <p:cNvPr id="19" name="Google Shape;19;p4"/>
-          <p:cNvSpPr txBox="1"/>
+          <p:cNvSpPr txBox="1">
+            <a:spLocks noGrp="1"/>
+          </p:cNvSpPr>
           <p:nvPr>
-            <p:ph idx="12" type="sldNum"/>
+            <p:ph type="sldNum" idx="12"/>
           </p:nvPr>
         </p:nvSpPr>
         <p:spPr>
@@ -4249,11 +3354,11 @@
           </a:ln>
         </p:spPr>
         <p:txBody>
-          <a:bodyPr anchorCtr="0" anchor="ctr" bIns="91425" lIns="91425" spcFirstLastPara="1" rIns="91425" wrap="square" tIns="91425">
+          <a:bodyPr spcFirstLastPara="1" wrap="square" lIns="91425" tIns="91425" rIns="91425" bIns="91425" anchor="ctr" anchorCtr="0">
             <a:normAutofit/>
           </a:bodyPr>
           <a:lstStyle>
-            <a:lvl1pPr indent="0" lvl="0" marL="0" marR="0" algn="r">
+            <a:lvl1pPr marL="0" marR="0" lvl="0" indent="0" algn="r">
               <a:lnSpc>
                 <a:spcPct val="100000"/>
               </a:lnSpc>
@@ -4269,7 +3374,7 @@
               <a:buSzPts val="1000"/>
               <a:buFont typeface="Arial"/>
               <a:buNone/>
-              <a:defRPr b="0" i="0" sz="1000" u="none" cap="none" strike="noStrike">
+              <a:defRPr sz="1000" b="0" i="0" u="none" strike="noStrike" cap="none">
                 <a:solidFill>
                   <a:schemeClr val="dk2"/>
                 </a:solidFill>
@@ -4279,7 +3384,7 @@
                 <a:sym typeface="Arial"/>
               </a:defRPr>
             </a:lvl1pPr>
-            <a:lvl2pPr indent="0" lvl="1" marL="0" marR="0" algn="r">
+            <a:lvl2pPr marL="0" marR="0" lvl="1" indent="0" algn="r">
               <a:lnSpc>
                 <a:spcPct val="100000"/>
               </a:lnSpc>
@@ -4295,7 +3400,7 @@
               <a:buSzPts val="1000"/>
               <a:buFont typeface="Arial"/>
               <a:buNone/>
-              <a:defRPr b="0" i="0" sz="1000" u="none" cap="none" strike="noStrike">
+              <a:defRPr sz="1000" b="0" i="0" u="none" strike="noStrike" cap="none">
                 <a:solidFill>
                   <a:schemeClr val="dk2"/>
                 </a:solidFill>
@@ -4305,7 +3410,7 @@
                 <a:sym typeface="Arial"/>
               </a:defRPr>
             </a:lvl2pPr>
-            <a:lvl3pPr indent="0" lvl="2" marL="0" marR="0" algn="r">
+            <a:lvl3pPr marL="0" marR="0" lvl="2" indent="0" algn="r">
               <a:lnSpc>
                 <a:spcPct val="100000"/>
               </a:lnSpc>
@@ -4321,7 +3426,7 @@
               <a:buSzPts val="1000"/>
               <a:buFont typeface="Arial"/>
               <a:buNone/>
-              <a:defRPr b="0" i="0" sz="1000" u="none" cap="none" strike="noStrike">
+              <a:defRPr sz="1000" b="0" i="0" u="none" strike="noStrike" cap="none">
                 <a:solidFill>
                   <a:schemeClr val="dk2"/>
                 </a:solidFill>
@@ -4331,7 +3436,7 @@
                 <a:sym typeface="Arial"/>
               </a:defRPr>
             </a:lvl3pPr>
-            <a:lvl4pPr indent="0" lvl="3" marL="0" marR="0" algn="r">
+            <a:lvl4pPr marL="0" marR="0" lvl="3" indent="0" algn="r">
               <a:lnSpc>
                 <a:spcPct val="100000"/>
               </a:lnSpc>
@@ -4347,7 +3452,7 @@
               <a:buSzPts val="1000"/>
               <a:buFont typeface="Arial"/>
               <a:buNone/>
-              <a:defRPr b="0" i="0" sz="1000" u="none" cap="none" strike="noStrike">
+              <a:defRPr sz="1000" b="0" i="0" u="none" strike="noStrike" cap="none">
                 <a:solidFill>
                   <a:schemeClr val="dk2"/>
                 </a:solidFill>
@@ -4357,7 +3462,7 @@
                 <a:sym typeface="Arial"/>
               </a:defRPr>
             </a:lvl4pPr>
-            <a:lvl5pPr indent="0" lvl="4" marL="0" marR="0" algn="r">
+            <a:lvl5pPr marL="0" marR="0" lvl="4" indent="0" algn="r">
               <a:lnSpc>
                 <a:spcPct val="100000"/>
               </a:lnSpc>
@@ -4373,7 +3478,7 @@
               <a:buSzPts val="1000"/>
               <a:buFont typeface="Arial"/>
               <a:buNone/>
-              <a:defRPr b="0" i="0" sz="1000" u="none" cap="none" strike="noStrike">
+              <a:defRPr sz="1000" b="0" i="0" u="none" strike="noStrike" cap="none">
                 <a:solidFill>
                   <a:schemeClr val="dk2"/>
                 </a:solidFill>
@@ -4383,7 +3488,7 @@
                 <a:sym typeface="Arial"/>
               </a:defRPr>
             </a:lvl5pPr>
-            <a:lvl6pPr indent="0" lvl="5" marL="0" marR="0" algn="r">
+            <a:lvl6pPr marL="0" marR="0" lvl="5" indent="0" algn="r">
               <a:lnSpc>
                 <a:spcPct val="100000"/>
               </a:lnSpc>
@@ -4399,7 +3504,7 @@
               <a:buSzPts val="1000"/>
               <a:buFont typeface="Arial"/>
               <a:buNone/>
-              <a:defRPr b="0" i="0" sz="1000" u="none" cap="none" strike="noStrike">
+              <a:defRPr sz="1000" b="0" i="0" u="none" strike="noStrike" cap="none">
                 <a:solidFill>
                   <a:schemeClr val="dk2"/>
                 </a:solidFill>
@@ -4409,7 +3514,7 @@
                 <a:sym typeface="Arial"/>
               </a:defRPr>
             </a:lvl6pPr>
-            <a:lvl7pPr indent="0" lvl="6" marL="0" marR="0" algn="r">
+            <a:lvl7pPr marL="0" marR="0" lvl="6" indent="0" algn="r">
               <a:lnSpc>
                 <a:spcPct val="100000"/>
               </a:lnSpc>
@@ -4425,7 +3530,7 @@
               <a:buSzPts val="1000"/>
               <a:buFont typeface="Arial"/>
               <a:buNone/>
-              <a:defRPr b="0" i="0" sz="1000" u="none" cap="none" strike="noStrike">
+              <a:defRPr sz="1000" b="0" i="0" u="none" strike="noStrike" cap="none">
                 <a:solidFill>
                   <a:schemeClr val="dk2"/>
                 </a:solidFill>
@@ -4435,7 +3540,7 @@
                 <a:sym typeface="Arial"/>
               </a:defRPr>
             </a:lvl7pPr>
-            <a:lvl8pPr indent="0" lvl="7" marL="0" marR="0" algn="r">
+            <a:lvl8pPr marL="0" marR="0" lvl="7" indent="0" algn="r">
               <a:lnSpc>
                 <a:spcPct val="100000"/>
               </a:lnSpc>
@@ -4451,7 +3556,7 @@
               <a:buSzPts val="1000"/>
               <a:buFont typeface="Arial"/>
               <a:buNone/>
-              <a:defRPr b="0" i="0" sz="1000" u="none" cap="none" strike="noStrike">
+              <a:defRPr sz="1000" b="0" i="0" u="none" strike="noStrike" cap="none">
                 <a:solidFill>
                   <a:schemeClr val="dk2"/>
                 </a:solidFill>
@@ -4461,7 +3566,7 @@
                 <a:sym typeface="Arial"/>
               </a:defRPr>
             </a:lvl8pPr>
-            <a:lvl9pPr indent="0" lvl="8" marL="0" marR="0" algn="r">
+            <a:lvl9pPr marL="0" marR="0" lvl="8" indent="0" algn="r">
               <a:lnSpc>
                 <a:spcPct val="100000"/>
               </a:lnSpc>
@@ -4477,7 +3582,7 @@
               <a:buSzPts val="1000"/>
               <a:buFont typeface="Arial"/>
               <a:buNone/>
-              <a:defRPr b="0" i="0" sz="1000" u="none" cap="none" strike="noStrike">
+              <a:defRPr sz="1000" b="0" i="0" u="none" strike="noStrike" cap="none">
                 <a:solidFill>
                   <a:schemeClr val="dk2"/>
                 </a:solidFill>
@@ -4489,7 +3594,7 @@
             </a:lvl9pPr>
           </a:lstStyle>
           <a:p>
-            <a:pPr indent="0" lvl="0" marL="0" rtl="0" algn="r">
+            <a:pPr marL="0" lvl="0" indent="0" algn="r" rtl="0">
               <a:spcBef>
                 <a:spcPts val="0"/>
               </a:spcBef>
@@ -4515,11 +3620,11 @@
 </file>
 
 <file path=ppt/slideLayouts/slideLayout4.xml><?xml version="1.0" encoding="utf-8"?>
-<p:sldLayout xmlns:a="http://schemas.openxmlformats.org/drawingml/2006/main" xmlns:r="http://schemas.openxmlformats.org/officeDocument/2006/relationships" xmlns:mc="http://schemas.openxmlformats.org/markup-compatibility/2006" xmlns:mv="urn:schemas-microsoft-com:mac:vml" xmlns:p="http://schemas.openxmlformats.org/presentationml/2006/main" xmlns:c="http://schemas.openxmlformats.org/drawingml/2006/chart" xmlns:dgm="http://schemas.openxmlformats.org/drawingml/2006/diagram" xmlns:o="urn:schemas-microsoft-com:office:office" xmlns:v="urn:schemas-microsoft-com:vml" xmlns:pvml="urn:schemas-microsoft-com:office:powerpoint" xmlns:com="http://schemas.openxmlformats.org/drawingml/2006/compatibility" xmlns:p14="http://schemas.microsoft.com/office/powerpoint/2010/main" xmlns:p15="http://schemas.microsoft.com/office/powerpoint/2012/main" xmlns:ahyp="http://schemas.microsoft.com/office/drawing/2018/hyperlinkcolor" matchingName="Title and two columns" type="twoColTx">
+<p:sldLayout xmlns:a="http://schemas.openxmlformats.org/drawingml/2006/main" xmlns:r="http://schemas.openxmlformats.org/officeDocument/2006/relationships" xmlns:p="http://schemas.openxmlformats.org/presentationml/2006/main" matchingName="Title and two columns" type="twoColTx">
   <p:cSld name="TITLE_AND_TWO_COLUMNS">
     <p:spTree>
       <p:nvGrpSpPr>
-        <p:cNvPr id="20" name="Shape 20"/>
+        <p:cNvPr id="1" name="Shape 20"/>
         <p:cNvGrpSpPr/>
         <p:nvPr/>
       </p:nvGrpSpPr>
@@ -4534,7 +3639,9 @@
       <p:sp>
         <p:nvSpPr>
           <p:cNvPr id="21" name="Google Shape;21;p5"/>
-          <p:cNvSpPr txBox="1"/>
+          <p:cNvSpPr txBox="1">
+            <a:spLocks noGrp="1"/>
+          </p:cNvSpPr>
           <p:nvPr>
             <p:ph type="title"/>
           </p:nvPr>
@@ -4553,7 +3660,7 @@
           </a:ln>
         </p:spPr>
         <p:txBody>
-          <a:bodyPr anchorCtr="0" anchor="t" bIns="91425" lIns="91425" spcFirstLastPara="1" rIns="91425" wrap="square" tIns="91425">
+          <a:bodyPr spcFirstLastPara="1" wrap="square" lIns="91425" tIns="91425" rIns="91425" bIns="91425" anchor="t" anchorCtr="0">
             <a:normAutofit/>
           </a:bodyPr>
           <a:lstStyle>
@@ -4684,15 +3791,19 @@
               <a:defRPr/>
             </a:lvl9pPr>
           </a:lstStyle>
-          <a:p/>
+          <a:p>
+            <a:endParaRPr/>
+          </a:p>
         </p:txBody>
       </p:sp>
       <p:sp>
         <p:nvSpPr>
           <p:cNvPr id="22" name="Google Shape;22;p5"/>
-          <p:cNvSpPr txBox="1"/>
+          <p:cNvSpPr txBox="1">
+            <a:spLocks noGrp="1"/>
+          </p:cNvSpPr>
           <p:nvPr>
-            <p:ph idx="1" type="body"/>
+            <p:ph type="body" idx="1"/>
           </p:nvPr>
         </p:nvSpPr>
         <p:spPr>
@@ -4709,11 +3820,11 @@
           </a:ln>
         </p:spPr>
         <p:txBody>
-          <a:bodyPr anchorCtr="0" anchor="t" bIns="91425" lIns="91425" spcFirstLastPara="1" rIns="91425" wrap="square" tIns="91425">
+          <a:bodyPr spcFirstLastPara="1" wrap="square" lIns="91425" tIns="91425" rIns="91425" bIns="91425" anchor="t" anchorCtr="0">
             <a:normAutofit/>
           </a:bodyPr>
           <a:lstStyle>
-            <a:lvl1pPr indent="-317500" lvl="0" marL="457200" algn="l">
+            <a:lvl1pPr marL="457200" lvl="0" indent="-317500" algn="l">
               <a:lnSpc>
                 <a:spcPct val="115000"/>
               </a:lnSpc>
@@ -4727,7 +3838,7 @@
               <a:buChar char="●"/>
               <a:defRPr sz="1400"/>
             </a:lvl1pPr>
-            <a:lvl2pPr indent="-304800" lvl="1" marL="914400" algn="l">
+            <a:lvl2pPr marL="914400" lvl="1" indent="-304800" algn="l">
               <a:lnSpc>
                 <a:spcPct val="115000"/>
               </a:lnSpc>
@@ -4741,7 +3852,7 @@
               <a:buChar char="○"/>
               <a:defRPr sz="1200"/>
             </a:lvl2pPr>
-            <a:lvl3pPr indent="-304800" lvl="2" marL="1371600" algn="l">
+            <a:lvl3pPr marL="1371600" lvl="2" indent="-304800" algn="l">
               <a:lnSpc>
                 <a:spcPct val="115000"/>
               </a:lnSpc>
@@ -4755,7 +3866,7 @@
               <a:buChar char="■"/>
               <a:defRPr sz="1200"/>
             </a:lvl3pPr>
-            <a:lvl4pPr indent="-304800" lvl="3" marL="1828800" algn="l">
+            <a:lvl4pPr marL="1828800" lvl="3" indent="-304800" algn="l">
               <a:lnSpc>
                 <a:spcPct val="115000"/>
               </a:lnSpc>
@@ -4769,7 +3880,7 @@
               <a:buChar char="●"/>
               <a:defRPr sz="1200"/>
             </a:lvl4pPr>
-            <a:lvl5pPr indent="-304800" lvl="4" marL="2286000" algn="l">
+            <a:lvl5pPr marL="2286000" lvl="4" indent="-304800" algn="l">
               <a:lnSpc>
                 <a:spcPct val="115000"/>
               </a:lnSpc>
@@ -4783,7 +3894,7 @@
               <a:buChar char="○"/>
               <a:defRPr sz="1200"/>
             </a:lvl5pPr>
-            <a:lvl6pPr indent="-304800" lvl="5" marL="2743200" algn="l">
+            <a:lvl6pPr marL="2743200" lvl="5" indent="-304800" algn="l">
               <a:lnSpc>
                 <a:spcPct val="115000"/>
               </a:lnSpc>
@@ -4797,7 +3908,7 @@
               <a:buChar char="■"/>
               <a:defRPr sz="1200"/>
             </a:lvl6pPr>
-            <a:lvl7pPr indent="-304800" lvl="6" marL="3200400" algn="l">
+            <a:lvl7pPr marL="3200400" lvl="6" indent="-304800" algn="l">
               <a:lnSpc>
                 <a:spcPct val="115000"/>
               </a:lnSpc>
@@ -4811,7 +3922,7 @@
               <a:buChar char="●"/>
               <a:defRPr sz="1200"/>
             </a:lvl7pPr>
-            <a:lvl8pPr indent="-304800" lvl="7" marL="3657600" algn="l">
+            <a:lvl8pPr marL="3657600" lvl="7" indent="-304800" algn="l">
               <a:lnSpc>
                 <a:spcPct val="115000"/>
               </a:lnSpc>
@@ -4825,7 +3936,7 @@
               <a:buChar char="○"/>
               <a:defRPr sz="1200"/>
             </a:lvl8pPr>
-            <a:lvl9pPr indent="-304800" lvl="8" marL="4114800" algn="l">
+            <a:lvl9pPr marL="4114800" lvl="8" indent="-304800" algn="l">
               <a:lnSpc>
                 <a:spcPct val="115000"/>
               </a:lnSpc>
@@ -4840,15 +3951,19 @@
               <a:defRPr sz="1200"/>
             </a:lvl9pPr>
           </a:lstStyle>
-          <a:p/>
+          <a:p>
+            <a:endParaRPr/>
+          </a:p>
         </p:txBody>
       </p:sp>
       <p:sp>
         <p:nvSpPr>
           <p:cNvPr id="23" name="Google Shape;23;p5"/>
-          <p:cNvSpPr txBox="1"/>
+          <p:cNvSpPr txBox="1">
+            <a:spLocks noGrp="1"/>
+          </p:cNvSpPr>
           <p:nvPr>
-            <p:ph idx="2" type="body"/>
+            <p:ph type="body" idx="2"/>
           </p:nvPr>
         </p:nvSpPr>
         <p:spPr>
@@ -4865,11 +3980,11 @@
           </a:ln>
         </p:spPr>
         <p:txBody>
-          <a:bodyPr anchorCtr="0" anchor="t" bIns="91425" lIns="91425" spcFirstLastPara="1" rIns="91425" wrap="square" tIns="91425">
+          <a:bodyPr spcFirstLastPara="1" wrap="square" lIns="91425" tIns="91425" rIns="91425" bIns="91425" anchor="t" anchorCtr="0">
             <a:normAutofit/>
           </a:bodyPr>
           <a:lstStyle>
-            <a:lvl1pPr indent="-317500" lvl="0" marL="457200" algn="l">
+            <a:lvl1pPr marL="457200" lvl="0" indent="-317500" algn="l">
               <a:lnSpc>
                 <a:spcPct val="115000"/>
               </a:lnSpc>
@@ -4883,7 +3998,7 @@
               <a:buChar char="●"/>
               <a:defRPr sz="1400"/>
             </a:lvl1pPr>
-            <a:lvl2pPr indent="-304800" lvl="1" marL="914400" algn="l">
+            <a:lvl2pPr marL="914400" lvl="1" indent="-304800" algn="l">
               <a:lnSpc>
                 <a:spcPct val="115000"/>
               </a:lnSpc>
@@ -4897,7 +4012,7 @@
               <a:buChar char="○"/>
               <a:defRPr sz="1200"/>
             </a:lvl2pPr>
-            <a:lvl3pPr indent="-304800" lvl="2" marL="1371600" algn="l">
+            <a:lvl3pPr marL="1371600" lvl="2" indent="-304800" algn="l">
               <a:lnSpc>
                 <a:spcPct val="115000"/>
               </a:lnSpc>
@@ -4911,7 +4026,7 @@
               <a:buChar char="■"/>
               <a:defRPr sz="1200"/>
             </a:lvl3pPr>
-            <a:lvl4pPr indent="-304800" lvl="3" marL="1828800" algn="l">
+            <a:lvl4pPr marL="1828800" lvl="3" indent="-304800" algn="l">
               <a:lnSpc>
                 <a:spcPct val="115000"/>
               </a:lnSpc>
@@ -4925,7 +4040,7 @@
               <a:buChar char="●"/>
               <a:defRPr sz="1200"/>
             </a:lvl4pPr>
-            <a:lvl5pPr indent="-304800" lvl="4" marL="2286000" algn="l">
+            <a:lvl5pPr marL="2286000" lvl="4" indent="-304800" algn="l">
               <a:lnSpc>
                 <a:spcPct val="115000"/>
               </a:lnSpc>
@@ -4939,7 +4054,7 @@
               <a:buChar char="○"/>
               <a:defRPr sz="1200"/>
             </a:lvl5pPr>
-            <a:lvl6pPr indent="-304800" lvl="5" marL="2743200" algn="l">
+            <a:lvl6pPr marL="2743200" lvl="5" indent="-304800" algn="l">
               <a:lnSpc>
                 <a:spcPct val="115000"/>
               </a:lnSpc>
@@ -4953,7 +4068,7 @@
               <a:buChar char="■"/>
               <a:defRPr sz="1200"/>
             </a:lvl6pPr>
-            <a:lvl7pPr indent="-304800" lvl="6" marL="3200400" algn="l">
+            <a:lvl7pPr marL="3200400" lvl="6" indent="-304800" algn="l">
               <a:lnSpc>
                 <a:spcPct val="115000"/>
               </a:lnSpc>
@@ -4967,7 +4082,7 @@
               <a:buChar char="●"/>
               <a:defRPr sz="1200"/>
             </a:lvl7pPr>
-            <a:lvl8pPr indent="-304800" lvl="7" marL="3657600" algn="l">
+            <a:lvl8pPr marL="3657600" lvl="7" indent="-304800" algn="l">
               <a:lnSpc>
                 <a:spcPct val="115000"/>
               </a:lnSpc>
@@ -4981,7 +4096,7 @@
               <a:buChar char="○"/>
               <a:defRPr sz="1200"/>
             </a:lvl8pPr>
-            <a:lvl9pPr indent="-304800" lvl="8" marL="4114800" algn="l">
+            <a:lvl9pPr marL="4114800" lvl="8" indent="-304800" algn="l">
               <a:lnSpc>
                 <a:spcPct val="115000"/>
               </a:lnSpc>
@@ -4996,15 +4111,19 @@
               <a:defRPr sz="1200"/>
             </a:lvl9pPr>
           </a:lstStyle>
-          <a:p/>
+          <a:p>
+            <a:endParaRPr/>
+          </a:p>
         </p:txBody>
       </p:sp>
       <p:sp>
         <p:nvSpPr>
           <p:cNvPr id="24" name="Google Shape;24;p5"/>
-          <p:cNvSpPr txBox="1"/>
+          <p:cNvSpPr txBox="1">
+            <a:spLocks noGrp="1"/>
+          </p:cNvSpPr>
           <p:nvPr>
-            <p:ph idx="12" type="sldNum"/>
+            <p:ph type="sldNum" idx="12"/>
           </p:nvPr>
         </p:nvSpPr>
         <p:spPr>
@@ -5021,11 +4140,11 @@
           </a:ln>
         </p:spPr>
         <p:txBody>
-          <a:bodyPr anchorCtr="0" anchor="ctr" bIns="91425" lIns="91425" spcFirstLastPara="1" rIns="91425" wrap="square" tIns="91425">
+          <a:bodyPr spcFirstLastPara="1" wrap="square" lIns="91425" tIns="91425" rIns="91425" bIns="91425" anchor="ctr" anchorCtr="0">
             <a:normAutofit/>
           </a:bodyPr>
           <a:lstStyle>
-            <a:lvl1pPr indent="0" lvl="0" marL="0" marR="0" algn="r">
+            <a:lvl1pPr marL="0" marR="0" lvl="0" indent="0" algn="r">
               <a:lnSpc>
                 <a:spcPct val="100000"/>
               </a:lnSpc>
@@ -5041,7 +4160,7 @@
               <a:buSzPts val="1000"/>
               <a:buFont typeface="Arial"/>
               <a:buNone/>
-              <a:defRPr b="0" i="0" sz="1000" u="none" cap="none" strike="noStrike">
+              <a:defRPr sz="1000" b="0" i="0" u="none" strike="noStrike" cap="none">
                 <a:solidFill>
                   <a:schemeClr val="dk2"/>
                 </a:solidFill>
@@ -5051,7 +4170,7 @@
                 <a:sym typeface="Arial"/>
               </a:defRPr>
             </a:lvl1pPr>
-            <a:lvl2pPr indent="0" lvl="1" marL="0" marR="0" algn="r">
+            <a:lvl2pPr marL="0" marR="0" lvl="1" indent="0" algn="r">
               <a:lnSpc>
                 <a:spcPct val="100000"/>
               </a:lnSpc>
@@ -5067,7 +4186,7 @@
               <a:buSzPts val="1000"/>
               <a:buFont typeface="Arial"/>
               <a:buNone/>
-              <a:defRPr b="0" i="0" sz="1000" u="none" cap="none" strike="noStrike">
+              <a:defRPr sz="1000" b="0" i="0" u="none" strike="noStrike" cap="none">
                 <a:solidFill>
                   <a:schemeClr val="dk2"/>
                 </a:solidFill>
@@ -5077,7 +4196,7 @@
                 <a:sym typeface="Arial"/>
               </a:defRPr>
             </a:lvl2pPr>
-            <a:lvl3pPr indent="0" lvl="2" marL="0" marR="0" algn="r">
+            <a:lvl3pPr marL="0" marR="0" lvl="2" indent="0" algn="r">
               <a:lnSpc>
                 <a:spcPct val="100000"/>
               </a:lnSpc>
@@ -5093,7 +4212,7 @@
               <a:buSzPts val="1000"/>
               <a:buFont typeface="Arial"/>
               <a:buNone/>
-              <a:defRPr b="0" i="0" sz="1000" u="none" cap="none" strike="noStrike">
+              <a:defRPr sz="1000" b="0" i="0" u="none" strike="noStrike" cap="none">
                 <a:solidFill>
                   <a:schemeClr val="dk2"/>
                 </a:solidFill>
@@ -5103,7 +4222,7 @@
                 <a:sym typeface="Arial"/>
               </a:defRPr>
             </a:lvl3pPr>
-            <a:lvl4pPr indent="0" lvl="3" marL="0" marR="0" algn="r">
+            <a:lvl4pPr marL="0" marR="0" lvl="3" indent="0" algn="r">
               <a:lnSpc>
                 <a:spcPct val="100000"/>
               </a:lnSpc>
@@ -5119,7 +4238,7 @@
               <a:buSzPts val="1000"/>
               <a:buFont typeface="Arial"/>
               <a:buNone/>
-              <a:defRPr b="0" i="0" sz="1000" u="none" cap="none" strike="noStrike">
+              <a:defRPr sz="1000" b="0" i="0" u="none" strike="noStrike" cap="none">
                 <a:solidFill>
                   <a:schemeClr val="dk2"/>
                 </a:solidFill>
@@ -5129,7 +4248,7 @@
                 <a:sym typeface="Arial"/>
               </a:defRPr>
             </a:lvl4pPr>
-            <a:lvl5pPr indent="0" lvl="4" marL="0" marR="0" algn="r">
+            <a:lvl5pPr marL="0" marR="0" lvl="4" indent="0" algn="r">
               <a:lnSpc>
                 <a:spcPct val="100000"/>
               </a:lnSpc>
@@ -5145,7 +4264,7 @@
               <a:buSzPts val="1000"/>
               <a:buFont typeface="Arial"/>
               <a:buNone/>
-              <a:defRPr b="0" i="0" sz="1000" u="none" cap="none" strike="noStrike">
+              <a:defRPr sz="1000" b="0" i="0" u="none" strike="noStrike" cap="none">
                 <a:solidFill>
                   <a:schemeClr val="dk2"/>
                 </a:solidFill>
@@ -5155,7 +4274,7 @@
                 <a:sym typeface="Arial"/>
               </a:defRPr>
             </a:lvl5pPr>
-            <a:lvl6pPr indent="0" lvl="5" marL="0" marR="0" algn="r">
+            <a:lvl6pPr marL="0" marR="0" lvl="5" indent="0" algn="r">
               <a:lnSpc>
                 <a:spcPct val="100000"/>
               </a:lnSpc>
@@ -5171,7 +4290,7 @@
               <a:buSzPts val="1000"/>
               <a:buFont typeface="Arial"/>
               <a:buNone/>
-              <a:defRPr b="0" i="0" sz="1000" u="none" cap="none" strike="noStrike">
+              <a:defRPr sz="1000" b="0" i="0" u="none" strike="noStrike" cap="none">
                 <a:solidFill>
                   <a:schemeClr val="dk2"/>
                 </a:solidFill>
@@ -5181,7 +4300,7 @@
                 <a:sym typeface="Arial"/>
               </a:defRPr>
             </a:lvl6pPr>
-            <a:lvl7pPr indent="0" lvl="6" marL="0" marR="0" algn="r">
+            <a:lvl7pPr marL="0" marR="0" lvl="6" indent="0" algn="r">
               <a:lnSpc>
                 <a:spcPct val="100000"/>
               </a:lnSpc>
@@ -5197,7 +4316,7 @@
               <a:buSzPts val="1000"/>
               <a:buFont typeface="Arial"/>
               <a:buNone/>
-              <a:defRPr b="0" i="0" sz="1000" u="none" cap="none" strike="noStrike">
+              <a:defRPr sz="1000" b="0" i="0" u="none" strike="noStrike" cap="none">
                 <a:solidFill>
                   <a:schemeClr val="dk2"/>
                 </a:solidFill>
@@ -5207,7 +4326,7 @@
                 <a:sym typeface="Arial"/>
               </a:defRPr>
             </a:lvl7pPr>
-            <a:lvl8pPr indent="0" lvl="7" marL="0" marR="0" algn="r">
+            <a:lvl8pPr marL="0" marR="0" lvl="7" indent="0" algn="r">
               <a:lnSpc>
                 <a:spcPct val="100000"/>
               </a:lnSpc>
@@ -5223,7 +4342,7 @@
               <a:buSzPts val="1000"/>
               <a:buFont typeface="Arial"/>
               <a:buNone/>
-              <a:defRPr b="0" i="0" sz="1000" u="none" cap="none" strike="noStrike">
+              <a:defRPr sz="1000" b="0" i="0" u="none" strike="noStrike" cap="none">
                 <a:solidFill>
                   <a:schemeClr val="dk2"/>
                 </a:solidFill>
@@ -5233,7 +4352,7 @@
                 <a:sym typeface="Arial"/>
               </a:defRPr>
             </a:lvl8pPr>
-            <a:lvl9pPr indent="0" lvl="8" marL="0" marR="0" algn="r">
+            <a:lvl9pPr marL="0" marR="0" lvl="8" indent="0" algn="r">
               <a:lnSpc>
                 <a:spcPct val="100000"/>
               </a:lnSpc>
@@ -5249,7 +4368,7 @@
               <a:buSzPts val="1000"/>
               <a:buFont typeface="Arial"/>
               <a:buNone/>
-              <a:defRPr b="0" i="0" sz="1000" u="none" cap="none" strike="noStrike">
+              <a:defRPr sz="1000" b="0" i="0" u="none" strike="noStrike" cap="none">
                 <a:solidFill>
                   <a:schemeClr val="dk2"/>
                 </a:solidFill>
@@ -5261,7 +4380,7 @@
             </a:lvl9pPr>
           </a:lstStyle>
           <a:p>
-            <a:pPr indent="0" lvl="0" marL="0" rtl="0" algn="r">
+            <a:pPr marL="0" lvl="0" indent="0" algn="r" rtl="0">
               <a:spcBef>
                 <a:spcPts val="0"/>
               </a:spcBef>
@@ -5287,11 +4406,11 @@
 </file>
 
 <file path=ppt/slideLayouts/slideLayout5.xml><?xml version="1.0" encoding="utf-8"?>
-<p:sldLayout xmlns:a="http://schemas.openxmlformats.org/drawingml/2006/main" xmlns:r="http://schemas.openxmlformats.org/officeDocument/2006/relationships" xmlns:mc="http://schemas.openxmlformats.org/markup-compatibility/2006" xmlns:mv="urn:schemas-microsoft-com:mac:vml" xmlns:p="http://schemas.openxmlformats.org/presentationml/2006/main" xmlns:c="http://schemas.openxmlformats.org/drawingml/2006/chart" xmlns:dgm="http://schemas.openxmlformats.org/drawingml/2006/diagram" xmlns:o="urn:schemas-microsoft-com:office:office" xmlns:v="urn:schemas-microsoft-com:vml" xmlns:pvml="urn:schemas-microsoft-com:office:powerpoint" xmlns:com="http://schemas.openxmlformats.org/drawingml/2006/compatibility" xmlns:p14="http://schemas.microsoft.com/office/powerpoint/2010/main" xmlns:p15="http://schemas.microsoft.com/office/powerpoint/2012/main" xmlns:ahyp="http://schemas.microsoft.com/office/drawing/2018/hyperlinkcolor" matchingName="Title only" type="titleOnly">
+<p:sldLayout xmlns:a="http://schemas.openxmlformats.org/drawingml/2006/main" xmlns:r="http://schemas.openxmlformats.org/officeDocument/2006/relationships" xmlns:p="http://schemas.openxmlformats.org/presentationml/2006/main" matchingName="Title only" type="titleOnly">
   <p:cSld name="TITLE_ONLY">
     <p:spTree>
       <p:nvGrpSpPr>
-        <p:cNvPr id="25" name="Shape 25"/>
+        <p:cNvPr id="1" name="Shape 25"/>
         <p:cNvGrpSpPr/>
         <p:nvPr/>
       </p:nvGrpSpPr>
@@ -5306,7 +4425,9 @@
       <p:sp>
         <p:nvSpPr>
           <p:cNvPr id="26" name="Google Shape;26;p6"/>
-          <p:cNvSpPr txBox="1"/>
+          <p:cNvSpPr txBox="1">
+            <a:spLocks noGrp="1"/>
+          </p:cNvSpPr>
           <p:nvPr>
             <p:ph type="title"/>
           </p:nvPr>
@@ -5325,7 +4446,7 @@
           </a:ln>
         </p:spPr>
         <p:txBody>
-          <a:bodyPr anchorCtr="0" anchor="t" bIns="91425" lIns="91425" spcFirstLastPara="1" rIns="91425" wrap="square" tIns="91425">
+          <a:bodyPr spcFirstLastPara="1" wrap="square" lIns="91425" tIns="91425" rIns="91425" bIns="91425" anchor="t" anchorCtr="0">
             <a:normAutofit/>
           </a:bodyPr>
           <a:lstStyle>
@@ -5456,15 +4577,19 @@
               <a:defRPr/>
             </a:lvl9pPr>
           </a:lstStyle>
-          <a:p/>
+          <a:p>
+            <a:endParaRPr/>
+          </a:p>
         </p:txBody>
       </p:sp>
       <p:sp>
         <p:nvSpPr>
           <p:cNvPr id="27" name="Google Shape;27;p6"/>
-          <p:cNvSpPr txBox="1"/>
+          <p:cNvSpPr txBox="1">
+            <a:spLocks noGrp="1"/>
+          </p:cNvSpPr>
           <p:nvPr>
-            <p:ph idx="12" type="sldNum"/>
+            <p:ph type="sldNum" idx="12"/>
           </p:nvPr>
         </p:nvSpPr>
         <p:spPr>
@@ -5481,11 +4606,11 @@
           </a:ln>
         </p:spPr>
         <p:txBody>
-          <a:bodyPr anchorCtr="0" anchor="ctr" bIns="91425" lIns="91425" spcFirstLastPara="1" rIns="91425" wrap="square" tIns="91425">
+          <a:bodyPr spcFirstLastPara="1" wrap="square" lIns="91425" tIns="91425" rIns="91425" bIns="91425" anchor="ctr" anchorCtr="0">
             <a:normAutofit/>
           </a:bodyPr>
           <a:lstStyle>
-            <a:lvl1pPr indent="0" lvl="0" marL="0" marR="0" algn="r">
+            <a:lvl1pPr marL="0" marR="0" lvl="0" indent="0" algn="r">
               <a:lnSpc>
                 <a:spcPct val="100000"/>
               </a:lnSpc>
@@ -5501,7 +4626,7 @@
               <a:buSzPts val="1000"/>
               <a:buFont typeface="Arial"/>
               <a:buNone/>
-              <a:defRPr b="0" i="0" sz="1000" u="none" cap="none" strike="noStrike">
+              <a:defRPr sz="1000" b="0" i="0" u="none" strike="noStrike" cap="none">
                 <a:solidFill>
                   <a:schemeClr val="dk2"/>
                 </a:solidFill>
@@ -5511,7 +4636,7 @@
                 <a:sym typeface="Arial"/>
               </a:defRPr>
             </a:lvl1pPr>
-            <a:lvl2pPr indent="0" lvl="1" marL="0" marR="0" algn="r">
+            <a:lvl2pPr marL="0" marR="0" lvl="1" indent="0" algn="r">
               <a:lnSpc>
                 <a:spcPct val="100000"/>
               </a:lnSpc>
@@ -5527,7 +4652,7 @@
               <a:buSzPts val="1000"/>
               <a:buFont typeface="Arial"/>
               <a:buNone/>
-              <a:defRPr b="0" i="0" sz="1000" u="none" cap="none" strike="noStrike">
+              <a:defRPr sz="1000" b="0" i="0" u="none" strike="noStrike" cap="none">
                 <a:solidFill>
                   <a:schemeClr val="dk2"/>
                 </a:solidFill>
@@ -5537,7 +4662,7 @@
                 <a:sym typeface="Arial"/>
               </a:defRPr>
             </a:lvl2pPr>
-            <a:lvl3pPr indent="0" lvl="2" marL="0" marR="0" algn="r">
+            <a:lvl3pPr marL="0" marR="0" lvl="2" indent="0" algn="r">
               <a:lnSpc>
                 <a:spcPct val="100000"/>
               </a:lnSpc>
@@ -5553,7 +4678,7 @@
               <a:buSzPts val="1000"/>
               <a:buFont typeface="Arial"/>
               <a:buNone/>
-              <a:defRPr b="0" i="0" sz="1000" u="none" cap="none" strike="noStrike">
+              <a:defRPr sz="1000" b="0" i="0" u="none" strike="noStrike" cap="none">
                 <a:solidFill>
                   <a:schemeClr val="dk2"/>
                 </a:solidFill>
@@ -5563,7 +4688,7 @@
                 <a:sym typeface="Arial"/>
               </a:defRPr>
             </a:lvl3pPr>
-            <a:lvl4pPr indent="0" lvl="3" marL="0" marR="0" algn="r">
+            <a:lvl4pPr marL="0" marR="0" lvl="3" indent="0" algn="r">
               <a:lnSpc>
                 <a:spcPct val="100000"/>
               </a:lnSpc>
@@ -5579,7 +4704,7 @@
               <a:buSzPts val="1000"/>
               <a:buFont typeface="Arial"/>
               <a:buNone/>
-              <a:defRPr b="0" i="0" sz="1000" u="none" cap="none" strike="noStrike">
+              <a:defRPr sz="1000" b="0" i="0" u="none" strike="noStrike" cap="none">
                 <a:solidFill>
                   <a:schemeClr val="dk2"/>
                 </a:solidFill>
@@ -5589,7 +4714,7 @@
                 <a:sym typeface="Arial"/>
               </a:defRPr>
             </a:lvl4pPr>
-            <a:lvl5pPr indent="0" lvl="4" marL="0" marR="0" algn="r">
+            <a:lvl5pPr marL="0" marR="0" lvl="4" indent="0" algn="r">
               <a:lnSpc>
                 <a:spcPct val="100000"/>
               </a:lnSpc>
@@ -5605,7 +4730,7 @@
               <a:buSzPts val="1000"/>
               <a:buFont typeface="Arial"/>
               <a:buNone/>
-              <a:defRPr b="0" i="0" sz="1000" u="none" cap="none" strike="noStrike">
+              <a:defRPr sz="1000" b="0" i="0" u="none" strike="noStrike" cap="none">
                 <a:solidFill>
                   <a:schemeClr val="dk2"/>
                 </a:solidFill>
@@ -5615,7 +4740,7 @@
                 <a:sym typeface="Arial"/>
               </a:defRPr>
             </a:lvl5pPr>
-            <a:lvl6pPr indent="0" lvl="5" marL="0" marR="0" algn="r">
+            <a:lvl6pPr marL="0" marR="0" lvl="5" indent="0" algn="r">
               <a:lnSpc>
                 <a:spcPct val="100000"/>
               </a:lnSpc>
@@ -5631,7 +4756,7 @@
               <a:buSzPts val="1000"/>
               <a:buFont typeface="Arial"/>
               <a:buNone/>
-              <a:defRPr b="0" i="0" sz="1000" u="none" cap="none" strike="noStrike">
+              <a:defRPr sz="1000" b="0" i="0" u="none" strike="noStrike" cap="none">
                 <a:solidFill>
                   <a:schemeClr val="dk2"/>
                 </a:solidFill>
@@ -5641,7 +4766,7 @@
                 <a:sym typeface="Arial"/>
               </a:defRPr>
             </a:lvl6pPr>
-            <a:lvl7pPr indent="0" lvl="6" marL="0" marR="0" algn="r">
+            <a:lvl7pPr marL="0" marR="0" lvl="6" indent="0" algn="r">
               <a:lnSpc>
                 <a:spcPct val="100000"/>
               </a:lnSpc>
@@ -5657,7 +4782,7 @@
               <a:buSzPts val="1000"/>
               <a:buFont typeface="Arial"/>
               <a:buNone/>
-              <a:defRPr b="0" i="0" sz="1000" u="none" cap="none" strike="noStrike">
+              <a:defRPr sz="1000" b="0" i="0" u="none" strike="noStrike" cap="none">
                 <a:solidFill>
                   <a:schemeClr val="dk2"/>
                 </a:solidFill>
@@ -5667,7 +4792,7 @@
                 <a:sym typeface="Arial"/>
               </a:defRPr>
             </a:lvl7pPr>
-            <a:lvl8pPr indent="0" lvl="7" marL="0" marR="0" algn="r">
+            <a:lvl8pPr marL="0" marR="0" lvl="7" indent="0" algn="r">
               <a:lnSpc>
                 <a:spcPct val="100000"/>
               </a:lnSpc>
@@ -5683,7 +4808,7 @@
               <a:buSzPts val="1000"/>
               <a:buFont typeface="Arial"/>
               <a:buNone/>
-              <a:defRPr b="0" i="0" sz="1000" u="none" cap="none" strike="noStrike">
+              <a:defRPr sz="1000" b="0" i="0" u="none" strike="noStrike" cap="none">
                 <a:solidFill>
                   <a:schemeClr val="dk2"/>
                 </a:solidFill>
@@ -5693,7 +4818,7 @@
                 <a:sym typeface="Arial"/>
               </a:defRPr>
             </a:lvl8pPr>
-            <a:lvl9pPr indent="0" lvl="8" marL="0" marR="0" algn="r">
+            <a:lvl9pPr marL="0" marR="0" lvl="8" indent="0" algn="r">
               <a:lnSpc>
                 <a:spcPct val="100000"/>
               </a:lnSpc>
@@ -5709,7 +4834,7 @@
               <a:buSzPts val="1000"/>
               <a:buFont typeface="Arial"/>
               <a:buNone/>
-              <a:defRPr b="0" i="0" sz="1000" u="none" cap="none" strike="noStrike">
+              <a:defRPr sz="1000" b="0" i="0" u="none" strike="noStrike" cap="none">
                 <a:solidFill>
                   <a:schemeClr val="dk2"/>
                 </a:solidFill>
@@ -5721,7 +4846,7 @@
             </a:lvl9pPr>
           </a:lstStyle>
           <a:p>
-            <a:pPr indent="0" lvl="0" marL="0" rtl="0" algn="r">
+            <a:pPr marL="0" lvl="0" indent="0" algn="r" rtl="0">
               <a:spcBef>
                 <a:spcPts val="0"/>
               </a:spcBef>
@@ -5747,11 +4872,11 @@
 </file>
 
 <file path=ppt/slideLayouts/slideLayout6.xml><?xml version="1.0" encoding="utf-8"?>
-<p:sldLayout xmlns:a="http://schemas.openxmlformats.org/drawingml/2006/main" xmlns:r="http://schemas.openxmlformats.org/officeDocument/2006/relationships" xmlns:mc="http://schemas.openxmlformats.org/markup-compatibility/2006" xmlns:mv="urn:schemas-microsoft-com:mac:vml" xmlns:p="http://schemas.openxmlformats.org/presentationml/2006/main" xmlns:c="http://schemas.openxmlformats.org/drawingml/2006/chart" xmlns:dgm="http://schemas.openxmlformats.org/drawingml/2006/diagram" xmlns:o="urn:schemas-microsoft-com:office:office" xmlns:v="urn:schemas-microsoft-com:vml" xmlns:pvml="urn:schemas-microsoft-com:office:powerpoint" xmlns:com="http://schemas.openxmlformats.org/drawingml/2006/compatibility" xmlns:p14="http://schemas.microsoft.com/office/powerpoint/2010/main" xmlns:p15="http://schemas.microsoft.com/office/powerpoint/2012/main" xmlns:ahyp="http://schemas.microsoft.com/office/drawing/2018/hyperlinkcolor" matchingName="One column text">
+<p:sldLayout xmlns:a="http://schemas.openxmlformats.org/drawingml/2006/main" xmlns:r="http://schemas.openxmlformats.org/officeDocument/2006/relationships" xmlns:p="http://schemas.openxmlformats.org/presentationml/2006/main" matchingName="One column text">
   <p:cSld name="ONE_COLUMN_TEXT">
     <p:spTree>
       <p:nvGrpSpPr>
-        <p:cNvPr id="28" name="Shape 28"/>
+        <p:cNvPr id="1" name="Shape 28"/>
         <p:cNvGrpSpPr/>
         <p:nvPr/>
       </p:nvGrpSpPr>
@@ -5766,7 +4891,9 @@
       <p:sp>
         <p:nvSpPr>
           <p:cNvPr id="29" name="Google Shape;29;p7"/>
-          <p:cNvSpPr txBox="1"/>
+          <p:cNvSpPr txBox="1">
+            <a:spLocks noGrp="1"/>
+          </p:cNvSpPr>
           <p:nvPr>
             <p:ph type="title"/>
           </p:nvPr>
@@ -5785,7 +4912,7 @@
           </a:ln>
         </p:spPr>
         <p:txBody>
-          <a:bodyPr anchorCtr="0" anchor="b" bIns="91425" lIns="91425" spcFirstLastPara="1" rIns="91425" wrap="square" tIns="91425">
+          <a:bodyPr spcFirstLastPara="1" wrap="square" lIns="91425" tIns="91425" rIns="91425" bIns="91425" anchor="b" anchorCtr="0">
             <a:normAutofit/>
           </a:bodyPr>
           <a:lstStyle>
@@ -5916,15 +5043,19 @@
               <a:defRPr sz="2400"/>
             </a:lvl9pPr>
           </a:lstStyle>
-          <a:p/>
+          <a:p>
+            <a:endParaRPr/>
+          </a:p>
         </p:txBody>
       </p:sp>
       <p:sp>
         <p:nvSpPr>
           <p:cNvPr id="30" name="Google Shape;30;p7"/>
-          <p:cNvSpPr txBox="1"/>
+          <p:cNvSpPr txBox="1">
+            <a:spLocks noGrp="1"/>
+          </p:cNvSpPr>
           <p:nvPr>
-            <p:ph idx="1" type="body"/>
+            <p:ph type="body" idx="1"/>
           </p:nvPr>
         </p:nvSpPr>
         <p:spPr>
@@ -5941,11 +5072,11 @@
           </a:ln>
         </p:spPr>
         <p:txBody>
-          <a:bodyPr anchorCtr="0" anchor="t" bIns="91425" lIns="91425" spcFirstLastPara="1" rIns="91425" wrap="square" tIns="91425">
+          <a:bodyPr spcFirstLastPara="1" wrap="square" lIns="91425" tIns="91425" rIns="91425" bIns="91425" anchor="t" anchorCtr="0">
             <a:normAutofit/>
           </a:bodyPr>
           <a:lstStyle>
-            <a:lvl1pPr indent="-304800" lvl="0" marL="457200" algn="l">
+            <a:lvl1pPr marL="457200" lvl="0" indent="-304800" algn="l">
               <a:lnSpc>
                 <a:spcPct val="115000"/>
               </a:lnSpc>
@@ -5959,7 +5090,7 @@
               <a:buChar char="●"/>
               <a:defRPr sz="1200"/>
             </a:lvl1pPr>
-            <a:lvl2pPr indent="-304800" lvl="1" marL="914400" algn="l">
+            <a:lvl2pPr marL="914400" lvl="1" indent="-304800" algn="l">
               <a:lnSpc>
                 <a:spcPct val="115000"/>
               </a:lnSpc>
@@ -5973,7 +5104,7 @@
               <a:buChar char="○"/>
               <a:defRPr sz="1200"/>
             </a:lvl2pPr>
-            <a:lvl3pPr indent="-304800" lvl="2" marL="1371600" algn="l">
+            <a:lvl3pPr marL="1371600" lvl="2" indent="-304800" algn="l">
               <a:lnSpc>
                 <a:spcPct val="115000"/>
               </a:lnSpc>
@@ -5987,7 +5118,7 @@
               <a:buChar char="■"/>
               <a:defRPr sz="1200"/>
             </a:lvl3pPr>
-            <a:lvl4pPr indent="-304800" lvl="3" marL="1828800" algn="l">
+            <a:lvl4pPr marL="1828800" lvl="3" indent="-304800" algn="l">
               <a:lnSpc>
                 <a:spcPct val="115000"/>
               </a:lnSpc>
@@ -6001,7 +5132,7 @@
               <a:buChar char="●"/>
               <a:defRPr sz="1200"/>
             </a:lvl4pPr>
-            <a:lvl5pPr indent="-304800" lvl="4" marL="2286000" algn="l">
+            <a:lvl5pPr marL="2286000" lvl="4" indent="-304800" algn="l">
               <a:lnSpc>
                 <a:spcPct val="115000"/>
               </a:lnSpc>
@@ -6015,7 +5146,7 @@
               <a:buChar char="○"/>
               <a:defRPr sz="1200"/>
             </a:lvl5pPr>
-            <a:lvl6pPr indent="-304800" lvl="5" marL="2743200" algn="l">
+            <a:lvl6pPr marL="2743200" lvl="5" indent="-304800" algn="l">
               <a:lnSpc>
                 <a:spcPct val="115000"/>
               </a:lnSpc>
@@ -6029,7 +5160,7 @@
               <a:buChar char="■"/>
               <a:defRPr sz="1200"/>
             </a:lvl6pPr>
-            <a:lvl7pPr indent="-304800" lvl="6" marL="3200400" algn="l">
+            <a:lvl7pPr marL="3200400" lvl="6" indent="-304800" algn="l">
               <a:lnSpc>
                 <a:spcPct val="115000"/>
               </a:lnSpc>
@@ -6043,7 +5174,7 @@
               <a:buChar char="●"/>
               <a:defRPr sz="1200"/>
             </a:lvl7pPr>
-            <a:lvl8pPr indent="-304800" lvl="7" marL="3657600" algn="l">
+            <a:lvl8pPr marL="3657600" lvl="7" indent="-304800" algn="l">
               <a:lnSpc>
                 <a:spcPct val="115000"/>
               </a:lnSpc>
@@ -6057,7 +5188,7 @@
               <a:buChar char="○"/>
               <a:defRPr sz="1200"/>
             </a:lvl8pPr>
-            <a:lvl9pPr indent="-304800" lvl="8" marL="4114800" algn="l">
+            <a:lvl9pPr marL="4114800" lvl="8" indent="-304800" algn="l">
               <a:lnSpc>
                 <a:spcPct val="115000"/>
               </a:lnSpc>
@@ -6072,15 +5203,19 @@
               <a:defRPr sz="1200"/>
             </a:lvl9pPr>
           </a:lstStyle>
-          <a:p/>
+          <a:p>
+            <a:endParaRPr/>
+          </a:p>
         </p:txBody>
       </p:sp>
       <p:sp>
         <p:nvSpPr>
           <p:cNvPr id="31" name="Google Shape;31;p7"/>
-          <p:cNvSpPr txBox="1"/>
+          <p:cNvSpPr txBox="1">
+            <a:spLocks noGrp="1"/>
+          </p:cNvSpPr>
           <p:nvPr>
-            <p:ph idx="12" type="sldNum"/>
+            <p:ph type="sldNum" idx="12"/>
           </p:nvPr>
         </p:nvSpPr>
         <p:spPr>
@@ -6097,11 +5232,11 @@
           </a:ln>
         </p:spPr>
         <p:txBody>
-          <a:bodyPr anchorCtr="0" anchor="ctr" bIns="91425" lIns="91425" spcFirstLastPara="1" rIns="91425" wrap="square" tIns="91425">
+          <a:bodyPr spcFirstLastPara="1" wrap="square" lIns="91425" tIns="91425" rIns="91425" bIns="91425" anchor="ctr" anchorCtr="0">
             <a:normAutofit/>
           </a:bodyPr>
           <a:lstStyle>
-            <a:lvl1pPr indent="0" lvl="0" marL="0" marR="0" algn="r">
+            <a:lvl1pPr marL="0" marR="0" lvl="0" indent="0" algn="r">
               <a:lnSpc>
                 <a:spcPct val="100000"/>
               </a:lnSpc>
@@ -6117,7 +5252,7 @@
               <a:buSzPts val="1000"/>
               <a:buFont typeface="Arial"/>
               <a:buNone/>
-              <a:defRPr b="0" i="0" sz="1000" u="none" cap="none" strike="noStrike">
+              <a:defRPr sz="1000" b="0" i="0" u="none" strike="noStrike" cap="none">
                 <a:solidFill>
                   <a:schemeClr val="dk2"/>
                 </a:solidFill>
@@ -6127,7 +5262,7 @@
                 <a:sym typeface="Arial"/>
               </a:defRPr>
             </a:lvl1pPr>
-            <a:lvl2pPr indent="0" lvl="1" marL="0" marR="0" algn="r">
+            <a:lvl2pPr marL="0" marR="0" lvl="1" indent="0" algn="r">
               <a:lnSpc>
                 <a:spcPct val="100000"/>
               </a:lnSpc>
@@ -6143,7 +5278,7 @@
               <a:buSzPts val="1000"/>
               <a:buFont typeface="Arial"/>
               <a:buNone/>
-              <a:defRPr b="0" i="0" sz="1000" u="none" cap="none" strike="noStrike">
+              <a:defRPr sz="1000" b="0" i="0" u="none" strike="noStrike" cap="none">
                 <a:solidFill>
                   <a:schemeClr val="dk2"/>
                 </a:solidFill>
@@ -6153,7 +5288,7 @@
                 <a:sym typeface="Arial"/>
               </a:defRPr>
             </a:lvl2pPr>
-            <a:lvl3pPr indent="0" lvl="2" marL="0" marR="0" algn="r">
+            <a:lvl3pPr marL="0" marR="0" lvl="2" indent="0" algn="r">
               <a:lnSpc>
                 <a:spcPct val="100000"/>
               </a:lnSpc>
@@ -6169,7 +5304,7 @@
               <a:buSzPts val="1000"/>
               <a:buFont typeface="Arial"/>
               <a:buNone/>
-              <a:defRPr b="0" i="0" sz="1000" u="none" cap="none" strike="noStrike">
+              <a:defRPr sz="1000" b="0" i="0" u="none" strike="noStrike" cap="none">
                 <a:solidFill>
                   <a:schemeClr val="dk2"/>
                 </a:solidFill>
@@ -6179,7 +5314,7 @@
                 <a:sym typeface="Arial"/>
               </a:defRPr>
             </a:lvl3pPr>
-            <a:lvl4pPr indent="0" lvl="3" marL="0" marR="0" algn="r">
+            <a:lvl4pPr marL="0" marR="0" lvl="3" indent="0" algn="r">
               <a:lnSpc>
                 <a:spcPct val="100000"/>
               </a:lnSpc>
@@ -6195,7 +5330,7 @@
               <a:buSzPts val="1000"/>
               <a:buFont typeface="Arial"/>
               <a:buNone/>
-              <a:defRPr b="0" i="0" sz="1000" u="none" cap="none" strike="noStrike">
+              <a:defRPr sz="1000" b="0" i="0" u="none" strike="noStrike" cap="none">
                 <a:solidFill>
                   <a:schemeClr val="dk2"/>
                 </a:solidFill>
@@ -6205,7 +5340,7 @@
                 <a:sym typeface="Arial"/>
               </a:defRPr>
             </a:lvl4pPr>
-            <a:lvl5pPr indent="0" lvl="4" marL="0" marR="0" algn="r">
+            <a:lvl5pPr marL="0" marR="0" lvl="4" indent="0" algn="r">
               <a:lnSpc>
                 <a:spcPct val="100000"/>
               </a:lnSpc>
@@ -6221,7 +5356,7 @@
               <a:buSzPts val="1000"/>
               <a:buFont typeface="Arial"/>
               <a:buNone/>
-              <a:defRPr b="0" i="0" sz="1000" u="none" cap="none" strike="noStrike">
+              <a:defRPr sz="1000" b="0" i="0" u="none" strike="noStrike" cap="none">
                 <a:solidFill>
                   <a:schemeClr val="dk2"/>
                 </a:solidFill>
@@ -6231,7 +5366,7 @@
                 <a:sym typeface="Arial"/>
               </a:defRPr>
             </a:lvl5pPr>
-            <a:lvl6pPr indent="0" lvl="5" marL="0" marR="0" algn="r">
+            <a:lvl6pPr marL="0" marR="0" lvl="5" indent="0" algn="r">
               <a:lnSpc>
                 <a:spcPct val="100000"/>
               </a:lnSpc>
@@ -6247,7 +5382,7 @@
               <a:buSzPts val="1000"/>
               <a:buFont typeface="Arial"/>
               <a:buNone/>
-              <a:defRPr b="0" i="0" sz="1000" u="none" cap="none" strike="noStrike">
+              <a:defRPr sz="1000" b="0" i="0" u="none" strike="noStrike" cap="none">
                 <a:solidFill>
                   <a:schemeClr val="dk2"/>
                 </a:solidFill>
@@ -6257,7 +5392,7 @@
                 <a:sym typeface="Arial"/>
               </a:defRPr>
             </a:lvl6pPr>
-            <a:lvl7pPr indent="0" lvl="6" marL="0" marR="0" algn="r">
+            <a:lvl7pPr marL="0" marR="0" lvl="6" indent="0" algn="r">
               <a:lnSpc>
                 <a:spcPct val="100000"/>
               </a:lnSpc>
@@ -6273,7 +5408,7 @@
               <a:buSzPts val="1000"/>
               <a:buFont typeface="Arial"/>
               <a:buNone/>
-              <a:defRPr b="0" i="0" sz="1000" u="none" cap="none" strike="noStrike">
+              <a:defRPr sz="1000" b="0" i="0" u="none" strike="noStrike" cap="none">
                 <a:solidFill>
                   <a:schemeClr val="dk2"/>
                 </a:solidFill>
@@ -6283,7 +5418,7 @@
                 <a:sym typeface="Arial"/>
               </a:defRPr>
             </a:lvl7pPr>
-            <a:lvl8pPr indent="0" lvl="7" marL="0" marR="0" algn="r">
+            <a:lvl8pPr marL="0" marR="0" lvl="7" indent="0" algn="r">
               <a:lnSpc>
                 <a:spcPct val="100000"/>
               </a:lnSpc>
@@ -6299,7 +5434,7 @@
               <a:buSzPts val="1000"/>
               <a:buFont typeface="Arial"/>
               <a:buNone/>
-              <a:defRPr b="0" i="0" sz="1000" u="none" cap="none" strike="noStrike">
+              <a:defRPr sz="1000" b="0" i="0" u="none" strike="noStrike" cap="none">
                 <a:solidFill>
                   <a:schemeClr val="dk2"/>
                 </a:solidFill>
@@ -6309,7 +5444,7 @@
                 <a:sym typeface="Arial"/>
               </a:defRPr>
             </a:lvl8pPr>
-            <a:lvl9pPr indent="0" lvl="8" marL="0" marR="0" algn="r">
+            <a:lvl9pPr marL="0" marR="0" lvl="8" indent="0" algn="r">
               <a:lnSpc>
                 <a:spcPct val="100000"/>
               </a:lnSpc>
@@ -6325,7 +5460,7 @@
               <a:buSzPts val="1000"/>
               <a:buFont typeface="Arial"/>
               <a:buNone/>
-              <a:defRPr b="0" i="0" sz="1000" u="none" cap="none" strike="noStrike">
+              <a:defRPr sz="1000" b="0" i="0" u="none" strike="noStrike" cap="none">
                 <a:solidFill>
                   <a:schemeClr val="dk2"/>
                 </a:solidFill>
@@ -6337,7 +5472,7 @@
             </a:lvl9pPr>
           </a:lstStyle>
           <a:p>
-            <a:pPr indent="0" lvl="0" marL="0" rtl="0" algn="r">
+            <a:pPr marL="0" lvl="0" indent="0" algn="r" rtl="0">
               <a:spcBef>
                 <a:spcPts val="0"/>
               </a:spcBef>
@@ -6363,11 +5498,11 @@
 </file>
 
 <file path=ppt/slideLayouts/slideLayout7.xml><?xml version="1.0" encoding="utf-8"?>
-<p:sldLayout xmlns:a="http://schemas.openxmlformats.org/drawingml/2006/main" xmlns:r="http://schemas.openxmlformats.org/officeDocument/2006/relationships" xmlns:mc="http://schemas.openxmlformats.org/markup-compatibility/2006" xmlns:mv="urn:schemas-microsoft-com:mac:vml" xmlns:p="http://schemas.openxmlformats.org/presentationml/2006/main" xmlns:c="http://schemas.openxmlformats.org/drawingml/2006/chart" xmlns:dgm="http://schemas.openxmlformats.org/drawingml/2006/diagram" xmlns:o="urn:schemas-microsoft-com:office:office" xmlns:v="urn:schemas-microsoft-com:vml" xmlns:pvml="urn:schemas-microsoft-com:office:powerpoint" xmlns:com="http://schemas.openxmlformats.org/drawingml/2006/compatibility" xmlns:p14="http://schemas.microsoft.com/office/powerpoint/2010/main" xmlns:p15="http://schemas.microsoft.com/office/powerpoint/2012/main" xmlns:ahyp="http://schemas.microsoft.com/office/drawing/2018/hyperlinkcolor" matchingName="Main point">
+<p:sldLayout xmlns:a="http://schemas.openxmlformats.org/drawingml/2006/main" xmlns:r="http://schemas.openxmlformats.org/officeDocument/2006/relationships" xmlns:p="http://schemas.openxmlformats.org/presentationml/2006/main" matchingName="Main point">
   <p:cSld name="MAIN_POINT">
     <p:spTree>
       <p:nvGrpSpPr>
-        <p:cNvPr id="32" name="Shape 32"/>
+        <p:cNvPr id="1" name="Shape 32"/>
         <p:cNvGrpSpPr/>
         <p:nvPr/>
       </p:nvGrpSpPr>
@@ -6382,7 +5517,9 @@
       <p:sp>
         <p:nvSpPr>
           <p:cNvPr id="33" name="Google Shape;33;p8"/>
-          <p:cNvSpPr txBox="1"/>
+          <p:cNvSpPr txBox="1">
+            <a:spLocks noGrp="1"/>
+          </p:cNvSpPr>
           <p:nvPr>
             <p:ph type="title"/>
           </p:nvPr>
@@ -6401,7 +5538,7 @@
           </a:ln>
         </p:spPr>
         <p:txBody>
-          <a:bodyPr anchorCtr="0" anchor="ctr" bIns="91425" lIns="91425" spcFirstLastPara="1" rIns="91425" wrap="square" tIns="91425">
+          <a:bodyPr spcFirstLastPara="1" wrap="square" lIns="91425" tIns="91425" rIns="91425" bIns="91425" anchor="ctr" anchorCtr="0">
             <a:normAutofit/>
           </a:bodyPr>
           <a:lstStyle>
@@ -6532,15 +5669,19 @@
               <a:defRPr sz="4800"/>
             </a:lvl9pPr>
           </a:lstStyle>
-          <a:p/>
+          <a:p>
+            <a:endParaRPr/>
+          </a:p>
         </p:txBody>
       </p:sp>
       <p:sp>
         <p:nvSpPr>
           <p:cNvPr id="34" name="Google Shape;34;p8"/>
-          <p:cNvSpPr txBox="1"/>
+          <p:cNvSpPr txBox="1">
+            <a:spLocks noGrp="1"/>
+          </p:cNvSpPr>
           <p:nvPr>
-            <p:ph idx="12" type="sldNum"/>
+            <p:ph type="sldNum" idx="12"/>
           </p:nvPr>
         </p:nvSpPr>
         <p:spPr>
@@ -6557,11 +5698,11 @@
           </a:ln>
         </p:spPr>
         <p:txBody>
-          <a:bodyPr anchorCtr="0" anchor="ctr" bIns="91425" lIns="91425" spcFirstLastPara="1" rIns="91425" wrap="square" tIns="91425">
+          <a:bodyPr spcFirstLastPara="1" wrap="square" lIns="91425" tIns="91425" rIns="91425" bIns="91425" anchor="ctr" anchorCtr="0">
             <a:normAutofit/>
           </a:bodyPr>
           <a:lstStyle>
-            <a:lvl1pPr indent="0" lvl="0" marL="0" marR="0" algn="r">
+            <a:lvl1pPr marL="0" marR="0" lvl="0" indent="0" algn="r">
               <a:lnSpc>
                 <a:spcPct val="100000"/>
               </a:lnSpc>
@@ -6577,7 +5718,7 @@
               <a:buSzPts val="1000"/>
               <a:buFont typeface="Arial"/>
               <a:buNone/>
-              <a:defRPr b="0" i="0" sz="1000" u="none" cap="none" strike="noStrike">
+              <a:defRPr sz="1000" b="0" i="0" u="none" strike="noStrike" cap="none">
                 <a:solidFill>
                   <a:schemeClr val="dk2"/>
                 </a:solidFill>
@@ -6587,7 +5728,7 @@
                 <a:sym typeface="Arial"/>
               </a:defRPr>
             </a:lvl1pPr>
-            <a:lvl2pPr indent="0" lvl="1" marL="0" marR="0" algn="r">
+            <a:lvl2pPr marL="0" marR="0" lvl="1" indent="0" algn="r">
               <a:lnSpc>
                 <a:spcPct val="100000"/>
               </a:lnSpc>
@@ -6603,7 +5744,7 @@
               <a:buSzPts val="1000"/>
               <a:buFont typeface="Arial"/>
               <a:buNone/>
-              <a:defRPr b="0" i="0" sz="1000" u="none" cap="none" strike="noStrike">
+              <a:defRPr sz="1000" b="0" i="0" u="none" strike="noStrike" cap="none">
                 <a:solidFill>
                   <a:schemeClr val="dk2"/>
                 </a:solidFill>
@@ -6613,7 +5754,7 @@
                 <a:sym typeface="Arial"/>
               </a:defRPr>
             </a:lvl2pPr>
-            <a:lvl3pPr indent="0" lvl="2" marL="0" marR="0" algn="r">
+            <a:lvl3pPr marL="0" marR="0" lvl="2" indent="0" algn="r">
               <a:lnSpc>
                 <a:spcPct val="100000"/>
               </a:lnSpc>
@@ -6629,7 +5770,7 @@
               <a:buSzPts val="1000"/>
               <a:buFont typeface="Arial"/>
               <a:buNone/>
-              <a:defRPr b="0" i="0" sz="1000" u="none" cap="none" strike="noStrike">
+              <a:defRPr sz="1000" b="0" i="0" u="none" strike="noStrike" cap="none">
                 <a:solidFill>
                   <a:schemeClr val="dk2"/>
                 </a:solidFill>
@@ -6639,7 +5780,7 @@
                 <a:sym typeface="Arial"/>
               </a:defRPr>
             </a:lvl3pPr>
-            <a:lvl4pPr indent="0" lvl="3" marL="0" marR="0" algn="r">
+            <a:lvl4pPr marL="0" marR="0" lvl="3" indent="0" algn="r">
               <a:lnSpc>
                 <a:spcPct val="100000"/>
               </a:lnSpc>
@@ -6655,7 +5796,7 @@
               <a:buSzPts val="1000"/>
               <a:buFont typeface="Arial"/>
               <a:buNone/>
-              <a:defRPr b="0" i="0" sz="1000" u="none" cap="none" strike="noStrike">
+              <a:defRPr sz="1000" b="0" i="0" u="none" strike="noStrike" cap="none">
                 <a:solidFill>
                   <a:schemeClr val="dk2"/>
                 </a:solidFill>
@@ -6665,7 +5806,7 @@
                 <a:sym typeface="Arial"/>
               </a:defRPr>
             </a:lvl4pPr>
-            <a:lvl5pPr indent="0" lvl="4" marL="0" marR="0" algn="r">
+            <a:lvl5pPr marL="0" marR="0" lvl="4" indent="0" algn="r">
               <a:lnSpc>
                 <a:spcPct val="100000"/>
               </a:lnSpc>
@@ -6681,7 +5822,7 @@
               <a:buSzPts val="1000"/>
               <a:buFont typeface="Arial"/>
               <a:buNone/>
-              <a:defRPr b="0" i="0" sz="1000" u="none" cap="none" strike="noStrike">
+              <a:defRPr sz="1000" b="0" i="0" u="none" strike="noStrike" cap="none">
                 <a:solidFill>
                   <a:schemeClr val="dk2"/>
                 </a:solidFill>
@@ -6691,7 +5832,7 @@
                 <a:sym typeface="Arial"/>
               </a:defRPr>
             </a:lvl5pPr>
-            <a:lvl6pPr indent="0" lvl="5" marL="0" marR="0" algn="r">
+            <a:lvl6pPr marL="0" marR="0" lvl="5" indent="0" algn="r">
               <a:lnSpc>
                 <a:spcPct val="100000"/>
               </a:lnSpc>
@@ -6707,7 +5848,7 @@
               <a:buSzPts val="1000"/>
               <a:buFont typeface="Arial"/>
               <a:buNone/>
-              <a:defRPr b="0" i="0" sz="1000" u="none" cap="none" strike="noStrike">
+              <a:defRPr sz="1000" b="0" i="0" u="none" strike="noStrike" cap="none">
                 <a:solidFill>
                   <a:schemeClr val="dk2"/>
                 </a:solidFill>
@@ -6717,7 +5858,7 @@
                 <a:sym typeface="Arial"/>
               </a:defRPr>
             </a:lvl6pPr>
-            <a:lvl7pPr indent="0" lvl="6" marL="0" marR="0" algn="r">
+            <a:lvl7pPr marL="0" marR="0" lvl="6" indent="0" algn="r">
               <a:lnSpc>
                 <a:spcPct val="100000"/>
               </a:lnSpc>
@@ -6733,7 +5874,7 @@
               <a:buSzPts val="1000"/>
               <a:buFont typeface="Arial"/>
               <a:buNone/>
-              <a:defRPr b="0" i="0" sz="1000" u="none" cap="none" strike="noStrike">
+              <a:defRPr sz="1000" b="0" i="0" u="none" strike="noStrike" cap="none">
                 <a:solidFill>
                   <a:schemeClr val="dk2"/>
                 </a:solidFill>
@@ -6743,7 +5884,7 @@
                 <a:sym typeface="Arial"/>
               </a:defRPr>
             </a:lvl7pPr>
-            <a:lvl8pPr indent="0" lvl="7" marL="0" marR="0" algn="r">
+            <a:lvl8pPr marL="0" marR="0" lvl="7" indent="0" algn="r">
               <a:lnSpc>
                 <a:spcPct val="100000"/>
               </a:lnSpc>
@@ -6759,7 +5900,7 @@
               <a:buSzPts val="1000"/>
               <a:buFont typeface="Arial"/>
               <a:buNone/>
-              <a:defRPr b="0" i="0" sz="1000" u="none" cap="none" strike="noStrike">
+              <a:defRPr sz="1000" b="0" i="0" u="none" strike="noStrike" cap="none">
                 <a:solidFill>
                   <a:schemeClr val="dk2"/>
                 </a:solidFill>
@@ -6769,7 +5910,7 @@
                 <a:sym typeface="Arial"/>
               </a:defRPr>
             </a:lvl8pPr>
-            <a:lvl9pPr indent="0" lvl="8" marL="0" marR="0" algn="r">
+            <a:lvl9pPr marL="0" marR="0" lvl="8" indent="0" algn="r">
               <a:lnSpc>
                 <a:spcPct val="100000"/>
               </a:lnSpc>
@@ -6785,7 +5926,7 @@
               <a:buSzPts val="1000"/>
               <a:buFont typeface="Arial"/>
               <a:buNone/>
-              <a:defRPr b="0" i="0" sz="1000" u="none" cap="none" strike="noStrike">
+              <a:defRPr sz="1000" b="0" i="0" u="none" strike="noStrike" cap="none">
                 <a:solidFill>
                   <a:schemeClr val="dk2"/>
                 </a:solidFill>
@@ -6797,7 +5938,7 @@
             </a:lvl9pPr>
           </a:lstStyle>
           <a:p>
-            <a:pPr indent="0" lvl="0" marL="0" rtl="0" algn="r">
+            <a:pPr marL="0" lvl="0" indent="0" algn="r" rtl="0">
               <a:spcBef>
                 <a:spcPts val="0"/>
               </a:spcBef>
@@ -6823,11 +5964,11 @@
 </file>
 
 <file path=ppt/slideLayouts/slideLayout8.xml><?xml version="1.0" encoding="utf-8"?>
-<p:sldLayout xmlns:a="http://schemas.openxmlformats.org/drawingml/2006/main" xmlns:r="http://schemas.openxmlformats.org/officeDocument/2006/relationships" xmlns:mc="http://schemas.openxmlformats.org/markup-compatibility/2006" xmlns:mv="urn:schemas-microsoft-com:mac:vml" xmlns:p="http://schemas.openxmlformats.org/presentationml/2006/main" xmlns:c="http://schemas.openxmlformats.org/drawingml/2006/chart" xmlns:dgm="http://schemas.openxmlformats.org/drawingml/2006/diagram" xmlns:o="urn:schemas-microsoft-com:office:office" xmlns:v="urn:schemas-microsoft-com:vml" xmlns:pvml="urn:schemas-microsoft-com:office:powerpoint" xmlns:com="http://schemas.openxmlformats.org/drawingml/2006/compatibility" xmlns:p14="http://schemas.microsoft.com/office/powerpoint/2010/main" xmlns:p15="http://schemas.microsoft.com/office/powerpoint/2012/main" xmlns:ahyp="http://schemas.microsoft.com/office/drawing/2018/hyperlinkcolor" matchingName="Section title and description">
+<p:sldLayout xmlns:a="http://schemas.openxmlformats.org/drawingml/2006/main" xmlns:r="http://schemas.openxmlformats.org/officeDocument/2006/relationships" xmlns:p="http://schemas.openxmlformats.org/presentationml/2006/main" matchingName="Section title and description">
   <p:cSld name="SECTION_TITLE_AND_DESCRIPTION">
     <p:spTree>
       <p:nvGrpSpPr>
-        <p:cNvPr id="35" name="Shape 35"/>
+        <p:cNvPr id="1" name="Shape 35"/>
         <p:cNvGrpSpPr/>
         <p:nvPr/>
       </p:nvGrpSpPr>
@@ -6861,12 +6002,12 @@
           </a:ln>
         </p:spPr>
         <p:txBody>
-          <a:bodyPr anchorCtr="0" anchor="ctr" bIns="91425" lIns="91425" spcFirstLastPara="1" rIns="91425" wrap="square" tIns="91425">
+          <a:bodyPr spcFirstLastPara="1" wrap="square" lIns="91425" tIns="91425" rIns="91425" bIns="91425" anchor="ctr" anchorCtr="0">
             <a:noAutofit/>
           </a:bodyPr>
           <a:lstStyle/>
           <a:p>
-            <a:pPr indent="0" lvl="0" marL="0" marR="0" rtl="0" algn="l">
+            <a:pPr marL="0" marR="0" lvl="0" indent="0" algn="l" rtl="0">
               <a:lnSpc>
                 <a:spcPct val="100000"/>
               </a:lnSpc>
@@ -6883,10 +6024,7 @@
               <a:buFont typeface="Arial"/>
               <a:buNone/>
             </a:pPr>
-            <a:r>
-              <a:t/>
-            </a:r>
-            <a:endParaRPr b="0" i="0" sz="1400" u="none" cap="none" strike="noStrike">
+            <a:endParaRPr sz="1400" b="0" i="0" u="none" strike="noStrike" cap="none">
               <a:solidFill>
                 <a:srgbClr val="000000"/>
               </a:solidFill>
@@ -6901,7 +6039,9 @@
       <p:sp>
         <p:nvSpPr>
           <p:cNvPr id="37" name="Google Shape;37;p9"/>
-          <p:cNvSpPr txBox="1"/>
+          <p:cNvSpPr txBox="1">
+            <a:spLocks noGrp="1"/>
+          </p:cNvSpPr>
           <p:nvPr>
             <p:ph type="title"/>
           </p:nvPr>
@@ -6920,7 +6060,7 @@
           </a:ln>
         </p:spPr>
         <p:txBody>
-          <a:bodyPr anchorCtr="0" anchor="b" bIns="91425" lIns="91425" spcFirstLastPara="1" rIns="91425" wrap="square" tIns="91425">
+          <a:bodyPr spcFirstLastPara="1" wrap="square" lIns="91425" tIns="91425" rIns="91425" bIns="91425" anchor="b" anchorCtr="0">
             <a:normAutofit/>
           </a:bodyPr>
           <a:lstStyle>
@@ -7051,15 +6191,19 @@
               <a:defRPr sz="4200"/>
             </a:lvl9pPr>
           </a:lstStyle>
-          <a:p/>
+          <a:p>
+            <a:endParaRPr/>
+          </a:p>
         </p:txBody>
       </p:sp>
       <p:sp>
         <p:nvSpPr>
           <p:cNvPr id="38" name="Google Shape;38;p9"/>
-          <p:cNvSpPr txBox="1"/>
+          <p:cNvSpPr txBox="1">
+            <a:spLocks noGrp="1"/>
+          </p:cNvSpPr>
           <p:nvPr>
-            <p:ph idx="1" type="subTitle"/>
+            <p:ph type="subTitle" idx="1"/>
           </p:nvPr>
         </p:nvSpPr>
         <p:spPr>
@@ -7076,7 +6220,7 @@
           </a:ln>
         </p:spPr>
         <p:txBody>
-          <a:bodyPr anchorCtr="0" anchor="t" bIns="91425" lIns="91425" spcFirstLastPara="1" rIns="91425" wrap="square" tIns="91425">
+          <a:bodyPr spcFirstLastPara="1" wrap="square" lIns="91425" tIns="91425" rIns="91425" bIns="91425" anchor="t" anchorCtr="0">
             <a:normAutofit/>
           </a:bodyPr>
           <a:lstStyle>
@@ -7207,15 +6351,19 @@
               <a:defRPr sz="2100"/>
             </a:lvl9pPr>
           </a:lstStyle>
-          <a:p/>
+          <a:p>
+            <a:endParaRPr/>
+          </a:p>
         </p:txBody>
       </p:sp>
       <p:sp>
         <p:nvSpPr>
           <p:cNvPr id="39" name="Google Shape;39;p9"/>
-          <p:cNvSpPr txBox="1"/>
+          <p:cNvSpPr txBox="1">
+            <a:spLocks noGrp="1"/>
+          </p:cNvSpPr>
           <p:nvPr>
-            <p:ph idx="2" type="body"/>
+            <p:ph type="body" idx="2"/>
           </p:nvPr>
         </p:nvSpPr>
         <p:spPr>
@@ -7232,11 +6380,11 @@
           </a:ln>
         </p:spPr>
         <p:txBody>
-          <a:bodyPr anchorCtr="0" anchor="ctr" bIns="91425" lIns="91425" spcFirstLastPara="1" rIns="91425" wrap="square" tIns="91425">
+          <a:bodyPr spcFirstLastPara="1" wrap="square" lIns="91425" tIns="91425" rIns="91425" bIns="91425" anchor="ctr" anchorCtr="0">
             <a:normAutofit/>
           </a:bodyPr>
           <a:lstStyle>
-            <a:lvl1pPr indent="-342900" lvl="0" marL="457200" algn="l">
+            <a:lvl1pPr marL="457200" lvl="0" indent="-342900" algn="l">
               <a:lnSpc>
                 <a:spcPct val="115000"/>
               </a:lnSpc>
@@ -7250,7 +6398,7 @@
               <a:buChar char="●"/>
               <a:defRPr/>
             </a:lvl1pPr>
-            <a:lvl2pPr indent="-317500" lvl="1" marL="914400" algn="l">
+            <a:lvl2pPr marL="914400" lvl="1" indent="-317500" algn="l">
               <a:lnSpc>
                 <a:spcPct val="115000"/>
               </a:lnSpc>
@@ -7264,7 +6412,7 @@
               <a:buChar char="○"/>
               <a:defRPr/>
             </a:lvl2pPr>
-            <a:lvl3pPr indent="-317500" lvl="2" marL="1371600" algn="l">
+            <a:lvl3pPr marL="1371600" lvl="2" indent="-317500" algn="l">
               <a:lnSpc>
                 <a:spcPct val="115000"/>
               </a:lnSpc>
@@ -7278,7 +6426,7 @@
               <a:buChar char="■"/>
               <a:defRPr/>
             </a:lvl3pPr>
-            <a:lvl4pPr indent="-317500" lvl="3" marL="1828800" algn="l">
+            <a:lvl4pPr marL="1828800" lvl="3" indent="-317500" algn="l">
               <a:lnSpc>
                 <a:spcPct val="115000"/>
               </a:lnSpc>
@@ -7292,7 +6440,7 @@
               <a:buChar char="●"/>
               <a:defRPr/>
             </a:lvl4pPr>
-            <a:lvl5pPr indent="-317500" lvl="4" marL="2286000" algn="l">
+            <a:lvl5pPr marL="2286000" lvl="4" indent="-317500" algn="l">
               <a:lnSpc>
                 <a:spcPct val="115000"/>
               </a:lnSpc>
@@ -7306,7 +6454,7 @@
               <a:buChar char="○"/>
               <a:defRPr/>
             </a:lvl5pPr>
-            <a:lvl6pPr indent="-317500" lvl="5" marL="2743200" algn="l">
+            <a:lvl6pPr marL="2743200" lvl="5" indent="-317500" algn="l">
               <a:lnSpc>
                 <a:spcPct val="115000"/>
               </a:lnSpc>
@@ -7320,7 +6468,7 @@
               <a:buChar char="■"/>
               <a:defRPr/>
             </a:lvl6pPr>
-            <a:lvl7pPr indent="-317500" lvl="6" marL="3200400" algn="l">
+            <a:lvl7pPr marL="3200400" lvl="6" indent="-317500" algn="l">
               <a:lnSpc>
                 <a:spcPct val="115000"/>
               </a:lnSpc>
@@ -7334,7 +6482,7 @@
               <a:buChar char="●"/>
               <a:defRPr/>
             </a:lvl7pPr>
-            <a:lvl8pPr indent="-317500" lvl="7" marL="3657600" algn="l">
+            <a:lvl8pPr marL="3657600" lvl="7" indent="-317500" algn="l">
               <a:lnSpc>
                 <a:spcPct val="115000"/>
               </a:lnSpc>
@@ -7348,7 +6496,7 @@
               <a:buChar char="○"/>
               <a:defRPr/>
             </a:lvl8pPr>
-            <a:lvl9pPr indent="-317500" lvl="8" marL="4114800" algn="l">
+            <a:lvl9pPr marL="4114800" lvl="8" indent="-317500" algn="l">
               <a:lnSpc>
                 <a:spcPct val="115000"/>
               </a:lnSpc>
@@ -7363,15 +6511,19 @@
               <a:defRPr/>
             </a:lvl9pPr>
           </a:lstStyle>
-          <a:p/>
+          <a:p>
+            <a:endParaRPr/>
+          </a:p>
         </p:txBody>
       </p:sp>
       <p:sp>
         <p:nvSpPr>
           <p:cNvPr id="40" name="Google Shape;40;p9"/>
-          <p:cNvSpPr txBox="1"/>
+          <p:cNvSpPr txBox="1">
+            <a:spLocks noGrp="1"/>
+          </p:cNvSpPr>
           <p:nvPr>
-            <p:ph idx="12" type="sldNum"/>
+            <p:ph type="sldNum" idx="12"/>
           </p:nvPr>
         </p:nvSpPr>
         <p:spPr>
@@ -7388,11 +6540,11 @@
           </a:ln>
         </p:spPr>
         <p:txBody>
-          <a:bodyPr anchorCtr="0" anchor="ctr" bIns="91425" lIns="91425" spcFirstLastPara="1" rIns="91425" wrap="square" tIns="91425">
+          <a:bodyPr spcFirstLastPara="1" wrap="square" lIns="91425" tIns="91425" rIns="91425" bIns="91425" anchor="ctr" anchorCtr="0">
             <a:normAutofit/>
           </a:bodyPr>
           <a:lstStyle>
-            <a:lvl1pPr indent="0" lvl="0" marL="0" marR="0" algn="r">
+            <a:lvl1pPr marL="0" marR="0" lvl="0" indent="0" algn="r">
               <a:lnSpc>
                 <a:spcPct val="100000"/>
               </a:lnSpc>
@@ -7408,7 +6560,7 @@
               <a:buSzPts val="1000"/>
               <a:buFont typeface="Arial"/>
               <a:buNone/>
-              <a:defRPr b="0" i="0" sz="1000" u="none" cap="none" strike="noStrike">
+              <a:defRPr sz="1000" b="0" i="0" u="none" strike="noStrike" cap="none">
                 <a:solidFill>
                   <a:schemeClr val="dk2"/>
                 </a:solidFill>
@@ -7418,7 +6570,7 @@
                 <a:sym typeface="Arial"/>
               </a:defRPr>
             </a:lvl1pPr>
-            <a:lvl2pPr indent="0" lvl="1" marL="0" marR="0" algn="r">
+            <a:lvl2pPr marL="0" marR="0" lvl="1" indent="0" algn="r">
               <a:lnSpc>
                 <a:spcPct val="100000"/>
               </a:lnSpc>
@@ -7434,7 +6586,7 @@
               <a:buSzPts val="1000"/>
               <a:buFont typeface="Arial"/>
               <a:buNone/>
-              <a:defRPr b="0" i="0" sz="1000" u="none" cap="none" strike="noStrike">
+              <a:defRPr sz="1000" b="0" i="0" u="none" strike="noStrike" cap="none">
                 <a:solidFill>
                   <a:schemeClr val="dk2"/>
                 </a:solidFill>
@@ -7444,7 +6596,7 @@
                 <a:sym typeface="Arial"/>
               </a:defRPr>
             </a:lvl2pPr>
-            <a:lvl3pPr indent="0" lvl="2" marL="0" marR="0" algn="r">
+            <a:lvl3pPr marL="0" marR="0" lvl="2" indent="0" algn="r">
               <a:lnSpc>
                 <a:spcPct val="100000"/>
               </a:lnSpc>
@@ -7460,7 +6612,7 @@
               <a:buSzPts val="1000"/>
               <a:buFont typeface="Arial"/>
               <a:buNone/>
-              <a:defRPr b="0" i="0" sz="1000" u="none" cap="none" strike="noStrike">
+              <a:defRPr sz="1000" b="0" i="0" u="none" strike="noStrike" cap="none">
                 <a:solidFill>
                   <a:schemeClr val="dk2"/>
                 </a:solidFill>
@@ -7470,7 +6622,7 @@
                 <a:sym typeface="Arial"/>
               </a:defRPr>
             </a:lvl3pPr>
-            <a:lvl4pPr indent="0" lvl="3" marL="0" marR="0" algn="r">
+            <a:lvl4pPr marL="0" marR="0" lvl="3" indent="0" algn="r">
               <a:lnSpc>
                 <a:spcPct val="100000"/>
               </a:lnSpc>
@@ -7486,7 +6638,7 @@
               <a:buSzPts val="1000"/>
               <a:buFont typeface="Arial"/>
               <a:buNone/>
-              <a:defRPr b="0" i="0" sz="1000" u="none" cap="none" strike="noStrike">
+              <a:defRPr sz="1000" b="0" i="0" u="none" strike="noStrike" cap="none">
                 <a:solidFill>
                   <a:schemeClr val="dk2"/>
                 </a:solidFill>
@@ -7496,7 +6648,7 @@
                 <a:sym typeface="Arial"/>
               </a:defRPr>
             </a:lvl4pPr>
-            <a:lvl5pPr indent="0" lvl="4" marL="0" marR="0" algn="r">
+            <a:lvl5pPr marL="0" marR="0" lvl="4" indent="0" algn="r">
               <a:lnSpc>
                 <a:spcPct val="100000"/>
               </a:lnSpc>
@@ -7512,7 +6664,7 @@
               <a:buSzPts val="1000"/>
               <a:buFont typeface="Arial"/>
               <a:buNone/>
-              <a:defRPr b="0" i="0" sz="1000" u="none" cap="none" strike="noStrike">
+              <a:defRPr sz="1000" b="0" i="0" u="none" strike="noStrike" cap="none">
                 <a:solidFill>
                   <a:schemeClr val="dk2"/>
                 </a:solidFill>
@@ -7522,7 +6674,7 @@
                 <a:sym typeface="Arial"/>
               </a:defRPr>
             </a:lvl5pPr>
-            <a:lvl6pPr indent="0" lvl="5" marL="0" marR="0" algn="r">
+            <a:lvl6pPr marL="0" marR="0" lvl="5" indent="0" algn="r">
               <a:lnSpc>
                 <a:spcPct val="100000"/>
               </a:lnSpc>
@@ -7538,7 +6690,7 @@
               <a:buSzPts val="1000"/>
               <a:buFont typeface="Arial"/>
               <a:buNone/>
-              <a:defRPr b="0" i="0" sz="1000" u="none" cap="none" strike="noStrike">
+              <a:defRPr sz="1000" b="0" i="0" u="none" strike="noStrike" cap="none">
                 <a:solidFill>
                   <a:schemeClr val="dk2"/>
                 </a:solidFill>
@@ -7548,7 +6700,7 @@
                 <a:sym typeface="Arial"/>
               </a:defRPr>
             </a:lvl6pPr>
-            <a:lvl7pPr indent="0" lvl="6" marL="0" marR="0" algn="r">
+            <a:lvl7pPr marL="0" marR="0" lvl="6" indent="0" algn="r">
               <a:lnSpc>
                 <a:spcPct val="100000"/>
               </a:lnSpc>
@@ -7564,7 +6716,7 @@
               <a:buSzPts val="1000"/>
               <a:buFont typeface="Arial"/>
               <a:buNone/>
-              <a:defRPr b="0" i="0" sz="1000" u="none" cap="none" strike="noStrike">
+              <a:defRPr sz="1000" b="0" i="0" u="none" strike="noStrike" cap="none">
                 <a:solidFill>
                   <a:schemeClr val="dk2"/>
                 </a:solidFill>
@@ -7574,7 +6726,7 @@
                 <a:sym typeface="Arial"/>
               </a:defRPr>
             </a:lvl7pPr>
-            <a:lvl8pPr indent="0" lvl="7" marL="0" marR="0" algn="r">
+            <a:lvl8pPr marL="0" marR="0" lvl="7" indent="0" algn="r">
               <a:lnSpc>
                 <a:spcPct val="100000"/>
               </a:lnSpc>
@@ -7590,7 +6742,7 @@
               <a:buSzPts val="1000"/>
               <a:buFont typeface="Arial"/>
               <a:buNone/>
-              <a:defRPr b="0" i="0" sz="1000" u="none" cap="none" strike="noStrike">
+              <a:defRPr sz="1000" b="0" i="0" u="none" strike="noStrike" cap="none">
                 <a:solidFill>
                   <a:schemeClr val="dk2"/>
                 </a:solidFill>
@@ -7600,7 +6752,7 @@
                 <a:sym typeface="Arial"/>
               </a:defRPr>
             </a:lvl8pPr>
-            <a:lvl9pPr indent="0" lvl="8" marL="0" marR="0" algn="r">
+            <a:lvl9pPr marL="0" marR="0" lvl="8" indent="0" algn="r">
               <a:lnSpc>
                 <a:spcPct val="100000"/>
               </a:lnSpc>
@@ -7616,7 +6768,7 @@
               <a:buSzPts val="1000"/>
               <a:buFont typeface="Arial"/>
               <a:buNone/>
-              <a:defRPr b="0" i="0" sz="1000" u="none" cap="none" strike="noStrike">
+              <a:defRPr sz="1000" b="0" i="0" u="none" strike="noStrike" cap="none">
                 <a:solidFill>
                   <a:schemeClr val="dk2"/>
                 </a:solidFill>
@@ -7628,7 +6780,7 @@
             </a:lvl9pPr>
           </a:lstStyle>
           <a:p>
-            <a:pPr indent="0" lvl="0" marL="0" rtl="0" algn="r">
+            <a:pPr marL="0" lvl="0" indent="0" algn="r" rtl="0">
               <a:spcBef>
                 <a:spcPts val="0"/>
               </a:spcBef>
@@ -7654,11 +6806,11 @@
 </file>
 
 <file path=ppt/slideLayouts/slideLayout9.xml><?xml version="1.0" encoding="utf-8"?>
-<p:sldLayout xmlns:a="http://schemas.openxmlformats.org/drawingml/2006/main" xmlns:r="http://schemas.openxmlformats.org/officeDocument/2006/relationships" xmlns:mc="http://schemas.openxmlformats.org/markup-compatibility/2006" xmlns:mv="urn:schemas-microsoft-com:mac:vml" xmlns:p="http://schemas.openxmlformats.org/presentationml/2006/main" xmlns:c="http://schemas.openxmlformats.org/drawingml/2006/chart" xmlns:dgm="http://schemas.openxmlformats.org/drawingml/2006/diagram" xmlns:o="urn:schemas-microsoft-com:office:office" xmlns:v="urn:schemas-microsoft-com:vml" xmlns:pvml="urn:schemas-microsoft-com:office:powerpoint" xmlns:com="http://schemas.openxmlformats.org/drawingml/2006/compatibility" xmlns:p14="http://schemas.microsoft.com/office/powerpoint/2010/main" xmlns:p15="http://schemas.microsoft.com/office/powerpoint/2012/main" xmlns:ahyp="http://schemas.microsoft.com/office/drawing/2018/hyperlinkcolor" matchingName="Caption">
+<p:sldLayout xmlns:a="http://schemas.openxmlformats.org/drawingml/2006/main" xmlns:r="http://schemas.openxmlformats.org/officeDocument/2006/relationships" xmlns:p="http://schemas.openxmlformats.org/presentationml/2006/main" matchingName="Caption">
   <p:cSld name="CAPTION_ONLY">
     <p:spTree>
       <p:nvGrpSpPr>
-        <p:cNvPr id="41" name="Shape 41"/>
+        <p:cNvPr id="1" name="Shape 41"/>
         <p:cNvGrpSpPr/>
         <p:nvPr/>
       </p:nvGrpSpPr>
@@ -7673,9 +6825,11 @@
       <p:sp>
         <p:nvSpPr>
           <p:cNvPr id="42" name="Google Shape;42;p10"/>
-          <p:cNvSpPr txBox="1"/>
+          <p:cNvSpPr txBox="1">
+            <a:spLocks noGrp="1"/>
+          </p:cNvSpPr>
           <p:nvPr>
-            <p:ph idx="1" type="body"/>
+            <p:ph type="body" idx="1"/>
           </p:nvPr>
         </p:nvSpPr>
         <p:spPr>
@@ -7692,11 +6846,11 @@
           </a:ln>
         </p:spPr>
         <p:txBody>
-          <a:bodyPr anchorCtr="0" anchor="ctr" bIns="91425" lIns="91425" spcFirstLastPara="1" rIns="91425" wrap="square" tIns="91425">
+          <a:bodyPr spcFirstLastPara="1" wrap="square" lIns="91425" tIns="91425" rIns="91425" bIns="91425" anchor="ctr" anchorCtr="0">
             <a:normAutofit/>
           </a:bodyPr>
           <a:lstStyle>
-            <a:lvl1pPr indent="-228600" lvl="0" marL="457200" algn="l">
+            <a:lvl1pPr marL="457200" lvl="0" indent="-228600" algn="l">
               <a:lnSpc>
                 <a:spcPct val="100000"/>
               </a:lnSpc>
@@ -7711,15 +6865,19 @@
               <a:defRPr/>
             </a:lvl1pPr>
           </a:lstStyle>
-          <a:p/>
+          <a:p>
+            <a:endParaRPr/>
+          </a:p>
         </p:txBody>
       </p:sp>
       <p:sp>
         <p:nvSpPr>
           <p:cNvPr id="43" name="Google Shape;43;p10"/>
-          <p:cNvSpPr txBox="1"/>
+          <p:cNvSpPr txBox="1">
+            <a:spLocks noGrp="1"/>
+          </p:cNvSpPr>
           <p:nvPr>
-            <p:ph idx="12" type="sldNum"/>
+            <p:ph type="sldNum" idx="12"/>
           </p:nvPr>
         </p:nvSpPr>
         <p:spPr>
@@ -7736,11 +6894,11 @@
           </a:ln>
         </p:spPr>
         <p:txBody>
-          <a:bodyPr anchorCtr="0" anchor="ctr" bIns="91425" lIns="91425" spcFirstLastPara="1" rIns="91425" wrap="square" tIns="91425">
+          <a:bodyPr spcFirstLastPara="1" wrap="square" lIns="91425" tIns="91425" rIns="91425" bIns="91425" anchor="ctr" anchorCtr="0">
             <a:normAutofit/>
           </a:bodyPr>
           <a:lstStyle>
-            <a:lvl1pPr indent="0" lvl="0" marL="0" marR="0" algn="r">
+            <a:lvl1pPr marL="0" marR="0" lvl="0" indent="0" algn="r">
               <a:lnSpc>
                 <a:spcPct val="100000"/>
               </a:lnSpc>
@@ -7756,7 +6914,7 @@
               <a:buSzPts val="1000"/>
               <a:buFont typeface="Arial"/>
               <a:buNone/>
-              <a:defRPr b="0" i="0" sz="1000" u="none" cap="none" strike="noStrike">
+              <a:defRPr sz="1000" b="0" i="0" u="none" strike="noStrike" cap="none">
                 <a:solidFill>
                   <a:schemeClr val="dk2"/>
                 </a:solidFill>
@@ -7766,7 +6924,7 @@
                 <a:sym typeface="Arial"/>
               </a:defRPr>
             </a:lvl1pPr>
-            <a:lvl2pPr indent="0" lvl="1" marL="0" marR="0" algn="r">
+            <a:lvl2pPr marL="0" marR="0" lvl="1" indent="0" algn="r">
               <a:lnSpc>
                 <a:spcPct val="100000"/>
               </a:lnSpc>
@@ -7782,7 +6940,7 @@
               <a:buSzPts val="1000"/>
               <a:buFont typeface="Arial"/>
               <a:buNone/>
-              <a:defRPr b="0" i="0" sz="1000" u="none" cap="none" strike="noStrike">
+              <a:defRPr sz="1000" b="0" i="0" u="none" strike="noStrike" cap="none">
                 <a:solidFill>
                   <a:schemeClr val="dk2"/>
                 </a:solidFill>
@@ -7792,7 +6950,7 @@
                 <a:sym typeface="Arial"/>
               </a:defRPr>
             </a:lvl2pPr>
-            <a:lvl3pPr indent="0" lvl="2" marL="0" marR="0" algn="r">
+            <a:lvl3pPr marL="0" marR="0" lvl="2" indent="0" algn="r">
               <a:lnSpc>
                 <a:spcPct val="100000"/>
               </a:lnSpc>
@@ -7808,7 +6966,7 @@
               <a:buSzPts val="1000"/>
               <a:buFont typeface="Arial"/>
               <a:buNone/>
-              <a:defRPr b="0" i="0" sz="1000" u="none" cap="none" strike="noStrike">
+              <a:defRPr sz="1000" b="0" i="0" u="none" strike="noStrike" cap="none">
                 <a:solidFill>
                   <a:schemeClr val="dk2"/>
                 </a:solidFill>
@@ -7818,7 +6976,7 @@
                 <a:sym typeface="Arial"/>
               </a:defRPr>
             </a:lvl3pPr>
-            <a:lvl4pPr indent="0" lvl="3" marL="0" marR="0" algn="r">
+            <a:lvl4pPr marL="0" marR="0" lvl="3" indent="0" algn="r">
               <a:lnSpc>
                 <a:spcPct val="100000"/>
               </a:lnSpc>
@@ -7834,7 +6992,7 @@
               <a:buSzPts val="1000"/>
               <a:buFont typeface="Arial"/>
               <a:buNone/>
-              <a:defRPr b="0" i="0" sz="1000" u="none" cap="none" strike="noStrike">
+              <a:defRPr sz="1000" b="0" i="0" u="none" strike="noStrike" cap="none">
                 <a:solidFill>
                   <a:schemeClr val="dk2"/>
                 </a:solidFill>
@@ -7844,7 +7002,7 @@
                 <a:sym typeface="Arial"/>
               </a:defRPr>
             </a:lvl4pPr>
-            <a:lvl5pPr indent="0" lvl="4" marL="0" marR="0" algn="r">
+            <a:lvl5pPr marL="0" marR="0" lvl="4" indent="0" algn="r">
               <a:lnSpc>
                 <a:spcPct val="100000"/>
               </a:lnSpc>
@@ -7860,7 +7018,7 @@
               <a:buSzPts val="1000"/>
               <a:buFont typeface="Arial"/>
               <a:buNone/>
-              <a:defRPr b="0" i="0" sz="1000" u="none" cap="none" strike="noStrike">
+              <a:defRPr sz="1000" b="0" i="0" u="none" strike="noStrike" cap="none">
                 <a:solidFill>
                   <a:schemeClr val="dk2"/>
                 </a:solidFill>
@@ -7870,7 +7028,7 @@
                 <a:sym typeface="Arial"/>
               </a:defRPr>
             </a:lvl5pPr>
-            <a:lvl6pPr indent="0" lvl="5" marL="0" marR="0" algn="r">
+            <a:lvl6pPr marL="0" marR="0" lvl="5" indent="0" algn="r">
               <a:lnSpc>
                 <a:spcPct val="100000"/>
               </a:lnSpc>
@@ -7886,7 +7044,7 @@
               <a:buSzPts val="1000"/>
               <a:buFont typeface="Arial"/>
               <a:buNone/>
-              <a:defRPr b="0" i="0" sz="1000" u="none" cap="none" strike="noStrike">
+              <a:defRPr sz="1000" b="0" i="0" u="none" strike="noStrike" cap="none">
                 <a:solidFill>
                   <a:schemeClr val="dk2"/>
                 </a:solidFill>
@@ -7896,7 +7054,7 @@
                 <a:sym typeface="Arial"/>
               </a:defRPr>
             </a:lvl6pPr>
-            <a:lvl7pPr indent="0" lvl="6" marL="0" marR="0" algn="r">
+            <a:lvl7pPr marL="0" marR="0" lvl="6" indent="0" algn="r">
               <a:lnSpc>
                 <a:spcPct val="100000"/>
               </a:lnSpc>
@@ -7912,7 +7070,7 @@
               <a:buSzPts val="1000"/>
               <a:buFont typeface="Arial"/>
               <a:buNone/>
-              <a:defRPr b="0" i="0" sz="1000" u="none" cap="none" strike="noStrike">
+              <a:defRPr sz="1000" b="0" i="0" u="none" strike="noStrike" cap="none">
                 <a:solidFill>
                   <a:schemeClr val="dk2"/>
                 </a:solidFill>
@@ -7922,7 +7080,7 @@
                 <a:sym typeface="Arial"/>
               </a:defRPr>
             </a:lvl7pPr>
-            <a:lvl8pPr indent="0" lvl="7" marL="0" marR="0" algn="r">
+            <a:lvl8pPr marL="0" marR="0" lvl="7" indent="0" algn="r">
               <a:lnSpc>
                 <a:spcPct val="100000"/>
               </a:lnSpc>
@@ -7938,7 +7096,7 @@
               <a:buSzPts val="1000"/>
               <a:buFont typeface="Arial"/>
               <a:buNone/>
-              <a:defRPr b="0" i="0" sz="1000" u="none" cap="none" strike="noStrike">
+              <a:defRPr sz="1000" b="0" i="0" u="none" strike="noStrike" cap="none">
                 <a:solidFill>
                   <a:schemeClr val="dk2"/>
                 </a:solidFill>
@@ -7948,7 +7106,7 @@
                 <a:sym typeface="Arial"/>
               </a:defRPr>
             </a:lvl8pPr>
-            <a:lvl9pPr indent="0" lvl="8" marL="0" marR="0" algn="r">
+            <a:lvl9pPr marL="0" marR="0" lvl="8" indent="0" algn="r">
               <a:lnSpc>
                 <a:spcPct val="100000"/>
               </a:lnSpc>
@@ -7964,7 +7122,7 @@
               <a:buSzPts val="1000"/>
               <a:buFont typeface="Arial"/>
               <a:buNone/>
-              <a:defRPr b="0" i="0" sz="1000" u="none" cap="none" strike="noStrike">
+              <a:defRPr sz="1000" b="0" i="0" u="none" strike="noStrike" cap="none">
                 <a:solidFill>
                   <a:schemeClr val="dk2"/>
                 </a:solidFill>
@@ -7976,7 +7134,7 @@
             </a:lvl9pPr>
           </a:lstStyle>
           <a:p>
-            <a:pPr indent="0" lvl="0" marL="0" rtl="0" algn="r">
+            <a:pPr marL="0" lvl="0" indent="0" algn="r" rtl="0">
               <a:spcBef>
                 <a:spcPts val="0"/>
               </a:spcBef>
@@ -8002,18 +7160,19 @@
 </file>
 
 <file path=ppt/slideMasters/slideMaster1.xml><?xml version="1.0" encoding="utf-8"?>
-<p:sldMaster xmlns:a="http://schemas.openxmlformats.org/drawingml/2006/main" xmlns:r="http://schemas.openxmlformats.org/officeDocument/2006/relationships" xmlns:mc="http://schemas.openxmlformats.org/markup-compatibility/2006" xmlns:mv="urn:schemas-microsoft-com:mac:vml" xmlns:p="http://schemas.openxmlformats.org/presentationml/2006/main" xmlns:c="http://schemas.openxmlformats.org/drawingml/2006/chart" xmlns:dgm="http://schemas.openxmlformats.org/drawingml/2006/diagram" xmlns:o="urn:schemas-microsoft-com:office:office" xmlns:v="urn:schemas-microsoft-com:vml" xmlns:pvml="urn:schemas-microsoft-com:office:powerpoint" xmlns:com="http://schemas.openxmlformats.org/drawingml/2006/compatibility" xmlns:p14="http://schemas.microsoft.com/office/powerpoint/2010/main" xmlns:p15="http://schemas.microsoft.com/office/powerpoint/2012/main" xmlns:ahyp="http://schemas.microsoft.com/office/drawing/2018/hyperlinkcolor">
+<p:sldMaster xmlns:a="http://schemas.openxmlformats.org/drawingml/2006/main" xmlns:r="http://schemas.openxmlformats.org/officeDocument/2006/relationships" xmlns:p="http://schemas.openxmlformats.org/presentationml/2006/main">
   <p:cSld name="simple-light-2">
     <p:bg>
       <p:bgPr>
         <a:solidFill>
           <a:schemeClr val="lt1"/>
         </a:solidFill>
+        <a:effectLst/>
       </p:bgPr>
     </p:bg>
     <p:spTree>
       <p:nvGrpSpPr>
-        <p:cNvPr id="5" name="Shape 5"/>
+        <p:cNvPr id="1" name="Shape 5"/>
         <p:cNvGrpSpPr/>
         <p:nvPr/>
       </p:nvGrpSpPr>
@@ -8028,7 +7187,9 @@
       <p:sp>
         <p:nvSpPr>
           <p:cNvPr id="6" name="Google Shape;6;p1"/>
-          <p:cNvSpPr txBox="1"/>
+          <p:cNvSpPr txBox="1">
+            <a:spLocks noGrp="1"/>
+          </p:cNvSpPr>
           <p:nvPr>
             <p:ph type="title"/>
           </p:nvPr>
@@ -8047,11 +7208,11 @@
           </a:ln>
         </p:spPr>
         <p:txBody>
-          <a:bodyPr anchorCtr="0" anchor="t" bIns="91425" lIns="91425" spcFirstLastPara="1" rIns="91425" wrap="square" tIns="91425">
+          <a:bodyPr spcFirstLastPara="1" wrap="square" lIns="91425" tIns="91425" rIns="91425" bIns="91425" anchor="t" anchorCtr="0">
             <a:normAutofit/>
           </a:bodyPr>
           <a:lstStyle>
-            <a:lvl1pPr lvl="0" marR="0" rtl="0" algn="l">
+            <a:lvl1pPr marR="0" lvl="0" algn="l" rtl="0">
               <a:lnSpc>
                 <a:spcPct val="100000"/>
               </a:lnSpc>
@@ -8067,7 +7228,7 @@
               <a:buSzPts val="2800"/>
               <a:buFont typeface="Arial"/>
               <a:buNone/>
-              <a:defRPr b="0" i="0" sz="2800" u="none" cap="none" strike="noStrike">
+              <a:defRPr sz="2800" b="0" i="0" u="none" strike="noStrike" cap="none">
                 <a:solidFill>
                   <a:schemeClr val="dk1"/>
                 </a:solidFill>
@@ -8077,7 +7238,7 @@
                 <a:sym typeface="Arial"/>
               </a:defRPr>
             </a:lvl1pPr>
-            <a:lvl2pPr lvl="1" marR="0" rtl="0" algn="l">
+            <a:lvl2pPr marR="0" lvl="1" algn="l" rtl="0">
               <a:lnSpc>
                 <a:spcPct val="100000"/>
               </a:lnSpc>
@@ -8093,7 +7254,7 @@
               <a:buSzPts val="2800"/>
               <a:buFont typeface="Arial"/>
               <a:buNone/>
-              <a:defRPr b="0" i="0" sz="2800" u="none" cap="none" strike="noStrike">
+              <a:defRPr sz="2800" b="0" i="0" u="none" strike="noStrike" cap="none">
                 <a:solidFill>
                   <a:schemeClr val="dk1"/>
                 </a:solidFill>
@@ -8103,7 +7264,7 @@
                 <a:sym typeface="Arial"/>
               </a:defRPr>
             </a:lvl2pPr>
-            <a:lvl3pPr lvl="2" marR="0" rtl="0" algn="l">
+            <a:lvl3pPr marR="0" lvl="2" algn="l" rtl="0">
               <a:lnSpc>
                 <a:spcPct val="100000"/>
               </a:lnSpc>
@@ -8119,7 +7280,7 @@
               <a:buSzPts val="2800"/>
               <a:buFont typeface="Arial"/>
               <a:buNone/>
-              <a:defRPr b="0" i="0" sz="2800" u="none" cap="none" strike="noStrike">
+              <a:defRPr sz="2800" b="0" i="0" u="none" strike="noStrike" cap="none">
                 <a:solidFill>
                   <a:schemeClr val="dk1"/>
                 </a:solidFill>
@@ -8129,7 +7290,7 @@
                 <a:sym typeface="Arial"/>
               </a:defRPr>
             </a:lvl3pPr>
-            <a:lvl4pPr lvl="3" marR="0" rtl="0" algn="l">
+            <a:lvl4pPr marR="0" lvl="3" algn="l" rtl="0">
               <a:lnSpc>
                 <a:spcPct val="100000"/>
               </a:lnSpc>
@@ -8145,7 +7306,7 @@
               <a:buSzPts val="2800"/>
               <a:buFont typeface="Arial"/>
               <a:buNone/>
-              <a:defRPr b="0" i="0" sz="2800" u="none" cap="none" strike="noStrike">
+              <a:defRPr sz="2800" b="0" i="0" u="none" strike="noStrike" cap="none">
                 <a:solidFill>
                   <a:schemeClr val="dk1"/>
                 </a:solidFill>
@@ -8155,7 +7316,7 @@
                 <a:sym typeface="Arial"/>
               </a:defRPr>
             </a:lvl4pPr>
-            <a:lvl5pPr lvl="4" marR="0" rtl="0" algn="l">
+            <a:lvl5pPr marR="0" lvl="4" algn="l" rtl="0">
               <a:lnSpc>
                 <a:spcPct val="100000"/>
               </a:lnSpc>
@@ -8171,7 +7332,7 @@
               <a:buSzPts val="2800"/>
               <a:buFont typeface="Arial"/>
               <a:buNone/>
-              <a:defRPr b="0" i="0" sz="2800" u="none" cap="none" strike="noStrike">
+              <a:defRPr sz="2800" b="0" i="0" u="none" strike="noStrike" cap="none">
                 <a:solidFill>
                   <a:schemeClr val="dk1"/>
                 </a:solidFill>
@@ -8181,7 +7342,7 @@
                 <a:sym typeface="Arial"/>
               </a:defRPr>
             </a:lvl5pPr>
-            <a:lvl6pPr lvl="5" marR="0" rtl="0" algn="l">
+            <a:lvl6pPr marR="0" lvl="5" algn="l" rtl="0">
               <a:lnSpc>
                 <a:spcPct val="100000"/>
               </a:lnSpc>
@@ -8197,7 +7358,7 @@
               <a:buSzPts val="2800"/>
               <a:buFont typeface="Arial"/>
               <a:buNone/>
-              <a:defRPr b="0" i="0" sz="2800" u="none" cap="none" strike="noStrike">
+              <a:defRPr sz="2800" b="0" i="0" u="none" strike="noStrike" cap="none">
                 <a:solidFill>
                   <a:schemeClr val="dk1"/>
                 </a:solidFill>
@@ -8207,7 +7368,7 @@
                 <a:sym typeface="Arial"/>
               </a:defRPr>
             </a:lvl6pPr>
-            <a:lvl7pPr lvl="6" marR="0" rtl="0" algn="l">
+            <a:lvl7pPr marR="0" lvl="6" algn="l" rtl="0">
               <a:lnSpc>
                 <a:spcPct val="100000"/>
               </a:lnSpc>
@@ -8223,7 +7384,7 @@
               <a:buSzPts val="2800"/>
               <a:buFont typeface="Arial"/>
               <a:buNone/>
-              <a:defRPr b="0" i="0" sz="2800" u="none" cap="none" strike="noStrike">
+              <a:defRPr sz="2800" b="0" i="0" u="none" strike="noStrike" cap="none">
                 <a:solidFill>
                   <a:schemeClr val="dk1"/>
                 </a:solidFill>
@@ -8233,7 +7394,7 @@
                 <a:sym typeface="Arial"/>
               </a:defRPr>
             </a:lvl7pPr>
-            <a:lvl8pPr lvl="7" marR="0" rtl="0" algn="l">
+            <a:lvl8pPr marR="0" lvl="7" algn="l" rtl="0">
               <a:lnSpc>
                 <a:spcPct val="100000"/>
               </a:lnSpc>
@@ -8249,7 +7410,7 @@
               <a:buSzPts val="2800"/>
               <a:buFont typeface="Arial"/>
               <a:buNone/>
-              <a:defRPr b="0" i="0" sz="2800" u="none" cap="none" strike="noStrike">
+              <a:defRPr sz="2800" b="0" i="0" u="none" strike="noStrike" cap="none">
                 <a:solidFill>
                   <a:schemeClr val="dk1"/>
                 </a:solidFill>
@@ -8259,7 +7420,7 @@
                 <a:sym typeface="Arial"/>
               </a:defRPr>
             </a:lvl8pPr>
-            <a:lvl9pPr lvl="8" marR="0" rtl="0" algn="l">
+            <a:lvl9pPr marR="0" lvl="8" algn="l" rtl="0">
               <a:lnSpc>
                 <a:spcPct val="100000"/>
               </a:lnSpc>
@@ -8275,7 +7436,7 @@
               <a:buSzPts val="2800"/>
               <a:buFont typeface="Arial"/>
               <a:buNone/>
-              <a:defRPr b="0" i="0" sz="2800" u="none" cap="none" strike="noStrike">
+              <a:defRPr sz="2800" b="0" i="0" u="none" strike="noStrike" cap="none">
                 <a:solidFill>
                   <a:schemeClr val="dk1"/>
                 </a:solidFill>
@@ -8286,15 +7447,19 @@
               </a:defRPr>
             </a:lvl9pPr>
           </a:lstStyle>
-          <a:p/>
+          <a:p>
+            <a:endParaRPr/>
+          </a:p>
         </p:txBody>
       </p:sp>
       <p:sp>
         <p:nvSpPr>
           <p:cNvPr id="7" name="Google Shape;7;p1"/>
-          <p:cNvSpPr txBox="1"/>
+          <p:cNvSpPr txBox="1">
+            <a:spLocks noGrp="1"/>
+          </p:cNvSpPr>
           <p:nvPr>
-            <p:ph idx="1" type="body"/>
+            <p:ph type="body" idx="1"/>
           </p:nvPr>
         </p:nvSpPr>
         <p:spPr>
@@ -8311,11 +7476,11 @@
           </a:ln>
         </p:spPr>
         <p:txBody>
-          <a:bodyPr anchorCtr="0" anchor="t" bIns="91425" lIns="91425" spcFirstLastPara="1" rIns="91425" wrap="square" tIns="91425">
+          <a:bodyPr spcFirstLastPara="1" wrap="square" lIns="91425" tIns="91425" rIns="91425" bIns="91425" anchor="t" anchorCtr="0">
             <a:normAutofit/>
           </a:bodyPr>
           <a:lstStyle>
-            <a:lvl1pPr indent="-342900" lvl="0" marL="457200" marR="0" rtl="0" algn="l">
+            <a:lvl1pPr marL="457200" marR="0" lvl="0" indent="-342900" algn="l" rtl="0">
               <a:lnSpc>
                 <a:spcPct val="115000"/>
               </a:lnSpc>
@@ -8331,7 +7496,7 @@
               <a:buSzPts val="1800"/>
               <a:buFont typeface="Arial"/>
               <a:buChar char="●"/>
-              <a:defRPr b="0" i="0" sz="1800" u="none" cap="none" strike="noStrike">
+              <a:defRPr sz="1800" b="0" i="0" u="none" strike="noStrike" cap="none">
                 <a:solidFill>
                   <a:schemeClr val="dk2"/>
                 </a:solidFill>
@@ -8341,7 +7506,7 @@
                 <a:sym typeface="Arial"/>
               </a:defRPr>
             </a:lvl1pPr>
-            <a:lvl2pPr indent="-317500" lvl="1" marL="914400" marR="0" rtl="0" algn="l">
+            <a:lvl2pPr marL="914400" marR="0" lvl="1" indent="-317500" algn="l" rtl="0">
               <a:lnSpc>
                 <a:spcPct val="115000"/>
               </a:lnSpc>
@@ -8357,7 +7522,7 @@
               <a:buSzPts val="1400"/>
               <a:buFont typeface="Arial"/>
               <a:buChar char="○"/>
-              <a:defRPr b="0" i="0" sz="1400" u="none" cap="none" strike="noStrike">
+              <a:defRPr sz="1400" b="0" i="0" u="none" strike="noStrike" cap="none">
                 <a:solidFill>
                   <a:schemeClr val="dk2"/>
                 </a:solidFill>
@@ -8367,7 +7532,7 @@
                 <a:sym typeface="Arial"/>
               </a:defRPr>
             </a:lvl2pPr>
-            <a:lvl3pPr indent="-317500" lvl="2" marL="1371600" marR="0" rtl="0" algn="l">
+            <a:lvl3pPr marL="1371600" marR="0" lvl="2" indent="-317500" algn="l" rtl="0">
               <a:lnSpc>
                 <a:spcPct val="115000"/>
               </a:lnSpc>
@@ -8383,7 +7548,7 @@
               <a:buSzPts val="1400"/>
               <a:buFont typeface="Arial"/>
               <a:buChar char="■"/>
-              <a:defRPr b="0" i="0" sz="1400" u="none" cap="none" strike="noStrike">
+              <a:defRPr sz="1400" b="0" i="0" u="none" strike="noStrike" cap="none">
                 <a:solidFill>
                   <a:schemeClr val="dk2"/>
                 </a:solidFill>
@@ -8393,7 +7558,7 @@
                 <a:sym typeface="Arial"/>
               </a:defRPr>
             </a:lvl3pPr>
-            <a:lvl4pPr indent="-317500" lvl="3" marL="1828800" marR="0" rtl="0" algn="l">
+            <a:lvl4pPr marL="1828800" marR="0" lvl="3" indent="-317500" algn="l" rtl="0">
               <a:lnSpc>
                 <a:spcPct val="115000"/>
               </a:lnSpc>
@@ -8409,7 +7574,7 @@
               <a:buSzPts val="1400"/>
               <a:buFont typeface="Arial"/>
               <a:buChar char="●"/>
-              <a:defRPr b="0" i="0" sz="1400" u="none" cap="none" strike="noStrike">
+              <a:defRPr sz="1400" b="0" i="0" u="none" strike="noStrike" cap="none">
                 <a:solidFill>
                   <a:schemeClr val="dk2"/>
                 </a:solidFill>
@@ -8419,7 +7584,7 @@
                 <a:sym typeface="Arial"/>
               </a:defRPr>
             </a:lvl4pPr>
-            <a:lvl5pPr indent="-317500" lvl="4" marL="2286000" marR="0" rtl="0" algn="l">
+            <a:lvl5pPr marL="2286000" marR="0" lvl="4" indent="-317500" algn="l" rtl="0">
               <a:lnSpc>
                 <a:spcPct val="115000"/>
               </a:lnSpc>
@@ -8435,7 +7600,7 @@
               <a:buSzPts val="1400"/>
               <a:buFont typeface="Arial"/>
               <a:buChar char="○"/>
-              <a:defRPr b="0" i="0" sz="1400" u="none" cap="none" strike="noStrike">
+              <a:defRPr sz="1400" b="0" i="0" u="none" strike="noStrike" cap="none">
                 <a:solidFill>
                   <a:schemeClr val="dk2"/>
                 </a:solidFill>
@@ -8445,7 +7610,7 @@
                 <a:sym typeface="Arial"/>
               </a:defRPr>
             </a:lvl5pPr>
-            <a:lvl6pPr indent="-317500" lvl="5" marL="2743200" marR="0" rtl="0" algn="l">
+            <a:lvl6pPr marL="2743200" marR="0" lvl="5" indent="-317500" algn="l" rtl="0">
               <a:lnSpc>
                 <a:spcPct val="115000"/>
               </a:lnSpc>
@@ -8461,7 +7626,7 @@
               <a:buSzPts val="1400"/>
               <a:buFont typeface="Arial"/>
               <a:buChar char="■"/>
-              <a:defRPr b="0" i="0" sz="1400" u="none" cap="none" strike="noStrike">
+              <a:defRPr sz="1400" b="0" i="0" u="none" strike="noStrike" cap="none">
                 <a:solidFill>
                   <a:schemeClr val="dk2"/>
                 </a:solidFill>
@@ -8471,7 +7636,7 @@
                 <a:sym typeface="Arial"/>
               </a:defRPr>
             </a:lvl6pPr>
-            <a:lvl7pPr indent="-317500" lvl="6" marL="3200400" marR="0" rtl="0" algn="l">
+            <a:lvl7pPr marL="3200400" marR="0" lvl="6" indent="-317500" algn="l" rtl="0">
               <a:lnSpc>
                 <a:spcPct val="115000"/>
               </a:lnSpc>
@@ -8487,7 +7652,7 @@
               <a:buSzPts val="1400"/>
               <a:buFont typeface="Arial"/>
               <a:buChar char="●"/>
-              <a:defRPr b="0" i="0" sz="1400" u="none" cap="none" strike="noStrike">
+              <a:defRPr sz="1400" b="0" i="0" u="none" strike="noStrike" cap="none">
                 <a:solidFill>
                   <a:schemeClr val="dk2"/>
                 </a:solidFill>
@@ -8497,7 +7662,7 @@
                 <a:sym typeface="Arial"/>
               </a:defRPr>
             </a:lvl7pPr>
-            <a:lvl8pPr indent="-317500" lvl="7" marL="3657600" marR="0" rtl="0" algn="l">
+            <a:lvl8pPr marL="3657600" marR="0" lvl="7" indent="-317500" algn="l" rtl="0">
               <a:lnSpc>
                 <a:spcPct val="115000"/>
               </a:lnSpc>
@@ -8513,7 +7678,7 @@
               <a:buSzPts val="1400"/>
               <a:buFont typeface="Arial"/>
               <a:buChar char="○"/>
-              <a:defRPr b="0" i="0" sz="1400" u="none" cap="none" strike="noStrike">
+              <a:defRPr sz="1400" b="0" i="0" u="none" strike="noStrike" cap="none">
                 <a:solidFill>
                   <a:schemeClr val="dk2"/>
                 </a:solidFill>
@@ -8523,7 +7688,7 @@
                 <a:sym typeface="Arial"/>
               </a:defRPr>
             </a:lvl8pPr>
-            <a:lvl9pPr indent="-317500" lvl="8" marL="4114800" marR="0" rtl="0" algn="l">
+            <a:lvl9pPr marL="4114800" marR="0" lvl="8" indent="-317500" algn="l" rtl="0">
               <a:lnSpc>
                 <a:spcPct val="115000"/>
               </a:lnSpc>
@@ -8539,7 +7704,7 @@
               <a:buSzPts val="1400"/>
               <a:buFont typeface="Arial"/>
               <a:buChar char="■"/>
-              <a:defRPr b="0" i="0" sz="1400" u="none" cap="none" strike="noStrike">
+              <a:defRPr sz="1400" b="0" i="0" u="none" strike="noStrike" cap="none">
                 <a:solidFill>
                   <a:schemeClr val="dk2"/>
                 </a:solidFill>
@@ -8550,15 +7715,19 @@
               </a:defRPr>
             </a:lvl9pPr>
           </a:lstStyle>
-          <a:p/>
+          <a:p>
+            <a:endParaRPr/>
+          </a:p>
         </p:txBody>
       </p:sp>
       <p:sp>
         <p:nvSpPr>
           <p:cNvPr id="8" name="Google Shape;8;p1"/>
-          <p:cNvSpPr txBox="1"/>
+          <p:cNvSpPr txBox="1">
+            <a:spLocks noGrp="1"/>
+          </p:cNvSpPr>
           <p:nvPr>
-            <p:ph idx="12" type="sldNum"/>
+            <p:ph type="sldNum" idx="12"/>
           </p:nvPr>
         </p:nvSpPr>
         <p:spPr>
@@ -8575,11 +7744,11 @@
           </a:ln>
         </p:spPr>
         <p:txBody>
-          <a:bodyPr anchorCtr="0" anchor="ctr" bIns="91425" lIns="91425" spcFirstLastPara="1" rIns="91425" wrap="square" tIns="91425">
+          <a:bodyPr spcFirstLastPara="1" wrap="square" lIns="91425" tIns="91425" rIns="91425" bIns="91425" anchor="ctr" anchorCtr="0">
             <a:normAutofit/>
           </a:bodyPr>
           <a:lstStyle>
-            <a:lvl1pPr indent="0" lvl="0" marL="0" marR="0" rtl="0" algn="r">
+            <a:lvl1pPr marL="0" marR="0" lvl="0" indent="0" algn="r" rtl="0">
               <a:lnSpc>
                 <a:spcPct val="100000"/>
               </a:lnSpc>
@@ -8595,7 +7764,7 @@
               <a:buSzPts val="1000"/>
               <a:buFont typeface="Arial"/>
               <a:buNone/>
-              <a:defRPr b="0" i="0" sz="1000" u="none" cap="none" strike="noStrike">
+              <a:defRPr sz="1000" b="0" i="0" u="none" strike="noStrike" cap="none">
                 <a:solidFill>
                   <a:schemeClr val="dk2"/>
                 </a:solidFill>
@@ -8605,7 +7774,7 @@
                 <a:sym typeface="Arial"/>
               </a:defRPr>
             </a:lvl1pPr>
-            <a:lvl2pPr indent="0" lvl="1" marL="0" marR="0" rtl="0" algn="r">
+            <a:lvl2pPr marL="0" marR="0" lvl="1" indent="0" algn="r" rtl="0">
               <a:lnSpc>
                 <a:spcPct val="100000"/>
               </a:lnSpc>
@@ -8621,7 +7790,7 @@
               <a:buSzPts val="1000"/>
               <a:buFont typeface="Arial"/>
               <a:buNone/>
-              <a:defRPr b="0" i="0" sz="1000" u="none" cap="none" strike="noStrike">
+              <a:defRPr sz="1000" b="0" i="0" u="none" strike="noStrike" cap="none">
                 <a:solidFill>
                   <a:schemeClr val="dk2"/>
                 </a:solidFill>
@@ -8631,7 +7800,7 @@
                 <a:sym typeface="Arial"/>
               </a:defRPr>
             </a:lvl2pPr>
-            <a:lvl3pPr indent="0" lvl="2" marL="0" marR="0" rtl="0" algn="r">
+            <a:lvl3pPr marL="0" marR="0" lvl="2" indent="0" algn="r" rtl="0">
               <a:lnSpc>
                 <a:spcPct val="100000"/>
               </a:lnSpc>
@@ -8647,7 +7816,7 @@
               <a:buSzPts val="1000"/>
               <a:buFont typeface="Arial"/>
               <a:buNone/>
-              <a:defRPr b="0" i="0" sz="1000" u="none" cap="none" strike="noStrike">
+              <a:defRPr sz="1000" b="0" i="0" u="none" strike="noStrike" cap="none">
                 <a:solidFill>
                   <a:schemeClr val="dk2"/>
                 </a:solidFill>
@@ -8657,7 +7826,7 @@
                 <a:sym typeface="Arial"/>
               </a:defRPr>
             </a:lvl3pPr>
-            <a:lvl4pPr indent="0" lvl="3" marL="0" marR="0" rtl="0" algn="r">
+            <a:lvl4pPr marL="0" marR="0" lvl="3" indent="0" algn="r" rtl="0">
               <a:lnSpc>
                 <a:spcPct val="100000"/>
               </a:lnSpc>
@@ -8673,7 +7842,7 @@
               <a:buSzPts val="1000"/>
               <a:buFont typeface="Arial"/>
               <a:buNone/>
-              <a:defRPr b="0" i="0" sz="1000" u="none" cap="none" strike="noStrike">
+              <a:defRPr sz="1000" b="0" i="0" u="none" strike="noStrike" cap="none">
                 <a:solidFill>
                   <a:schemeClr val="dk2"/>
                 </a:solidFill>
@@ -8683,7 +7852,7 @@
                 <a:sym typeface="Arial"/>
               </a:defRPr>
             </a:lvl4pPr>
-            <a:lvl5pPr indent="0" lvl="4" marL="0" marR="0" rtl="0" algn="r">
+            <a:lvl5pPr marL="0" marR="0" lvl="4" indent="0" algn="r" rtl="0">
               <a:lnSpc>
                 <a:spcPct val="100000"/>
               </a:lnSpc>
@@ -8699,7 +7868,7 @@
               <a:buSzPts val="1000"/>
               <a:buFont typeface="Arial"/>
               <a:buNone/>
-              <a:defRPr b="0" i="0" sz="1000" u="none" cap="none" strike="noStrike">
+              <a:defRPr sz="1000" b="0" i="0" u="none" strike="noStrike" cap="none">
                 <a:solidFill>
                   <a:schemeClr val="dk2"/>
                 </a:solidFill>
@@ -8709,7 +7878,7 @@
                 <a:sym typeface="Arial"/>
               </a:defRPr>
             </a:lvl5pPr>
-            <a:lvl6pPr indent="0" lvl="5" marL="0" marR="0" rtl="0" algn="r">
+            <a:lvl6pPr marL="0" marR="0" lvl="5" indent="0" algn="r" rtl="0">
               <a:lnSpc>
                 <a:spcPct val="100000"/>
               </a:lnSpc>
@@ -8725,7 +7894,7 @@
               <a:buSzPts val="1000"/>
               <a:buFont typeface="Arial"/>
               <a:buNone/>
-              <a:defRPr b="0" i="0" sz="1000" u="none" cap="none" strike="noStrike">
+              <a:defRPr sz="1000" b="0" i="0" u="none" strike="noStrike" cap="none">
                 <a:solidFill>
                   <a:schemeClr val="dk2"/>
                 </a:solidFill>
@@ -8735,7 +7904,7 @@
                 <a:sym typeface="Arial"/>
               </a:defRPr>
             </a:lvl6pPr>
-            <a:lvl7pPr indent="0" lvl="6" marL="0" marR="0" rtl="0" algn="r">
+            <a:lvl7pPr marL="0" marR="0" lvl="6" indent="0" algn="r" rtl="0">
               <a:lnSpc>
                 <a:spcPct val="100000"/>
               </a:lnSpc>
@@ -8751,7 +7920,7 @@
               <a:buSzPts val="1000"/>
               <a:buFont typeface="Arial"/>
               <a:buNone/>
-              <a:defRPr b="0" i="0" sz="1000" u="none" cap="none" strike="noStrike">
+              <a:defRPr sz="1000" b="0" i="0" u="none" strike="noStrike" cap="none">
                 <a:solidFill>
                   <a:schemeClr val="dk2"/>
                 </a:solidFill>
@@ -8761,7 +7930,7 @@
                 <a:sym typeface="Arial"/>
               </a:defRPr>
             </a:lvl7pPr>
-            <a:lvl8pPr indent="0" lvl="7" marL="0" marR="0" rtl="0" algn="r">
+            <a:lvl8pPr marL="0" marR="0" lvl="7" indent="0" algn="r" rtl="0">
               <a:lnSpc>
                 <a:spcPct val="100000"/>
               </a:lnSpc>
@@ -8777,7 +7946,7 @@
               <a:buSzPts val="1000"/>
               <a:buFont typeface="Arial"/>
               <a:buNone/>
-              <a:defRPr b="0" i="0" sz="1000" u="none" cap="none" strike="noStrike">
+              <a:defRPr sz="1000" b="0" i="0" u="none" strike="noStrike" cap="none">
                 <a:solidFill>
                   <a:schemeClr val="dk2"/>
                 </a:solidFill>
@@ -8787,7 +7956,7 @@
                 <a:sym typeface="Arial"/>
               </a:defRPr>
             </a:lvl8pPr>
-            <a:lvl9pPr indent="0" lvl="8" marL="0" marR="0" rtl="0" algn="r">
+            <a:lvl9pPr marL="0" marR="0" lvl="8" indent="0" algn="r" rtl="0">
               <a:lnSpc>
                 <a:spcPct val="100000"/>
               </a:lnSpc>
@@ -8803,7 +7972,7 @@
               <a:buSzPts val="1000"/>
               <a:buFont typeface="Arial"/>
               <a:buNone/>
-              <a:defRPr b="0" i="0" sz="1000" u="none" cap="none" strike="noStrike">
+              <a:defRPr sz="1000" b="0" i="0" u="none" strike="noStrike" cap="none">
                 <a:solidFill>
                   <a:schemeClr val="dk2"/>
                 </a:solidFill>
@@ -8815,7 +7984,7 @@
             </a:lvl9pPr>
           </a:lstStyle>
           <a:p>
-            <a:pPr indent="0" lvl="0" marL="0" rtl="0" algn="r">
+            <a:pPr marL="0" lvl="0" indent="0" algn="r" rtl="0">
               <a:spcBef>
                 <a:spcPts val="0"/>
               </a:spcBef>
@@ -8834,7 +8003,7 @@
       </p:sp>
     </p:spTree>
   </p:cSld>
-  <p:clrMap accent1="accent1" accent2="accent2" accent3="accent3" accent4="accent4" accent5="accent5" accent6="accent6" bg1="lt1" bg2="dk2" tx1="dk1" tx2="lt2" folHlink="folHlink" hlink="hlink"/>
+  <p:clrMap bg1="lt1" tx1="dk1" bg2="dk2" tx2="lt2" accent1="accent1" accent2="accent2" accent3="accent3" accent4="accent4" accent5="accent5" accent6="accent6" hlink="hlink" folHlink="folHlink"/>
   <p:sldLayoutIdLst>
     <p:sldLayoutId id="2147483648" r:id="rId1"/>
     <p:sldLayoutId id="2147483649" r:id="rId2"/>
@@ -8848,10 +8017,10 @@
     <p:sldLayoutId id="2147483657" r:id="rId10"/>
     <p:sldLayoutId id="2147483658" r:id="rId11"/>
   </p:sldLayoutIdLst>
-  <p:hf dt="0" ftr="0" hdr="0" sldNum="0"/>
+  <p:hf sldNum="0" hdr="0" ftr="0" dt="0"/>
   <p:txStyles>
     <p:titleStyle>
-      <a:defPPr lvl="0" marR="0" rtl="0" algn="l">
+      <a:defPPr marR="0" lvl="0" algn="l" rtl="0">
         <a:lnSpc>
           <a:spcPct val="100000"/>
         </a:lnSpc>
@@ -8862,7 +8031,7 @@
           <a:spcPts val="0"/>
         </a:spcAft>
       </a:defPPr>
-      <a:lvl1pPr lvl="0" marR="0" rtl="0" algn="l">
+      <a:lvl1pPr marR="0" lvl="0" algn="l" rtl="0">
         <a:lnSpc>
           <a:spcPct val="100000"/>
         </a:lnSpc>
@@ -8876,7 +8045,7 @@
           <a:srgbClr val="000000"/>
         </a:buClr>
         <a:buFont typeface="Arial"/>
-        <a:defRPr b="0" i="0" sz="1400" u="none" cap="none" strike="noStrike">
+        <a:defRPr sz="1400" b="0" i="0" u="none" strike="noStrike" cap="none">
           <a:solidFill>
             <a:srgbClr val="000000"/>
           </a:solidFill>
@@ -8886,7 +8055,7 @@
           <a:sym typeface="Arial"/>
         </a:defRPr>
       </a:lvl1pPr>
-      <a:lvl2pPr lvl="1" marR="0" rtl="0" algn="l">
+      <a:lvl2pPr marR="0" lvl="1" algn="l" rtl="0">
         <a:lnSpc>
           <a:spcPct val="100000"/>
         </a:lnSpc>
@@ -8900,7 +8069,7 @@
           <a:srgbClr val="000000"/>
         </a:buClr>
         <a:buFont typeface="Arial"/>
-        <a:defRPr b="0" i="0" sz="1400" u="none" cap="none" strike="noStrike">
+        <a:defRPr sz="1400" b="0" i="0" u="none" strike="noStrike" cap="none">
           <a:solidFill>
             <a:srgbClr val="000000"/>
           </a:solidFill>
@@ -8910,7 +8079,7 @@
           <a:sym typeface="Arial"/>
         </a:defRPr>
       </a:lvl2pPr>
-      <a:lvl3pPr lvl="2" marR="0" rtl="0" algn="l">
+      <a:lvl3pPr marR="0" lvl="2" algn="l" rtl="0">
         <a:lnSpc>
           <a:spcPct val="100000"/>
         </a:lnSpc>
@@ -8924,7 +8093,7 @@
           <a:srgbClr val="000000"/>
         </a:buClr>
         <a:buFont typeface="Arial"/>
-        <a:defRPr b="0" i="0" sz="1400" u="none" cap="none" strike="noStrike">
+        <a:defRPr sz="1400" b="0" i="0" u="none" strike="noStrike" cap="none">
           <a:solidFill>
             <a:srgbClr val="000000"/>
           </a:solidFill>
@@ -8934,7 +8103,7 @@
           <a:sym typeface="Arial"/>
         </a:defRPr>
       </a:lvl3pPr>
-      <a:lvl4pPr lvl="3" marR="0" rtl="0" algn="l">
+      <a:lvl4pPr marR="0" lvl="3" algn="l" rtl="0">
         <a:lnSpc>
           <a:spcPct val="100000"/>
         </a:lnSpc>
@@ -8948,7 +8117,7 @@
           <a:srgbClr val="000000"/>
         </a:buClr>
         <a:buFont typeface="Arial"/>
-        <a:defRPr b="0" i="0" sz="1400" u="none" cap="none" strike="noStrike">
+        <a:defRPr sz="1400" b="0" i="0" u="none" strike="noStrike" cap="none">
           <a:solidFill>
             <a:srgbClr val="000000"/>
           </a:solidFill>
@@ -8958,7 +8127,7 @@
           <a:sym typeface="Arial"/>
         </a:defRPr>
       </a:lvl4pPr>
-      <a:lvl5pPr lvl="4" marR="0" rtl="0" algn="l">
+      <a:lvl5pPr marR="0" lvl="4" algn="l" rtl="0">
         <a:lnSpc>
           <a:spcPct val="100000"/>
         </a:lnSpc>
@@ -8972,7 +8141,7 @@
           <a:srgbClr val="000000"/>
         </a:buClr>
         <a:buFont typeface="Arial"/>
-        <a:defRPr b="0" i="0" sz="1400" u="none" cap="none" strike="noStrike">
+        <a:defRPr sz="1400" b="0" i="0" u="none" strike="noStrike" cap="none">
           <a:solidFill>
             <a:srgbClr val="000000"/>
           </a:solidFill>
@@ -8982,7 +8151,7 @@
           <a:sym typeface="Arial"/>
         </a:defRPr>
       </a:lvl5pPr>
-      <a:lvl6pPr lvl="5" marR="0" rtl="0" algn="l">
+      <a:lvl6pPr marR="0" lvl="5" algn="l" rtl="0">
         <a:lnSpc>
           <a:spcPct val="100000"/>
         </a:lnSpc>
@@ -8996,7 +8165,7 @@
           <a:srgbClr val="000000"/>
         </a:buClr>
         <a:buFont typeface="Arial"/>
-        <a:defRPr b="0" i="0" sz="1400" u="none" cap="none" strike="noStrike">
+        <a:defRPr sz="1400" b="0" i="0" u="none" strike="noStrike" cap="none">
           <a:solidFill>
             <a:srgbClr val="000000"/>
           </a:solidFill>
@@ -9006,7 +8175,7 @@
           <a:sym typeface="Arial"/>
         </a:defRPr>
       </a:lvl6pPr>
-      <a:lvl7pPr lvl="6" marR="0" rtl="0" algn="l">
+      <a:lvl7pPr marR="0" lvl="6" algn="l" rtl="0">
         <a:lnSpc>
           <a:spcPct val="100000"/>
         </a:lnSpc>
@@ -9020,7 +8189,7 @@
           <a:srgbClr val="000000"/>
         </a:buClr>
         <a:buFont typeface="Arial"/>
-        <a:defRPr b="0" i="0" sz="1400" u="none" cap="none" strike="noStrike">
+        <a:defRPr sz="1400" b="0" i="0" u="none" strike="noStrike" cap="none">
           <a:solidFill>
             <a:srgbClr val="000000"/>
           </a:solidFill>
@@ -9030,7 +8199,7 @@
           <a:sym typeface="Arial"/>
         </a:defRPr>
       </a:lvl7pPr>
-      <a:lvl8pPr lvl="7" marR="0" rtl="0" algn="l">
+      <a:lvl8pPr marR="0" lvl="7" algn="l" rtl="0">
         <a:lnSpc>
           <a:spcPct val="100000"/>
         </a:lnSpc>
@@ -9044,7 +8213,7 @@
           <a:srgbClr val="000000"/>
         </a:buClr>
         <a:buFont typeface="Arial"/>
-        <a:defRPr b="0" i="0" sz="1400" u="none" cap="none" strike="noStrike">
+        <a:defRPr sz="1400" b="0" i="0" u="none" strike="noStrike" cap="none">
           <a:solidFill>
             <a:srgbClr val="000000"/>
           </a:solidFill>
@@ -9054,7 +8223,7 @@
           <a:sym typeface="Arial"/>
         </a:defRPr>
       </a:lvl8pPr>
-      <a:lvl9pPr lvl="8" marR="0" rtl="0" algn="l">
+      <a:lvl9pPr marR="0" lvl="8" algn="l" rtl="0">
         <a:lnSpc>
           <a:spcPct val="100000"/>
         </a:lnSpc>
@@ -9068,7 +8237,7 @@
           <a:srgbClr val="000000"/>
         </a:buClr>
         <a:buFont typeface="Arial"/>
-        <a:defRPr b="0" i="0" sz="1400" u="none" cap="none" strike="noStrike">
+        <a:defRPr sz="1400" b="0" i="0" u="none" strike="noStrike" cap="none">
           <a:solidFill>
             <a:srgbClr val="000000"/>
           </a:solidFill>
@@ -9080,7 +8249,7 @@
       </a:lvl9pPr>
     </p:titleStyle>
     <p:bodyStyle>
-      <a:defPPr lvl="0" marR="0" rtl="0" algn="l">
+      <a:defPPr marR="0" lvl="0" algn="l" rtl="0">
         <a:lnSpc>
           <a:spcPct val="100000"/>
         </a:lnSpc>
@@ -9091,7 +8260,7 @@
           <a:spcPts val="0"/>
         </a:spcAft>
       </a:defPPr>
-      <a:lvl1pPr lvl="0" marR="0" rtl="0" algn="l">
+      <a:lvl1pPr marR="0" lvl="0" algn="l" rtl="0">
         <a:lnSpc>
           <a:spcPct val="100000"/>
         </a:lnSpc>
@@ -9105,7 +8274,7 @@
           <a:srgbClr val="000000"/>
         </a:buClr>
         <a:buFont typeface="Arial"/>
-        <a:defRPr b="0" i="0" sz="1400" u="none" cap="none" strike="noStrike">
+        <a:defRPr sz="1400" b="0" i="0" u="none" strike="noStrike" cap="none">
           <a:solidFill>
             <a:srgbClr val="000000"/>
           </a:solidFill>
@@ -9115,7 +8284,7 @@
           <a:sym typeface="Arial"/>
         </a:defRPr>
       </a:lvl1pPr>
-      <a:lvl2pPr lvl="1" marR="0" rtl="0" algn="l">
+      <a:lvl2pPr marR="0" lvl="1" algn="l" rtl="0">
         <a:lnSpc>
           <a:spcPct val="100000"/>
         </a:lnSpc>
@@ -9129,7 +8298,7 @@
           <a:srgbClr val="000000"/>
         </a:buClr>
         <a:buFont typeface="Arial"/>
-        <a:defRPr b="0" i="0" sz="1400" u="none" cap="none" strike="noStrike">
+        <a:defRPr sz="1400" b="0" i="0" u="none" strike="noStrike" cap="none">
           <a:solidFill>
             <a:srgbClr val="000000"/>
           </a:solidFill>
@@ -9139,7 +8308,7 @@
           <a:sym typeface="Arial"/>
         </a:defRPr>
       </a:lvl2pPr>
-      <a:lvl3pPr lvl="2" marR="0" rtl="0" algn="l">
+      <a:lvl3pPr marR="0" lvl="2" algn="l" rtl="0">
         <a:lnSpc>
           <a:spcPct val="100000"/>
         </a:lnSpc>
@@ -9153,7 +8322,7 @@
           <a:srgbClr val="000000"/>
         </a:buClr>
         <a:buFont typeface="Arial"/>
-        <a:defRPr b="0" i="0" sz="1400" u="none" cap="none" strike="noStrike">
+        <a:defRPr sz="1400" b="0" i="0" u="none" strike="noStrike" cap="none">
           <a:solidFill>
             <a:srgbClr val="000000"/>
           </a:solidFill>
@@ -9163,7 +8332,7 @@
           <a:sym typeface="Arial"/>
         </a:defRPr>
       </a:lvl3pPr>
-      <a:lvl4pPr lvl="3" marR="0" rtl="0" algn="l">
+      <a:lvl4pPr marR="0" lvl="3" algn="l" rtl="0">
         <a:lnSpc>
           <a:spcPct val="100000"/>
         </a:lnSpc>
@@ -9177,7 +8346,7 @@
           <a:srgbClr val="000000"/>
         </a:buClr>
         <a:buFont typeface="Arial"/>
-        <a:defRPr b="0" i="0" sz="1400" u="none" cap="none" strike="noStrike">
+        <a:defRPr sz="1400" b="0" i="0" u="none" strike="noStrike" cap="none">
           <a:solidFill>
             <a:srgbClr val="000000"/>
           </a:solidFill>
@@ -9187,7 +8356,7 @@
           <a:sym typeface="Arial"/>
         </a:defRPr>
       </a:lvl4pPr>
-      <a:lvl5pPr lvl="4" marR="0" rtl="0" algn="l">
+      <a:lvl5pPr marR="0" lvl="4" algn="l" rtl="0">
         <a:lnSpc>
           <a:spcPct val="100000"/>
         </a:lnSpc>
@@ -9201,7 +8370,7 @@
           <a:srgbClr val="000000"/>
         </a:buClr>
         <a:buFont typeface="Arial"/>
-        <a:defRPr b="0" i="0" sz="1400" u="none" cap="none" strike="noStrike">
+        <a:defRPr sz="1400" b="0" i="0" u="none" strike="noStrike" cap="none">
           <a:solidFill>
             <a:srgbClr val="000000"/>
           </a:solidFill>
@@ -9211,7 +8380,7 @@
           <a:sym typeface="Arial"/>
         </a:defRPr>
       </a:lvl5pPr>
-      <a:lvl6pPr lvl="5" marR="0" rtl="0" algn="l">
+      <a:lvl6pPr marR="0" lvl="5" algn="l" rtl="0">
         <a:lnSpc>
           <a:spcPct val="100000"/>
         </a:lnSpc>
@@ -9225,7 +8394,7 @@
           <a:srgbClr val="000000"/>
         </a:buClr>
         <a:buFont typeface="Arial"/>
-        <a:defRPr b="0" i="0" sz="1400" u="none" cap="none" strike="noStrike">
+        <a:defRPr sz="1400" b="0" i="0" u="none" strike="noStrike" cap="none">
           <a:solidFill>
             <a:srgbClr val="000000"/>
           </a:solidFill>
@@ -9235,7 +8404,7 @@
           <a:sym typeface="Arial"/>
         </a:defRPr>
       </a:lvl6pPr>
-      <a:lvl7pPr lvl="6" marR="0" rtl="0" algn="l">
+      <a:lvl7pPr marR="0" lvl="6" algn="l" rtl="0">
         <a:lnSpc>
           <a:spcPct val="100000"/>
         </a:lnSpc>
@@ -9249,7 +8418,7 @@
           <a:srgbClr val="000000"/>
         </a:buClr>
         <a:buFont typeface="Arial"/>
-        <a:defRPr b="0" i="0" sz="1400" u="none" cap="none" strike="noStrike">
+        <a:defRPr sz="1400" b="0" i="0" u="none" strike="noStrike" cap="none">
           <a:solidFill>
             <a:srgbClr val="000000"/>
           </a:solidFill>
@@ -9259,7 +8428,7 @@
           <a:sym typeface="Arial"/>
         </a:defRPr>
       </a:lvl7pPr>
-      <a:lvl8pPr lvl="7" marR="0" rtl="0" algn="l">
+      <a:lvl8pPr marR="0" lvl="7" algn="l" rtl="0">
         <a:lnSpc>
           <a:spcPct val="100000"/>
         </a:lnSpc>
@@ -9273,7 +8442,7 @@
           <a:srgbClr val="000000"/>
         </a:buClr>
         <a:buFont typeface="Arial"/>
-        <a:defRPr b="0" i="0" sz="1400" u="none" cap="none" strike="noStrike">
+        <a:defRPr sz="1400" b="0" i="0" u="none" strike="noStrike" cap="none">
           <a:solidFill>
             <a:srgbClr val="000000"/>
           </a:solidFill>
@@ -9283,7 +8452,7 @@
           <a:sym typeface="Arial"/>
         </a:defRPr>
       </a:lvl8pPr>
-      <a:lvl9pPr lvl="8" marR="0" rtl="0" algn="l">
+      <a:lvl9pPr marR="0" lvl="8" algn="l" rtl="0">
         <a:lnSpc>
           <a:spcPct val="100000"/>
         </a:lnSpc>
@@ -9297,7 +8466,7 @@
           <a:srgbClr val="000000"/>
         </a:buClr>
         <a:buFont typeface="Arial"/>
-        <a:defRPr b="0" i="0" sz="1400" u="none" cap="none" strike="noStrike">
+        <a:defRPr sz="1400" b="0" i="0" u="none" strike="noStrike" cap="none">
           <a:solidFill>
             <a:srgbClr val="000000"/>
           </a:solidFill>
@@ -9309,7 +8478,7 @@
       </a:lvl9pPr>
     </p:bodyStyle>
     <p:otherStyle>
-      <a:defPPr lvl="0" marR="0" rtl="0" algn="l">
+      <a:defPPr marR="0" lvl="0" algn="l" rtl="0">
         <a:lnSpc>
           <a:spcPct val="100000"/>
         </a:lnSpc>
@@ -9320,7 +8489,7 @@
           <a:spcPts val="0"/>
         </a:spcAft>
       </a:defPPr>
-      <a:lvl1pPr lvl="0" marR="0" rtl="0" algn="l">
+      <a:lvl1pPr marR="0" lvl="0" algn="l" rtl="0">
         <a:lnSpc>
           <a:spcPct val="100000"/>
         </a:lnSpc>
@@ -9334,7 +8503,7 @@
           <a:srgbClr val="000000"/>
         </a:buClr>
         <a:buFont typeface="Arial"/>
-        <a:defRPr b="0" i="0" sz="1400" u="none" cap="none" strike="noStrike">
+        <a:defRPr sz="1400" b="0" i="0" u="none" strike="noStrike" cap="none">
           <a:solidFill>
             <a:srgbClr val="000000"/>
           </a:solidFill>
@@ -9344,7 +8513,7 @@
           <a:sym typeface="Arial"/>
         </a:defRPr>
       </a:lvl1pPr>
-      <a:lvl2pPr lvl="1" marR="0" rtl="0" algn="l">
+      <a:lvl2pPr marR="0" lvl="1" algn="l" rtl="0">
         <a:lnSpc>
           <a:spcPct val="100000"/>
         </a:lnSpc>
@@ -9358,7 +8527,7 @@
           <a:srgbClr val="000000"/>
         </a:buClr>
         <a:buFont typeface="Arial"/>
-        <a:defRPr b="0" i="0" sz="1400" u="none" cap="none" strike="noStrike">
+        <a:defRPr sz="1400" b="0" i="0" u="none" strike="noStrike" cap="none">
           <a:solidFill>
             <a:srgbClr val="000000"/>
           </a:solidFill>
@@ -9368,7 +8537,7 @@
           <a:sym typeface="Arial"/>
         </a:defRPr>
       </a:lvl2pPr>
-      <a:lvl3pPr lvl="2" marR="0" rtl="0" algn="l">
+      <a:lvl3pPr marR="0" lvl="2" algn="l" rtl="0">
         <a:lnSpc>
           <a:spcPct val="100000"/>
         </a:lnSpc>
@@ -9382,7 +8551,7 @@
           <a:srgbClr val="000000"/>
         </a:buClr>
         <a:buFont typeface="Arial"/>
-        <a:defRPr b="0" i="0" sz="1400" u="none" cap="none" strike="noStrike">
+        <a:defRPr sz="1400" b="0" i="0" u="none" strike="noStrike" cap="none">
           <a:solidFill>
             <a:srgbClr val="000000"/>
           </a:solidFill>
@@ -9392,7 +8561,7 @@
           <a:sym typeface="Arial"/>
         </a:defRPr>
       </a:lvl3pPr>
-      <a:lvl4pPr lvl="3" marR="0" rtl="0" algn="l">
+      <a:lvl4pPr marR="0" lvl="3" algn="l" rtl="0">
         <a:lnSpc>
           <a:spcPct val="100000"/>
         </a:lnSpc>
@@ -9406,7 +8575,7 @@
           <a:srgbClr val="000000"/>
         </a:buClr>
         <a:buFont typeface="Arial"/>
-        <a:defRPr b="0" i="0" sz="1400" u="none" cap="none" strike="noStrike">
+        <a:defRPr sz="1400" b="0" i="0" u="none" strike="noStrike" cap="none">
           <a:solidFill>
             <a:srgbClr val="000000"/>
           </a:solidFill>
@@ -9416,7 +8585,7 @@
           <a:sym typeface="Arial"/>
         </a:defRPr>
       </a:lvl4pPr>
-      <a:lvl5pPr lvl="4" marR="0" rtl="0" algn="l">
+      <a:lvl5pPr marR="0" lvl="4" algn="l" rtl="0">
         <a:lnSpc>
           <a:spcPct val="100000"/>
         </a:lnSpc>
@@ -9430,7 +8599,7 @@
           <a:srgbClr val="000000"/>
         </a:buClr>
         <a:buFont typeface="Arial"/>
-        <a:defRPr b="0" i="0" sz="1400" u="none" cap="none" strike="noStrike">
+        <a:defRPr sz="1400" b="0" i="0" u="none" strike="noStrike" cap="none">
           <a:solidFill>
             <a:srgbClr val="000000"/>
           </a:solidFill>
@@ -9440,7 +8609,7 @@
           <a:sym typeface="Arial"/>
         </a:defRPr>
       </a:lvl5pPr>
-      <a:lvl6pPr lvl="5" marR="0" rtl="0" algn="l">
+      <a:lvl6pPr marR="0" lvl="5" algn="l" rtl="0">
         <a:lnSpc>
           <a:spcPct val="100000"/>
         </a:lnSpc>
@@ -9454,7 +8623,7 @@
           <a:srgbClr val="000000"/>
         </a:buClr>
         <a:buFont typeface="Arial"/>
-        <a:defRPr b="0" i="0" sz="1400" u="none" cap="none" strike="noStrike">
+        <a:defRPr sz="1400" b="0" i="0" u="none" strike="noStrike" cap="none">
           <a:solidFill>
             <a:srgbClr val="000000"/>
           </a:solidFill>
@@ -9464,7 +8633,7 @@
           <a:sym typeface="Arial"/>
         </a:defRPr>
       </a:lvl6pPr>
-      <a:lvl7pPr lvl="6" marR="0" rtl="0" algn="l">
+      <a:lvl7pPr marR="0" lvl="6" algn="l" rtl="0">
         <a:lnSpc>
           <a:spcPct val="100000"/>
         </a:lnSpc>
@@ -9478,7 +8647,7 @@
           <a:srgbClr val="000000"/>
         </a:buClr>
         <a:buFont typeface="Arial"/>
-        <a:defRPr b="0" i="0" sz="1400" u="none" cap="none" strike="noStrike">
+        <a:defRPr sz="1400" b="0" i="0" u="none" strike="noStrike" cap="none">
           <a:solidFill>
             <a:srgbClr val="000000"/>
           </a:solidFill>
@@ -9488,7 +8657,7 @@
           <a:sym typeface="Arial"/>
         </a:defRPr>
       </a:lvl7pPr>
-      <a:lvl8pPr lvl="7" marR="0" rtl="0" algn="l">
+      <a:lvl8pPr marR="0" lvl="7" algn="l" rtl="0">
         <a:lnSpc>
           <a:spcPct val="100000"/>
         </a:lnSpc>
@@ -9502,7 +8671,7 @@
           <a:srgbClr val="000000"/>
         </a:buClr>
         <a:buFont typeface="Arial"/>
-        <a:defRPr b="0" i="0" sz="1400" u="none" cap="none" strike="noStrike">
+        <a:defRPr sz="1400" b="0" i="0" u="none" strike="noStrike" cap="none">
           <a:solidFill>
             <a:srgbClr val="000000"/>
           </a:solidFill>
@@ -9512,7 +8681,7 @@
           <a:sym typeface="Arial"/>
         </a:defRPr>
       </a:lvl8pPr>
-      <a:lvl9pPr lvl="8" marR="0" rtl="0" algn="l">
+      <a:lvl9pPr marR="0" lvl="8" algn="l" rtl="0">
         <a:lnSpc>
           <a:spcPct val="100000"/>
         </a:lnSpc>
@@ -9526,7 +8695,7 @@
           <a:srgbClr val="000000"/>
         </a:buClr>
         <a:buFont typeface="Arial"/>
-        <a:defRPr b="0" i="0" sz="1400" u="none" cap="none" strike="noStrike">
+        <a:defRPr sz="1400" b="0" i="0" u="none" strike="noStrike" cap="none">
           <a:solidFill>
             <a:srgbClr val="000000"/>
           </a:solidFill>
@@ -9542,11 +8711,11 @@
 </file>
 
 <file path=ppt/slides/slide1.xml><?xml version="1.0" encoding="utf-8"?>
-<p:sld xmlns:a="http://schemas.openxmlformats.org/drawingml/2006/main" xmlns:r="http://schemas.openxmlformats.org/officeDocument/2006/relationships" xmlns:mc="http://schemas.openxmlformats.org/markup-compatibility/2006" xmlns:mv="urn:schemas-microsoft-com:mac:vml" xmlns:p="http://schemas.openxmlformats.org/presentationml/2006/main" xmlns:c="http://schemas.openxmlformats.org/drawingml/2006/chart" xmlns:dgm="http://schemas.openxmlformats.org/drawingml/2006/diagram" xmlns:o="urn:schemas-microsoft-com:office:office" xmlns:v="urn:schemas-microsoft-com:vml" xmlns:pvml="urn:schemas-microsoft-com:office:powerpoint" xmlns:com="http://schemas.openxmlformats.org/drawingml/2006/compatibility" xmlns:p14="http://schemas.microsoft.com/office/powerpoint/2010/main" xmlns:p15="http://schemas.microsoft.com/office/powerpoint/2012/main" xmlns:ahyp="http://schemas.microsoft.com/office/drawing/2018/hyperlinkcolor">
+<p:sld xmlns:a="http://schemas.openxmlformats.org/drawingml/2006/main" xmlns:r="http://schemas.openxmlformats.org/officeDocument/2006/relationships" xmlns:p="http://schemas.openxmlformats.org/presentationml/2006/main">
   <p:cSld>
     <p:spTree>
       <p:nvGrpSpPr>
-        <p:cNvPr id="53" name="Shape 53"/>
+        <p:cNvPr id="1" name="Shape 53"/>
         <p:cNvGrpSpPr/>
         <p:nvPr/>
       </p:nvGrpSpPr>
@@ -9561,7 +8730,9 @@
       <p:sp>
         <p:nvSpPr>
           <p:cNvPr id="54" name="Google Shape;54;p13"/>
-          <p:cNvSpPr txBox="1"/>
+          <p:cNvSpPr txBox="1">
+            <a:spLocks noGrp="1"/>
+          </p:cNvSpPr>
           <p:nvPr>
             <p:ph type="ctrTitle"/>
           </p:nvPr>
@@ -9580,12 +8751,12 @@
           </a:ln>
         </p:spPr>
         <p:txBody>
-          <a:bodyPr anchorCtr="0" anchor="b" bIns="91425" lIns="91425" spcFirstLastPara="1" rIns="91425" wrap="square" tIns="91425">
+          <a:bodyPr spcFirstLastPara="1" wrap="square" lIns="91425" tIns="91425" rIns="91425" bIns="91425" anchor="b" anchorCtr="0">
             <a:normAutofit/>
           </a:bodyPr>
           <a:lstStyle/>
           <a:p>
-            <a:pPr indent="0" lvl="0" marL="0" rtl="0" algn="ctr">
+            <a:pPr marL="0" lvl="0" indent="0" algn="ctr" rtl="0">
               <a:lnSpc>
                 <a:spcPct val="100000"/>
               </a:lnSpc>
@@ -9599,58 +8770,10 @@
               <a:buNone/>
             </a:pPr>
             <a:r>
-              <a:rPr lang="en"/>
-              <a:t>Assignment Submission Guidelines</a:t>
+              <a:rPr lang="en" dirty="0"/>
+              <a:t>Approach &amp; Analysis</a:t>
             </a:r>
-            <a:endParaRPr/>
-          </a:p>
-        </p:txBody>
-      </p:sp>
-      <p:sp>
-        <p:nvSpPr>
-          <p:cNvPr id="55" name="Google Shape;55;p13"/>
-          <p:cNvSpPr txBox="1"/>
-          <p:nvPr>
-            <p:ph idx="1" type="subTitle"/>
-          </p:nvPr>
-        </p:nvSpPr>
-        <p:spPr>
-          <a:xfrm>
-            <a:off x="311700" y="2834125"/>
-            <a:ext cx="8520600" cy="792600"/>
-          </a:xfrm>
-          <a:prstGeom prst="rect">
-            <a:avLst/>
-          </a:prstGeom>
-          <a:noFill/>
-          <a:ln>
-            <a:noFill/>
-          </a:ln>
-        </p:spPr>
-        <p:txBody>
-          <a:bodyPr anchorCtr="0" anchor="t" bIns="91425" lIns="91425" spcFirstLastPara="1" rIns="91425" wrap="square" tIns="91425">
-            <a:normAutofit/>
-          </a:bodyPr>
-          <a:lstStyle/>
-          <a:p>
-            <a:pPr indent="0" lvl="0" marL="0" rtl="0" algn="ctr">
-              <a:lnSpc>
-                <a:spcPct val="100000"/>
-              </a:lnSpc>
-              <a:spcBef>
-                <a:spcPts val="0"/>
-              </a:spcBef>
-              <a:spcAft>
-                <a:spcPts val="0"/>
-              </a:spcAft>
-              <a:buSzPts val="2800"/>
-              <a:buNone/>
-            </a:pPr>
-            <a:r>
-              <a:rPr lang="en"/>
-              <a:t>upGrad</a:t>
-            </a:r>
-            <a:endParaRPr/>
+            <a:endParaRPr dirty="0"/>
           </a:p>
         </p:txBody>
       </p:sp>
@@ -9662,12 +8785,12 @@
 </p:sld>
 </file>
 
-<file path=ppt/slides/slide2.xml><?xml version="1.0" encoding="utf-8"?>
-<p:sld xmlns:a="http://schemas.openxmlformats.org/drawingml/2006/main" xmlns:r="http://schemas.openxmlformats.org/officeDocument/2006/relationships" xmlns:mc="http://schemas.openxmlformats.org/markup-compatibility/2006" xmlns:mv="urn:schemas-microsoft-com:mac:vml" xmlns:p="http://schemas.openxmlformats.org/presentationml/2006/main" xmlns:c="http://schemas.openxmlformats.org/drawingml/2006/chart" xmlns:dgm="http://schemas.openxmlformats.org/drawingml/2006/diagram" xmlns:o="urn:schemas-microsoft-com:office:office" xmlns:v="urn:schemas-microsoft-com:vml" xmlns:pvml="urn:schemas-microsoft-com:office:powerpoint" xmlns:com="http://schemas.openxmlformats.org/drawingml/2006/compatibility" xmlns:p14="http://schemas.microsoft.com/office/powerpoint/2010/main" xmlns:p15="http://schemas.microsoft.com/office/powerpoint/2012/main" xmlns:ahyp="http://schemas.microsoft.com/office/drawing/2018/hyperlinkcolor">
+<file path=ppt/slides/slide10.xml><?xml version="1.0" encoding="utf-8"?>
+<p:sld xmlns:a="http://schemas.openxmlformats.org/drawingml/2006/main" xmlns:r="http://schemas.openxmlformats.org/officeDocument/2006/relationships" xmlns:p="http://schemas.openxmlformats.org/presentationml/2006/main">
   <p:cSld>
     <p:spTree>
       <p:nvGrpSpPr>
-        <p:cNvPr id="59" name="Shape 59"/>
+        <p:cNvPr id="1" name=""/>
         <p:cNvGrpSpPr/>
         <p:nvPr/>
       </p:nvGrpSpPr>
@@ -9681,192 +8804,167 @@
       </p:grpSpPr>
       <p:sp>
         <p:nvSpPr>
-          <p:cNvPr id="60" name="Google Shape;60;p14"/>
-          <p:cNvSpPr txBox="1"/>
+          <p:cNvPr id="2" name="Title 1">
+            <a:extLst>
+              <a:ext uri="{FF2B5EF4-FFF2-40B4-BE49-F238E27FC236}">
+                <a16:creationId xmlns:a16="http://schemas.microsoft.com/office/drawing/2014/main" id="{20D5546C-A387-A0A1-F22C-B8DC275A769F}"/>
+              </a:ext>
+            </a:extLst>
+          </p:cNvPr>
+          <p:cNvSpPr>
+            <a:spLocks noGrp="1"/>
+          </p:cNvSpPr>
           <p:nvPr>
             <p:ph type="title"/>
           </p:nvPr>
         </p:nvSpPr>
-        <p:spPr>
-          <a:xfrm>
-            <a:off x="311700" y="445025"/>
-            <a:ext cx="8520600" cy="572700"/>
-          </a:xfrm>
-          <a:prstGeom prst="rect">
-            <a:avLst/>
-          </a:prstGeom>
-          <a:noFill/>
-          <a:ln>
-            <a:noFill/>
-          </a:ln>
-        </p:spPr>
+        <p:spPr/>
         <p:txBody>
-          <a:bodyPr anchorCtr="0" anchor="t" bIns="91425" lIns="91425" spcFirstLastPara="1" rIns="91425" wrap="square" tIns="91425">
+          <a:bodyPr>
             <a:normAutofit fontScale="90000"/>
           </a:bodyPr>
           <a:lstStyle/>
           <a:p>
-            <a:pPr indent="0" lvl="0" marL="0" rtl="0" algn="l">
-              <a:lnSpc>
-                <a:spcPct val="100000"/>
-              </a:lnSpc>
-              <a:spcBef>
-                <a:spcPts val="0"/>
-              </a:spcBef>
-              <a:spcAft>
-                <a:spcPts val="0"/>
-              </a:spcAft>
-              <a:buSzPct val="111111"/>
-              <a:buNone/>
-            </a:pPr>
             <a:r>
-              <a:rPr lang="en"/>
-              <a:t>3 Key Steps</a:t>
+              <a:rPr lang="en-US" dirty="0"/>
+              <a:t>Results in business terms</a:t>
             </a:r>
-            <a:endParaRPr/>
+            <a:endParaRPr lang="en-IN" dirty="0"/>
           </a:p>
         </p:txBody>
       </p:sp>
       <p:sp>
         <p:nvSpPr>
-          <p:cNvPr id="61" name="Google Shape;61;p14"/>
-          <p:cNvSpPr txBox="1"/>
+          <p:cNvPr id="3" name="Text Placeholder 2">
+            <a:extLst>
+              <a:ext uri="{FF2B5EF4-FFF2-40B4-BE49-F238E27FC236}">
+                <a16:creationId xmlns:a16="http://schemas.microsoft.com/office/drawing/2014/main" id="{33A046BA-60D6-BCB8-44E9-97C920E7E8CA}"/>
+              </a:ext>
+            </a:extLst>
+          </p:cNvPr>
+          <p:cNvSpPr>
+            <a:spLocks noGrp="1"/>
+          </p:cNvSpPr>
           <p:nvPr>
-            <p:ph idx="1" type="body"/>
+            <p:ph type="body" idx="1"/>
           </p:nvPr>
         </p:nvSpPr>
-        <p:spPr>
-          <a:xfrm>
-            <a:off x="311700" y="1152475"/>
-            <a:ext cx="8520600" cy="3416400"/>
-          </a:xfrm>
-          <a:prstGeom prst="rect">
-            <a:avLst/>
-          </a:prstGeom>
-          <a:noFill/>
-          <a:ln>
-            <a:noFill/>
-          </a:ln>
-        </p:spPr>
+        <p:spPr/>
         <p:txBody>
-          <a:bodyPr anchorCtr="0" anchor="t" bIns="91425" lIns="91425" spcFirstLastPara="1" rIns="91425" wrap="square" tIns="91425">
-            <a:normAutofit/>
+          <a:bodyPr>
+            <a:normAutofit lnSpcReduction="10000"/>
           </a:bodyPr>
           <a:lstStyle/>
           <a:p>
-            <a:pPr indent="-342900" lvl="0" marL="457200" rtl="0" algn="l">
-              <a:lnSpc>
-                <a:spcPct val="115000"/>
-              </a:lnSpc>
-              <a:spcBef>
-                <a:spcPts val="0"/>
-              </a:spcBef>
-              <a:spcAft>
-                <a:spcPts val="0"/>
-              </a:spcAft>
-              <a:buSzPts val="1800"/>
-              <a:buFont typeface="Overpass"/>
-              <a:buChar char="●"/>
+            <a:pPr marL="114300" indent="0">
+              <a:buNone/>
             </a:pPr>
             <a:r>
-              <a:rPr lang="en">
-                <a:latin typeface="Overpass"/>
-                <a:ea typeface="Overpass"/>
-                <a:cs typeface="Overpass"/>
-                <a:sym typeface="Overpass"/>
-              </a:rPr>
-              <a:t>Ensure that the solution file/files are in the </a:t>
+              <a:rPr lang="en-US" sz="1200" dirty="0"/>
+              <a:t>ROC details are:</a:t>
             </a:r>
-            <a:r>
-              <a:rPr b="1" i="1" lang="en">
-                <a:latin typeface="Overpass"/>
-                <a:ea typeface="Overpass"/>
-                <a:cs typeface="Overpass"/>
-                <a:sym typeface="Overpass"/>
-              </a:rPr>
-              <a:t>correct format</a:t>
-            </a:r>
-            <a:endParaRPr b="1" i="1">
-              <a:latin typeface="Overpass"/>
-              <a:ea typeface="Overpass"/>
-              <a:cs typeface="Overpass"/>
-              <a:sym typeface="Overpass"/>
-            </a:endParaRPr>
           </a:p>
           <a:p>
-            <a:pPr indent="-342900" lvl="0" marL="457200" rtl="0" algn="l">
-              <a:lnSpc>
-                <a:spcPct val="115000"/>
-              </a:lnSpc>
-              <a:spcBef>
-                <a:spcPts val="0"/>
-              </a:spcBef>
-              <a:spcAft>
-                <a:spcPts val="0"/>
-              </a:spcAft>
-              <a:buSzPts val="1800"/>
-              <a:buFont typeface="Overpass"/>
-              <a:buChar char="●"/>
+            <a:r>
+              <a:rPr lang="en-US" sz="1200" dirty="0"/>
+              <a:t>ROC = 0.86</a:t>
+            </a:r>
+          </a:p>
+          <a:p>
+            <a:r>
+              <a:rPr lang="en-US" sz="1200" dirty="0"/>
+              <a:t>Accuracy = 78%</a:t>
+            </a:r>
+          </a:p>
+          <a:p>
+            <a:r>
+              <a:rPr lang="en-US" sz="1200" dirty="0"/>
+              <a:t>Precision = 77%</a:t>
+            </a:r>
+          </a:p>
+          <a:p>
+            <a:r>
+              <a:rPr lang="en-US" sz="1200" dirty="0"/>
+              <a:t>Recall = 77%</a:t>
+            </a:r>
+          </a:p>
+          <a:p>
+            <a:pPr marL="114300" indent="0">
+              <a:buNone/>
+            </a:pPr>
+            <a:endParaRPr lang="en-US" sz="1200" dirty="0"/>
+          </a:p>
+          <a:p>
+            <a:pPr marL="114300" indent="0">
+              <a:buNone/>
             </a:pPr>
             <a:r>
-              <a:rPr lang="en">
-                <a:latin typeface="Overpass"/>
-                <a:ea typeface="Overpass"/>
-                <a:cs typeface="Overpass"/>
-                <a:sym typeface="Overpass"/>
-              </a:rPr>
-              <a:t>Ensure that the solution files are in a </a:t>
+              <a:rPr lang="en-US" sz="1200" dirty="0"/>
+              <a:t>Some of the top 3 variables are</a:t>
             </a:r>
-            <a:r>
-              <a:rPr b="1" i="1" lang="en">
-                <a:latin typeface="Overpass"/>
-                <a:ea typeface="Overpass"/>
-                <a:cs typeface="Overpass"/>
-                <a:sym typeface="Overpass"/>
-              </a:rPr>
-              <a:t>zipped folder</a:t>
-            </a:r>
-            <a:endParaRPr b="1" i="1">
-              <a:latin typeface="Overpass"/>
-              <a:ea typeface="Overpass"/>
-              <a:cs typeface="Overpass"/>
-              <a:sym typeface="Overpass"/>
-            </a:endParaRPr>
           </a:p>
           <a:p>
-            <a:pPr indent="-342900" lvl="0" marL="457200" rtl="0" algn="l">
-              <a:lnSpc>
-                <a:spcPct val="115000"/>
-              </a:lnSpc>
-              <a:spcBef>
-                <a:spcPts val="0"/>
-              </a:spcBef>
-              <a:spcAft>
-                <a:spcPts val="0"/>
-              </a:spcAft>
-              <a:buSzPts val="1800"/>
-              <a:buFont typeface="Overpass"/>
-              <a:buChar char="●"/>
+            <a:r>
+              <a:rPr lang="en-US" sz="1200" dirty="0"/>
+              <a:t>Total Visits</a:t>
+            </a:r>
+          </a:p>
+          <a:p>
+            <a:r>
+              <a:rPr lang="en-US" sz="1200" dirty="0"/>
+              <a:t>Total Time Spent on Website</a:t>
+            </a:r>
+          </a:p>
+          <a:p>
+            <a:r>
+              <a:rPr lang="en-US" sz="1200" dirty="0"/>
+              <a:t>Lead Source</a:t>
+            </a:r>
+          </a:p>
+          <a:p>
+            <a:endParaRPr lang="en-US" dirty="0"/>
+          </a:p>
+          <a:p>
+            <a:pPr marL="114300" indent="0">
+              <a:buNone/>
             </a:pPr>
             <a:r>
-              <a:rPr lang="en">
-                <a:latin typeface="Overpass"/>
-                <a:ea typeface="Overpass"/>
-                <a:cs typeface="Overpass"/>
-                <a:sym typeface="Overpass"/>
-              </a:rPr>
-              <a:t>Upload the zipped folder on the upGrad platform</a:t>
+              <a:rPr lang="en-US" sz="1200" dirty="0"/>
+              <a:t>Some of the top 3 categorical/dummy variables </a:t>
             </a:r>
-            <a:endParaRPr>
-              <a:latin typeface="Overpass"/>
-              <a:ea typeface="Overpass"/>
-              <a:cs typeface="Overpass"/>
-              <a:sym typeface="Overpass"/>
-            </a:endParaRPr>
+          </a:p>
+          <a:p>
+            <a:r>
+              <a:rPr lang="en-US" sz="1200" dirty="0"/>
+              <a:t>Lead Source</a:t>
+            </a:r>
+          </a:p>
+          <a:p>
+            <a:r>
+              <a:rPr lang="en-US" sz="1200" dirty="0"/>
+              <a:t>Lead Origin</a:t>
+            </a:r>
+          </a:p>
+          <a:p>
+            <a:r>
+              <a:rPr lang="en-US" sz="1200" dirty="0"/>
+              <a:t>Last Activity</a:t>
+            </a:r>
+          </a:p>
+          <a:p>
+            <a:endParaRPr lang="en-US" dirty="0"/>
+          </a:p>
+          <a:p>
+            <a:endParaRPr lang="en-IN" dirty="0"/>
           </a:p>
         </p:txBody>
       </p:sp>
     </p:spTree>
+    <p:extLst>
+      <p:ext uri="{BB962C8B-B14F-4D97-AF65-F5344CB8AC3E}">
+        <p14:creationId xmlns:p14="http://schemas.microsoft.com/office/powerpoint/2010/main" val="3076207716"/>
+      </p:ext>
+    </p:extLst>
   </p:cSld>
   <p:clrMapOvr>
     <a:masterClrMapping/>
@@ -9874,12 +8972,12 @@
 </p:sld>
 </file>
 
-<file path=ppt/slides/slide3.xml><?xml version="1.0" encoding="utf-8"?>
-<p:sld xmlns:a="http://schemas.openxmlformats.org/drawingml/2006/main" xmlns:r="http://schemas.openxmlformats.org/officeDocument/2006/relationships" xmlns:mc="http://schemas.openxmlformats.org/markup-compatibility/2006" xmlns:mv="urn:schemas-microsoft-com:mac:vml" xmlns:p="http://schemas.openxmlformats.org/presentationml/2006/main" xmlns:c="http://schemas.openxmlformats.org/drawingml/2006/chart" xmlns:dgm="http://schemas.openxmlformats.org/drawingml/2006/diagram" xmlns:o="urn:schemas-microsoft-com:office:office" xmlns:v="urn:schemas-microsoft-com:vml" xmlns:pvml="urn:schemas-microsoft-com:office:powerpoint" xmlns:com="http://schemas.openxmlformats.org/drawingml/2006/compatibility" xmlns:p14="http://schemas.microsoft.com/office/powerpoint/2010/main" xmlns:p15="http://schemas.microsoft.com/office/powerpoint/2012/main" xmlns:ahyp="http://schemas.microsoft.com/office/drawing/2018/hyperlinkcolor">
+<file path=ppt/slides/slide2.xml><?xml version="1.0" encoding="utf-8"?>
+<p:sld xmlns:a="http://schemas.openxmlformats.org/drawingml/2006/main" xmlns:r="http://schemas.openxmlformats.org/officeDocument/2006/relationships" xmlns:p="http://schemas.openxmlformats.org/presentationml/2006/main">
   <p:cSld>
     <p:spTree>
       <p:nvGrpSpPr>
-        <p:cNvPr id="65" name="Shape 65"/>
+        <p:cNvPr id="1" name=""/>
         <p:cNvGrpSpPr/>
         <p:nvPr/>
       </p:nvGrpSpPr>
@@ -9893,163 +8991,90 @@
       </p:grpSpPr>
       <p:sp>
         <p:nvSpPr>
-          <p:cNvPr id="66" name="Google Shape;66;p15"/>
-          <p:cNvSpPr txBox="1"/>
+          <p:cNvPr id="2" name="Title 1">
+            <a:extLst>
+              <a:ext uri="{FF2B5EF4-FFF2-40B4-BE49-F238E27FC236}">
+                <a16:creationId xmlns:a16="http://schemas.microsoft.com/office/drawing/2014/main" id="{930A5AEC-85C9-B1E4-655B-3821B577364E}"/>
+              </a:ext>
+            </a:extLst>
+          </p:cNvPr>
+          <p:cNvSpPr>
+            <a:spLocks noGrp="1"/>
+          </p:cNvSpPr>
           <p:nvPr>
-            <p:ph type="ctrTitle"/>
+            <p:ph type="title"/>
           </p:nvPr>
         </p:nvSpPr>
-        <p:spPr>
-          <a:xfrm>
-            <a:off x="311708" y="744575"/>
-            <a:ext cx="8520600" cy="2052600"/>
-          </a:xfrm>
-          <a:prstGeom prst="rect">
-            <a:avLst/>
-          </a:prstGeom>
-          <a:noFill/>
-          <a:ln>
-            <a:noFill/>
-          </a:ln>
-        </p:spPr>
+        <p:spPr/>
         <p:txBody>
-          <a:bodyPr anchorCtr="0" anchor="b" bIns="91425" lIns="91425" spcFirstLastPara="1" rIns="91425" wrap="square" tIns="91425">
+          <a:bodyPr>
             <a:normAutofit/>
           </a:bodyPr>
           <a:lstStyle/>
           <a:p>
-            <a:pPr indent="0" lvl="0" marL="0" rtl="0" algn="ctr">
-              <a:lnSpc>
-                <a:spcPct val="100000"/>
-              </a:lnSpc>
-              <a:spcBef>
-                <a:spcPts val="0"/>
-              </a:spcBef>
-              <a:spcAft>
-                <a:spcPts val="0"/>
-              </a:spcAft>
-              <a:buSzPts val="5200"/>
-              <a:buNone/>
-            </a:pPr>
             <a:r>
-              <a:rPr lang="en" sz="3000"/>
-              <a:t>Step - 1</a:t>
+              <a:rPr lang="en-IN" sz="2500" dirty="0">
+                <a:solidFill>
+                  <a:srgbClr val="1F2328"/>
+                </a:solidFill>
+                <a:latin typeface="+mj-lt"/>
+              </a:rPr>
+              <a:t>Problem Statement</a:t>
             </a:r>
-            <a:br>
-              <a:rPr lang="en" sz="3000"/>
-            </a:br>
-            <a:endParaRPr sz="3000"/>
           </a:p>
         </p:txBody>
       </p:sp>
       <p:sp>
         <p:nvSpPr>
-          <p:cNvPr id="67" name="Google Shape;67;p15"/>
-          <p:cNvSpPr txBox="1"/>
+          <p:cNvPr id="3" name="Text Placeholder 2">
+            <a:extLst>
+              <a:ext uri="{FF2B5EF4-FFF2-40B4-BE49-F238E27FC236}">
+                <a16:creationId xmlns:a16="http://schemas.microsoft.com/office/drawing/2014/main" id="{D013E105-8DB5-4B37-1AB3-2D198755BA7B}"/>
+              </a:ext>
+            </a:extLst>
+          </p:cNvPr>
+          <p:cNvSpPr>
+            <a:spLocks noGrp="1"/>
+          </p:cNvSpPr>
           <p:nvPr>
-            <p:ph idx="1" type="subTitle"/>
+            <p:ph type="body" idx="1"/>
           </p:nvPr>
         </p:nvSpPr>
-        <p:spPr>
-          <a:xfrm>
-            <a:off x="311700" y="2834125"/>
-            <a:ext cx="8520600" cy="792600"/>
-          </a:xfrm>
-          <a:prstGeom prst="rect">
-            <a:avLst/>
-          </a:prstGeom>
-          <a:noFill/>
-          <a:ln>
-            <a:noFill/>
-          </a:ln>
-        </p:spPr>
+        <p:spPr/>
         <p:txBody>
-          <a:bodyPr anchorCtr="0" anchor="t" bIns="91425" lIns="91425" spcFirstLastPara="1" rIns="91425" wrap="square" tIns="91425">
-            <a:noAutofit/>
-          </a:bodyPr>
+          <a:bodyPr/>
           <a:lstStyle/>
           <a:p>
-            <a:pPr indent="0" lvl="0" marL="0" rtl="0" algn="ctr">
-              <a:lnSpc>
-                <a:spcPct val="100000"/>
-              </a:lnSpc>
-              <a:spcBef>
-                <a:spcPts val="0"/>
-              </a:spcBef>
-              <a:spcAft>
-                <a:spcPts val="0"/>
-              </a:spcAft>
-              <a:buClr>
-                <a:schemeClr val="dk1"/>
-              </a:buClr>
-              <a:buSzPts val="1100"/>
-              <a:buFont typeface="Arial"/>
-              <a:buNone/>
+            <a:pPr>
+              <a:buFont typeface="+mj-lt"/>
+              <a:buAutoNum type="arabicPeriod"/>
             </a:pPr>
             <a:r>
-              <a:rPr b="1" lang="en" sz="2500">
-                <a:latin typeface="Roboto"/>
-                <a:ea typeface="Roboto"/>
-                <a:cs typeface="Roboto"/>
-                <a:sym typeface="Roboto"/>
-              </a:rPr>
-              <a:t>Ensure that the solution file/files are in the </a:t>
+              <a:rPr lang="en-US" dirty="0"/>
+              <a:t>An education company named X wants to improve its lead conversion from the current 30% to around 80% by identifying the most potential leads.</a:t>
             </a:r>
-            <a:r>
-              <a:rPr b="1" i="1" lang="en" sz="2500">
-                <a:latin typeface="Roboto"/>
-                <a:ea typeface="Roboto"/>
-                <a:cs typeface="Roboto"/>
-                <a:sym typeface="Roboto"/>
-              </a:rPr>
-              <a:t>correct</a:t>
-            </a:r>
-            <a:r>
-              <a:rPr b="1" lang="en" sz="2500">
-                <a:latin typeface="Roboto"/>
-                <a:ea typeface="Roboto"/>
-                <a:cs typeface="Roboto"/>
-                <a:sym typeface="Roboto"/>
-              </a:rPr>
-              <a:t> format</a:t>
-            </a:r>
-            <a:endParaRPr b="1" sz="2500">
-              <a:solidFill>
-                <a:schemeClr val="dk1"/>
-              </a:solidFill>
-              <a:latin typeface="Roboto"/>
-              <a:ea typeface="Roboto"/>
-              <a:cs typeface="Roboto"/>
-              <a:sym typeface="Roboto"/>
-            </a:endParaRPr>
           </a:p>
           <a:p>
-            <a:pPr indent="0" lvl="0" marL="0" rtl="0" algn="ctr">
-              <a:lnSpc>
-                <a:spcPct val="100000"/>
-              </a:lnSpc>
-              <a:spcBef>
-                <a:spcPts val="0"/>
-              </a:spcBef>
-              <a:spcAft>
-                <a:spcPts val="0"/>
-              </a:spcAft>
-              <a:buSzPts val="2800"/>
-              <a:buNone/>
+            <a:pPr>
+              <a:buFont typeface="+mj-lt"/>
+              <a:buAutoNum type="arabicPeriod"/>
             </a:pPr>
             <a:r>
-              <a:t/>
+              <a:rPr lang="en-US" dirty="0"/>
+              <a:t>The company wants to build a model wherein one need to assign a lead score to each of the leads such that the customers with a higher lead score have a higher conversion chance.</a:t>
             </a:r>
-            <a:endParaRPr sz="2500">
-              <a:latin typeface="Roboto"/>
-              <a:ea typeface="Roboto"/>
-              <a:cs typeface="Roboto"/>
-              <a:sym typeface="Roboto"/>
-            </a:endParaRPr>
+          </a:p>
+          <a:p>
+            <a:endParaRPr lang="en-IN" dirty="0"/>
           </a:p>
         </p:txBody>
       </p:sp>
     </p:spTree>
+    <p:extLst>
+      <p:ext uri="{BB962C8B-B14F-4D97-AF65-F5344CB8AC3E}">
+        <p14:creationId xmlns:p14="http://schemas.microsoft.com/office/powerpoint/2010/main" val="3494090260"/>
+      </p:ext>
+    </p:extLst>
   </p:cSld>
   <p:clrMapOvr>
     <a:masterClrMapping/>
@@ -10057,12 +9082,12 @@
 </p:sld>
 </file>
 
-<file path=ppt/slides/slide4.xml><?xml version="1.0" encoding="utf-8"?>
-<p:sld xmlns:a="http://schemas.openxmlformats.org/drawingml/2006/main" xmlns:r="http://schemas.openxmlformats.org/officeDocument/2006/relationships" xmlns:mc="http://schemas.openxmlformats.org/markup-compatibility/2006" xmlns:mv="urn:schemas-microsoft-com:mac:vml" xmlns:p="http://schemas.openxmlformats.org/presentationml/2006/main" xmlns:c="http://schemas.openxmlformats.org/drawingml/2006/chart" xmlns:dgm="http://schemas.openxmlformats.org/drawingml/2006/diagram" xmlns:o="urn:schemas-microsoft-com:office:office" xmlns:v="urn:schemas-microsoft-com:vml" xmlns:pvml="urn:schemas-microsoft-com:office:powerpoint" xmlns:com="http://schemas.openxmlformats.org/drawingml/2006/compatibility" xmlns:p14="http://schemas.microsoft.com/office/powerpoint/2010/main" xmlns:p15="http://schemas.microsoft.com/office/powerpoint/2012/main" xmlns:ahyp="http://schemas.microsoft.com/office/drawing/2018/hyperlinkcolor">
+<file path=ppt/slides/slide3.xml><?xml version="1.0" encoding="utf-8"?>
+<p:sld xmlns:a="http://schemas.openxmlformats.org/drawingml/2006/main" xmlns:r="http://schemas.openxmlformats.org/officeDocument/2006/relationships" xmlns:p="http://schemas.openxmlformats.org/presentationml/2006/main">
   <p:cSld>
     <p:spTree>
       <p:nvGrpSpPr>
-        <p:cNvPr id="71" name="Shape 71"/>
+        <p:cNvPr id="1" name=""/>
         <p:cNvGrpSpPr/>
         <p:nvPr/>
       </p:nvGrpSpPr>
@@ -10076,185 +9101,167 @@
       </p:grpSpPr>
       <p:sp>
         <p:nvSpPr>
-          <p:cNvPr id="72" name="Google Shape;72;p16"/>
-          <p:cNvSpPr txBox="1"/>
+          <p:cNvPr id="2" name="Title 1">
+            <a:extLst>
+              <a:ext uri="{FF2B5EF4-FFF2-40B4-BE49-F238E27FC236}">
+                <a16:creationId xmlns:a16="http://schemas.microsoft.com/office/drawing/2014/main" id="{D6B87EA0-3D5D-3AEB-6793-470E68B4DADF}"/>
+              </a:ext>
+            </a:extLst>
+          </p:cNvPr>
+          <p:cNvSpPr>
+            <a:spLocks noGrp="1"/>
+          </p:cNvSpPr>
           <p:nvPr>
             <p:ph type="title"/>
           </p:nvPr>
         </p:nvSpPr>
-        <p:spPr>
-          <a:xfrm>
-            <a:off x="311700" y="445025"/>
-            <a:ext cx="8520600" cy="572700"/>
-          </a:xfrm>
-          <a:prstGeom prst="rect">
-            <a:avLst/>
-          </a:prstGeom>
-          <a:noFill/>
-          <a:ln>
-            <a:noFill/>
-          </a:ln>
-        </p:spPr>
+        <p:spPr/>
         <p:txBody>
-          <a:bodyPr anchorCtr="0" anchor="t" bIns="91425" lIns="91425" spcFirstLastPara="1" rIns="91425" wrap="square" tIns="91425">
+          <a:bodyPr>
             <a:normAutofit fontScale="90000"/>
           </a:bodyPr>
           <a:lstStyle/>
           <a:p>
-            <a:pPr indent="0" lvl="0" marL="0" rtl="0" algn="l">
-              <a:lnSpc>
-                <a:spcPct val="100000"/>
-              </a:lnSpc>
-              <a:spcBef>
-                <a:spcPts val="0"/>
-              </a:spcBef>
-              <a:spcAft>
-                <a:spcPts val="0"/>
-              </a:spcAft>
-              <a:buSzPct val="111111"/>
-              <a:buNone/>
-            </a:pPr>
             <a:r>
-              <a:rPr lang="en"/>
-              <a:t>Step 1</a:t>
+              <a:rPr lang="en-US" dirty="0"/>
+              <a:t>Analysis Approach</a:t>
             </a:r>
-            <a:endParaRPr/>
+            <a:endParaRPr lang="en-IN" dirty="0"/>
           </a:p>
         </p:txBody>
       </p:sp>
       <p:sp>
         <p:nvSpPr>
-          <p:cNvPr id="73" name="Google Shape;73;p16"/>
-          <p:cNvSpPr txBox="1"/>
+          <p:cNvPr id="3" name="Text Placeholder 2">
+            <a:extLst>
+              <a:ext uri="{FF2B5EF4-FFF2-40B4-BE49-F238E27FC236}">
+                <a16:creationId xmlns:a16="http://schemas.microsoft.com/office/drawing/2014/main" id="{55286A33-19F5-426D-E48F-66D758699778}"/>
+              </a:ext>
+            </a:extLst>
+          </p:cNvPr>
+          <p:cNvSpPr>
+            <a:spLocks noGrp="1"/>
+          </p:cNvSpPr>
           <p:nvPr>
-            <p:ph idx="1" type="body"/>
+            <p:ph type="body" idx="1"/>
           </p:nvPr>
         </p:nvSpPr>
-        <p:spPr>
-          <a:xfrm>
-            <a:off x="311700" y="1152475"/>
-            <a:ext cx="8520600" cy="3416400"/>
-          </a:xfrm>
-          <a:prstGeom prst="rect">
-            <a:avLst/>
-          </a:prstGeom>
-          <a:noFill/>
-          <a:ln>
-            <a:noFill/>
-          </a:ln>
-        </p:spPr>
+        <p:spPr/>
         <p:txBody>
-          <a:bodyPr anchorCtr="0" anchor="t" bIns="91425" lIns="91425" spcFirstLastPara="1" rIns="91425" wrap="square" tIns="91425">
+          <a:bodyPr>
             <a:normAutofit/>
           </a:bodyPr>
           <a:lstStyle/>
           <a:p>
-            <a:pPr indent="-342900" lvl="0" marL="457200" rtl="0" algn="l">
-              <a:lnSpc>
-                <a:spcPct val="115000"/>
-              </a:lnSpc>
-              <a:spcBef>
-                <a:spcPts val="0"/>
-              </a:spcBef>
-              <a:spcAft>
-                <a:spcPts val="0"/>
-              </a:spcAft>
-              <a:buSzPts val="1800"/>
-              <a:buChar char="-"/>
+            <a:pPr>
+              <a:buFont typeface="+mj-lt"/>
+              <a:buAutoNum type="arabicPeriod"/>
             </a:pPr>
             <a:r>
-              <a:rPr lang="en"/>
-              <a:t>As a part of this assignment, you have the following deliverables:</a:t>
+              <a:rPr lang="en-US" dirty="0"/>
+              <a:t>Import the data and inspect the data frame</a:t>
             </a:r>
-            <a:endParaRPr/>
           </a:p>
           <a:p>
-            <a:pPr indent="-317500" lvl="1" marL="914400" rtl="0" algn="l">
-              <a:lnSpc>
-                <a:spcPct val="115000"/>
-              </a:lnSpc>
-              <a:spcBef>
-                <a:spcPts val="0"/>
-              </a:spcBef>
-              <a:spcAft>
-                <a:spcPts val="0"/>
-              </a:spcAft>
-              <a:buSzPts val="1400"/>
-              <a:buChar char="-"/>
+            <a:pPr>
+              <a:buFont typeface="+mj-lt"/>
+              <a:buAutoNum type="arabicPeriod"/>
             </a:pPr>
             <a:r>
-              <a:rPr lang="en"/>
-              <a:t>Python Notebook</a:t>
+              <a:rPr lang="en-US" dirty="0"/>
+              <a:t>EDA &amp; Data Prep/Analysis</a:t>
             </a:r>
-            <a:endParaRPr/>
           </a:p>
           <a:p>
-            <a:pPr indent="-317500" lvl="1" marL="914400" rtl="0" algn="l">
-              <a:lnSpc>
-                <a:spcPct val="115000"/>
-              </a:lnSpc>
-              <a:spcBef>
-                <a:spcPts val="0"/>
-              </a:spcBef>
-              <a:spcAft>
-                <a:spcPts val="0"/>
-              </a:spcAft>
-              <a:buSzPts val="1400"/>
-              <a:buChar char="-"/>
+            <a:pPr lvl="1"/>
+            <a:r>
+              <a:rPr lang="en-US" dirty="0"/>
+              <a:t>Prepare the Data (e.g. handling nulls etc.)</a:t>
+            </a:r>
+          </a:p>
+          <a:p>
+            <a:pPr lvl="1"/>
+            <a:r>
+              <a:rPr lang="en-US" dirty="0"/>
+              <a:t>Dummy variable creation</a:t>
+            </a:r>
+          </a:p>
+          <a:p>
+            <a:pPr lvl="1"/>
+            <a:r>
+              <a:rPr lang="en-US" dirty="0"/>
+              <a:t>Visualization</a:t>
+            </a:r>
+          </a:p>
+          <a:p>
+            <a:pPr lvl="1"/>
+            <a:r>
+              <a:rPr lang="en-US" dirty="0"/>
+              <a:t>Correlation</a:t>
+            </a:r>
+          </a:p>
+          <a:p>
+            <a:pPr lvl="1"/>
+            <a:r>
+              <a:rPr lang="en-US" dirty="0"/>
+              <a:t>Dummy Variables &amp; Feature scaling</a:t>
+            </a:r>
+          </a:p>
+          <a:p>
+            <a:pPr>
+              <a:buFont typeface="+mj-lt"/>
+              <a:buAutoNum type="arabicPeriod"/>
             </a:pPr>
             <a:r>
-              <a:rPr lang="en"/>
-              <a:t>PPT file (in PDF format)</a:t>
+              <a:rPr lang="en-US" dirty="0"/>
+              <a:t>Model Building (RFE </a:t>
             </a:r>
-            <a:endParaRPr/>
+            <a:r>
+              <a:rPr lang="en-US" dirty="0" err="1"/>
+              <a:t>Rsquared</a:t>
+            </a:r>
+            <a:r>
+              <a:rPr lang="en-US" dirty="0"/>
+              <a:t> VIF and </a:t>
+            </a:r>
+            <a:r>
+              <a:rPr lang="en-US" dirty="0" err="1"/>
+              <a:t>pvalues</a:t>
+            </a:r>
+            <a:r>
+              <a:rPr lang="en-US" dirty="0"/>
+              <a:t>)</a:t>
+            </a:r>
           </a:p>
           <a:p>
-            <a:pPr indent="-342900" lvl="0" marL="457200" rtl="0" algn="l">
-              <a:lnSpc>
-                <a:spcPct val="115000"/>
-              </a:lnSpc>
-              <a:spcBef>
-                <a:spcPts val="0"/>
-              </a:spcBef>
-              <a:spcAft>
-                <a:spcPts val="0"/>
-              </a:spcAft>
-              <a:buSzPts val="1800"/>
-              <a:buChar char="-"/>
+            <a:pPr>
+              <a:buFont typeface="+mj-lt"/>
+              <a:buAutoNum type="arabicPeriod"/>
             </a:pPr>
             <a:r>
-              <a:rPr lang="en"/>
-              <a:t>The Python Notebook would already be in the correct format (.ipynb)</a:t>
+              <a:rPr lang="en-US" dirty="0"/>
+              <a:t>Model Evaluation</a:t>
             </a:r>
-            <a:endParaRPr/>
           </a:p>
           <a:p>
-            <a:pPr indent="-342900" lvl="0" marL="457200" rtl="0" algn="l">
-              <a:lnSpc>
-                <a:spcPct val="115000"/>
-              </a:lnSpc>
-              <a:spcBef>
-                <a:spcPts val="0"/>
-              </a:spcBef>
-              <a:spcAft>
-                <a:spcPts val="0"/>
-              </a:spcAft>
-              <a:buSzPts val="1800"/>
-              <a:buChar char="-"/>
+            <a:pPr>
+              <a:buFont typeface="+mj-lt"/>
+              <a:buAutoNum type="arabicPeriod"/>
             </a:pPr>
             <a:r>
-              <a:rPr i="1" lang="en"/>
-              <a:t>We have to convert the PPT to a PDF file</a:t>
+              <a:rPr lang="en-US" dirty="0"/>
+              <a:t>Making predictions on test set</a:t>
             </a:r>
-            <a:r>
-              <a:rPr lang="en"/>
-              <a:t>.</a:t>
-            </a:r>
-            <a:endParaRPr/>
+            <a:endParaRPr lang="en-IN" dirty="0"/>
           </a:p>
         </p:txBody>
       </p:sp>
     </p:spTree>
+    <p:extLst>
+      <p:ext uri="{BB962C8B-B14F-4D97-AF65-F5344CB8AC3E}">
+        <p14:creationId xmlns:p14="http://schemas.microsoft.com/office/powerpoint/2010/main" val="95834134"/>
+      </p:ext>
+    </p:extLst>
   </p:cSld>
   <p:clrMapOvr>
     <a:masterClrMapping/>
@@ -10262,12 +9269,12 @@
 </p:sld>
 </file>
 
-<file path=ppt/slides/slide5.xml><?xml version="1.0" encoding="utf-8"?>
-<p:sld xmlns:a="http://schemas.openxmlformats.org/drawingml/2006/main" xmlns:r="http://schemas.openxmlformats.org/officeDocument/2006/relationships" xmlns:mc="http://schemas.openxmlformats.org/markup-compatibility/2006" xmlns:mv="urn:schemas-microsoft-com:mac:vml" xmlns:p="http://schemas.openxmlformats.org/presentationml/2006/main" xmlns:c="http://schemas.openxmlformats.org/drawingml/2006/chart" xmlns:dgm="http://schemas.openxmlformats.org/drawingml/2006/diagram" xmlns:o="urn:schemas-microsoft-com:office:office" xmlns:v="urn:schemas-microsoft-com:vml" xmlns:pvml="urn:schemas-microsoft-com:office:powerpoint" xmlns:com="http://schemas.openxmlformats.org/drawingml/2006/compatibility" xmlns:p14="http://schemas.microsoft.com/office/powerpoint/2010/main" xmlns:p15="http://schemas.microsoft.com/office/powerpoint/2012/main" xmlns:ahyp="http://schemas.microsoft.com/office/drawing/2018/hyperlinkcolor">
+<file path=ppt/slides/slide4.xml><?xml version="1.0" encoding="utf-8"?>
+<p:sld xmlns:a="http://schemas.openxmlformats.org/drawingml/2006/main" xmlns:r="http://schemas.openxmlformats.org/officeDocument/2006/relationships" xmlns:p="http://schemas.openxmlformats.org/presentationml/2006/main">
   <p:cSld>
     <p:spTree>
       <p:nvGrpSpPr>
-        <p:cNvPr id="77" name="Shape 77"/>
+        <p:cNvPr id="1" name=""/>
         <p:cNvGrpSpPr/>
         <p:nvPr/>
       </p:nvGrpSpPr>
@@ -10281,247 +9288,116 @@
       </p:grpSpPr>
       <p:sp>
         <p:nvSpPr>
-          <p:cNvPr id="78" name="Google Shape;78;p17"/>
-          <p:cNvSpPr txBox="1"/>
+          <p:cNvPr id="2" name="Title 1">
+            <a:extLst>
+              <a:ext uri="{FF2B5EF4-FFF2-40B4-BE49-F238E27FC236}">
+                <a16:creationId xmlns:a16="http://schemas.microsoft.com/office/drawing/2014/main" id="{D7640007-91C8-924E-1054-78331FCBCF70}"/>
+              </a:ext>
+            </a:extLst>
+          </p:cNvPr>
+          <p:cNvSpPr>
+            <a:spLocks noGrp="1"/>
+          </p:cNvSpPr>
           <p:nvPr>
             <p:ph type="title"/>
           </p:nvPr>
         </p:nvSpPr>
+        <p:spPr/>
+        <p:txBody>
+          <a:bodyPr>
+            <a:normAutofit fontScale="90000"/>
+          </a:bodyPr>
+          <a:lstStyle/>
+          <a:p>
+            <a:r>
+              <a:rPr lang="en-US" dirty="0"/>
+              <a:t>Visualization outcomes - 1</a:t>
+            </a:r>
+            <a:endParaRPr lang="en-IN" dirty="0"/>
+          </a:p>
+        </p:txBody>
+      </p:sp>
+      <p:pic>
+        <p:nvPicPr>
+          <p:cNvPr id="5" name="Picture 4">
+            <a:extLst>
+              <a:ext uri="{FF2B5EF4-FFF2-40B4-BE49-F238E27FC236}">
+                <a16:creationId xmlns:a16="http://schemas.microsoft.com/office/drawing/2014/main" id="{135416A5-EA15-7CFF-63DD-44472F92E67F}"/>
+              </a:ext>
+            </a:extLst>
+          </p:cNvPr>
+          <p:cNvPicPr>
+            <a:picLocks noChangeAspect="1"/>
+          </p:cNvPicPr>
+          <p:nvPr/>
+        </p:nvPicPr>
+        <p:blipFill>
+          <a:blip r:embed="rId2"/>
+          <a:stretch>
+            <a:fillRect/>
+          </a:stretch>
+        </p:blipFill>
         <p:spPr>
           <a:xfrm>
-            <a:off x="311700" y="445025"/>
-            <a:ext cx="8520600" cy="572700"/>
+            <a:off x="257175" y="1161805"/>
+            <a:ext cx="4905453" cy="3224457"/>
+          </a:xfrm>
+          <a:prstGeom prst="rect">
+            <a:avLst/>
+          </a:prstGeom>
+        </p:spPr>
+      </p:pic>
+      <p:sp>
+        <p:nvSpPr>
+          <p:cNvPr id="6" name="TextBox 5">
+            <a:extLst>
+              <a:ext uri="{FF2B5EF4-FFF2-40B4-BE49-F238E27FC236}">
+                <a16:creationId xmlns:a16="http://schemas.microsoft.com/office/drawing/2014/main" id="{47B381A4-A026-5B24-6905-228C6659DA5B}"/>
+              </a:ext>
+            </a:extLst>
+          </p:cNvPr>
+          <p:cNvSpPr txBox="1"/>
+          <p:nvPr/>
+        </p:nvSpPr>
+        <p:spPr>
+          <a:xfrm>
+            <a:off x="2822744" y="3119921"/>
+            <a:ext cx="5063097" cy="584775"/>
           </a:xfrm>
           <a:prstGeom prst="rect">
             <a:avLst/>
           </a:prstGeom>
           <a:noFill/>
-          <a:ln>
-            <a:noFill/>
-          </a:ln>
         </p:spPr>
         <p:txBody>
-          <a:bodyPr anchorCtr="0" anchor="t" bIns="91425" lIns="91425" spcFirstLastPara="1" rIns="91425" wrap="square" tIns="91425">
-            <a:normAutofit fontScale="90000"/>
+          <a:bodyPr wrap="square" rtlCol="0">
+            <a:spAutoFit/>
           </a:bodyPr>
           <a:lstStyle/>
           <a:p>
-            <a:pPr indent="0" lvl="0" marL="0" rtl="0" algn="l">
-              <a:lnSpc>
-                <a:spcPct val="100000"/>
-              </a:lnSpc>
-              <a:spcBef>
-                <a:spcPts val="0"/>
-              </a:spcBef>
-              <a:spcAft>
-                <a:spcPts val="0"/>
-              </a:spcAft>
-              <a:buSzPct val="111111"/>
-              <a:buNone/>
-            </a:pPr>
             <a:r>
-              <a:rPr lang="en"/>
-              <a:t>Step 1</a:t>
+              <a:rPr lang="en-US" sz="800" dirty="0"/>
+              <a:t>As it can be seen that the levels of "Lead Profile" and "How did you hear about X Education" have a lot of rows which have the value Select which is of no use to the analysis</a:t>
             </a:r>
-            <a:endParaRPr/>
-          </a:p>
-        </p:txBody>
-      </p:sp>
-      <p:sp>
-        <p:nvSpPr>
-          <p:cNvPr id="79" name="Google Shape;79;p17"/>
-          <p:cNvSpPr txBox="1"/>
-          <p:nvPr>
-            <p:ph idx="1" type="body"/>
-          </p:nvPr>
-        </p:nvSpPr>
-        <p:spPr>
-          <a:xfrm>
-            <a:off x="311700" y="1152475"/>
-            <a:ext cx="8520600" cy="3416400"/>
-          </a:xfrm>
-          <a:prstGeom prst="rect">
-            <a:avLst/>
-          </a:prstGeom>
-          <a:noFill/>
-          <a:ln>
-            <a:noFill/>
-          </a:ln>
-        </p:spPr>
-        <p:txBody>
-          <a:bodyPr anchorCtr="0" anchor="t" bIns="91425" lIns="91425" spcFirstLastPara="1" rIns="91425" wrap="square" tIns="91425">
-            <a:normAutofit fontScale="70000" lnSpcReduction="10000"/>
-          </a:bodyPr>
-          <a:lstStyle/>
-          <a:p>
-            <a:pPr indent="-330835" lvl="0" marL="457200" rtl="0" algn="l">
-              <a:lnSpc>
-                <a:spcPct val="150000"/>
-              </a:lnSpc>
-              <a:spcBef>
-                <a:spcPts val="0"/>
-              </a:spcBef>
-              <a:spcAft>
-                <a:spcPts val="0"/>
-              </a:spcAft>
-              <a:buSzPct val="100000"/>
-              <a:buChar char="●"/>
-            </a:pPr>
-            <a:r>
-              <a:rPr lang="en" sz="2300"/>
-              <a:t>Converting PPT to PDF can be done easily and there are a few ways to do the same.</a:t>
-            </a:r>
-            <a:endParaRPr sz="2300"/>
           </a:p>
           <a:p>
-            <a:pPr indent="-330835" lvl="0" marL="457200" rtl="0" algn="l">
-              <a:lnSpc>
-                <a:spcPct val="150000"/>
-              </a:lnSpc>
-              <a:spcBef>
-                <a:spcPts val="0"/>
-              </a:spcBef>
-              <a:spcAft>
-                <a:spcPts val="0"/>
-              </a:spcAft>
-              <a:buSzPct val="100000"/>
-              <a:buChar char="●"/>
-            </a:pPr>
-            <a:r>
-              <a:rPr lang="en" sz="2300"/>
-              <a:t>We will look at one possible approach, which works irrespective of which platform or Office software you are using.</a:t>
-            </a:r>
-            <a:endParaRPr sz="2300"/>
+            <a:endParaRPr lang="en-US" sz="800" dirty="0"/>
           </a:p>
           <a:p>
-            <a:pPr indent="-330835" lvl="0" marL="457200" rtl="0" algn="l">
-              <a:lnSpc>
-                <a:spcPct val="150000"/>
-              </a:lnSpc>
-              <a:spcBef>
-                <a:spcPts val="0"/>
-              </a:spcBef>
-              <a:spcAft>
-                <a:spcPts val="0"/>
-              </a:spcAft>
-              <a:buSzPct val="100000"/>
-              <a:buChar char="●"/>
-            </a:pPr>
             <a:r>
-              <a:rPr lang="en" sz="2300"/>
-              <a:t>Once your PPT file is ready, go to </a:t>
+              <a:rPr lang="en-US" sz="800" dirty="0"/>
+              <a:t>So it's best that we drop them.</a:t>
             </a:r>
-            <a:r>
-              <a:rPr lang="en" sz="2300" u="sng">
-                <a:solidFill>
-                  <a:schemeClr val="hlink"/>
-                </a:solidFill>
-                <a:hlinkClick r:id="rId3"/>
-              </a:rPr>
-              <a:t>https://online2pdf.com/</a:t>
-            </a:r>
-            <a:endParaRPr sz="2300"/>
-          </a:p>
-          <a:p>
-            <a:pPr indent="-330835" lvl="0" marL="457200" rtl="0" algn="l">
-              <a:lnSpc>
-                <a:spcPct val="150000"/>
-              </a:lnSpc>
-              <a:spcBef>
-                <a:spcPts val="0"/>
-              </a:spcBef>
-              <a:spcAft>
-                <a:spcPts val="0"/>
-              </a:spcAft>
-              <a:buSzPct val="100000"/>
-              <a:buChar char="●"/>
-            </a:pPr>
-            <a:r>
-              <a:rPr lang="en" sz="2300"/>
-              <a:t>Using this online tool, you can easily convert your PPT file to a PDF file.</a:t>
-            </a:r>
-            <a:endParaRPr sz="2300"/>
-          </a:p>
-          <a:p>
-            <a:pPr indent="-330835" lvl="0" marL="457200" rtl="0" algn="l">
-              <a:lnSpc>
-                <a:spcPct val="150000"/>
-              </a:lnSpc>
-              <a:spcBef>
-                <a:spcPts val="0"/>
-              </a:spcBef>
-              <a:spcAft>
-                <a:spcPts val="0"/>
-              </a:spcAft>
-              <a:buSzPct val="100000"/>
-              <a:buChar char="●"/>
-            </a:pPr>
-            <a:r>
-              <a:rPr lang="en" sz="2300"/>
-              <a:t>Let’s take a look at this tool in action!</a:t>
-            </a:r>
-            <a:endParaRPr sz="2300"/>
-          </a:p>
-          <a:p>
-            <a:pPr indent="0" lvl="0" marL="457200" rtl="0" algn="l">
-              <a:lnSpc>
-                <a:spcPct val="115000"/>
-              </a:lnSpc>
-              <a:spcBef>
-                <a:spcPts val="1200"/>
-              </a:spcBef>
-              <a:spcAft>
-                <a:spcPts val="0"/>
-              </a:spcAft>
-              <a:buSzPct val="142857"/>
-              <a:buNone/>
-            </a:pPr>
-            <a:r>
-              <a:t/>
-            </a:r>
-            <a:endParaRPr/>
-          </a:p>
-          <a:p>
-            <a:pPr indent="0" lvl="0" marL="0" rtl="0" algn="l">
-              <a:lnSpc>
-                <a:spcPct val="115000"/>
-              </a:lnSpc>
-              <a:spcBef>
-                <a:spcPts val="1200"/>
-              </a:spcBef>
-              <a:spcAft>
-                <a:spcPts val="0"/>
-              </a:spcAft>
-              <a:buSzPct val="142857"/>
-              <a:buNone/>
-            </a:pPr>
-            <a:r>
-              <a:t/>
-            </a:r>
-            <a:endParaRPr/>
-          </a:p>
-          <a:p>
-            <a:pPr indent="0" lvl="0" marL="0" rtl="0" algn="l">
-              <a:lnSpc>
-                <a:spcPct val="115000"/>
-              </a:lnSpc>
-              <a:spcBef>
-                <a:spcPts val="1200"/>
-              </a:spcBef>
-              <a:spcAft>
-                <a:spcPts val="1200"/>
-              </a:spcAft>
-              <a:buSzPct val="142857"/>
-              <a:buNone/>
-            </a:pPr>
-            <a:r>
-              <a:t/>
-            </a:r>
-            <a:endParaRPr/>
+            <a:endParaRPr lang="en-IN" sz="800" dirty="0"/>
           </a:p>
         </p:txBody>
       </p:sp>
     </p:spTree>
+    <p:extLst>
+      <p:ext uri="{BB962C8B-B14F-4D97-AF65-F5344CB8AC3E}">
+        <p14:creationId xmlns:p14="http://schemas.microsoft.com/office/powerpoint/2010/main" val="4253084206"/>
+      </p:ext>
+    </p:extLst>
   </p:cSld>
   <p:clrMapOvr>
     <a:masterClrMapping/>
@@ -10529,12 +9405,12 @@
 </p:sld>
 </file>
 
-<file path=ppt/slides/slide6.xml><?xml version="1.0" encoding="utf-8"?>
-<p:sld xmlns:a="http://schemas.openxmlformats.org/drawingml/2006/main" xmlns:r="http://schemas.openxmlformats.org/officeDocument/2006/relationships" xmlns:mc="http://schemas.openxmlformats.org/markup-compatibility/2006" xmlns:mv="urn:schemas-microsoft-com:mac:vml" xmlns:p="http://schemas.openxmlformats.org/presentationml/2006/main" xmlns:c="http://schemas.openxmlformats.org/drawingml/2006/chart" xmlns:dgm="http://schemas.openxmlformats.org/drawingml/2006/diagram" xmlns:o="urn:schemas-microsoft-com:office:office" xmlns:v="urn:schemas-microsoft-com:vml" xmlns:pvml="urn:schemas-microsoft-com:office:powerpoint" xmlns:com="http://schemas.openxmlformats.org/drawingml/2006/compatibility" xmlns:p14="http://schemas.microsoft.com/office/powerpoint/2010/main" xmlns:p15="http://schemas.microsoft.com/office/powerpoint/2012/main" xmlns:ahyp="http://schemas.microsoft.com/office/drawing/2018/hyperlinkcolor">
+<file path=ppt/slides/slide5.xml><?xml version="1.0" encoding="utf-8"?>
+<p:sld xmlns:a="http://schemas.openxmlformats.org/drawingml/2006/main" xmlns:r="http://schemas.openxmlformats.org/officeDocument/2006/relationships" xmlns:p="http://schemas.openxmlformats.org/presentationml/2006/main">
   <p:cSld>
     <p:spTree>
       <p:nvGrpSpPr>
-        <p:cNvPr id="83" name="Shape 83"/>
+        <p:cNvPr id="1" name=""/>
         <p:cNvGrpSpPr/>
         <p:nvPr/>
       </p:nvGrpSpPr>
@@ -10548,174 +9424,171 @@
       </p:grpSpPr>
       <p:sp>
         <p:nvSpPr>
-          <p:cNvPr id="84" name="Google Shape;84;p18"/>
-          <p:cNvSpPr txBox="1"/>
+          <p:cNvPr id="2" name="Title 1">
+            <a:extLst>
+              <a:ext uri="{FF2B5EF4-FFF2-40B4-BE49-F238E27FC236}">
+                <a16:creationId xmlns:a16="http://schemas.microsoft.com/office/drawing/2014/main" id="{4C9DF533-E8EC-1FF8-73D5-49239AC0D5B1}"/>
+              </a:ext>
+            </a:extLst>
+          </p:cNvPr>
+          <p:cNvSpPr>
+            <a:spLocks noGrp="1"/>
+          </p:cNvSpPr>
           <p:nvPr>
-            <p:ph type="ctrTitle"/>
+            <p:ph type="title"/>
           </p:nvPr>
         </p:nvSpPr>
-        <p:spPr>
+        <p:spPr/>
+        <p:txBody>
+          <a:bodyPr>
+            <a:normAutofit fontScale="90000"/>
+          </a:bodyPr>
+          <a:lstStyle/>
+          <a:p>
+            <a:r>
+              <a:rPr lang="en-US" dirty="0"/>
+              <a:t>Visualization outcomes - 2</a:t>
+            </a:r>
+            <a:endParaRPr lang="en-IN" dirty="0"/>
+          </a:p>
+        </p:txBody>
+      </p:sp>
+      <p:pic>
+        <p:nvPicPr>
+          <p:cNvPr id="2050" name="Picture 2">
+            <a:extLst>
+              <a:ext uri="{FF2B5EF4-FFF2-40B4-BE49-F238E27FC236}">
+                <a16:creationId xmlns:a16="http://schemas.microsoft.com/office/drawing/2014/main" id="{4714C4E8-5C38-4E65-48D6-B84AD22E00CD}"/>
+              </a:ext>
+            </a:extLst>
+          </p:cNvPr>
+          <p:cNvPicPr>
+            <a:picLocks noChangeAspect="1" noChangeArrowheads="1"/>
+          </p:cNvPicPr>
+          <p:nvPr/>
+        </p:nvPicPr>
+        <p:blipFill>
+          <a:blip r:embed="rId2">
+            <a:extLst>
+              <a:ext uri="{28A0092B-C50C-407E-A947-70E740481C1C}">
+                <a14:useLocalDpi xmlns:a14="http://schemas.microsoft.com/office/drawing/2010/main" val="0"/>
+              </a:ext>
+            </a:extLst>
+          </a:blip>
+          <a:srcRect/>
+          <a:stretch>
+            <a:fillRect/>
+          </a:stretch>
+        </p:blipFill>
+        <p:spPr bwMode="auto">
           <a:xfrm>
-            <a:off x="311708" y="744575"/>
-            <a:ext cx="8520600" cy="2052600"/>
+            <a:off x="453762" y="1017725"/>
+            <a:ext cx="3781354" cy="3435667"/>
           </a:xfrm>
           <a:prstGeom prst="rect">
             <a:avLst/>
           </a:prstGeom>
           <a:noFill/>
-          <a:ln>
-            <a:noFill/>
-          </a:ln>
+          <a:extLst>
+            <a:ext uri="{909E8E84-426E-40DD-AFC4-6F175D3DCCD1}">
+              <a14:hiddenFill xmlns:a14="http://schemas.microsoft.com/office/drawing/2010/main">
+                <a:solidFill>
+                  <a:srgbClr val="FFFFFF"/>
+                </a:solidFill>
+              </a14:hiddenFill>
+            </a:ext>
+          </a:extLst>
         </p:spPr>
-        <p:txBody>
-          <a:bodyPr anchorCtr="0" anchor="b" bIns="91425" lIns="91425" spcFirstLastPara="1" rIns="91425" wrap="square" tIns="91425">
-            <a:normAutofit/>
-          </a:bodyPr>
-          <a:lstStyle/>
-          <a:p>
-            <a:pPr indent="0" lvl="0" marL="0" rtl="0" algn="ctr">
-              <a:lnSpc>
-                <a:spcPct val="100000"/>
-              </a:lnSpc>
-              <a:spcBef>
-                <a:spcPts val="0"/>
-              </a:spcBef>
-              <a:spcAft>
-                <a:spcPts val="0"/>
-              </a:spcAft>
-              <a:buSzPts val="5200"/>
-              <a:buNone/>
-            </a:pPr>
-            <a:r>
-              <a:rPr lang="en" sz="3000"/>
-              <a:t>Step - 2</a:t>
-            </a:r>
-            <a:br>
-              <a:rPr lang="en" sz="3000"/>
-            </a:br>
-            <a:endParaRPr sz="3000"/>
-          </a:p>
-        </p:txBody>
-      </p:sp>
-      <p:sp>
-        <p:nvSpPr>
-          <p:cNvPr id="85" name="Google Shape;85;p18"/>
-          <p:cNvSpPr txBox="1"/>
-          <p:nvPr>
-            <p:ph idx="1" type="subTitle"/>
-          </p:nvPr>
-        </p:nvSpPr>
-        <p:spPr>
+      </p:pic>
+      <p:pic>
+        <p:nvPicPr>
+          <p:cNvPr id="2052" name="Picture 4">
+            <a:extLst>
+              <a:ext uri="{FF2B5EF4-FFF2-40B4-BE49-F238E27FC236}">
+                <a16:creationId xmlns:a16="http://schemas.microsoft.com/office/drawing/2014/main" id="{80B2CC89-EA8F-C40D-D56C-5EC2371B54D9}"/>
+              </a:ext>
+            </a:extLst>
+          </p:cNvPr>
+          <p:cNvPicPr>
+            <a:picLocks noChangeAspect="1" noChangeArrowheads="1"/>
+          </p:cNvPicPr>
+          <p:nvPr/>
+        </p:nvPicPr>
+        <p:blipFill>
+          <a:blip r:embed="rId3">
+            <a:extLst>
+              <a:ext uri="{28A0092B-C50C-407E-A947-70E740481C1C}">
+                <a14:useLocalDpi xmlns:a14="http://schemas.microsoft.com/office/drawing/2010/main" val="0"/>
+              </a:ext>
+            </a:extLst>
+          </a:blip>
+          <a:srcRect/>
+          <a:stretch>
+            <a:fillRect/>
+          </a:stretch>
+        </p:blipFill>
+        <p:spPr bwMode="auto">
           <a:xfrm>
-            <a:off x="311700" y="2834125"/>
-            <a:ext cx="8520600" cy="792600"/>
+            <a:off x="3953955" y="1017724"/>
+            <a:ext cx="3882091" cy="3435667"/>
           </a:xfrm>
           <a:prstGeom prst="rect">
             <a:avLst/>
           </a:prstGeom>
           <a:noFill/>
-          <a:ln>
-            <a:noFill/>
-          </a:ln>
+          <a:extLst>
+            <a:ext uri="{909E8E84-426E-40DD-AFC4-6F175D3DCCD1}">
+              <a14:hiddenFill xmlns:a14="http://schemas.microsoft.com/office/drawing/2010/main">
+                <a:solidFill>
+                  <a:srgbClr val="FFFFFF"/>
+                </a:solidFill>
+              </a14:hiddenFill>
+            </a:ext>
+          </a:extLst>
+        </p:spPr>
+      </p:pic>
+      <p:sp>
+        <p:nvSpPr>
+          <p:cNvPr id="6" name="TextBox 5">
+            <a:extLst>
+              <a:ext uri="{FF2B5EF4-FFF2-40B4-BE49-F238E27FC236}">
+                <a16:creationId xmlns:a16="http://schemas.microsoft.com/office/drawing/2014/main" id="{452DC560-2550-7612-85A3-921580553099}"/>
+              </a:ext>
+            </a:extLst>
+          </p:cNvPr>
+          <p:cNvSpPr txBox="1"/>
+          <p:nvPr/>
+        </p:nvSpPr>
+        <p:spPr>
+          <a:xfrm>
+            <a:off x="453762" y="4601425"/>
+            <a:ext cx="7242733" cy="461665"/>
+          </a:xfrm>
+          <a:prstGeom prst="rect">
+            <a:avLst/>
+          </a:prstGeom>
+          <a:noFill/>
         </p:spPr>
         <p:txBody>
-          <a:bodyPr anchorCtr="0" anchor="t" bIns="91425" lIns="91425" spcFirstLastPara="1" rIns="91425" wrap="square" tIns="91425">
-            <a:noAutofit/>
+          <a:bodyPr wrap="square" rtlCol="0">
+            <a:spAutoFit/>
           </a:bodyPr>
           <a:lstStyle/>
           <a:p>
-            <a:pPr indent="0" lvl="0" marL="457200" rtl="0" algn="l">
-              <a:lnSpc>
-                <a:spcPct val="115000"/>
-              </a:lnSpc>
-              <a:spcBef>
-                <a:spcPts val="0"/>
-              </a:spcBef>
-              <a:spcAft>
-                <a:spcPts val="0"/>
-              </a:spcAft>
-              <a:buSzPts val="2800"/>
-              <a:buNone/>
-            </a:pPr>
             <a:r>
-              <a:rPr b="1" lang="en" sz="2500">
-                <a:latin typeface="Roboto"/>
-                <a:ea typeface="Roboto"/>
-                <a:cs typeface="Roboto"/>
-                <a:sym typeface="Roboto"/>
-              </a:rPr>
-              <a:t>Ensure that the solution files are in a </a:t>
+              <a:rPr lang="en-US" sz="800" dirty="0"/>
+              <a:t>Columns that can be dropped: 'Do Not Call', 'Search', 'Magazine', 'Newspaper Article', 'X Education Forums', 'Newspaper’, 'Digital Advertisement', 'Through Recommendations', 'Receive More Updates About Our Courses', 'Update me on Supply Chain Content', 'Get updates on DM Content',  'I agree to pay the amount through cheque' </a:t>
             </a:r>
-            <a:r>
-              <a:rPr b="1" i="1" lang="en" sz="2500">
-                <a:latin typeface="Roboto"/>
-                <a:ea typeface="Roboto"/>
-                <a:cs typeface="Roboto"/>
-                <a:sym typeface="Roboto"/>
-              </a:rPr>
-              <a:t>zipped folder</a:t>
-            </a:r>
-            <a:endParaRPr b="1" sz="2500">
-              <a:solidFill>
-                <a:schemeClr val="dk1"/>
-              </a:solidFill>
-              <a:latin typeface="Roboto"/>
-              <a:ea typeface="Roboto"/>
-              <a:cs typeface="Roboto"/>
-              <a:sym typeface="Roboto"/>
-            </a:endParaRPr>
-          </a:p>
-          <a:p>
-            <a:pPr indent="0" lvl="0" marL="0" rtl="0" algn="ctr">
-              <a:lnSpc>
-                <a:spcPct val="100000"/>
-              </a:lnSpc>
-              <a:spcBef>
-                <a:spcPts val="1200"/>
-              </a:spcBef>
-              <a:spcAft>
-                <a:spcPts val="0"/>
-              </a:spcAft>
-              <a:buSzPts val="2800"/>
-              <a:buNone/>
-            </a:pPr>
-            <a:r>
-              <a:t/>
-            </a:r>
-            <a:endParaRPr b="1" sz="2500">
-              <a:latin typeface="Roboto"/>
-              <a:ea typeface="Roboto"/>
-              <a:cs typeface="Roboto"/>
-              <a:sym typeface="Roboto"/>
-            </a:endParaRPr>
-          </a:p>
-          <a:p>
-            <a:pPr indent="0" lvl="0" marL="0" rtl="0" algn="ctr">
-              <a:lnSpc>
-                <a:spcPct val="100000"/>
-              </a:lnSpc>
-              <a:spcBef>
-                <a:spcPts val="0"/>
-              </a:spcBef>
-              <a:spcAft>
-                <a:spcPts val="0"/>
-              </a:spcAft>
-              <a:buSzPts val="2800"/>
-              <a:buNone/>
-            </a:pPr>
-            <a:r>
-              <a:t/>
-            </a:r>
-            <a:endParaRPr sz="2500">
-              <a:latin typeface="Roboto"/>
-              <a:ea typeface="Roboto"/>
-              <a:cs typeface="Roboto"/>
-              <a:sym typeface="Roboto"/>
-            </a:endParaRPr>
+            <a:endParaRPr lang="en-IN" sz="800" dirty="0"/>
           </a:p>
         </p:txBody>
       </p:sp>
     </p:spTree>
+    <p:extLst>
+      <p:ext uri="{BB962C8B-B14F-4D97-AF65-F5344CB8AC3E}">
+        <p14:creationId xmlns:p14="http://schemas.microsoft.com/office/powerpoint/2010/main" val="2206218502"/>
+      </p:ext>
+    </p:extLst>
   </p:cSld>
   <p:clrMapOvr>
     <a:masterClrMapping/>
@@ -10723,12 +9596,12 @@
 </p:sld>
 </file>
 
-<file path=ppt/slides/slide7.xml><?xml version="1.0" encoding="utf-8"?>
-<p:sld xmlns:a="http://schemas.openxmlformats.org/drawingml/2006/main" xmlns:r="http://schemas.openxmlformats.org/officeDocument/2006/relationships" xmlns:mc="http://schemas.openxmlformats.org/markup-compatibility/2006" xmlns:mv="urn:schemas-microsoft-com:mac:vml" xmlns:p="http://schemas.openxmlformats.org/presentationml/2006/main" xmlns:c="http://schemas.openxmlformats.org/drawingml/2006/chart" xmlns:dgm="http://schemas.openxmlformats.org/drawingml/2006/diagram" xmlns:o="urn:schemas-microsoft-com:office:office" xmlns:v="urn:schemas-microsoft-com:vml" xmlns:pvml="urn:schemas-microsoft-com:office:powerpoint" xmlns:com="http://schemas.openxmlformats.org/drawingml/2006/compatibility" xmlns:p14="http://schemas.microsoft.com/office/powerpoint/2010/main" xmlns:p15="http://schemas.microsoft.com/office/powerpoint/2012/main" xmlns:ahyp="http://schemas.microsoft.com/office/drawing/2018/hyperlinkcolor">
+<file path=ppt/slides/slide6.xml><?xml version="1.0" encoding="utf-8"?>
+<p:sld xmlns:a="http://schemas.openxmlformats.org/drawingml/2006/main" xmlns:r="http://schemas.openxmlformats.org/officeDocument/2006/relationships" xmlns:p="http://schemas.openxmlformats.org/presentationml/2006/main">
   <p:cSld>
     <p:spTree>
       <p:nvGrpSpPr>
-        <p:cNvPr id="89" name="Shape 89"/>
+        <p:cNvPr id="1" name=""/>
         <p:cNvGrpSpPr/>
         <p:nvPr/>
       </p:nvGrpSpPr>
@@ -10742,171 +9615,128 @@
       </p:grpSpPr>
       <p:sp>
         <p:nvSpPr>
-          <p:cNvPr id="90" name="Google Shape;90;p19"/>
-          <p:cNvSpPr txBox="1"/>
+          <p:cNvPr id="2" name="Title 1">
+            <a:extLst>
+              <a:ext uri="{FF2B5EF4-FFF2-40B4-BE49-F238E27FC236}">
+                <a16:creationId xmlns:a16="http://schemas.microsoft.com/office/drawing/2014/main" id="{11000DDF-D6A3-1F3C-25FE-05C284751B78}"/>
+              </a:ext>
+            </a:extLst>
+          </p:cNvPr>
+          <p:cNvSpPr>
+            <a:spLocks noGrp="1"/>
+          </p:cNvSpPr>
           <p:nvPr>
             <p:ph type="title"/>
           </p:nvPr>
         </p:nvSpPr>
-        <p:spPr>
+        <p:spPr/>
+        <p:txBody>
+          <a:bodyPr>
+            <a:normAutofit fontScale="90000"/>
+          </a:bodyPr>
+          <a:lstStyle/>
+          <a:p>
+            <a:r>
+              <a:rPr lang="en-US" dirty="0"/>
+              <a:t>Correlation (Quants)</a:t>
+            </a:r>
+            <a:endParaRPr lang="en-IN" dirty="0"/>
+          </a:p>
+        </p:txBody>
+      </p:sp>
+      <p:pic>
+        <p:nvPicPr>
+          <p:cNvPr id="3074" name="Picture 2">
+            <a:extLst>
+              <a:ext uri="{FF2B5EF4-FFF2-40B4-BE49-F238E27FC236}">
+                <a16:creationId xmlns:a16="http://schemas.microsoft.com/office/drawing/2014/main" id="{1C50D6C3-0983-E9AD-0BA5-CABA76FD3FF3}"/>
+              </a:ext>
+            </a:extLst>
+          </p:cNvPr>
+          <p:cNvPicPr>
+            <a:picLocks noChangeAspect="1" noChangeArrowheads="1"/>
+          </p:cNvPicPr>
+          <p:nvPr/>
+        </p:nvPicPr>
+        <p:blipFill>
+          <a:blip r:embed="rId2">
+            <a:extLst>
+              <a:ext uri="{28A0092B-C50C-407E-A947-70E740481C1C}">
+                <a14:useLocalDpi xmlns:a14="http://schemas.microsoft.com/office/drawing/2010/main" val="0"/>
+              </a:ext>
+            </a:extLst>
+          </a:blip>
+          <a:srcRect/>
+          <a:stretch>
+            <a:fillRect/>
+          </a:stretch>
+        </p:blipFill>
+        <p:spPr bwMode="auto">
           <a:xfrm>
-            <a:off x="311700" y="445025"/>
-            <a:ext cx="8520600" cy="572700"/>
+            <a:off x="261256" y="1291354"/>
+            <a:ext cx="4413871" cy="3867209"/>
           </a:xfrm>
           <a:prstGeom prst="rect">
             <a:avLst/>
           </a:prstGeom>
           <a:noFill/>
-          <a:ln>
-            <a:noFill/>
-          </a:ln>
+          <a:extLst>
+            <a:ext uri="{909E8E84-426E-40DD-AFC4-6F175D3DCCD1}">
+              <a14:hiddenFill xmlns:a14="http://schemas.microsoft.com/office/drawing/2010/main">
+                <a:solidFill>
+                  <a:srgbClr val="FFFFFF"/>
+                </a:solidFill>
+              </a14:hiddenFill>
+            </a:ext>
+          </a:extLst>
         </p:spPr>
-        <p:txBody>
-          <a:bodyPr anchorCtr="0" anchor="t" bIns="91425" lIns="91425" spcFirstLastPara="1" rIns="91425" wrap="square" tIns="91425">
-            <a:normAutofit fontScale="90000"/>
-          </a:bodyPr>
-          <a:lstStyle/>
-          <a:p>
-            <a:pPr indent="0" lvl="0" marL="0" rtl="0" algn="l">
-              <a:lnSpc>
-                <a:spcPct val="100000"/>
-              </a:lnSpc>
-              <a:spcBef>
-                <a:spcPts val="0"/>
-              </a:spcBef>
-              <a:spcAft>
-                <a:spcPts val="0"/>
-              </a:spcAft>
-              <a:buSzPct val="111111"/>
-              <a:buNone/>
-            </a:pPr>
-            <a:r>
-              <a:rPr lang="en"/>
-              <a:t>Step 2 </a:t>
-            </a:r>
-            <a:endParaRPr/>
-          </a:p>
-        </p:txBody>
-      </p:sp>
+      </p:pic>
       <p:sp>
         <p:nvSpPr>
-          <p:cNvPr id="91" name="Google Shape;91;p19"/>
+          <p:cNvPr id="4" name="TextBox 3">
+            <a:extLst>
+              <a:ext uri="{FF2B5EF4-FFF2-40B4-BE49-F238E27FC236}">
+                <a16:creationId xmlns:a16="http://schemas.microsoft.com/office/drawing/2014/main" id="{76CC4D17-EB1F-3474-7527-3EF840DC45F2}"/>
+              </a:ext>
+            </a:extLst>
+          </p:cNvPr>
           <p:cNvSpPr txBox="1"/>
-          <p:nvPr>
-            <p:ph idx="1" type="body"/>
-          </p:nvPr>
+          <p:nvPr/>
         </p:nvSpPr>
         <p:spPr>
           <a:xfrm>
-            <a:off x="311700" y="1152475"/>
-            <a:ext cx="8520600" cy="3416400"/>
+            <a:off x="4778255" y="1931928"/>
+            <a:ext cx="4262617" cy="461665"/>
           </a:xfrm>
           <a:prstGeom prst="rect">
             <a:avLst/>
           </a:prstGeom>
           <a:noFill/>
-          <a:ln>
-            <a:noFill/>
-          </a:ln>
         </p:spPr>
         <p:txBody>
-          <a:bodyPr anchorCtr="0" anchor="t" bIns="91425" lIns="91425" spcFirstLastPara="1" rIns="91425" wrap="square" tIns="91425">
-            <a:normAutofit/>
+          <a:bodyPr wrap="square" rtlCol="0">
+            <a:spAutoFit/>
           </a:bodyPr>
           <a:lstStyle/>
           <a:p>
-            <a:pPr indent="-342900" lvl="0" marL="457200" rtl="0" algn="l">
-              <a:lnSpc>
-                <a:spcPct val="115000"/>
-              </a:lnSpc>
-              <a:spcBef>
-                <a:spcPts val="0"/>
-              </a:spcBef>
-              <a:spcAft>
-                <a:spcPts val="0"/>
-              </a:spcAft>
-              <a:buSzPts val="1800"/>
-              <a:buChar char="●"/>
-            </a:pPr>
             <a:r>
-              <a:rPr lang="en"/>
-              <a:t>This step is also pretty straightforward.</a:t>
-            </a:r>
-            <a:endParaRPr/>
-          </a:p>
-          <a:p>
-            <a:pPr indent="-342900" lvl="0" marL="457200" rtl="0" algn="l">
-              <a:lnSpc>
-                <a:spcPct val="115000"/>
-              </a:lnSpc>
-              <a:spcBef>
-                <a:spcPts val="0"/>
-              </a:spcBef>
-              <a:spcAft>
-                <a:spcPts val="0"/>
-              </a:spcAft>
-              <a:buSzPts val="1800"/>
-              <a:buChar char="●"/>
-            </a:pPr>
-            <a:r>
-              <a:rPr lang="en"/>
-              <a:t>Right click on the folder, which contains all your solution files, and then select </a:t>
+              <a:rPr lang="en-US" sz="800" dirty="0" err="1"/>
+              <a:t>Eventhough</a:t>
             </a:r>
             <a:r>
-              <a:rPr b="1" i="1" lang="en"/>
-              <a:t>Compress to ZIP file</a:t>
+              <a:rPr lang="en-US" sz="800" dirty="0"/>
+              <a:t> the Total Visits and Page Views per visit are showing a relationship, they are not that big. Besides, each tell a different story. Hence continue to include both in the modeling. </a:t>
             </a:r>
-            <a:endParaRPr b="1" i="1"/>
-          </a:p>
-          <a:p>
-            <a:pPr indent="0" lvl="0" marL="0" rtl="0" algn="l">
-              <a:lnSpc>
-                <a:spcPct val="115000"/>
-              </a:lnSpc>
-              <a:spcBef>
-                <a:spcPts val="1200"/>
-              </a:spcBef>
-              <a:spcAft>
-                <a:spcPts val="1200"/>
-              </a:spcAft>
-              <a:buSzPts val="1800"/>
-              <a:buNone/>
-            </a:pPr>
-            <a:r>
-              <a:t/>
-            </a:r>
-            <a:endParaRPr/>
+            <a:endParaRPr lang="en-IN" sz="800" dirty="0"/>
           </a:p>
         </p:txBody>
       </p:sp>
-      <p:pic>
-        <p:nvPicPr>
-          <p:cNvPr id="92" name="Google Shape;92;p19"/>
-          <p:cNvPicPr preferRelativeResize="0"/>
-          <p:nvPr/>
-        </p:nvPicPr>
-        <p:blipFill rotWithShape="1">
-          <a:blip r:embed="rId3">
-            <a:alphaModFix/>
-          </a:blip>
-          <a:srcRect b="0" l="0" r="26889" t="0"/>
-          <a:stretch/>
-        </p:blipFill>
-        <p:spPr>
-          <a:xfrm>
-            <a:off x="3973175" y="1871800"/>
-            <a:ext cx="3950675" cy="3370425"/>
-          </a:xfrm>
-          <a:prstGeom prst="rect">
-            <a:avLst/>
-          </a:prstGeom>
-          <a:noFill/>
-          <a:ln>
-            <a:noFill/>
-          </a:ln>
-        </p:spPr>
-      </p:pic>
     </p:spTree>
+    <p:extLst>
+      <p:ext uri="{BB962C8B-B14F-4D97-AF65-F5344CB8AC3E}">
+        <p14:creationId xmlns:p14="http://schemas.microsoft.com/office/powerpoint/2010/main" val="2213171538"/>
+      </p:ext>
+    </p:extLst>
   </p:cSld>
   <p:clrMapOvr>
     <a:masterClrMapping/>
@@ -10914,12 +9744,12 @@
 </p:sld>
 </file>
 
-<file path=ppt/slides/slide8.xml><?xml version="1.0" encoding="utf-8"?>
-<p:sld xmlns:a="http://schemas.openxmlformats.org/drawingml/2006/main" xmlns:r="http://schemas.openxmlformats.org/officeDocument/2006/relationships" xmlns:mc="http://schemas.openxmlformats.org/markup-compatibility/2006" xmlns:mv="urn:schemas-microsoft-com:mac:vml" xmlns:p="http://schemas.openxmlformats.org/presentationml/2006/main" xmlns:c="http://schemas.openxmlformats.org/drawingml/2006/chart" xmlns:dgm="http://schemas.openxmlformats.org/drawingml/2006/diagram" xmlns:o="urn:schemas-microsoft-com:office:office" xmlns:v="urn:schemas-microsoft-com:vml" xmlns:pvml="urn:schemas-microsoft-com:office:powerpoint" xmlns:com="http://schemas.openxmlformats.org/drawingml/2006/compatibility" xmlns:p14="http://schemas.microsoft.com/office/powerpoint/2010/main" xmlns:p15="http://schemas.microsoft.com/office/powerpoint/2012/main" xmlns:ahyp="http://schemas.microsoft.com/office/drawing/2018/hyperlinkcolor">
+<file path=ppt/slides/slide7.xml><?xml version="1.0" encoding="utf-8"?>
+<p:sld xmlns:a="http://schemas.openxmlformats.org/drawingml/2006/main" xmlns:r="http://schemas.openxmlformats.org/officeDocument/2006/relationships" xmlns:p="http://schemas.openxmlformats.org/presentationml/2006/main">
   <p:cSld>
     <p:spTree>
       <p:nvGrpSpPr>
-        <p:cNvPr id="96" name="Shape 96"/>
+        <p:cNvPr id="1" name=""/>
         <p:cNvGrpSpPr/>
         <p:nvPr/>
       </p:nvGrpSpPr>
@@ -10933,165 +9763,204 @@
       </p:grpSpPr>
       <p:sp>
         <p:nvSpPr>
-          <p:cNvPr id="97" name="Google Shape;97;p20"/>
+          <p:cNvPr id="2" name="Title 1">
+            <a:extLst>
+              <a:ext uri="{FF2B5EF4-FFF2-40B4-BE49-F238E27FC236}">
+                <a16:creationId xmlns:a16="http://schemas.microsoft.com/office/drawing/2014/main" id="{98A6A95C-0C00-4312-1161-2A891272B5F3}"/>
+              </a:ext>
+            </a:extLst>
+          </p:cNvPr>
+          <p:cNvSpPr>
+            <a:spLocks noGrp="1"/>
+          </p:cNvSpPr>
+          <p:nvPr>
+            <p:ph type="title"/>
+          </p:nvPr>
+        </p:nvSpPr>
+        <p:spPr/>
+        <p:txBody>
+          <a:bodyPr>
+            <a:normAutofit fontScale="90000"/>
+          </a:bodyPr>
+          <a:lstStyle/>
+          <a:p>
+            <a:r>
+              <a:rPr lang="en-US" dirty="0"/>
+              <a:t>Categorical Features Visualization</a:t>
+            </a:r>
+            <a:endParaRPr lang="en-IN" dirty="0"/>
+          </a:p>
+        </p:txBody>
+      </p:sp>
+      <p:pic>
+        <p:nvPicPr>
+          <p:cNvPr id="4" name="Picture 3">
+            <a:extLst>
+              <a:ext uri="{FF2B5EF4-FFF2-40B4-BE49-F238E27FC236}">
+                <a16:creationId xmlns:a16="http://schemas.microsoft.com/office/drawing/2014/main" id="{AE6A3443-1359-9E3C-389A-936D2361D752}"/>
+              </a:ext>
+            </a:extLst>
+          </p:cNvPr>
+          <p:cNvPicPr>
+            <a:picLocks noChangeAspect="1"/>
+          </p:cNvPicPr>
+          <p:nvPr/>
+        </p:nvPicPr>
+        <p:blipFill>
+          <a:blip r:embed="rId2"/>
+          <a:stretch>
+            <a:fillRect/>
+          </a:stretch>
+        </p:blipFill>
+        <p:spPr>
+          <a:xfrm>
+            <a:off x="479224" y="957497"/>
+            <a:ext cx="4092776" cy="2082404"/>
+          </a:xfrm>
+          <a:prstGeom prst="rect">
+            <a:avLst/>
+          </a:prstGeom>
+        </p:spPr>
+      </p:pic>
+      <p:pic>
+        <p:nvPicPr>
+          <p:cNvPr id="5" name="Picture 4">
+            <a:extLst>
+              <a:ext uri="{FF2B5EF4-FFF2-40B4-BE49-F238E27FC236}">
+                <a16:creationId xmlns:a16="http://schemas.microsoft.com/office/drawing/2014/main" id="{26056B9C-E298-B0AD-7411-8FBCFFA3D892}"/>
+              </a:ext>
+            </a:extLst>
+          </p:cNvPr>
+          <p:cNvPicPr>
+            <a:picLocks noChangeAspect="1"/>
+          </p:cNvPicPr>
+          <p:nvPr/>
+        </p:nvPicPr>
+        <p:blipFill>
+          <a:blip r:embed="rId3"/>
+          <a:stretch>
+            <a:fillRect/>
+          </a:stretch>
+        </p:blipFill>
+        <p:spPr>
+          <a:xfrm>
+            <a:off x="311700" y="3039901"/>
+            <a:ext cx="4260300" cy="1976779"/>
+          </a:xfrm>
+          <a:prstGeom prst="rect">
+            <a:avLst/>
+          </a:prstGeom>
+        </p:spPr>
+      </p:pic>
+      <p:sp>
+        <p:nvSpPr>
+          <p:cNvPr id="6" name="TextBox 5">
+            <a:extLst>
+              <a:ext uri="{FF2B5EF4-FFF2-40B4-BE49-F238E27FC236}">
+                <a16:creationId xmlns:a16="http://schemas.microsoft.com/office/drawing/2014/main" id="{7AFB9DF1-9C90-53BE-75EA-C71BB94CC2AF}"/>
+              </a:ext>
+            </a:extLst>
+          </p:cNvPr>
           <p:cNvSpPr txBox="1"/>
-          <p:nvPr>
-            <p:ph type="ctrTitle"/>
-          </p:nvPr>
+          <p:nvPr/>
         </p:nvSpPr>
         <p:spPr>
           <a:xfrm>
-            <a:off x="311708" y="744575"/>
-            <a:ext cx="8520600" cy="2052600"/>
+            <a:off x="4696949" y="1998699"/>
+            <a:ext cx="4447051" cy="1631216"/>
           </a:xfrm>
           <a:prstGeom prst="rect">
             <a:avLst/>
           </a:prstGeom>
           <a:noFill/>
-          <a:ln>
-            <a:noFill/>
-          </a:ln>
         </p:spPr>
         <p:txBody>
-          <a:bodyPr anchorCtr="0" anchor="b" bIns="91425" lIns="91425" spcFirstLastPara="1" rIns="91425" wrap="square" tIns="91425">
-            <a:normAutofit/>
+          <a:bodyPr wrap="none" rtlCol="0">
+            <a:spAutoFit/>
           </a:bodyPr>
           <a:lstStyle/>
           <a:p>
-            <a:pPr indent="0" lvl="0" marL="0" rtl="0" algn="ctr">
-              <a:lnSpc>
-                <a:spcPct val="100000"/>
-              </a:lnSpc>
-              <a:spcBef>
-                <a:spcPts val="0"/>
-              </a:spcBef>
-              <a:spcAft>
-                <a:spcPts val="0"/>
-              </a:spcAft>
-              <a:buSzPts val="5200"/>
-              <a:buNone/>
+            <a:endParaRPr lang="en-US" sz="1000" dirty="0"/>
+          </a:p>
+          <a:p>
+            <a:endParaRPr lang="en-US" sz="1000" dirty="0"/>
+          </a:p>
+          <a:p>
+            <a:pPr marL="171450" indent="-171450">
+              <a:buFont typeface="Arial" panose="020B0604020202020204" pitchFamily="34" charset="0"/>
+              <a:buChar char="•"/>
             </a:pPr>
             <a:r>
-              <a:rPr lang="en" sz="3000"/>
-              <a:t>Step - 3</a:t>
+              <a:rPr lang="en-US" sz="1000" dirty="0"/>
+              <a:t>High conversion leads are high on landing page submission.</a:t>
             </a:r>
-            <a:br>
-              <a:rPr lang="en" sz="3000"/>
-            </a:br>
-            <a:endParaRPr sz="3000"/>
           </a:p>
-        </p:txBody>
-      </p:sp>
-      <p:sp>
-        <p:nvSpPr>
-          <p:cNvPr id="98" name="Google Shape;98;p20"/>
-          <p:cNvSpPr txBox="1"/>
-          <p:nvPr>
-            <p:ph idx="1" type="subTitle"/>
-          </p:nvPr>
-        </p:nvSpPr>
-        <p:spPr>
-          <a:xfrm>
-            <a:off x="311700" y="2834125"/>
-            <a:ext cx="8520600" cy="792600"/>
-          </a:xfrm>
-          <a:prstGeom prst="rect">
-            <a:avLst/>
-          </a:prstGeom>
-          <a:noFill/>
-          <a:ln>
-            <a:noFill/>
-          </a:ln>
-        </p:spPr>
-        <p:txBody>
-          <a:bodyPr anchorCtr="0" anchor="ctr" bIns="91425" lIns="91425" spcFirstLastPara="1" rIns="91425" wrap="square" tIns="91425">
-            <a:noAutofit/>
-          </a:bodyPr>
-          <a:lstStyle/>
           <a:p>
-            <a:pPr indent="0" lvl="0" marL="457200" rtl="0" algn="ctr">
-              <a:lnSpc>
-                <a:spcPct val="115000"/>
-              </a:lnSpc>
-              <a:spcBef>
-                <a:spcPts val="0"/>
-              </a:spcBef>
-              <a:spcAft>
-                <a:spcPts val="0"/>
-              </a:spcAft>
-              <a:buSzPts val="2800"/>
-              <a:buNone/>
+            <a:pPr marL="171450" indent="-171450">
+              <a:buFont typeface="Arial" panose="020B0604020202020204" pitchFamily="34" charset="0"/>
+              <a:buChar char="•"/>
+            </a:pPr>
+            <a:endParaRPr lang="en-US" sz="1000" dirty="0"/>
+          </a:p>
+          <a:p>
+            <a:pPr marL="171450" indent="-171450">
+              <a:buFont typeface="Arial" panose="020B0604020202020204" pitchFamily="34" charset="0"/>
+              <a:buChar char="•"/>
             </a:pPr>
             <a:r>
-              <a:rPr b="1" lang="en" sz="2500">
-                <a:latin typeface="Roboto"/>
-                <a:ea typeface="Roboto"/>
-                <a:cs typeface="Roboto"/>
-                <a:sym typeface="Roboto"/>
-              </a:rPr>
-              <a:t>Upload the Zipped folder on upGrad platform </a:t>
+              <a:rPr lang="en-US" sz="1000" dirty="0"/>
+              <a:t>Leads through google and direct traffic has higher probability to convert.</a:t>
             </a:r>
-            <a:endParaRPr b="1" sz="2500">
-              <a:solidFill>
-                <a:schemeClr val="dk1"/>
-              </a:solidFill>
-              <a:latin typeface="Roboto"/>
-              <a:ea typeface="Roboto"/>
-              <a:cs typeface="Roboto"/>
-              <a:sym typeface="Roboto"/>
-            </a:endParaRPr>
           </a:p>
           <a:p>
-            <a:pPr indent="0" lvl="0" marL="0" rtl="0" algn="ctr">
-              <a:lnSpc>
-                <a:spcPct val="100000"/>
-              </a:lnSpc>
-              <a:spcBef>
-                <a:spcPts val="1200"/>
-              </a:spcBef>
-              <a:spcAft>
-                <a:spcPts val="0"/>
-              </a:spcAft>
-              <a:buSzPts val="2800"/>
-              <a:buNone/>
-            </a:pPr>
-            <a:r>
-              <a:t/>
-            </a:r>
-            <a:endParaRPr b="1" sz="2500">
-              <a:latin typeface="Roboto"/>
-              <a:ea typeface="Roboto"/>
-              <a:cs typeface="Roboto"/>
-              <a:sym typeface="Roboto"/>
-            </a:endParaRPr>
+            <a:endParaRPr lang="en-US" sz="1000" dirty="0"/>
           </a:p>
           <a:p>
-            <a:pPr indent="0" lvl="0" marL="0" rtl="0" algn="ctr">
-              <a:lnSpc>
-                <a:spcPct val="100000"/>
-              </a:lnSpc>
-              <a:spcBef>
-                <a:spcPts val="0"/>
-              </a:spcBef>
-              <a:spcAft>
-                <a:spcPts val="0"/>
-              </a:spcAft>
-              <a:buSzPts val="2800"/>
-              <a:buNone/>
-            </a:pPr>
+            <a:endParaRPr lang="en-US" sz="1000" dirty="0"/>
+          </a:p>
+          <a:p>
+            <a:endParaRPr lang="en-US" sz="1000" dirty="0"/>
+          </a:p>
+          <a:p>
             <a:r>
-              <a:t/>
+              <a:rPr lang="en-US" sz="1000" dirty="0">
+                <a:solidFill>
+                  <a:srgbClr val="0000FF"/>
+                </a:solidFill>
+              </a:rPr>
+              <a:t>There are multiple other graphs, which can be seen in the </a:t>
             </a:r>
-            <a:endParaRPr sz="2500">
-              <a:latin typeface="Roboto"/>
-              <a:ea typeface="Roboto"/>
-              <a:cs typeface="Roboto"/>
-              <a:sym typeface="Roboto"/>
-            </a:endParaRPr>
+            <a:r>
+              <a:rPr lang="en-US" sz="1000" dirty="0" err="1">
+                <a:solidFill>
+                  <a:srgbClr val="0000FF"/>
+                </a:solidFill>
+              </a:rPr>
+              <a:t>jupyter</a:t>
+            </a:r>
+            <a:r>
+              <a:rPr lang="en-US" sz="1000" dirty="0">
+                <a:solidFill>
+                  <a:srgbClr val="0000FF"/>
+                </a:solidFill>
+              </a:rPr>
+              <a:t> notebook.</a:t>
+            </a:r>
+          </a:p>
+          <a:p>
+            <a:r>
+              <a:rPr lang="en-US" sz="1000" dirty="0"/>
+              <a:t> </a:t>
+            </a:r>
           </a:p>
         </p:txBody>
       </p:sp>
     </p:spTree>
+    <p:extLst>
+      <p:ext uri="{BB962C8B-B14F-4D97-AF65-F5344CB8AC3E}">
+        <p14:creationId xmlns:p14="http://schemas.microsoft.com/office/powerpoint/2010/main" val="594128731"/>
+      </p:ext>
+    </p:extLst>
   </p:cSld>
   <p:clrMapOvr>
     <a:masterClrMapping/>
@@ -11099,12 +9968,12 @@
 </p:sld>
 </file>
 
-<file path=ppt/slides/slide9.xml><?xml version="1.0" encoding="utf-8"?>
-<p:sld xmlns:a="http://schemas.openxmlformats.org/drawingml/2006/main" xmlns:r="http://schemas.openxmlformats.org/officeDocument/2006/relationships" xmlns:mc="http://schemas.openxmlformats.org/markup-compatibility/2006" xmlns:mv="urn:schemas-microsoft-com:mac:vml" xmlns:p="http://schemas.openxmlformats.org/presentationml/2006/main" xmlns:c="http://schemas.openxmlformats.org/drawingml/2006/chart" xmlns:dgm="http://schemas.openxmlformats.org/drawingml/2006/diagram" xmlns:o="urn:schemas-microsoft-com:office:office" xmlns:v="urn:schemas-microsoft-com:vml" xmlns:pvml="urn:schemas-microsoft-com:office:powerpoint" xmlns:com="http://schemas.openxmlformats.org/drawingml/2006/compatibility" xmlns:p14="http://schemas.microsoft.com/office/powerpoint/2010/main" xmlns:p15="http://schemas.microsoft.com/office/powerpoint/2012/main" xmlns:ahyp="http://schemas.microsoft.com/office/drawing/2018/hyperlinkcolor">
+<file path=ppt/slides/slide8.xml><?xml version="1.0" encoding="utf-8"?>
+<p:sld xmlns:a="http://schemas.openxmlformats.org/drawingml/2006/main" xmlns:r="http://schemas.openxmlformats.org/officeDocument/2006/relationships" xmlns:p="http://schemas.openxmlformats.org/presentationml/2006/main">
   <p:cSld>
     <p:spTree>
       <p:nvGrpSpPr>
-        <p:cNvPr id="102" name="Shape 102"/>
+        <p:cNvPr id="1" name=""/>
         <p:cNvGrpSpPr/>
         <p:nvPr/>
       </p:nvGrpSpPr>
@@ -11118,298 +9987,311 @@
       </p:grpSpPr>
       <p:sp>
         <p:nvSpPr>
-          <p:cNvPr id="103" name="Google Shape;103;p21"/>
-          <p:cNvSpPr txBox="1"/>
+          <p:cNvPr id="2" name="Title 1">
+            <a:extLst>
+              <a:ext uri="{FF2B5EF4-FFF2-40B4-BE49-F238E27FC236}">
+                <a16:creationId xmlns:a16="http://schemas.microsoft.com/office/drawing/2014/main" id="{070552DC-CD71-C40A-4081-00E829F22DCE}"/>
+              </a:ext>
+            </a:extLst>
+          </p:cNvPr>
+          <p:cNvSpPr>
+            <a:spLocks noGrp="1"/>
+          </p:cNvSpPr>
           <p:nvPr>
             <p:ph type="title"/>
           </p:nvPr>
         </p:nvSpPr>
-        <p:spPr>
+        <p:spPr/>
+        <p:txBody>
+          <a:bodyPr>
+            <a:normAutofit fontScale="90000"/>
+          </a:bodyPr>
+          <a:lstStyle/>
+          <a:p>
+            <a:r>
+              <a:rPr lang="en-US" dirty="0"/>
+              <a:t>ROC Curve</a:t>
+            </a:r>
+            <a:endParaRPr lang="en-IN" dirty="0"/>
+          </a:p>
+        </p:txBody>
+      </p:sp>
+      <p:pic>
+        <p:nvPicPr>
+          <p:cNvPr id="5122" name="Picture 2">
+            <a:extLst>
+              <a:ext uri="{FF2B5EF4-FFF2-40B4-BE49-F238E27FC236}">
+                <a16:creationId xmlns:a16="http://schemas.microsoft.com/office/drawing/2014/main" id="{8738C80C-8B2D-8FF3-D8B1-535157C92669}"/>
+              </a:ext>
+            </a:extLst>
+          </p:cNvPr>
+          <p:cNvPicPr>
+            <a:picLocks noChangeAspect="1" noChangeArrowheads="1"/>
+          </p:cNvPicPr>
+          <p:nvPr/>
+        </p:nvPicPr>
+        <p:blipFill>
+          <a:blip r:embed="rId2">
+            <a:extLst>
+              <a:ext uri="{28A0092B-C50C-407E-A947-70E740481C1C}">
+                <a14:useLocalDpi xmlns:a14="http://schemas.microsoft.com/office/drawing/2010/main" val="0"/>
+              </a:ext>
+            </a:extLst>
+          </a:blip>
+          <a:srcRect/>
+          <a:stretch>
+            <a:fillRect/>
+          </a:stretch>
+        </p:blipFill>
+        <p:spPr bwMode="auto">
           <a:xfrm>
-            <a:off x="311700" y="445025"/>
-            <a:ext cx="8520600" cy="572700"/>
+            <a:off x="371260" y="1414534"/>
+            <a:ext cx="3283941" cy="3283941"/>
           </a:xfrm>
           <a:prstGeom prst="rect">
             <a:avLst/>
           </a:prstGeom>
           <a:noFill/>
-          <a:ln>
-            <a:noFill/>
-          </a:ln>
+          <a:extLst>
+            <a:ext uri="{909E8E84-426E-40DD-AFC4-6F175D3DCCD1}">
+              <a14:hiddenFill xmlns:a14="http://schemas.microsoft.com/office/drawing/2010/main">
+                <a:solidFill>
+                  <a:srgbClr val="FFFFFF"/>
+                </a:solidFill>
+              </a14:hiddenFill>
+            </a:ext>
+          </a:extLst>
         </p:spPr>
-        <p:txBody>
-          <a:bodyPr anchorCtr="0" anchor="t" bIns="91425" lIns="91425" spcFirstLastPara="1" rIns="91425" wrap="square" tIns="91425">
-            <a:normAutofit fontScale="90000"/>
-          </a:bodyPr>
-          <a:lstStyle/>
-          <a:p>
-            <a:pPr indent="0" lvl="0" marL="0" rtl="0" algn="l">
-              <a:lnSpc>
-                <a:spcPct val="100000"/>
-              </a:lnSpc>
-              <a:spcBef>
-                <a:spcPts val="0"/>
-              </a:spcBef>
-              <a:spcAft>
-                <a:spcPts val="0"/>
-              </a:spcAft>
-              <a:buSzPct val="111111"/>
-              <a:buNone/>
-            </a:pPr>
-            <a:r>
-              <a:rPr lang="en"/>
-              <a:t>Summary</a:t>
-            </a:r>
-            <a:endParaRPr/>
-          </a:p>
-        </p:txBody>
-      </p:sp>
+      </p:pic>
       <p:sp>
         <p:nvSpPr>
-          <p:cNvPr id="104" name="Google Shape;104;p21"/>
+          <p:cNvPr id="4" name="TextBox 3">
+            <a:extLst>
+              <a:ext uri="{FF2B5EF4-FFF2-40B4-BE49-F238E27FC236}">
+                <a16:creationId xmlns:a16="http://schemas.microsoft.com/office/drawing/2014/main" id="{E0A3E330-AB83-94A7-0116-5BA92C5F5F9C}"/>
+              </a:ext>
+            </a:extLst>
+          </p:cNvPr>
           <p:cNvSpPr txBox="1"/>
-          <p:nvPr>
-            <p:ph idx="1" type="body"/>
-          </p:nvPr>
+          <p:nvPr/>
         </p:nvSpPr>
         <p:spPr>
           <a:xfrm>
-            <a:off x="311700" y="1152475"/>
-            <a:ext cx="8520600" cy="3416400"/>
+            <a:off x="4572000" y="2571750"/>
+            <a:ext cx="2315057" cy="400110"/>
           </a:xfrm>
           <a:prstGeom prst="rect">
             <a:avLst/>
           </a:prstGeom>
           <a:noFill/>
-          <a:ln>
-            <a:noFill/>
-          </a:ln>
         </p:spPr>
         <p:txBody>
-          <a:bodyPr anchorCtr="0" anchor="t" bIns="91425" lIns="91425" spcFirstLastPara="1" rIns="91425" wrap="square" tIns="91425">
-            <a:normAutofit/>
+          <a:bodyPr wrap="none" rtlCol="0">
+            <a:spAutoFit/>
           </a:bodyPr>
           <a:lstStyle/>
           <a:p>
-            <a:pPr indent="-342900" lvl="0" marL="457200" rtl="0" algn="l">
-              <a:lnSpc>
-                <a:spcPct val="115000"/>
-              </a:lnSpc>
-              <a:spcBef>
-                <a:spcPts val="0"/>
-              </a:spcBef>
-              <a:spcAft>
-                <a:spcPts val="0"/>
-              </a:spcAft>
-              <a:buSzPts val="1800"/>
-              <a:buFont typeface="Overpass"/>
-              <a:buChar char="●"/>
+            <a:pPr marL="171450" indent="-171450">
+              <a:buFont typeface="Arial" panose="020B0604020202020204" pitchFamily="34" charset="0"/>
+              <a:buChar char="•"/>
             </a:pPr>
             <a:r>
-              <a:rPr lang="en">
-                <a:latin typeface="Overpass"/>
-                <a:ea typeface="Overpass"/>
-                <a:cs typeface="Overpass"/>
-                <a:sym typeface="Overpass"/>
-              </a:rPr>
-              <a:t>Ensure that the solution file/files are in the </a:t>
+              <a:rPr lang="en-US" sz="1000" dirty="0"/>
+              <a:t>ROC Curve is decent</a:t>
             </a:r>
-            <a:r>
-              <a:rPr b="1" i="1" lang="en">
-                <a:latin typeface="Overpass"/>
-                <a:ea typeface="Overpass"/>
-                <a:cs typeface="Overpass"/>
-                <a:sym typeface="Overpass"/>
-              </a:rPr>
-              <a:t>correct format</a:t>
-            </a:r>
-            <a:endParaRPr b="1" i="1">
-              <a:latin typeface="Overpass"/>
-              <a:ea typeface="Overpass"/>
-              <a:cs typeface="Overpass"/>
-              <a:sym typeface="Overpass"/>
-            </a:endParaRPr>
           </a:p>
           <a:p>
-            <a:pPr indent="-317500" lvl="1" marL="914400" rtl="0" algn="l">
-              <a:lnSpc>
-                <a:spcPct val="115000"/>
-              </a:lnSpc>
-              <a:spcBef>
-                <a:spcPts val="0"/>
-              </a:spcBef>
-              <a:spcAft>
-                <a:spcPts val="0"/>
-              </a:spcAft>
-              <a:buSzPts val="1400"/>
-              <a:buFont typeface="Overpass"/>
-              <a:buChar char="○"/>
+            <a:pPr marL="171450" indent="-171450">
+              <a:buFont typeface="Arial" panose="020B0604020202020204" pitchFamily="34" charset="0"/>
+              <a:buChar char="•"/>
             </a:pPr>
             <a:r>
-              <a:rPr i="1" lang="en">
-                <a:latin typeface="Overpass"/>
-                <a:ea typeface="Overpass"/>
-                <a:cs typeface="Overpass"/>
-                <a:sym typeface="Overpass"/>
-              </a:rPr>
-              <a:t>Convert the PPT file to pdf using the online tool </a:t>
+              <a:rPr lang="en-US" sz="1000" dirty="0"/>
+              <a:t>Probability &amp; Recall is also decent.</a:t>
             </a:r>
-            <a:r>
-              <a:rPr i="1" lang="en" u="sng">
-                <a:solidFill>
-                  <a:schemeClr val="hlink"/>
-                </a:solidFill>
-                <a:latin typeface="Overpass"/>
-                <a:ea typeface="Overpass"/>
-                <a:cs typeface="Overpass"/>
-                <a:sym typeface="Overpass"/>
-                <a:hlinkClick r:id="rId3"/>
-              </a:rPr>
-              <a:t>https://online2pdf.com/</a:t>
-            </a:r>
-            <a:endParaRPr i="1">
-              <a:latin typeface="Overpass"/>
-              <a:ea typeface="Overpass"/>
-              <a:cs typeface="Overpass"/>
-              <a:sym typeface="Overpass"/>
-            </a:endParaRPr>
-          </a:p>
-          <a:p>
-            <a:pPr indent="-342900" lvl="0" marL="457200" rtl="0" algn="l">
-              <a:lnSpc>
-                <a:spcPct val="115000"/>
-              </a:lnSpc>
-              <a:spcBef>
-                <a:spcPts val="0"/>
-              </a:spcBef>
-              <a:spcAft>
-                <a:spcPts val="0"/>
-              </a:spcAft>
-              <a:buSzPts val="1800"/>
-              <a:buFont typeface="Overpass"/>
-              <a:buChar char="●"/>
-            </a:pPr>
-            <a:r>
-              <a:rPr lang="en">
-                <a:latin typeface="Overpass"/>
-                <a:ea typeface="Overpass"/>
-                <a:cs typeface="Overpass"/>
-                <a:sym typeface="Overpass"/>
-              </a:rPr>
-              <a:t>Ensure that the solution files are in a </a:t>
-            </a:r>
-            <a:r>
-              <a:rPr b="1" i="1" lang="en">
-                <a:latin typeface="Overpass"/>
-                <a:ea typeface="Overpass"/>
-                <a:cs typeface="Overpass"/>
-                <a:sym typeface="Overpass"/>
-              </a:rPr>
-              <a:t>zipped folder</a:t>
-            </a:r>
-            <a:endParaRPr b="1" i="1">
-              <a:latin typeface="Overpass"/>
-              <a:ea typeface="Overpass"/>
-              <a:cs typeface="Overpass"/>
-              <a:sym typeface="Overpass"/>
-            </a:endParaRPr>
-          </a:p>
-          <a:p>
-            <a:pPr indent="-317500" lvl="1" marL="914400" rtl="0" algn="l">
-              <a:lnSpc>
-                <a:spcPct val="115000"/>
-              </a:lnSpc>
-              <a:spcBef>
-                <a:spcPts val="0"/>
-              </a:spcBef>
-              <a:spcAft>
-                <a:spcPts val="0"/>
-              </a:spcAft>
-              <a:buSzPts val="1400"/>
-              <a:buFont typeface="Overpass"/>
-              <a:buChar char="○"/>
-            </a:pPr>
-            <a:r>
-              <a:rPr i="1" lang="en">
-                <a:latin typeface="Overpass"/>
-                <a:ea typeface="Overpass"/>
-                <a:cs typeface="Overpass"/>
-                <a:sym typeface="Overpass"/>
-              </a:rPr>
-              <a:t>Right click on the folder, which contains all your solution files, and then select Compress to ZIP file</a:t>
-            </a:r>
-            <a:endParaRPr i="1">
-              <a:latin typeface="Overpass"/>
-              <a:ea typeface="Overpass"/>
-              <a:cs typeface="Overpass"/>
-              <a:sym typeface="Overpass"/>
-            </a:endParaRPr>
-          </a:p>
-          <a:p>
-            <a:pPr indent="-342900" lvl="0" marL="457200" rtl="0" algn="l">
-              <a:lnSpc>
-                <a:spcPct val="115000"/>
-              </a:lnSpc>
-              <a:spcBef>
-                <a:spcPts val="0"/>
-              </a:spcBef>
-              <a:spcAft>
-                <a:spcPts val="0"/>
-              </a:spcAft>
-              <a:buSzPts val="1800"/>
-              <a:buFont typeface="Overpass"/>
-              <a:buChar char="●"/>
-            </a:pPr>
-            <a:r>
-              <a:rPr lang="en">
-                <a:latin typeface="Overpass"/>
-                <a:ea typeface="Overpass"/>
-                <a:cs typeface="Overpass"/>
-                <a:sym typeface="Overpass"/>
-              </a:rPr>
-              <a:t>Upload the zipped folder on the upGrad platform</a:t>
-            </a:r>
-            <a:endParaRPr>
-              <a:latin typeface="Overpass"/>
-              <a:ea typeface="Overpass"/>
-              <a:cs typeface="Overpass"/>
-              <a:sym typeface="Overpass"/>
-            </a:endParaRPr>
-          </a:p>
-          <a:p>
-            <a:pPr indent="-317500" lvl="1" marL="914400" rtl="0" algn="l">
-              <a:lnSpc>
-                <a:spcPct val="115000"/>
-              </a:lnSpc>
-              <a:spcBef>
-                <a:spcPts val="0"/>
-              </a:spcBef>
-              <a:spcAft>
-                <a:spcPts val="0"/>
-              </a:spcAft>
-              <a:buSzPts val="1400"/>
-              <a:buFont typeface="Overpass"/>
-              <a:buChar char="○"/>
-            </a:pPr>
-            <a:r>
-              <a:rPr i="1" lang="en">
-                <a:latin typeface="Overpass"/>
-                <a:ea typeface="Overpass"/>
-                <a:cs typeface="Overpass"/>
-                <a:sym typeface="Overpass"/>
-              </a:rPr>
-              <a:t>Download the zipped folder after uploading, and in case of any discrepancies, remove the previous submission and re-upload again.</a:t>
-            </a:r>
-            <a:endParaRPr i="1">
-              <a:latin typeface="Overpass"/>
-              <a:ea typeface="Overpass"/>
-              <a:cs typeface="Overpass"/>
-              <a:sym typeface="Overpass"/>
-            </a:endParaRPr>
           </a:p>
         </p:txBody>
       </p:sp>
     </p:spTree>
+    <p:extLst>
+      <p:ext uri="{BB962C8B-B14F-4D97-AF65-F5344CB8AC3E}">
+        <p14:creationId xmlns:p14="http://schemas.microsoft.com/office/powerpoint/2010/main" val="1571506749"/>
+      </p:ext>
+    </p:extLst>
+  </p:cSld>
+  <p:clrMapOvr>
+    <a:masterClrMapping/>
+  </p:clrMapOvr>
+</p:sld>
+</file>
+
+<file path=ppt/slides/slide9.xml><?xml version="1.0" encoding="utf-8"?>
+<p:sld xmlns:a="http://schemas.openxmlformats.org/drawingml/2006/main" xmlns:r="http://schemas.openxmlformats.org/officeDocument/2006/relationships" xmlns:p="http://schemas.openxmlformats.org/presentationml/2006/main">
+  <p:cSld>
+    <p:spTree>
+      <p:nvGrpSpPr>
+        <p:cNvPr id="1" name=""/>
+        <p:cNvGrpSpPr/>
+        <p:nvPr/>
+      </p:nvGrpSpPr>
+      <p:grpSpPr>
+        <a:xfrm>
+          <a:off x="0" y="0"/>
+          <a:ext cx="0" cy="0"/>
+          <a:chOff x="0" y="0"/>
+          <a:chExt cx="0" cy="0"/>
+        </a:xfrm>
+      </p:grpSpPr>
+      <p:sp>
+        <p:nvSpPr>
+          <p:cNvPr id="2" name="Title 1">
+            <a:extLst>
+              <a:ext uri="{FF2B5EF4-FFF2-40B4-BE49-F238E27FC236}">
+                <a16:creationId xmlns:a16="http://schemas.microsoft.com/office/drawing/2014/main" id="{54B3DF6E-863E-E85C-5543-A6907FCDE4C3}"/>
+              </a:ext>
+            </a:extLst>
+          </p:cNvPr>
+          <p:cNvSpPr>
+            <a:spLocks noGrp="1"/>
+          </p:cNvSpPr>
+          <p:nvPr>
+            <p:ph type="title"/>
+          </p:nvPr>
+        </p:nvSpPr>
+        <p:spPr/>
+        <p:txBody>
+          <a:bodyPr>
+            <a:normAutofit fontScale="90000"/>
+          </a:bodyPr>
+          <a:lstStyle/>
+          <a:p>
+            <a:r>
+              <a:rPr lang="en-US" dirty="0"/>
+              <a:t>Cut Off</a:t>
+            </a:r>
+            <a:endParaRPr lang="en-IN" dirty="0"/>
+          </a:p>
+        </p:txBody>
+      </p:sp>
+      <p:pic>
+        <p:nvPicPr>
+          <p:cNvPr id="6146" name="Picture 2">
+            <a:extLst>
+              <a:ext uri="{FF2B5EF4-FFF2-40B4-BE49-F238E27FC236}">
+                <a16:creationId xmlns:a16="http://schemas.microsoft.com/office/drawing/2014/main" id="{EB0F2949-8348-9724-60A8-E48694F92EDB}"/>
+              </a:ext>
+            </a:extLst>
+          </p:cNvPr>
+          <p:cNvPicPr>
+            <a:picLocks noChangeAspect="1" noChangeArrowheads="1"/>
+          </p:cNvPicPr>
+          <p:nvPr/>
+        </p:nvPicPr>
+        <p:blipFill>
+          <a:blip r:embed="rId2">
+            <a:extLst>
+              <a:ext uri="{28A0092B-C50C-407E-A947-70E740481C1C}">
+                <a14:useLocalDpi xmlns:a14="http://schemas.microsoft.com/office/drawing/2010/main" val="0"/>
+              </a:ext>
+            </a:extLst>
+          </a:blip>
+          <a:srcRect/>
+          <a:stretch>
+            <a:fillRect/>
+          </a:stretch>
+        </p:blipFill>
+        <p:spPr bwMode="auto">
+          <a:xfrm>
+            <a:off x="373578" y="1085943"/>
+            <a:ext cx="3923416" cy="3117332"/>
+          </a:xfrm>
+          <a:prstGeom prst="rect">
+            <a:avLst/>
+          </a:prstGeom>
+          <a:noFill/>
+          <a:extLst>
+            <a:ext uri="{909E8E84-426E-40DD-AFC4-6F175D3DCCD1}">
+              <a14:hiddenFill xmlns:a14="http://schemas.microsoft.com/office/drawing/2010/main">
+                <a:solidFill>
+                  <a:srgbClr val="FFFFFF"/>
+                </a:solidFill>
+              </a14:hiddenFill>
+            </a:ext>
+          </a:extLst>
+        </p:spPr>
+      </p:pic>
+      <p:sp>
+        <p:nvSpPr>
+          <p:cNvPr id="5" name="TextBox 4">
+            <a:extLst>
+              <a:ext uri="{FF2B5EF4-FFF2-40B4-BE49-F238E27FC236}">
+                <a16:creationId xmlns:a16="http://schemas.microsoft.com/office/drawing/2014/main" id="{67CDFD6A-E4E8-C71D-8556-021A7B2D1396}"/>
+              </a:ext>
+            </a:extLst>
+          </p:cNvPr>
+          <p:cNvSpPr txBox="1"/>
+          <p:nvPr/>
+        </p:nvSpPr>
+        <p:spPr>
+          <a:xfrm>
+            <a:off x="2206863" y="4575364"/>
+            <a:ext cx="4008307" cy="246221"/>
+          </a:xfrm>
+          <a:prstGeom prst="rect">
+            <a:avLst/>
+          </a:prstGeom>
+          <a:noFill/>
+        </p:spPr>
+        <p:txBody>
+          <a:bodyPr wrap="square">
+            <a:spAutoFit/>
+          </a:bodyPr>
+          <a:lstStyle/>
+          <a:p>
+            <a:r>
+              <a:rPr lang="en-US" sz="1000" dirty="0"/>
+              <a:t>Around 0.42-0.44, you get the optimal values of the three metrics. </a:t>
+            </a:r>
+            <a:endParaRPr lang="en-IN" sz="1000" dirty="0"/>
+          </a:p>
+        </p:txBody>
+      </p:sp>
+      <p:pic>
+        <p:nvPicPr>
+          <p:cNvPr id="6" name="Picture 5">
+            <a:extLst>
+              <a:ext uri="{FF2B5EF4-FFF2-40B4-BE49-F238E27FC236}">
+                <a16:creationId xmlns:a16="http://schemas.microsoft.com/office/drawing/2014/main" id="{8D33772F-7647-3814-E5DB-32C89644221F}"/>
+              </a:ext>
+            </a:extLst>
+          </p:cNvPr>
+          <p:cNvPicPr>
+            <a:picLocks noChangeAspect="1"/>
+          </p:cNvPicPr>
+          <p:nvPr/>
+        </p:nvPicPr>
+        <p:blipFill>
+          <a:blip r:embed="rId3"/>
+          <a:stretch>
+            <a:fillRect/>
+          </a:stretch>
+        </p:blipFill>
+        <p:spPr>
+          <a:xfrm>
+            <a:off x="4847006" y="1087985"/>
+            <a:ext cx="3923416" cy="2967529"/>
+          </a:xfrm>
+          <a:prstGeom prst="rect">
+            <a:avLst/>
+          </a:prstGeom>
+        </p:spPr>
+      </p:pic>
+    </p:spTree>
+    <p:extLst>
+      <p:ext uri="{BB962C8B-B14F-4D97-AF65-F5344CB8AC3E}">
+        <p14:creationId xmlns:p14="http://schemas.microsoft.com/office/powerpoint/2010/main" val="1976869407"/>
+      </p:ext>
+    </p:extLst>
   </p:cSld>
   <p:clrMapOvr>
     <a:masterClrMapping/>
@@ -11418,7 +10300,7 @@
 </file>
 
 <file path=ppt/theme/theme1.xml><?xml version="1.0" encoding="utf-8"?>
-<a:theme xmlns:a="http://schemas.openxmlformats.org/drawingml/2006/main" xmlns:r="http://schemas.openxmlformats.org/officeDocument/2006/relationships" name="Simple Light">
+<a:theme xmlns:a="http://schemas.openxmlformats.org/drawingml/2006/main" name="Simple Light">
   <a:themeElements>
     <a:clrScheme name="Simple Light">
       <a:dk1>
@@ -11693,11 +10575,13 @@
       </a:bgFillStyleLst>
     </a:fmtScheme>
   </a:themeElements>
+  <a:objectDefaults/>
+  <a:extraClrSchemeLst/>
 </a:theme>
 </file>
 
 <file path=ppt/theme/theme2.xml><?xml version="1.0" encoding="utf-8"?>
-<a:theme xmlns:a="http://schemas.openxmlformats.org/drawingml/2006/main" xmlns:r="http://schemas.openxmlformats.org/officeDocument/2006/relationships">
+<a:theme xmlns:a="http://schemas.openxmlformats.org/drawingml/2006/main">
   <a:themeElements>
     <a:clrScheme name="Default">
       <a:dk1>
@@ -11972,5 +10856,7 @@
       </a:bgFillStyleLst>
     </a:fmtScheme>
   </a:themeElements>
+  <a:objectDefaults/>
+  <a:extraClrSchemeLst/>
 </a:theme>
 </file>